--- a/pptx-lectures/Lecture 3B.pptx
+++ b/pptx-lectures/Lecture 3B.pptx
@@ -1,54 +1,61 @@
 
 <file path=ppt/presentation.xml><?xml version="1.0" encoding="utf-8"?>
-<p:presentation xmlns:a="http://schemas.openxmlformats.org/drawingml/2006/main" xmlns:r="http://schemas.openxmlformats.org/officeDocument/2006/relationships" xmlns:mc="http://schemas.openxmlformats.org/markup-compatibility/2006" xmlns:mv="urn:schemas-microsoft-com:mac:vml" xmlns:p="http://schemas.openxmlformats.org/presentationml/2006/main" xmlns:c="http://schemas.openxmlformats.org/drawingml/2006/chart" xmlns:dgm="http://schemas.openxmlformats.org/drawingml/2006/diagram" xmlns:o="urn:schemas-microsoft-com:office:office" xmlns:v="urn:schemas-microsoft-com:vml" xmlns:pvml="urn:schemas-microsoft-com:office:powerpoint" xmlns:com="http://schemas.openxmlformats.org/drawingml/2006/compatibility" xmlns:p14="http://schemas.microsoft.com/office/powerpoint/2010/main" xmlns:p15="http://schemas.microsoft.com/office/powerpoint/2012/main" autoCompressPictures="0" embedTrueTypeFonts="1" strictFirstAndLastChars="0" saveSubsetFonts="1">
+<p:presentation xmlns:a="http://schemas.openxmlformats.org/drawingml/2006/main" xmlns:r="http://schemas.openxmlformats.org/officeDocument/2006/relationships" xmlns:p="http://schemas.openxmlformats.org/presentationml/2006/main" strictFirstAndLastChars="0" embedTrueTypeFonts="1" saveSubsetFonts="1" autoCompressPictures="0">
   <p:sldMasterIdLst>
-    <p:sldMasterId id="2147483659" r:id="rId3"/>
+    <p:sldMasterId id="2147483659" r:id="rId1"/>
   </p:sldMasterIdLst>
   <p:notesMasterIdLst>
-    <p:notesMasterId r:id="rId4"/>
+    <p:notesMasterId r:id="rId22"/>
   </p:notesMasterIdLst>
   <p:sldIdLst>
-    <p:sldId id="256" r:id="rId5"/>
-    <p:sldId id="257" r:id="rId6"/>
-    <p:sldId id="258" r:id="rId7"/>
-    <p:sldId id="259" r:id="rId8"/>
-    <p:sldId id="260" r:id="rId9"/>
-    <p:sldId id="261" r:id="rId10"/>
-    <p:sldId id="262" r:id="rId11"/>
-    <p:sldId id="263" r:id="rId12"/>
-    <p:sldId id="264" r:id="rId13"/>
-    <p:sldId id="265" r:id="rId14"/>
-    <p:sldId id="266" r:id="rId15"/>
-    <p:sldId id="267" r:id="rId16"/>
-    <p:sldId id="268" r:id="rId17"/>
-    <p:sldId id="269" r:id="rId18"/>
-    <p:sldId id="270" r:id="rId19"/>
-    <p:sldId id="271" r:id="rId20"/>
-    <p:sldId id="272" r:id="rId21"/>
-    <p:sldId id="273" r:id="rId22"/>
-    <p:sldId id="274" r:id="rId23"/>
-    <p:sldId id="275" r:id="rId24"/>
+    <p:sldId id="256" r:id="rId2"/>
+    <p:sldId id="257" r:id="rId3"/>
+    <p:sldId id="258" r:id="rId4"/>
+    <p:sldId id="259" r:id="rId5"/>
+    <p:sldId id="260" r:id="rId6"/>
+    <p:sldId id="261" r:id="rId7"/>
+    <p:sldId id="262" r:id="rId8"/>
+    <p:sldId id="263" r:id="rId9"/>
+    <p:sldId id="264" r:id="rId10"/>
+    <p:sldId id="265" r:id="rId11"/>
+    <p:sldId id="266" r:id="rId12"/>
+    <p:sldId id="267" r:id="rId13"/>
+    <p:sldId id="268" r:id="rId14"/>
+    <p:sldId id="269" r:id="rId15"/>
+    <p:sldId id="270" r:id="rId16"/>
+    <p:sldId id="271" r:id="rId17"/>
+    <p:sldId id="272" r:id="rId18"/>
+    <p:sldId id="273" r:id="rId19"/>
+    <p:sldId id="274" r:id="rId20"/>
+    <p:sldId id="276" r:id="rId21"/>
   </p:sldIdLst>
-  <p:sldSz cy="5143500" cx="9144000"/>
+  <p:sldSz cx="9144000" cy="5143500" type="screen16x9"/>
   <p:notesSz cx="6858000" cy="9144000"/>
   <p:embeddedFontLst>
     <p:embeddedFont>
-      <p:font typeface="Roboto"/>
-      <p:regular r:id="rId25"/>
-      <p:bold r:id="rId26"/>
-      <p:italic r:id="rId27"/>
-      <p:boldItalic r:id="rId28"/>
+      <p:font typeface="Consolas" panose="020B0609020204030204" pitchFamily="49" charset="0"/>
+      <p:regular r:id="rId23"/>
+      <p:bold r:id="rId24"/>
+      <p:italic r:id="rId25"/>
+      <p:boldItalic r:id="rId26"/>
     </p:embeddedFont>
     <p:embeddedFont>
-      <p:font typeface="Roboto Light"/>
-      <p:regular r:id="rId29"/>
-      <p:bold r:id="rId30"/>
-      <p:italic r:id="rId31"/>
-      <p:boldItalic r:id="rId32"/>
+      <p:font typeface="Roboto" pitchFamily="2" charset="0"/>
+      <p:regular r:id="rId27"/>
+      <p:bold r:id="rId28"/>
+      <p:italic r:id="rId29"/>
+      <p:boldItalic r:id="rId30"/>
+    </p:embeddedFont>
+    <p:embeddedFont>
+      <p:font typeface="Roboto Light" pitchFamily="2" charset="0"/>
+      <p:regular r:id="rId31"/>
+      <p:bold r:id="rId32"/>
+      <p:italic r:id="rId33"/>
+      <p:boldItalic r:id="rId34"/>
     </p:embeddedFont>
   </p:embeddedFontLst>
   <p:defaultTextStyle>
-    <a:defPPr lvl="0" marR="0" rtl="0" algn="l">
+    <a:defPPr marR="0" lvl="0" algn="l" rtl="0">
       <a:lnSpc>
         <a:spcPct val="100000"/>
       </a:lnSpc>
@@ -59,7 +66,7 @@
         <a:spcPts val="0"/>
       </a:spcAft>
     </a:defPPr>
-    <a:lvl1pPr lvl="0" marR="0" rtl="0" algn="l">
+    <a:lvl1pPr marR="0" lvl="0" algn="l" rtl="0">
       <a:lnSpc>
         <a:spcPct val="100000"/>
       </a:lnSpc>
@@ -73,7 +80,7 @@
         <a:srgbClr val="000000"/>
       </a:buClr>
       <a:buFont typeface="Arial"/>
-      <a:defRPr b="0" i="0" sz="1400" u="none" cap="none" strike="noStrike">
+      <a:defRPr sz="1400" b="0" i="0" u="none" strike="noStrike" cap="none">
         <a:solidFill>
           <a:srgbClr val="000000"/>
         </a:solidFill>
@@ -83,7 +90,7 @@
         <a:sym typeface="Arial"/>
       </a:defRPr>
     </a:lvl1pPr>
-    <a:lvl2pPr lvl="1" marR="0" rtl="0" algn="l">
+    <a:lvl2pPr marR="0" lvl="1" algn="l" rtl="0">
       <a:lnSpc>
         <a:spcPct val="100000"/>
       </a:lnSpc>
@@ -97,7 +104,7 @@
         <a:srgbClr val="000000"/>
       </a:buClr>
       <a:buFont typeface="Arial"/>
-      <a:defRPr b="0" i="0" sz="1400" u="none" cap="none" strike="noStrike">
+      <a:defRPr sz="1400" b="0" i="0" u="none" strike="noStrike" cap="none">
         <a:solidFill>
           <a:srgbClr val="000000"/>
         </a:solidFill>
@@ -107,7 +114,7 @@
         <a:sym typeface="Arial"/>
       </a:defRPr>
     </a:lvl2pPr>
-    <a:lvl3pPr lvl="2" marR="0" rtl="0" algn="l">
+    <a:lvl3pPr marR="0" lvl="2" algn="l" rtl="0">
       <a:lnSpc>
         <a:spcPct val="100000"/>
       </a:lnSpc>
@@ -121,7 +128,7 @@
         <a:srgbClr val="000000"/>
       </a:buClr>
       <a:buFont typeface="Arial"/>
-      <a:defRPr b="0" i="0" sz="1400" u="none" cap="none" strike="noStrike">
+      <a:defRPr sz="1400" b="0" i="0" u="none" strike="noStrike" cap="none">
         <a:solidFill>
           <a:srgbClr val="000000"/>
         </a:solidFill>
@@ -131,7 +138,7 @@
         <a:sym typeface="Arial"/>
       </a:defRPr>
     </a:lvl3pPr>
-    <a:lvl4pPr lvl="3" marR="0" rtl="0" algn="l">
+    <a:lvl4pPr marR="0" lvl="3" algn="l" rtl="0">
       <a:lnSpc>
         <a:spcPct val="100000"/>
       </a:lnSpc>
@@ -145,7 +152,7 @@
         <a:srgbClr val="000000"/>
       </a:buClr>
       <a:buFont typeface="Arial"/>
-      <a:defRPr b="0" i="0" sz="1400" u="none" cap="none" strike="noStrike">
+      <a:defRPr sz="1400" b="0" i="0" u="none" strike="noStrike" cap="none">
         <a:solidFill>
           <a:srgbClr val="000000"/>
         </a:solidFill>
@@ -155,7 +162,7 @@
         <a:sym typeface="Arial"/>
       </a:defRPr>
     </a:lvl4pPr>
-    <a:lvl5pPr lvl="4" marR="0" rtl="0" algn="l">
+    <a:lvl5pPr marR="0" lvl="4" algn="l" rtl="0">
       <a:lnSpc>
         <a:spcPct val="100000"/>
       </a:lnSpc>
@@ -169,7 +176,7 @@
         <a:srgbClr val="000000"/>
       </a:buClr>
       <a:buFont typeface="Arial"/>
-      <a:defRPr b="0" i="0" sz="1400" u="none" cap="none" strike="noStrike">
+      <a:defRPr sz="1400" b="0" i="0" u="none" strike="noStrike" cap="none">
         <a:solidFill>
           <a:srgbClr val="000000"/>
         </a:solidFill>
@@ -179,7 +186,7 @@
         <a:sym typeface="Arial"/>
       </a:defRPr>
     </a:lvl5pPr>
-    <a:lvl6pPr lvl="5" marR="0" rtl="0" algn="l">
+    <a:lvl6pPr marR="0" lvl="5" algn="l" rtl="0">
       <a:lnSpc>
         <a:spcPct val="100000"/>
       </a:lnSpc>
@@ -193,7 +200,7 @@
         <a:srgbClr val="000000"/>
       </a:buClr>
       <a:buFont typeface="Arial"/>
-      <a:defRPr b="0" i="0" sz="1400" u="none" cap="none" strike="noStrike">
+      <a:defRPr sz="1400" b="0" i="0" u="none" strike="noStrike" cap="none">
         <a:solidFill>
           <a:srgbClr val="000000"/>
         </a:solidFill>
@@ -203,7 +210,7 @@
         <a:sym typeface="Arial"/>
       </a:defRPr>
     </a:lvl6pPr>
-    <a:lvl7pPr lvl="6" marR="0" rtl="0" algn="l">
+    <a:lvl7pPr marR="0" lvl="6" algn="l" rtl="0">
       <a:lnSpc>
         <a:spcPct val="100000"/>
       </a:lnSpc>
@@ -217,7 +224,7 @@
         <a:srgbClr val="000000"/>
       </a:buClr>
       <a:buFont typeface="Arial"/>
-      <a:defRPr b="0" i="0" sz="1400" u="none" cap="none" strike="noStrike">
+      <a:defRPr sz="1400" b="0" i="0" u="none" strike="noStrike" cap="none">
         <a:solidFill>
           <a:srgbClr val="000000"/>
         </a:solidFill>
@@ -227,7 +234,7 @@
         <a:sym typeface="Arial"/>
       </a:defRPr>
     </a:lvl7pPr>
-    <a:lvl8pPr lvl="7" marR="0" rtl="0" algn="l">
+    <a:lvl8pPr marR="0" lvl="7" algn="l" rtl="0">
       <a:lnSpc>
         <a:spcPct val="100000"/>
       </a:lnSpc>
@@ -241,7 +248,7 @@
         <a:srgbClr val="000000"/>
       </a:buClr>
       <a:buFont typeface="Arial"/>
-      <a:defRPr b="0" i="0" sz="1400" u="none" cap="none" strike="noStrike">
+      <a:defRPr sz="1400" b="0" i="0" u="none" strike="noStrike" cap="none">
         <a:solidFill>
           <a:srgbClr val="000000"/>
         </a:solidFill>
@@ -251,7 +258,7 @@
         <a:sym typeface="Arial"/>
       </a:defRPr>
     </a:lvl8pPr>
-    <a:lvl9pPr lvl="8" marR="0" rtl="0" algn="l">
+    <a:lvl9pPr marR="0" lvl="8" algn="l" rtl="0">
       <a:lnSpc>
         <a:spcPct val="100000"/>
       </a:lnSpc>
@@ -265,7 +272,7 @@
         <a:srgbClr val="000000"/>
       </a:buClr>
       <a:buFont typeface="Arial"/>
-      <a:defRPr b="0" i="0" sz="1400" u="none" cap="none" strike="noStrike">
+      <a:defRPr sz="1400" b="0" i="0" u="none" strike="noStrike" cap="none">
         <a:solidFill>
           <a:srgbClr val="000000"/>
         </a:solidFill>
@@ -280,11 +287,16 @@
 </file>
 
 <file path=ppt/notesMasters/notesMaster1.xml><?xml version="1.0" encoding="utf-8"?>
-<p:notesMaster xmlns:a="http://schemas.openxmlformats.org/drawingml/2006/main" xmlns:r="http://schemas.openxmlformats.org/officeDocument/2006/relationships" xmlns:mc="http://schemas.openxmlformats.org/markup-compatibility/2006" xmlns:mv="urn:schemas-microsoft-com:mac:vml" xmlns:p="http://schemas.openxmlformats.org/presentationml/2006/main" xmlns:c="http://schemas.openxmlformats.org/drawingml/2006/chart" xmlns:dgm="http://schemas.openxmlformats.org/drawingml/2006/diagram" xmlns:o="urn:schemas-microsoft-com:office:office" xmlns:v="urn:schemas-microsoft-com:vml" xmlns:pvml="urn:schemas-microsoft-com:office:powerpoint" xmlns:com="http://schemas.openxmlformats.org/drawingml/2006/compatibility" xmlns:p14="http://schemas.microsoft.com/office/powerpoint/2010/main" xmlns:p15="http://schemas.microsoft.com/office/powerpoint/2012/main">
+<p:notesMaster xmlns:a="http://schemas.openxmlformats.org/drawingml/2006/main" xmlns:r="http://schemas.openxmlformats.org/officeDocument/2006/relationships" xmlns:p="http://schemas.openxmlformats.org/presentationml/2006/main">
   <p:cSld>
+    <p:bg>
+      <p:bgRef idx="1001">
+        <a:schemeClr val="bg1"/>
+      </p:bgRef>
+    </p:bg>
     <p:spTree>
       <p:nvGrpSpPr>
-        <p:cNvPr id="2" name="Shape 2"/>
+        <p:cNvPr id="1" name="Shape 2"/>
         <p:cNvGrpSpPr/>
         <p:nvPr/>
       </p:nvGrpSpPr>
@@ -299,9 +311,11 @@
       <p:sp>
         <p:nvSpPr>
           <p:cNvPr id="3" name="Google Shape;3;n"/>
-          <p:cNvSpPr/>
+          <p:cNvSpPr>
+            <a:spLocks noGrp="1" noRot="1" noChangeAspect="1"/>
+          </p:cNvSpPr>
           <p:nvPr>
-            <p:ph idx="2" type="sldImg"/>
+            <p:ph type="sldImg" idx="2"/>
           </p:nvPr>
         </p:nvSpPr>
         <p:spPr>
@@ -310,9 +324,13 @@
             <a:ext cx="6096075" cy="3429000"/>
           </a:xfrm>
           <a:custGeom>
-            <a:rect b="b" l="l" r="r" t="t"/>
+            <a:avLst/>
+            <a:gdLst/>
+            <a:ahLst/>
+            <a:cxnLst/>
+            <a:rect l="l" t="t" r="r" b="b"/>
             <a:pathLst>
-              <a:path extrusionOk="0" h="120000" w="120000">
+              <a:path w="120000" h="120000" extrusionOk="0">
                 <a:moveTo>
                   <a:pt x="0" y="0"/>
                 </a:moveTo>
@@ -330,23 +348,25 @@
             </a:pathLst>
           </a:custGeom>
           <a:noFill/>
-          <a:ln cap="flat" cmpd="sng" w="9525">
+          <a:ln w="9525" cap="flat" cmpd="sng">
             <a:solidFill>
               <a:srgbClr val="000000"/>
             </a:solidFill>
             <a:prstDash val="solid"/>
             <a:round/>
-            <a:headEnd len="sm" w="sm" type="none"/>
-            <a:tailEnd len="sm" w="sm" type="none"/>
+            <a:headEnd type="none" w="sm" len="sm"/>
+            <a:tailEnd type="none" w="sm" len="sm"/>
           </a:ln>
         </p:spPr>
       </p:sp>
       <p:sp>
         <p:nvSpPr>
           <p:cNvPr id="4" name="Google Shape;4;n"/>
-          <p:cNvSpPr txBox="1"/>
+          <p:cNvSpPr txBox="1">
+            <a:spLocks noGrp="1"/>
+          </p:cNvSpPr>
           <p:nvPr>
-            <p:ph idx="1" type="body"/>
+            <p:ph type="body" idx="1"/>
           </p:nvPr>
         </p:nvSpPr>
         <p:spPr>
@@ -363,11 +383,11 @@
           </a:ln>
         </p:spPr>
         <p:txBody>
-          <a:bodyPr anchorCtr="0" anchor="t" bIns="91425" lIns="91425" spcFirstLastPara="1" rIns="91425" wrap="square" tIns="91425">
+          <a:bodyPr spcFirstLastPara="1" wrap="square" lIns="91425" tIns="91425" rIns="91425" bIns="91425" anchor="t" anchorCtr="0">
             <a:noAutofit/>
           </a:bodyPr>
           <a:lstStyle>
-            <a:lvl1pPr indent="-298450" lvl="0" marL="457200">
+            <a:lvl1pPr marL="457200" lvl="0" indent="-298450">
               <a:spcBef>
                 <a:spcPts val="0"/>
               </a:spcBef>
@@ -378,7 +398,7 @@
               <a:buChar char="●"/>
               <a:defRPr sz="1100"/>
             </a:lvl1pPr>
-            <a:lvl2pPr indent="-298450" lvl="1" marL="914400">
+            <a:lvl2pPr marL="914400" lvl="1" indent="-298450">
               <a:spcBef>
                 <a:spcPts val="0"/>
               </a:spcBef>
@@ -389,7 +409,7 @@
               <a:buChar char="○"/>
               <a:defRPr sz="1100"/>
             </a:lvl2pPr>
-            <a:lvl3pPr indent="-298450" lvl="2" marL="1371600">
+            <a:lvl3pPr marL="1371600" lvl="2" indent="-298450">
               <a:spcBef>
                 <a:spcPts val="0"/>
               </a:spcBef>
@@ -400,7 +420,7 @@
               <a:buChar char="■"/>
               <a:defRPr sz="1100"/>
             </a:lvl3pPr>
-            <a:lvl4pPr indent="-298450" lvl="3" marL="1828800">
+            <a:lvl4pPr marL="1828800" lvl="3" indent="-298450">
               <a:spcBef>
                 <a:spcPts val="0"/>
               </a:spcBef>
@@ -411,7 +431,7 @@
               <a:buChar char="●"/>
               <a:defRPr sz="1100"/>
             </a:lvl4pPr>
-            <a:lvl5pPr indent="-298450" lvl="4" marL="2286000">
+            <a:lvl5pPr marL="2286000" lvl="4" indent="-298450">
               <a:spcBef>
                 <a:spcPts val="0"/>
               </a:spcBef>
@@ -422,7 +442,7 @@
               <a:buChar char="○"/>
               <a:defRPr sz="1100"/>
             </a:lvl5pPr>
-            <a:lvl6pPr indent="-298450" lvl="5" marL="2743200">
+            <a:lvl6pPr marL="2743200" lvl="5" indent="-298450">
               <a:spcBef>
                 <a:spcPts val="0"/>
               </a:spcBef>
@@ -433,7 +453,7 @@
               <a:buChar char="■"/>
               <a:defRPr sz="1100"/>
             </a:lvl6pPr>
-            <a:lvl7pPr indent="-298450" lvl="6" marL="3200400">
+            <a:lvl7pPr marL="3200400" lvl="6" indent="-298450">
               <a:spcBef>
                 <a:spcPts val="0"/>
               </a:spcBef>
@@ -444,7 +464,7 @@
               <a:buChar char="●"/>
               <a:defRPr sz="1100"/>
             </a:lvl7pPr>
-            <a:lvl8pPr indent="-298450" lvl="7" marL="3657600">
+            <a:lvl8pPr marL="3657600" lvl="7" indent="-298450">
               <a:spcBef>
                 <a:spcPts val="0"/>
               </a:spcBef>
@@ -455,7 +475,7 @@
               <a:buChar char="○"/>
               <a:defRPr sz="1100"/>
             </a:lvl8pPr>
-            <a:lvl9pPr indent="-298450" lvl="8" marL="4114800">
+            <a:lvl9pPr marL="4114800" lvl="8" indent="-298450">
               <a:spcBef>
                 <a:spcPts val="0"/>
               </a:spcBef>
@@ -467,14 +487,16 @@
               <a:defRPr sz="1100"/>
             </a:lvl9pPr>
           </a:lstStyle>
-          <a:p/>
+          <a:p>
+            <a:endParaRPr/>
+          </a:p>
         </p:txBody>
       </p:sp>
     </p:spTree>
   </p:cSld>
-  <p:clrMap accent1="accent1" accent2="accent2" accent3="accent3" accent4="accent4" accent5="accent5" accent6="accent6" bg1="lt1" bg2="dk2" tx1="dk1" tx2="lt2" folHlink="folHlink" hlink="hlink"/>
+  <p:clrMap bg1="lt1" tx1="dk1" bg2="dk2" tx2="lt2" accent1="accent1" accent2="accent2" accent3="accent3" accent4="accent4" accent5="accent5" accent6="accent6" hlink="hlink" folHlink="folHlink"/>
   <p:notesStyle>
-    <a:defPPr lvl="0" marR="0" rtl="0" algn="l">
+    <a:defPPr marR="0" lvl="0" algn="l" rtl="0">
       <a:lnSpc>
         <a:spcPct val="100000"/>
       </a:lnSpc>
@@ -485,7 +507,7 @@
         <a:spcPts val="0"/>
       </a:spcAft>
     </a:defPPr>
-    <a:lvl1pPr lvl="0" marR="0" rtl="0" algn="l">
+    <a:lvl1pPr marR="0" lvl="0" algn="l" rtl="0">
       <a:lnSpc>
         <a:spcPct val="100000"/>
       </a:lnSpc>
@@ -499,7 +521,7 @@
         <a:srgbClr val="000000"/>
       </a:buClr>
       <a:buFont typeface="Arial"/>
-      <a:defRPr b="0" i="0" sz="1400" u="none" cap="none" strike="noStrike">
+      <a:defRPr sz="1400" b="0" i="0" u="none" strike="noStrike" cap="none">
         <a:solidFill>
           <a:srgbClr val="000000"/>
         </a:solidFill>
@@ -509,7 +531,7 @@
         <a:sym typeface="Arial"/>
       </a:defRPr>
     </a:lvl1pPr>
-    <a:lvl2pPr lvl="1" marR="0" rtl="0" algn="l">
+    <a:lvl2pPr marR="0" lvl="1" algn="l" rtl="0">
       <a:lnSpc>
         <a:spcPct val="100000"/>
       </a:lnSpc>
@@ -523,7 +545,7 @@
         <a:srgbClr val="000000"/>
       </a:buClr>
       <a:buFont typeface="Arial"/>
-      <a:defRPr b="0" i="0" sz="1400" u="none" cap="none" strike="noStrike">
+      <a:defRPr sz="1400" b="0" i="0" u="none" strike="noStrike" cap="none">
         <a:solidFill>
           <a:srgbClr val="000000"/>
         </a:solidFill>
@@ -533,7 +555,7 @@
         <a:sym typeface="Arial"/>
       </a:defRPr>
     </a:lvl2pPr>
-    <a:lvl3pPr lvl="2" marR="0" rtl="0" algn="l">
+    <a:lvl3pPr marR="0" lvl="2" algn="l" rtl="0">
       <a:lnSpc>
         <a:spcPct val="100000"/>
       </a:lnSpc>
@@ -547,7 +569,7 @@
         <a:srgbClr val="000000"/>
       </a:buClr>
       <a:buFont typeface="Arial"/>
-      <a:defRPr b="0" i="0" sz="1400" u="none" cap="none" strike="noStrike">
+      <a:defRPr sz="1400" b="0" i="0" u="none" strike="noStrike" cap="none">
         <a:solidFill>
           <a:srgbClr val="000000"/>
         </a:solidFill>
@@ -557,7 +579,7 @@
         <a:sym typeface="Arial"/>
       </a:defRPr>
     </a:lvl3pPr>
-    <a:lvl4pPr lvl="3" marR="0" rtl="0" algn="l">
+    <a:lvl4pPr marR="0" lvl="3" algn="l" rtl="0">
       <a:lnSpc>
         <a:spcPct val="100000"/>
       </a:lnSpc>
@@ -571,7 +593,7 @@
         <a:srgbClr val="000000"/>
       </a:buClr>
       <a:buFont typeface="Arial"/>
-      <a:defRPr b="0" i="0" sz="1400" u="none" cap="none" strike="noStrike">
+      <a:defRPr sz="1400" b="0" i="0" u="none" strike="noStrike" cap="none">
         <a:solidFill>
           <a:srgbClr val="000000"/>
         </a:solidFill>
@@ -581,7 +603,7 @@
         <a:sym typeface="Arial"/>
       </a:defRPr>
     </a:lvl4pPr>
-    <a:lvl5pPr lvl="4" marR="0" rtl="0" algn="l">
+    <a:lvl5pPr marR="0" lvl="4" algn="l" rtl="0">
       <a:lnSpc>
         <a:spcPct val="100000"/>
       </a:lnSpc>
@@ -595,7 +617,7 @@
         <a:srgbClr val="000000"/>
       </a:buClr>
       <a:buFont typeface="Arial"/>
-      <a:defRPr b="0" i="0" sz="1400" u="none" cap="none" strike="noStrike">
+      <a:defRPr sz="1400" b="0" i="0" u="none" strike="noStrike" cap="none">
         <a:solidFill>
           <a:srgbClr val="000000"/>
         </a:solidFill>
@@ -605,7 +627,7 @@
         <a:sym typeface="Arial"/>
       </a:defRPr>
     </a:lvl5pPr>
-    <a:lvl6pPr lvl="5" marR="0" rtl="0" algn="l">
+    <a:lvl6pPr marR="0" lvl="5" algn="l" rtl="0">
       <a:lnSpc>
         <a:spcPct val="100000"/>
       </a:lnSpc>
@@ -619,7 +641,7 @@
         <a:srgbClr val="000000"/>
       </a:buClr>
       <a:buFont typeface="Arial"/>
-      <a:defRPr b="0" i="0" sz="1400" u="none" cap="none" strike="noStrike">
+      <a:defRPr sz="1400" b="0" i="0" u="none" strike="noStrike" cap="none">
         <a:solidFill>
           <a:srgbClr val="000000"/>
         </a:solidFill>
@@ -629,7 +651,7 @@
         <a:sym typeface="Arial"/>
       </a:defRPr>
     </a:lvl6pPr>
-    <a:lvl7pPr lvl="6" marR="0" rtl="0" algn="l">
+    <a:lvl7pPr marR="0" lvl="6" algn="l" rtl="0">
       <a:lnSpc>
         <a:spcPct val="100000"/>
       </a:lnSpc>
@@ -643,7 +665,7 @@
         <a:srgbClr val="000000"/>
       </a:buClr>
       <a:buFont typeface="Arial"/>
-      <a:defRPr b="0" i="0" sz="1400" u="none" cap="none" strike="noStrike">
+      <a:defRPr sz="1400" b="0" i="0" u="none" strike="noStrike" cap="none">
         <a:solidFill>
           <a:srgbClr val="000000"/>
         </a:solidFill>
@@ -653,7 +675,7 @@
         <a:sym typeface="Arial"/>
       </a:defRPr>
     </a:lvl7pPr>
-    <a:lvl8pPr lvl="7" marR="0" rtl="0" algn="l">
+    <a:lvl8pPr marR="0" lvl="7" algn="l" rtl="0">
       <a:lnSpc>
         <a:spcPct val="100000"/>
       </a:lnSpc>
@@ -667,7 +689,7 @@
         <a:srgbClr val="000000"/>
       </a:buClr>
       <a:buFont typeface="Arial"/>
-      <a:defRPr b="0" i="0" sz="1400" u="none" cap="none" strike="noStrike">
+      <a:defRPr sz="1400" b="0" i="0" u="none" strike="noStrike" cap="none">
         <a:solidFill>
           <a:srgbClr val="000000"/>
         </a:solidFill>
@@ -677,7 +699,7 @@
         <a:sym typeface="Arial"/>
       </a:defRPr>
     </a:lvl8pPr>
-    <a:lvl9pPr lvl="8" marR="0" rtl="0" algn="l">
+    <a:lvl9pPr marR="0" lvl="8" algn="l" rtl="0">
       <a:lnSpc>
         <a:spcPct val="100000"/>
       </a:lnSpc>
@@ -691,7 +713,7 @@
         <a:srgbClr val="000000"/>
       </a:buClr>
       <a:buFont typeface="Arial"/>
-      <a:defRPr b="0" i="0" sz="1400" u="none" cap="none" strike="noStrike">
+      <a:defRPr sz="1400" b="0" i="0" u="none" strike="noStrike" cap="none">
         <a:solidFill>
           <a:srgbClr val="000000"/>
         </a:solidFill>
@@ -706,11 +728,11 @@
 </file>
 
 <file path=ppt/notesSlides/notesSlide1.xml><?xml version="1.0" encoding="utf-8"?>
-<p:notes xmlns:a="http://schemas.openxmlformats.org/drawingml/2006/main" xmlns:r="http://schemas.openxmlformats.org/officeDocument/2006/relationships" xmlns:mc="http://schemas.openxmlformats.org/markup-compatibility/2006" xmlns:mv="urn:schemas-microsoft-com:mac:vml" xmlns:p="http://schemas.openxmlformats.org/presentationml/2006/main" xmlns:c="http://schemas.openxmlformats.org/drawingml/2006/chart" xmlns:dgm="http://schemas.openxmlformats.org/drawingml/2006/diagram" xmlns:o="urn:schemas-microsoft-com:office:office" xmlns:v="urn:schemas-microsoft-com:vml" xmlns:pvml="urn:schemas-microsoft-com:office:powerpoint" xmlns:com="http://schemas.openxmlformats.org/drawingml/2006/compatibility" xmlns:p14="http://schemas.microsoft.com/office/powerpoint/2010/main" xmlns:p15="http://schemas.microsoft.com/office/powerpoint/2012/main" showMasterPhAnim="0" showMasterSp="0">
+<p:notes xmlns:a="http://schemas.openxmlformats.org/drawingml/2006/main" xmlns:r="http://schemas.openxmlformats.org/officeDocument/2006/relationships" xmlns:p="http://schemas.openxmlformats.org/presentationml/2006/main" showMasterSp="0" showMasterPhAnim="0">
   <p:cSld>
     <p:spTree>
       <p:nvGrpSpPr>
-        <p:cNvPr id="50" name="Shape 50"/>
+        <p:cNvPr id="1" name="Shape 50"/>
         <p:cNvGrpSpPr/>
         <p:nvPr/>
       </p:nvGrpSpPr>
@@ -725,20 +747,26 @@
       <p:sp>
         <p:nvSpPr>
           <p:cNvPr id="51" name="Google Shape;51;p:notes"/>
-          <p:cNvSpPr/>
+          <p:cNvSpPr>
+            <a:spLocks noGrp="1" noRot="1" noChangeAspect="1"/>
+          </p:cNvSpPr>
           <p:nvPr>
-            <p:ph idx="2" type="sldImg"/>
+            <p:ph type="sldImg" idx="2"/>
           </p:nvPr>
         </p:nvSpPr>
         <p:spPr>
           <a:xfrm>
-            <a:off x="381300" y="685800"/>
-            <a:ext cx="6096075" cy="3429000"/>
+            <a:off x="381000" y="685800"/>
+            <a:ext cx="6096000" cy="3429000"/>
           </a:xfrm>
           <a:custGeom>
-            <a:rect b="b" l="l" r="r" t="t"/>
+            <a:avLst/>
+            <a:gdLst/>
+            <a:ahLst/>
+            <a:cxnLst/>
+            <a:rect l="l" t="t" r="r" b="b"/>
             <a:pathLst>
-              <a:path extrusionOk="0" h="120000" w="120000">
+              <a:path w="120000" h="120000" extrusionOk="0">
                 <a:moveTo>
                   <a:pt x="0" y="0"/>
                 </a:moveTo>
@@ -760,9 +788,11 @@
       <p:sp>
         <p:nvSpPr>
           <p:cNvPr id="52" name="Google Shape;52;p:notes"/>
-          <p:cNvSpPr txBox="1"/>
+          <p:cNvSpPr txBox="1">
+            <a:spLocks noGrp="1"/>
+          </p:cNvSpPr>
           <p:nvPr>
-            <p:ph idx="1" type="body"/>
+            <p:ph type="body" idx="1"/>
           </p:nvPr>
         </p:nvSpPr>
         <p:spPr>
@@ -775,12 +805,12 @@
           </a:prstGeom>
         </p:spPr>
         <p:txBody>
-          <a:bodyPr anchorCtr="0" anchor="t" bIns="91425" lIns="91425" spcFirstLastPara="1" rIns="91425" wrap="square" tIns="91425">
+          <a:bodyPr spcFirstLastPara="1" wrap="square" lIns="91425" tIns="91425" rIns="91425" bIns="91425" anchor="t" anchorCtr="0">
             <a:noAutofit/>
           </a:bodyPr>
           <a:lstStyle/>
           <a:p>
-            <a:pPr indent="-298450" lvl="0" marL="457200" rtl="0" algn="l">
+            <a:pPr marL="457200" lvl="0" indent="-298450" algn="l" rtl="0">
               <a:spcBef>
                 <a:spcPts val="0"/>
               </a:spcBef>
@@ -797,7 +827,7 @@
             <a:endParaRPr/>
           </a:p>
           <a:p>
-            <a:pPr indent="-298450" lvl="0" marL="457200" rtl="0" algn="l">
+            <a:pPr marL="457200" lvl="0" indent="-298450" algn="l" rtl="0">
               <a:spcBef>
                 <a:spcPts val="0"/>
               </a:spcBef>
@@ -824,11 +854,11 @@
 </file>
 
 <file path=ppt/notesSlides/notesSlide10.xml><?xml version="1.0" encoding="utf-8"?>
-<p:notes xmlns:a="http://schemas.openxmlformats.org/drawingml/2006/main" xmlns:r="http://schemas.openxmlformats.org/officeDocument/2006/relationships" xmlns:mc="http://schemas.openxmlformats.org/markup-compatibility/2006" xmlns:mv="urn:schemas-microsoft-com:mac:vml" xmlns:p="http://schemas.openxmlformats.org/presentationml/2006/main" xmlns:c="http://schemas.openxmlformats.org/drawingml/2006/chart" xmlns:dgm="http://schemas.openxmlformats.org/drawingml/2006/diagram" xmlns:o="urn:schemas-microsoft-com:office:office" xmlns:v="urn:schemas-microsoft-com:vml" xmlns:pvml="urn:schemas-microsoft-com:office:powerpoint" xmlns:com="http://schemas.openxmlformats.org/drawingml/2006/compatibility" xmlns:p14="http://schemas.microsoft.com/office/powerpoint/2010/main" xmlns:p15="http://schemas.microsoft.com/office/powerpoint/2012/main" showMasterPhAnim="0" showMasterSp="0">
+<p:notes xmlns:a="http://schemas.openxmlformats.org/drawingml/2006/main" xmlns:r="http://schemas.openxmlformats.org/officeDocument/2006/relationships" xmlns:p="http://schemas.openxmlformats.org/presentationml/2006/main" showMasterSp="0" showMasterPhAnim="0">
   <p:cSld>
     <p:spTree>
       <p:nvGrpSpPr>
-        <p:cNvPr id="123" name="Shape 123"/>
+        <p:cNvPr id="1" name="Shape 123"/>
         <p:cNvGrpSpPr/>
         <p:nvPr/>
       </p:nvGrpSpPr>
@@ -843,9 +873,11 @@
       <p:sp>
         <p:nvSpPr>
           <p:cNvPr id="124" name="Google Shape;124;g4734d09f2a745ca1_3:notes"/>
-          <p:cNvSpPr/>
+          <p:cNvSpPr>
+            <a:spLocks noGrp="1" noRot="1" noChangeAspect="1"/>
+          </p:cNvSpPr>
           <p:nvPr>
-            <p:ph idx="2" type="sldImg"/>
+            <p:ph type="sldImg" idx="2"/>
           </p:nvPr>
         </p:nvSpPr>
         <p:spPr>
@@ -854,9 +886,13 @@
             <a:ext cx="6096000" cy="3429000"/>
           </a:xfrm>
           <a:custGeom>
-            <a:rect b="b" l="l" r="r" t="t"/>
+            <a:avLst/>
+            <a:gdLst/>
+            <a:ahLst/>
+            <a:cxnLst/>
+            <a:rect l="l" t="t" r="r" b="b"/>
             <a:pathLst>
-              <a:path extrusionOk="0" h="120000" w="120000">
+              <a:path w="120000" h="120000" extrusionOk="0">
                 <a:moveTo>
                   <a:pt x="0" y="0"/>
                 </a:moveTo>
@@ -878,9 +914,11 @@
       <p:sp>
         <p:nvSpPr>
           <p:cNvPr id="125" name="Google Shape;125;g4734d09f2a745ca1_3:notes"/>
-          <p:cNvSpPr txBox="1"/>
+          <p:cNvSpPr txBox="1">
+            <a:spLocks noGrp="1"/>
+          </p:cNvSpPr>
           <p:nvPr>
-            <p:ph idx="1" type="body"/>
+            <p:ph type="body" idx="1"/>
           </p:nvPr>
         </p:nvSpPr>
         <p:spPr>
@@ -893,12 +931,12 @@
           </a:prstGeom>
         </p:spPr>
         <p:txBody>
-          <a:bodyPr anchorCtr="0" anchor="t" bIns="91425" lIns="91425" spcFirstLastPara="1" rIns="91425" wrap="square" tIns="91425">
+          <a:bodyPr spcFirstLastPara="1" wrap="square" lIns="91425" tIns="91425" rIns="91425" bIns="91425" anchor="t" anchorCtr="0">
             <a:noAutofit/>
           </a:bodyPr>
           <a:lstStyle/>
           <a:p>
-            <a:pPr indent="-298450" lvl="0" marL="457200" rtl="0" algn="l">
+            <a:pPr marL="457200" lvl="0" indent="-298450" algn="l" rtl="0">
               <a:spcBef>
                 <a:spcPts val="0"/>
               </a:spcBef>
@@ -925,11 +963,11 @@
 </file>
 
 <file path=ppt/notesSlides/notesSlide11.xml><?xml version="1.0" encoding="utf-8"?>
-<p:notes xmlns:a="http://schemas.openxmlformats.org/drawingml/2006/main" xmlns:r="http://schemas.openxmlformats.org/officeDocument/2006/relationships" xmlns:mc="http://schemas.openxmlformats.org/markup-compatibility/2006" xmlns:mv="urn:schemas-microsoft-com:mac:vml" xmlns:p="http://schemas.openxmlformats.org/presentationml/2006/main" xmlns:c="http://schemas.openxmlformats.org/drawingml/2006/chart" xmlns:dgm="http://schemas.openxmlformats.org/drawingml/2006/diagram" xmlns:o="urn:schemas-microsoft-com:office:office" xmlns:v="urn:schemas-microsoft-com:vml" xmlns:pvml="urn:schemas-microsoft-com:office:powerpoint" xmlns:com="http://schemas.openxmlformats.org/drawingml/2006/compatibility" xmlns:p14="http://schemas.microsoft.com/office/powerpoint/2010/main" xmlns:p15="http://schemas.microsoft.com/office/powerpoint/2012/main" showMasterPhAnim="0" showMasterSp="0">
+<p:notes xmlns:a="http://schemas.openxmlformats.org/drawingml/2006/main" xmlns:r="http://schemas.openxmlformats.org/officeDocument/2006/relationships" xmlns:p="http://schemas.openxmlformats.org/presentationml/2006/main" showMasterSp="0" showMasterPhAnim="0">
   <p:cSld>
     <p:spTree>
       <p:nvGrpSpPr>
-        <p:cNvPr id="128" name="Shape 128"/>
+        <p:cNvPr id="1" name="Shape 128"/>
         <p:cNvGrpSpPr/>
         <p:nvPr/>
       </p:nvGrpSpPr>
@@ -944,9 +982,11 @@
       <p:sp>
         <p:nvSpPr>
           <p:cNvPr id="129" name="Google Shape;129;g4734d09f2a745ca1_12:notes"/>
-          <p:cNvSpPr/>
+          <p:cNvSpPr>
+            <a:spLocks noGrp="1" noRot="1" noChangeAspect="1"/>
+          </p:cNvSpPr>
           <p:nvPr>
-            <p:ph idx="2" type="sldImg"/>
+            <p:ph type="sldImg" idx="2"/>
           </p:nvPr>
         </p:nvSpPr>
         <p:spPr>
@@ -955,9 +995,13 @@
             <a:ext cx="6096000" cy="3429000"/>
           </a:xfrm>
           <a:custGeom>
-            <a:rect b="b" l="l" r="r" t="t"/>
+            <a:avLst/>
+            <a:gdLst/>
+            <a:ahLst/>
+            <a:cxnLst/>
+            <a:rect l="l" t="t" r="r" b="b"/>
             <a:pathLst>
-              <a:path extrusionOk="0" h="120000" w="120000">
+              <a:path w="120000" h="120000" extrusionOk="0">
                 <a:moveTo>
                   <a:pt x="0" y="0"/>
                 </a:moveTo>
@@ -979,9 +1023,11 @@
       <p:sp>
         <p:nvSpPr>
           <p:cNvPr id="130" name="Google Shape;130;g4734d09f2a745ca1_12:notes"/>
-          <p:cNvSpPr txBox="1"/>
+          <p:cNvSpPr txBox="1">
+            <a:spLocks noGrp="1"/>
+          </p:cNvSpPr>
           <p:nvPr>
-            <p:ph idx="1" type="body"/>
+            <p:ph type="body" idx="1"/>
           </p:nvPr>
         </p:nvSpPr>
         <p:spPr>
@@ -994,12 +1040,12 @@
           </a:prstGeom>
         </p:spPr>
         <p:txBody>
-          <a:bodyPr anchorCtr="0" anchor="t" bIns="91425" lIns="91425" spcFirstLastPara="1" rIns="91425" wrap="square" tIns="91425">
+          <a:bodyPr spcFirstLastPara="1" wrap="square" lIns="91425" tIns="91425" rIns="91425" bIns="91425" anchor="t" anchorCtr="0">
             <a:noAutofit/>
           </a:bodyPr>
           <a:lstStyle/>
           <a:p>
-            <a:pPr indent="-298450" lvl="0" marL="457200" rtl="0" algn="l">
+            <a:pPr marL="457200" lvl="0" indent="-298450" algn="l" rtl="0">
               <a:spcBef>
                 <a:spcPts val="0"/>
               </a:spcBef>
@@ -1026,11 +1072,11 @@
 </file>
 
 <file path=ppt/notesSlides/notesSlide12.xml><?xml version="1.0" encoding="utf-8"?>
-<p:notes xmlns:a="http://schemas.openxmlformats.org/drawingml/2006/main" xmlns:r="http://schemas.openxmlformats.org/officeDocument/2006/relationships" xmlns:mc="http://schemas.openxmlformats.org/markup-compatibility/2006" xmlns:mv="urn:schemas-microsoft-com:mac:vml" xmlns:p="http://schemas.openxmlformats.org/presentationml/2006/main" xmlns:c="http://schemas.openxmlformats.org/drawingml/2006/chart" xmlns:dgm="http://schemas.openxmlformats.org/drawingml/2006/diagram" xmlns:o="urn:schemas-microsoft-com:office:office" xmlns:v="urn:schemas-microsoft-com:vml" xmlns:pvml="urn:schemas-microsoft-com:office:powerpoint" xmlns:com="http://schemas.openxmlformats.org/drawingml/2006/compatibility" xmlns:p14="http://schemas.microsoft.com/office/powerpoint/2010/main" xmlns:p15="http://schemas.microsoft.com/office/powerpoint/2012/main" showMasterPhAnim="0" showMasterSp="0">
+<p:notes xmlns:a="http://schemas.openxmlformats.org/drawingml/2006/main" xmlns:r="http://schemas.openxmlformats.org/officeDocument/2006/relationships" xmlns:p="http://schemas.openxmlformats.org/presentationml/2006/main" showMasterSp="0" showMasterPhAnim="0">
   <p:cSld>
     <p:spTree>
       <p:nvGrpSpPr>
-        <p:cNvPr id="133" name="Shape 133"/>
+        <p:cNvPr id="1" name="Shape 133"/>
         <p:cNvGrpSpPr/>
         <p:nvPr/>
       </p:nvGrpSpPr>
@@ -1045,9 +1091,11 @@
       <p:sp>
         <p:nvSpPr>
           <p:cNvPr id="134" name="Google Shape;134;g632256e91a_0_26:notes"/>
-          <p:cNvSpPr/>
+          <p:cNvSpPr>
+            <a:spLocks noGrp="1" noRot="1" noChangeAspect="1"/>
+          </p:cNvSpPr>
           <p:nvPr>
-            <p:ph idx="2" type="sldImg"/>
+            <p:ph type="sldImg" idx="2"/>
           </p:nvPr>
         </p:nvSpPr>
         <p:spPr>
@@ -1056,9 +1104,13 @@
             <a:ext cx="6096000" cy="3429000"/>
           </a:xfrm>
           <a:custGeom>
-            <a:rect b="b" l="l" r="r" t="t"/>
+            <a:avLst/>
+            <a:gdLst/>
+            <a:ahLst/>
+            <a:cxnLst/>
+            <a:rect l="l" t="t" r="r" b="b"/>
             <a:pathLst>
-              <a:path extrusionOk="0" h="120000" w="120000">
+              <a:path w="120000" h="120000" extrusionOk="0">
                 <a:moveTo>
                   <a:pt x="0" y="0"/>
                 </a:moveTo>
@@ -1080,9 +1132,11 @@
       <p:sp>
         <p:nvSpPr>
           <p:cNvPr id="135" name="Google Shape;135;g632256e91a_0_26:notes"/>
-          <p:cNvSpPr txBox="1"/>
+          <p:cNvSpPr txBox="1">
+            <a:spLocks noGrp="1"/>
+          </p:cNvSpPr>
           <p:nvPr>
-            <p:ph idx="1" type="body"/>
+            <p:ph type="body" idx="1"/>
           </p:nvPr>
         </p:nvSpPr>
         <p:spPr>
@@ -1095,23 +1149,20 @@
           </a:prstGeom>
         </p:spPr>
         <p:txBody>
-          <a:bodyPr anchorCtr="0" anchor="t" bIns="91425" lIns="91425" spcFirstLastPara="1" rIns="91425" wrap="square" tIns="91425">
+          <a:bodyPr spcFirstLastPara="1" wrap="square" lIns="91425" tIns="91425" rIns="91425" bIns="91425" anchor="t" anchorCtr="0">
             <a:noAutofit/>
           </a:bodyPr>
           <a:lstStyle/>
           <a:p>
-            <a:pPr indent="0" lvl="0" marL="0" rtl="0" algn="l">
-              <a:spcBef>
-                <a:spcPts val="0"/>
-              </a:spcBef>
-              <a:spcAft>
-                <a:spcPts val="0"/>
-              </a:spcAft>
-              <a:buNone/>
-            </a:pPr>
-            <a:r>
-              <a:t/>
-            </a:r>
+            <a:pPr marL="0" lvl="0" indent="0" algn="l" rtl="0">
+              <a:spcBef>
+                <a:spcPts val="0"/>
+              </a:spcBef>
+              <a:spcAft>
+                <a:spcPts val="0"/>
+              </a:spcAft>
+              <a:buNone/>
+            </a:pPr>
             <a:endParaRPr/>
           </a:p>
         </p:txBody>
@@ -1125,11 +1176,11 @@
 </file>
 
 <file path=ppt/notesSlides/notesSlide13.xml><?xml version="1.0" encoding="utf-8"?>
-<p:notes xmlns:a="http://schemas.openxmlformats.org/drawingml/2006/main" xmlns:r="http://schemas.openxmlformats.org/officeDocument/2006/relationships" xmlns:mc="http://schemas.openxmlformats.org/markup-compatibility/2006" xmlns:mv="urn:schemas-microsoft-com:mac:vml" xmlns:p="http://schemas.openxmlformats.org/presentationml/2006/main" xmlns:c="http://schemas.openxmlformats.org/drawingml/2006/chart" xmlns:dgm="http://schemas.openxmlformats.org/drawingml/2006/diagram" xmlns:o="urn:schemas-microsoft-com:office:office" xmlns:v="urn:schemas-microsoft-com:vml" xmlns:pvml="urn:schemas-microsoft-com:office:powerpoint" xmlns:com="http://schemas.openxmlformats.org/drawingml/2006/compatibility" xmlns:p14="http://schemas.microsoft.com/office/powerpoint/2010/main" xmlns:p15="http://schemas.microsoft.com/office/powerpoint/2012/main" showMasterPhAnim="0" showMasterSp="0">
+<p:notes xmlns:a="http://schemas.openxmlformats.org/drawingml/2006/main" xmlns:r="http://schemas.openxmlformats.org/officeDocument/2006/relationships" xmlns:p="http://schemas.openxmlformats.org/presentationml/2006/main" showMasterSp="0" showMasterPhAnim="0">
   <p:cSld>
     <p:spTree>
       <p:nvGrpSpPr>
-        <p:cNvPr id="140" name="Shape 140"/>
+        <p:cNvPr id="1" name="Shape 140"/>
         <p:cNvGrpSpPr/>
         <p:nvPr/>
       </p:nvGrpSpPr>
@@ -1144,9 +1195,11 @@
       <p:sp>
         <p:nvSpPr>
           <p:cNvPr id="141" name="Google Shape;141;g632256e91a_0_32:notes"/>
-          <p:cNvSpPr/>
+          <p:cNvSpPr>
+            <a:spLocks noGrp="1" noRot="1" noChangeAspect="1"/>
+          </p:cNvSpPr>
           <p:nvPr>
-            <p:ph idx="2" type="sldImg"/>
+            <p:ph type="sldImg" idx="2"/>
           </p:nvPr>
         </p:nvSpPr>
         <p:spPr>
@@ -1155,9 +1208,13 @@
             <a:ext cx="6096000" cy="3429000"/>
           </a:xfrm>
           <a:custGeom>
-            <a:rect b="b" l="l" r="r" t="t"/>
+            <a:avLst/>
+            <a:gdLst/>
+            <a:ahLst/>
+            <a:cxnLst/>
+            <a:rect l="l" t="t" r="r" b="b"/>
             <a:pathLst>
-              <a:path extrusionOk="0" h="120000" w="120000">
+              <a:path w="120000" h="120000" extrusionOk="0">
                 <a:moveTo>
                   <a:pt x="0" y="0"/>
                 </a:moveTo>
@@ -1179,9 +1236,11 @@
       <p:sp>
         <p:nvSpPr>
           <p:cNvPr id="142" name="Google Shape;142;g632256e91a_0_32:notes"/>
-          <p:cNvSpPr txBox="1"/>
+          <p:cNvSpPr txBox="1">
+            <a:spLocks noGrp="1"/>
+          </p:cNvSpPr>
           <p:nvPr>
-            <p:ph idx="1" type="body"/>
+            <p:ph type="body" idx="1"/>
           </p:nvPr>
         </p:nvSpPr>
         <p:spPr>
@@ -1194,12 +1253,12 @@
           </a:prstGeom>
         </p:spPr>
         <p:txBody>
-          <a:bodyPr anchorCtr="0" anchor="t" bIns="91425" lIns="91425" spcFirstLastPara="1" rIns="91425" wrap="square" tIns="91425">
+          <a:bodyPr spcFirstLastPara="1" wrap="square" lIns="91425" tIns="91425" rIns="91425" bIns="91425" anchor="t" anchorCtr="0">
             <a:noAutofit/>
           </a:bodyPr>
           <a:lstStyle/>
           <a:p>
-            <a:pPr indent="0" lvl="0" marL="0" rtl="0" algn="l">
+            <a:pPr marL="0" lvl="0" indent="0" algn="l" rtl="0">
               <a:spcBef>
                 <a:spcPts val="0"/>
               </a:spcBef>
@@ -1223,18 +1282,15 @@
             </a:endParaRPr>
           </a:p>
           <a:p>
-            <a:pPr indent="0" lvl="0" marL="0" rtl="0" algn="l">
-              <a:spcBef>
-                <a:spcPts val="0"/>
-              </a:spcBef>
-              <a:spcAft>
-                <a:spcPts val="0"/>
-              </a:spcAft>
-              <a:buNone/>
-            </a:pPr>
-            <a:r>
-              <a:t/>
-            </a:r>
+            <a:pPr marL="0" lvl="0" indent="0" algn="l" rtl="0">
+              <a:spcBef>
+                <a:spcPts val="0"/>
+              </a:spcBef>
+              <a:spcAft>
+                <a:spcPts val="0"/>
+              </a:spcAft>
+              <a:buNone/>
+            </a:pPr>
             <a:endParaRPr>
               <a:solidFill>
                 <a:schemeClr val="dk1"/>
@@ -1242,7 +1298,7 @@
             </a:endParaRPr>
           </a:p>
           <a:p>
-            <a:pPr indent="0" lvl="0" marL="0" rtl="0" algn="l">
+            <a:pPr marL="0" lvl="0" indent="0" algn="l" rtl="0">
               <a:spcBef>
                 <a:spcPts val="0"/>
               </a:spcBef>
@@ -1272,11 +1328,11 @@
 </file>
 
 <file path=ppt/notesSlides/notesSlide14.xml><?xml version="1.0" encoding="utf-8"?>
-<p:notes xmlns:a="http://schemas.openxmlformats.org/drawingml/2006/main" xmlns:r="http://schemas.openxmlformats.org/officeDocument/2006/relationships" xmlns:mc="http://schemas.openxmlformats.org/markup-compatibility/2006" xmlns:mv="urn:schemas-microsoft-com:mac:vml" xmlns:p="http://schemas.openxmlformats.org/presentationml/2006/main" xmlns:c="http://schemas.openxmlformats.org/drawingml/2006/chart" xmlns:dgm="http://schemas.openxmlformats.org/drawingml/2006/diagram" xmlns:o="urn:schemas-microsoft-com:office:office" xmlns:v="urn:schemas-microsoft-com:vml" xmlns:pvml="urn:schemas-microsoft-com:office:powerpoint" xmlns:com="http://schemas.openxmlformats.org/drawingml/2006/compatibility" xmlns:p14="http://schemas.microsoft.com/office/powerpoint/2010/main" xmlns:p15="http://schemas.microsoft.com/office/powerpoint/2012/main" showMasterPhAnim="0" showMasterSp="0">
+<p:notes xmlns:a="http://schemas.openxmlformats.org/drawingml/2006/main" xmlns:r="http://schemas.openxmlformats.org/officeDocument/2006/relationships" xmlns:p="http://schemas.openxmlformats.org/presentationml/2006/main" showMasterSp="0" showMasterPhAnim="0">
   <p:cSld>
     <p:spTree>
       <p:nvGrpSpPr>
-        <p:cNvPr id="147" name="Shape 147"/>
+        <p:cNvPr id="1" name="Shape 147"/>
         <p:cNvGrpSpPr/>
         <p:nvPr/>
       </p:nvGrpSpPr>
@@ -1291,9 +1347,11 @@
       <p:sp>
         <p:nvSpPr>
           <p:cNvPr id="148" name="Google Shape;148;g632256e91a_0_38:notes"/>
-          <p:cNvSpPr/>
+          <p:cNvSpPr>
+            <a:spLocks noGrp="1" noRot="1" noChangeAspect="1"/>
+          </p:cNvSpPr>
           <p:nvPr>
-            <p:ph idx="2" type="sldImg"/>
+            <p:ph type="sldImg" idx="2"/>
           </p:nvPr>
         </p:nvSpPr>
         <p:spPr>
@@ -1302,9 +1360,13 @@
             <a:ext cx="6096000" cy="3429000"/>
           </a:xfrm>
           <a:custGeom>
-            <a:rect b="b" l="l" r="r" t="t"/>
+            <a:avLst/>
+            <a:gdLst/>
+            <a:ahLst/>
+            <a:cxnLst/>
+            <a:rect l="l" t="t" r="r" b="b"/>
             <a:pathLst>
-              <a:path extrusionOk="0" h="120000" w="120000">
+              <a:path w="120000" h="120000" extrusionOk="0">
                 <a:moveTo>
                   <a:pt x="0" y="0"/>
                 </a:moveTo>
@@ -1326,9 +1388,11 @@
       <p:sp>
         <p:nvSpPr>
           <p:cNvPr id="149" name="Google Shape;149;g632256e91a_0_38:notes"/>
-          <p:cNvSpPr txBox="1"/>
+          <p:cNvSpPr txBox="1">
+            <a:spLocks noGrp="1"/>
+          </p:cNvSpPr>
           <p:nvPr>
-            <p:ph idx="1" type="body"/>
+            <p:ph type="body" idx="1"/>
           </p:nvPr>
         </p:nvSpPr>
         <p:spPr>
@@ -1341,12 +1405,12 @@
           </a:prstGeom>
         </p:spPr>
         <p:txBody>
-          <a:bodyPr anchorCtr="0" anchor="t" bIns="91425" lIns="91425" spcFirstLastPara="1" rIns="91425" wrap="square" tIns="91425">
+          <a:bodyPr spcFirstLastPara="1" wrap="square" lIns="91425" tIns="91425" rIns="91425" bIns="91425" anchor="t" anchorCtr="0">
             <a:noAutofit/>
           </a:bodyPr>
           <a:lstStyle/>
           <a:p>
-            <a:pPr indent="0" lvl="0" marL="0" rtl="0" algn="l">
+            <a:pPr marL="0" lvl="0" indent="0" algn="l" rtl="0">
               <a:spcBef>
                 <a:spcPts val="0"/>
               </a:spcBef>
@@ -1370,18 +1434,15 @@
             </a:endParaRPr>
           </a:p>
           <a:p>
-            <a:pPr indent="0" lvl="0" marL="0" rtl="0" algn="l">
-              <a:spcBef>
-                <a:spcPts val="0"/>
-              </a:spcBef>
-              <a:spcAft>
-                <a:spcPts val="0"/>
-              </a:spcAft>
-              <a:buNone/>
-            </a:pPr>
-            <a:r>
-              <a:t/>
-            </a:r>
+            <a:pPr marL="0" lvl="0" indent="0" algn="l" rtl="0">
+              <a:spcBef>
+                <a:spcPts val="0"/>
+              </a:spcBef>
+              <a:spcAft>
+                <a:spcPts val="0"/>
+              </a:spcAft>
+              <a:buNone/>
+            </a:pPr>
             <a:endParaRPr>
               <a:solidFill>
                 <a:schemeClr val="dk1"/>
@@ -1389,7 +1450,7 @@
             </a:endParaRPr>
           </a:p>
           <a:p>
-            <a:pPr indent="0" lvl="0" marL="0" rtl="0" algn="l">
+            <a:pPr marL="0" lvl="0" indent="0" algn="l" rtl="0">
               <a:spcBef>
                 <a:spcPts val="0"/>
               </a:spcBef>
@@ -1419,11 +1480,11 @@
 </file>
 
 <file path=ppt/notesSlides/notesSlide15.xml><?xml version="1.0" encoding="utf-8"?>
-<p:notes xmlns:a="http://schemas.openxmlformats.org/drawingml/2006/main" xmlns:r="http://schemas.openxmlformats.org/officeDocument/2006/relationships" xmlns:mc="http://schemas.openxmlformats.org/markup-compatibility/2006" xmlns:mv="urn:schemas-microsoft-com:mac:vml" xmlns:p="http://schemas.openxmlformats.org/presentationml/2006/main" xmlns:c="http://schemas.openxmlformats.org/drawingml/2006/chart" xmlns:dgm="http://schemas.openxmlformats.org/drawingml/2006/diagram" xmlns:o="urn:schemas-microsoft-com:office:office" xmlns:v="urn:schemas-microsoft-com:vml" xmlns:pvml="urn:schemas-microsoft-com:office:powerpoint" xmlns:com="http://schemas.openxmlformats.org/drawingml/2006/compatibility" xmlns:p14="http://schemas.microsoft.com/office/powerpoint/2010/main" xmlns:p15="http://schemas.microsoft.com/office/powerpoint/2012/main" showMasterPhAnim="0" showMasterSp="0">
+<p:notes xmlns:a="http://schemas.openxmlformats.org/drawingml/2006/main" xmlns:r="http://schemas.openxmlformats.org/officeDocument/2006/relationships" xmlns:p="http://schemas.openxmlformats.org/presentationml/2006/main" showMasterSp="0" showMasterPhAnim="0">
   <p:cSld>
     <p:spTree>
       <p:nvGrpSpPr>
-        <p:cNvPr id="154" name="Shape 154"/>
+        <p:cNvPr id="1" name="Shape 154"/>
         <p:cNvGrpSpPr/>
         <p:nvPr/>
       </p:nvGrpSpPr>
@@ -1438,9 +1499,11 @@
       <p:sp>
         <p:nvSpPr>
           <p:cNvPr id="155" name="Google Shape;155;g632256e91a_0_44:notes"/>
-          <p:cNvSpPr/>
+          <p:cNvSpPr>
+            <a:spLocks noGrp="1" noRot="1" noChangeAspect="1"/>
+          </p:cNvSpPr>
           <p:nvPr>
-            <p:ph idx="2" type="sldImg"/>
+            <p:ph type="sldImg" idx="2"/>
           </p:nvPr>
         </p:nvSpPr>
         <p:spPr>
@@ -1449,9 +1512,13 @@
             <a:ext cx="6096000" cy="3429000"/>
           </a:xfrm>
           <a:custGeom>
-            <a:rect b="b" l="l" r="r" t="t"/>
+            <a:avLst/>
+            <a:gdLst/>
+            <a:ahLst/>
+            <a:cxnLst/>
+            <a:rect l="l" t="t" r="r" b="b"/>
             <a:pathLst>
-              <a:path extrusionOk="0" h="120000" w="120000">
+              <a:path w="120000" h="120000" extrusionOk="0">
                 <a:moveTo>
                   <a:pt x="0" y="0"/>
                 </a:moveTo>
@@ -1473,9 +1540,11 @@
       <p:sp>
         <p:nvSpPr>
           <p:cNvPr id="156" name="Google Shape;156;g632256e91a_0_44:notes"/>
-          <p:cNvSpPr txBox="1"/>
+          <p:cNvSpPr txBox="1">
+            <a:spLocks noGrp="1"/>
+          </p:cNvSpPr>
           <p:nvPr>
-            <p:ph idx="1" type="body"/>
+            <p:ph type="body" idx="1"/>
           </p:nvPr>
         </p:nvSpPr>
         <p:spPr>
@@ -1488,12 +1557,12 @@
           </a:prstGeom>
         </p:spPr>
         <p:txBody>
-          <a:bodyPr anchorCtr="0" anchor="t" bIns="91425" lIns="91425" spcFirstLastPara="1" rIns="91425" wrap="square" tIns="91425">
+          <a:bodyPr spcFirstLastPara="1" wrap="square" lIns="91425" tIns="91425" rIns="91425" bIns="91425" anchor="t" anchorCtr="0">
             <a:noAutofit/>
           </a:bodyPr>
           <a:lstStyle/>
           <a:p>
-            <a:pPr indent="0" lvl="0" marL="0" rtl="0" algn="l">
+            <a:pPr marL="0" lvl="0" indent="0" algn="l" rtl="0">
               <a:spcBef>
                 <a:spcPts val="0"/>
               </a:spcBef>
@@ -1519,11 +1588,11 @@
 </file>
 
 <file path=ppt/notesSlides/notesSlide16.xml><?xml version="1.0" encoding="utf-8"?>
-<p:notes xmlns:a="http://schemas.openxmlformats.org/drawingml/2006/main" xmlns:r="http://schemas.openxmlformats.org/officeDocument/2006/relationships" xmlns:mc="http://schemas.openxmlformats.org/markup-compatibility/2006" xmlns:mv="urn:schemas-microsoft-com:mac:vml" xmlns:p="http://schemas.openxmlformats.org/presentationml/2006/main" xmlns:c="http://schemas.openxmlformats.org/drawingml/2006/chart" xmlns:dgm="http://schemas.openxmlformats.org/drawingml/2006/diagram" xmlns:o="urn:schemas-microsoft-com:office:office" xmlns:v="urn:schemas-microsoft-com:vml" xmlns:pvml="urn:schemas-microsoft-com:office:powerpoint" xmlns:com="http://schemas.openxmlformats.org/drawingml/2006/compatibility" xmlns:p14="http://schemas.microsoft.com/office/powerpoint/2010/main" xmlns:p15="http://schemas.microsoft.com/office/powerpoint/2012/main" showMasterPhAnim="0" showMasterSp="0">
+<p:notes xmlns:a="http://schemas.openxmlformats.org/drawingml/2006/main" xmlns:r="http://schemas.openxmlformats.org/officeDocument/2006/relationships" xmlns:p="http://schemas.openxmlformats.org/presentationml/2006/main" showMasterSp="0" showMasterPhAnim="0">
   <p:cSld>
     <p:spTree>
       <p:nvGrpSpPr>
-        <p:cNvPr id="160" name="Shape 160"/>
+        <p:cNvPr id="1" name="Shape 160"/>
         <p:cNvGrpSpPr/>
         <p:nvPr/>
       </p:nvGrpSpPr>
@@ -1538,9 +1607,11 @@
       <p:sp>
         <p:nvSpPr>
           <p:cNvPr id="161" name="Google Shape;161;g632256e91a_0_49:notes"/>
-          <p:cNvSpPr/>
+          <p:cNvSpPr>
+            <a:spLocks noGrp="1" noRot="1" noChangeAspect="1"/>
+          </p:cNvSpPr>
           <p:nvPr>
-            <p:ph idx="2" type="sldImg"/>
+            <p:ph type="sldImg" idx="2"/>
           </p:nvPr>
         </p:nvSpPr>
         <p:spPr>
@@ -1549,9 +1620,13 @@
             <a:ext cx="6096000" cy="3429000"/>
           </a:xfrm>
           <a:custGeom>
-            <a:rect b="b" l="l" r="r" t="t"/>
+            <a:avLst/>
+            <a:gdLst/>
+            <a:ahLst/>
+            <a:cxnLst/>
+            <a:rect l="l" t="t" r="r" b="b"/>
             <a:pathLst>
-              <a:path extrusionOk="0" h="120000" w="120000">
+              <a:path w="120000" h="120000" extrusionOk="0">
                 <a:moveTo>
                   <a:pt x="0" y="0"/>
                 </a:moveTo>
@@ -1573,9 +1648,11 @@
       <p:sp>
         <p:nvSpPr>
           <p:cNvPr id="162" name="Google Shape;162;g632256e91a_0_49:notes"/>
-          <p:cNvSpPr txBox="1"/>
+          <p:cNvSpPr txBox="1">
+            <a:spLocks noGrp="1"/>
+          </p:cNvSpPr>
           <p:nvPr>
-            <p:ph idx="1" type="body"/>
+            <p:ph type="body" idx="1"/>
           </p:nvPr>
         </p:nvSpPr>
         <p:spPr>
@@ -1588,12 +1665,12 @@
           </a:prstGeom>
         </p:spPr>
         <p:txBody>
-          <a:bodyPr anchorCtr="0" anchor="t" bIns="91425" lIns="91425" spcFirstLastPara="1" rIns="91425" wrap="square" tIns="91425">
+          <a:bodyPr spcFirstLastPara="1" wrap="square" lIns="91425" tIns="91425" rIns="91425" bIns="91425" anchor="t" anchorCtr="0">
             <a:noAutofit/>
           </a:bodyPr>
           <a:lstStyle/>
           <a:p>
-            <a:pPr indent="0" lvl="0" marL="0" rtl="0" algn="l">
+            <a:pPr marL="0" lvl="0" indent="0" algn="l" rtl="0">
               <a:spcBef>
                 <a:spcPts val="0"/>
               </a:spcBef>
@@ -1625,18 +1702,15 @@
             </a:endParaRPr>
           </a:p>
           <a:p>
-            <a:pPr indent="0" lvl="0" marL="0" rtl="0" algn="l">
-              <a:spcBef>
-                <a:spcPts val="0"/>
-              </a:spcBef>
-              <a:spcAft>
-                <a:spcPts val="0"/>
-              </a:spcAft>
-              <a:buNone/>
-            </a:pPr>
-            <a:r>
-              <a:t/>
-            </a:r>
+            <a:pPr marL="0" lvl="0" indent="0" algn="l" rtl="0">
+              <a:spcBef>
+                <a:spcPts val="0"/>
+              </a:spcBef>
+              <a:spcAft>
+                <a:spcPts val="0"/>
+              </a:spcAft>
+              <a:buNone/>
+            </a:pPr>
             <a:endParaRPr sz="1200">
               <a:solidFill>
                 <a:srgbClr val="1A1A1A"/>
@@ -1648,7 +1722,7 @@
             </a:endParaRPr>
           </a:p>
           <a:p>
-            <a:pPr indent="0" lvl="0" marL="0" rtl="0" algn="l">
+            <a:pPr marL="0" lvl="0" indent="0" algn="l" rtl="0">
               <a:spcBef>
                 <a:spcPts val="0"/>
               </a:spcBef>
@@ -1680,18 +1754,15 @@
             </a:endParaRPr>
           </a:p>
           <a:p>
-            <a:pPr indent="0" lvl="0" marL="0" rtl="0" algn="l">
-              <a:spcBef>
-                <a:spcPts val="0"/>
-              </a:spcBef>
-              <a:spcAft>
-                <a:spcPts val="0"/>
-              </a:spcAft>
-              <a:buNone/>
-            </a:pPr>
-            <a:r>
-              <a:t/>
-            </a:r>
+            <a:pPr marL="0" lvl="0" indent="0" algn="l" rtl="0">
+              <a:spcBef>
+                <a:spcPts val="0"/>
+              </a:spcBef>
+              <a:spcAft>
+                <a:spcPts val="0"/>
+              </a:spcAft>
+              <a:buNone/>
+            </a:pPr>
             <a:endParaRPr sz="1200">
               <a:solidFill>
                 <a:srgbClr val="1A1A1A"/>
@@ -1703,7 +1774,7 @@
             </a:endParaRPr>
           </a:p>
           <a:p>
-            <a:pPr indent="0" lvl="0" marL="0" rtl="0" algn="l">
+            <a:pPr marL="0" lvl="0" indent="0" algn="l" rtl="0">
               <a:spcBef>
                 <a:spcPts val="0"/>
               </a:spcBef>
@@ -1745,11 +1816,11 @@
 </file>
 
 <file path=ppt/notesSlides/notesSlide17.xml><?xml version="1.0" encoding="utf-8"?>
-<p:notes xmlns:a="http://schemas.openxmlformats.org/drawingml/2006/main" xmlns:r="http://schemas.openxmlformats.org/officeDocument/2006/relationships" xmlns:mc="http://schemas.openxmlformats.org/markup-compatibility/2006" xmlns:mv="urn:schemas-microsoft-com:mac:vml" xmlns:p="http://schemas.openxmlformats.org/presentationml/2006/main" xmlns:c="http://schemas.openxmlformats.org/drawingml/2006/chart" xmlns:dgm="http://schemas.openxmlformats.org/drawingml/2006/diagram" xmlns:o="urn:schemas-microsoft-com:office:office" xmlns:v="urn:schemas-microsoft-com:vml" xmlns:pvml="urn:schemas-microsoft-com:office:powerpoint" xmlns:com="http://schemas.openxmlformats.org/drawingml/2006/compatibility" xmlns:p14="http://schemas.microsoft.com/office/powerpoint/2010/main" xmlns:p15="http://schemas.microsoft.com/office/powerpoint/2012/main" showMasterPhAnim="0" showMasterSp="0">
+<p:notes xmlns:a="http://schemas.openxmlformats.org/drawingml/2006/main" xmlns:r="http://schemas.openxmlformats.org/officeDocument/2006/relationships" xmlns:p="http://schemas.openxmlformats.org/presentationml/2006/main" showMasterSp="0" showMasterPhAnim="0">
   <p:cSld>
     <p:spTree>
       <p:nvGrpSpPr>
-        <p:cNvPr id="170" name="Shape 170"/>
+        <p:cNvPr id="1" name="Shape 170"/>
         <p:cNvGrpSpPr/>
         <p:nvPr/>
       </p:nvGrpSpPr>
@@ -1764,9 +1835,11 @@
       <p:sp>
         <p:nvSpPr>
           <p:cNvPr id="171" name="Google Shape;171;g632256e91a_0_58:notes"/>
-          <p:cNvSpPr/>
+          <p:cNvSpPr>
+            <a:spLocks noGrp="1" noRot="1" noChangeAspect="1"/>
+          </p:cNvSpPr>
           <p:nvPr>
-            <p:ph idx="2" type="sldImg"/>
+            <p:ph type="sldImg" idx="2"/>
           </p:nvPr>
         </p:nvSpPr>
         <p:spPr>
@@ -1775,9 +1848,13 @@
             <a:ext cx="6096000" cy="3429000"/>
           </a:xfrm>
           <a:custGeom>
-            <a:rect b="b" l="l" r="r" t="t"/>
+            <a:avLst/>
+            <a:gdLst/>
+            <a:ahLst/>
+            <a:cxnLst/>
+            <a:rect l="l" t="t" r="r" b="b"/>
             <a:pathLst>
-              <a:path extrusionOk="0" h="120000" w="120000">
+              <a:path w="120000" h="120000" extrusionOk="0">
                 <a:moveTo>
                   <a:pt x="0" y="0"/>
                 </a:moveTo>
@@ -1799,9 +1876,11 @@
       <p:sp>
         <p:nvSpPr>
           <p:cNvPr id="172" name="Google Shape;172;g632256e91a_0_58:notes"/>
-          <p:cNvSpPr txBox="1"/>
+          <p:cNvSpPr txBox="1">
+            <a:spLocks noGrp="1"/>
+          </p:cNvSpPr>
           <p:nvPr>
-            <p:ph idx="1" type="body"/>
+            <p:ph type="body" idx="1"/>
           </p:nvPr>
         </p:nvSpPr>
         <p:spPr>
@@ -1814,12 +1893,12 @@
           </a:prstGeom>
         </p:spPr>
         <p:txBody>
-          <a:bodyPr anchorCtr="0" anchor="t" bIns="91425" lIns="91425" spcFirstLastPara="1" rIns="91425" wrap="square" tIns="91425">
+          <a:bodyPr spcFirstLastPara="1" wrap="square" lIns="91425" tIns="91425" rIns="91425" bIns="91425" anchor="t" anchorCtr="0">
             <a:noAutofit/>
           </a:bodyPr>
           <a:lstStyle/>
           <a:p>
-            <a:pPr indent="0" lvl="0" marL="0" rtl="0" algn="l">
+            <a:pPr marL="0" lvl="0" indent="0" algn="l" rtl="0">
               <a:spcBef>
                 <a:spcPts val="0"/>
               </a:spcBef>
@@ -1835,22 +1914,19 @@
             <a:endParaRPr/>
           </a:p>
           <a:p>
-            <a:pPr indent="0" lvl="0" marL="0" rtl="0" algn="l">
-              <a:spcBef>
-                <a:spcPts val="0"/>
-              </a:spcBef>
-              <a:spcAft>
-                <a:spcPts val="0"/>
-              </a:spcAft>
-              <a:buNone/>
-            </a:pPr>
-            <a:r>
-              <a:t/>
-            </a:r>
+            <a:pPr marL="0" lvl="0" indent="0" algn="l" rtl="0">
+              <a:spcBef>
+                <a:spcPts val="0"/>
+              </a:spcBef>
+              <a:spcAft>
+                <a:spcPts val="0"/>
+              </a:spcAft>
+              <a:buNone/>
+            </a:pPr>
             <a:endParaRPr/>
           </a:p>
           <a:p>
-            <a:pPr indent="0" lvl="0" marL="0" rtl="0" algn="l">
+            <a:pPr marL="0" lvl="0" indent="0" algn="l" rtl="0">
               <a:spcBef>
                 <a:spcPts val="0"/>
               </a:spcBef>
@@ -1876,11 +1952,11 @@
 </file>
 
 <file path=ppt/notesSlides/notesSlide18.xml><?xml version="1.0" encoding="utf-8"?>
-<p:notes xmlns:a="http://schemas.openxmlformats.org/drawingml/2006/main" xmlns:r="http://schemas.openxmlformats.org/officeDocument/2006/relationships" xmlns:mc="http://schemas.openxmlformats.org/markup-compatibility/2006" xmlns:mv="urn:schemas-microsoft-com:mac:vml" xmlns:p="http://schemas.openxmlformats.org/presentationml/2006/main" xmlns:c="http://schemas.openxmlformats.org/drawingml/2006/chart" xmlns:dgm="http://schemas.openxmlformats.org/drawingml/2006/diagram" xmlns:o="urn:schemas-microsoft-com:office:office" xmlns:v="urn:schemas-microsoft-com:vml" xmlns:pvml="urn:schemas-microsoft-com:office:powerpoint" xmlns:com="http://schemas.openxmlformats.org/drawingml/2006/compatibility" xmlns:p14="http://schemas.microsoft.com/office/powerpoint/2010/main" xmlns:p15="http://schemas.microsoft.com/office/powerpoint/2012/main" showMasterPhAnim="0" showMasterSp="0">
+<p:notes xmlns:a="http://schemas.openxmlformats.org/drawingml/2006/main" xmlns:r="http://schemas.openxmlformats.org/officeDocument/2006/relationships" xmlns:p="http://schemas.openxmlformats.org/presentationml/2006/main" showMasterSp="0" showMasterPhAnim="0">
   <p:cSld>
     <p:spTree>
       <p:nvGrpSpPr>
-        <p:cNvPr id="182" name="Shape 182"/>
+        <p:cNvPr id="1" name="Shape 182"/>
         <p:cNvGrpSpPr/>
         <p:nvPr/>
       </p:nvGrpSpPr>
@@ -1895,9 +1971,11 @@
       <p:sp>
         <p:nvSpPr>
           <p:cNvPr id="183" name="Google Shape;183;g4734d09f2a745ca1_16:notes"/>
-          <p:cNvSpPr/>
+          <p:cNvSpPr>
+            <a:spLocks noGrp="1" noRot="1" noChangeAspect="1"/>
+          </p:cNvSpPr>
           <p:nvPr>
-            <p:ph idx="2" type="sldImg"/>
+            <p:ph type="sldImg" idx="2"/>
           </p:nvPr>
         </p:nvSpPr>
         <p:spPr>
@@ -1906,9 +1984,13 @@
             <a:ext cx="6096000" cy="3429000"/>
           </a:xfrm>
           <a:custGeom>
-            <a:rect b="b" l="l" r="r" t="t"/>
+            <a:avLst/>
+            <a:gdLst/>
+            <a:ahLst/>
+            <a:cxnLst/>
+            <a:rect l="l" t="t" r="r" b="b"/>
             <a:pathLst>
-              <a:path extrusionOk="0" h="120000" w="120000">
+              <a:path w="120000" h="120000" extrusionOk="0">
                 <a:moveTo>
                   <a:pt x="0" y="0"/>
                 </a:moveTo>
@@ -1930,9 +2012,11 @@
       <p:sp>
         <p:nvSpPr>
           <p:cNvPr id="184" name="Google Shape;184;g4734d09f2a745ca1_16:notes"/>
-          <p:cNvSpPr txBox="1"/>
+          <p:cNvSpPr txBox="1">
+            <a:spLocks noGrp="1"/>
+          </p:cNvSpPr>
           <p:nvPr>
-            <p:ph idx="1" type="body"/>
+            <p:ph type="body" idx="1"/>
           </p:nvPr>
         </p:nvSpPr>
         <p:spPr>
@@ -1945,12 +2029,12 @@
           </a:prstGeom>
         </p:spPr>
         <p:txBody>
-          <a:bodyPr anchorCtr="0" anchor="t" bIns="91425" lIns="91425" spcFirstLastPara="1" rIns="91425" wrap="square" tIns="91425">
+          <a:bodyPr spcFirstLastPara="1" wrap="square" lIns="91425" tIns="91425" rIns="91425" bIns="91425" anchor="t" anchorCtr="0">
             <a:noAutofit/>
           </a:bodyPr>
           <a:lstStyle/>
           <a:p>
-            <a:pPr indent="-298450" lvl="0" marL="457200" rtl="0" algn="l">
+            <a:pPr marL="457200" lvl="0" indent="-298450" algn="l" rtl="0">
               <a:spcBef>
                 <a:spcPts val="0"/>
               </a:spcBef>
@@ -1977,11 +2061,11 @@
 </file>
 
 <file path=ppt/notesSlides/notesSlide19.xml><?xml version="1.0" encoding="utf-8"?>
-<p:notes xmlns:a="http://schemas.openxmlformats.org/drawingml/2006/main" xmlns:r="http://schemas.openxmlformats.org/officeDocument/2006/relationships" xmlns:mc="http://schemas.openxmlformats.org/markup-compatibility/2006" xmlns:mv="urn:schemas-microsoft-com:mac:vml" xmlns:p="http://schemas.openxmlformats.org/presentationml/2006/main" xmlns:c="http://schemas.openxmlformats.org/drawingml/2006/chart" xmlns:dgm="http://schemas.openxmlformats.org/drawingml/2006/diagram" xmlns:o="urn:schemas-microsoft-com:office:office" xmlns:v="urn:schemas-microsoft-com:vml" xmlns:pvml="urn:schemas-microsoft-com:office:powerpoint" xmlns:com="http://schemas.openxmlformats.org/drawingml/2006/compatibility" xmlns:p14="http://schemas.microsoft.com/office/powerpoint/2010/main" xmlns:p15="http://schemas.microsoft.com/office/powerpoint/2012/main" showMasterPhAnim="0" showMasterSp="0">
+<p:notes xmlns:a="http://schemas.openxmlformats.org/drawingml/2006/main" xmlns:r="http://schemas.openxmlformats.org/officeDocument/2006/relationships" xmlns:p="http://schemas.openxmlformats.org/presentationml/2006/main" showMasterSp="0" showMasterPhAnim="0">
   <p:cSld>
     <p:spTree>
       <p:nvGrpSpPr>
-        <p:cNvPr id="188" name="Shape 188"/>
+        <p:cNvPr id="1" name="Shape 188"/>
         <p:cNvGrpSpPr/>
         <p:nvPr/>
       </p:nvGrpSpPr>
@@ -1996,9 +2080,11 @@
       <p:sp>
         <p:nvSpPr>
           <p:cNvPr id="189" name="Google Shape;189;g6307ebe9e7_0_210:notes"/>
-          <p:cNvSpPr/>
+          <p:cNvSpPr>
+            <a:spLocks noGrp="1" noRot="1" noChangeAspect="1"/>
+          </p:cNvSpPr>
           <p:nvPr>
-            <p:ph idx="2" type="sldImg"/>
+            <p:ph type="sldImg" idx="2"/>
           </p:nvPr>
         </p:nvSpPr>
         <p:spPr>
@@ -2007,9 +2093,13 @@
             <a:ext cx="6096000" cy="3429000"/>
           </a:xfrm>
           <a:custGeom>
-            <a:rect b="b" l="l" r="r" t="t"/>
+            <a:avLst/>
+            <a:gdLst/>
+            <a:ahLst/>
+            <a:cxnLst/>
+            <a:rect l="l" t="t" r="r" b="b"/>
             <a:pathLst>
-              <a:path extrusionOk="0" h="120000" w="120000">
+              <a:path w="120000" h="120000" extrusionOk="0">
                 <a:moveTo>
                   <a:pt x="0" y="0"/>
                 </a:moveTo>
@@ -2031,9 +2121,11 @@
       <p:sp>
         <p:nvSpPr>
           <p:cNvPr id="190" name="Google Shape;190;g6307ebe9e7_0_210:notes"/>
-          <p:cNvSpPr txBox="1"/>
+          <p:cNvSpPr txBox="1">
+            <a:spLocks noGrp="1"/>
+          </p:cNvSpPr>
           <p:nvPr>
-            <p:ph idx="1" type="body"/>
+            <p:ph type="body" idx="1"/>
           </p:nvPr>
         </p:nvSpPr>
         <p:spPr>
@@ -2046,12 +2138,12 @@
           </a:prstGeom>
         </p:spPr>
         <p:txBody>
-          <a:bodyPr anchorCtr="0" anchor="t" bIns="91425" lIns="91425" spcFirstLastPara="1" rIns="91425" wrap="square" tIns="91425">
+          <a:bodyPr spcFirstLastPara="1" wrap="square" lIns="91425" tIns="91425" rIns="91425" bIns="91425" anchor="t" anchorCtr="0">
             <a:noAutofit/>
           </a:bodyPr>
           <a:lstStyle/>
           <a:p>
-            <a:pPr indent="0" lvl="0" marL="0" rtl="0" algn="l">
+            <a:pPr marL="0" lvl="0" indent="0" algn="l" rtl="0">
               <a:spcBef>
                 <a:spcPts val="0"/>
               </a:spcBef>
@@ -2086,11 +2178,11 @@
 </file>
 
 <file path=ppt/notesSlides/notesSlide2.xml><?xml version="1.0" encoding="utf-8"?>
-<p:notes xmlns:a="http://schemas.openxmlformats.org/drawingml/2006/main" xmlns:r="http://schemas.openxmlformats.org/officeDocument/2006/relationships" xmlns:mc="http://schemas.openxmlformats.org/markup-compatibility/2006" xmlns:mv="urn:schemas-microsoft-com:mac:vml" xmlns:p="http://schemas.openxmlformats.org/presentationml/2006/main" xmlns:c="http://schemas.openxmlformats.org/drawingml/2006/chart" xmlns:dgm="http://schemas.openxmlformats.org/drawingml/2006/diagram" xmlns:o="urn:schemas-microsoft-com:office:office" xmlns:v="urn:schemas-microsoft-com:vml" xmlns:pvml="urn:schemas-microsoft-com:office:powerpoint" xmlns:com="http://schemas.openxmlformats.org/drawingml/2006/compatibility" xmlns:p14="http://schemas.microsoft.com/office/powerpoint/2010/main" xmlns:p15="http://schemas.microsoft.com/office/powerpoint/2012/main" showMasterPhAnim="0" showMasterSp="0">
+<p:notes xmlns:a="http://schemas.openxmlformats.org/drawingml/2006/main" xmlns:r="http://schemas.openxmlformats.org/officeDocument/2006/relationships" xmlns:p="http://schemas.openxmlformats.org/presentationml/2006/main" showMasterSp="0" showMasterPhAnim="0">
   <p:cSld>
     <p:spTree>
       <p:nvGrpSpPr>
-        <p:cNvPr id="60" name="Shape 60"/>
+        <p:cNvPr id="1" name="Shape 60"/>
         <p:cNvGrpSpPr/>
         <p:nvPr/>
       </p:nvGrpSpPr>
@@ -2105,9 +2197,11 @@
       <p:sp>
         <p:nvSpPr>
           <p:cNvPr id="61" name="Google Shape;61;g630156ce4a_0_0:notes"/>
-          <p:cNvSpPr/>
+          <p:cNvSpPr>
+            <a:spLocks noGrp="1" noRot="1" noChangeAspect="1"/>
+          </p:cNvSpPr>
           <p:nvPr>
-            <p:ph idx="2" type="sldImg"/>
+            <p:ph type="sldImg" idx="2"/>
           </p:nvPr>
         </p:nvSpPr>
         <p:spPr>
@@ -2116,9 +2210,13 @@
             <a:ext cx="6096000" cy="3429000"/>
           </a:xfrm>
           <a:custGeom>
-            <a:rect b="b" l="l" r="r" t="t"/>
+            <a:avLst/>
+            <a:gdLst/>
+            <a:ahLst/>
+            <a:cxnLst/>
+            <a:rect l="l" t="t" r="r" b="b"/>
             <a:pathLst>
-              <a:path extrusionOk="0" h="120000" w="120000">
+              <a:path w="120000" h="120000" extrusionOk="0">
                 <a:moveTo>
                   <a:pt x="0" y="0"/>
                 </a:moveTo>
@@ -2140,9 +2238,11 @@
       <p:sp>
         <p:nvSpPr>
           <p:cNvPr id="62" name="Google Shape;62;g630156ce4a_0_0:notes"/>
-          <p:cNvSpPr txBox="1"/>
+          <p:cNvSpPr txBox="1">
+            <a:spLocks noGrp="1"/>
+          </p:cNvSpPr>
           <p:nvPr>
-            <p:ph idx="1" type="body"/>
+            <p:ph type="body" idx="1"/>
           </p:nvPr>
         </p:nvSpPr>
         <p:spPr>
@@ -2155,23 +2255,20 @@
           </a:prstGeom>
         </p:spPr>
         <p:txBody>
-          <a:bodyPr anchorCtr="0" anchor="t" bIns="91425" lIns="91425" spcFirstLastPara="1" rIns="91425" wrap="square" tIns="91425">
+          <a:bodyPr spcFirstLastPara="1" wrap="square" lIns="91425" tIns="91425" rIns="91425" bIns="91425" anchor="t" anchorCtr="0">
             <a:noAutofit/>
           </a:bodyPr>
           <a:lstStyle/>
           <a:p>
-            <a:pPr indent="0" lvl="0" marL="0" rtl="0" algn="l">
-              <a:spcBef>
-                <a:spcPts val="0"/>
-              </a:spcBef>
-              <a:spcAft>
-                <a:spcPts val="0"/>
-              </a:spcAft>
-              <a:buNone/>
-            </a:pPr>
-            <a:r>
-              <a:t/>
-            </a:r>
+            <a:pPr marL="0" lvl="0" indent="0" algn="l" rtl="0">
+              <a:spcBef>
+                <a:spcPts val="0"/>
+              </a:spcBef>
+              <a:spcAft>
+                <a:spcPts val="0"/>
+              </a:spcAft>
+              <a:buNone/>
+            </a:pPr>
             <a:endParaRPr/>
           </a:p>
         </p:txBody>
@@ -2185,11 +2282,11 @@
 </file>
 
 <file path=ppt/notesSlides/notesSlide20.xml><?xml version="1.0" encoding="utf-8"?>
-<p:notes xmlns:a="http://schemas.openxmlformats.org/drawingml/2006/main" xmlns:r="http://schemas.openxmlformats.org/officeDocument/2006/relationships" xmlns:mc="http://schemas.openxmlformats.org/markup-compatibility/2006" xmlns:mv="urn:schemas-microsoft-com:mac:vml" xmlns:p="http://schemas.openxmlformats.org/presentationml/2006/main" xmlns:c="http://schemas.openxmlformats.org/drawingml/2006/chart" xmlns:dgm="http://schemas.openxmlformats.org/drawingml/2006/diagram" xmlns:o="urn:schemas-microsoft-com:office:office" xmlns:v="urn:schemas-microsoft-com:vml" xmlns:pvml="urn:schemas-microsoft-com:office:powerpoint" xmlns:com="http://schemas.openxmlformats.org/drawingml/2006/compatibility" xmlns:p14="http://schemas.microsoft.com/office/powerpoint/2010/main" xmlns:p15="http://schemas.microsoft.com/office/powerpoint/2012/main" showMasterPhAnim="0" showMasterSp="0">
+<p:notes xmlns:a="http://schemas.openxmlformats.org/drawingml/2006/main" xmlns:r="http://schemas.openxmlformats.org/officeDocument/2006/relationships" xmlns:p="http://schemas.openxmlformats.org/presentationml/2006/main" showMasterSp="0" showMasterPhAnim="0">
   <p:cSld>
     <p:spTree>
       <p:nvGrpSpPr>
-        <p:cNvPr id="194" name="Shape 194"/>
+        <p:cNvPr id="1" name="Shape 50"/>
         <p:cNvGrpSpPr/>
         <p:nvPr/>
       </p:nvGrpSpPr>
@@ -2203,21 +2300,27 @@
       </p:grpSpPr>
       <p:sp>
         <p:nvSpPr>
-          <p:cNvPr id="195" name="Google Shape;195;g62b6c48ac1_0_33:notes"/>
-          <p:cNvSpPr/>
+          <p:cNvPr id="51" name="Google Shape;51;p:notes"/>
+          <p:cNvSpPr>
+            <a:spLocks noGrp="1" noRot="1" noChangeAspect="1"/>
+          </p:cNvSpPr>
           <p:nvPr>
-            <p:ph idx="2" type="sldImg"/>
+            <p:ph type="sldImg" idx="2"/>
           </p:nvPr>
         </p:nvSpPr>
         <p:spPr>
           <a:xfrm>
-            <a:off x="381300" y="685800"/>
+            <a:off x="381000" y="685800"/>
             <a:ext cx="6096000" cy="3429000"/>
           </a:xfrm>
           <a:custGeom>
-            <a:rect b="b" l="l" r="r" t="t"/>
+            <a:avLst/>
+            <a:gdLst/>
+            <a:ahLst/>
+            <a:cxnLst/>
+            <a:rect l="l" t="t" r="r" b="b"/>
             <a:pathLst>
-              <a:path extrusionOk="0" h="120000" w="120000">
+              <a:path w="120000" h="120000" extrusionOk="0">
                 <a:moveTo>
                   <a:pt x="0" y="0"/>
                 </a:moveTo>
@@ -2238,10 +2341,12 @@
       </p:sp>
       <p:sp>
         <p:nvSpPr>
-          <p:cNvPr id="196" name="Google Shape;196;g62b6c48ac1_0_33:notes"/>
-          <p:cNvSpPr txBox="1"/>
+          <p:cNvPr id="52" name="Google Shape;52;p:notes"/>
+          <p:cNvSpPr txBox="1">
+            <a:spLocks noGrp="1"/>
+          </p:cNvSpPr>
           <p:nvPr>
-            <p:ph idx="1" type="body"/>
+            <p:ph type="body" idx="1"/>
           </p:nvPr>
         </p:nvSpPr>
         <p:spPr>
@@ -2254,28 +2359,52 @@
           </a:prstGeom>
         </p:spPr>
         <p:txBody>
-          <a:bodyPr anchorCtr="0" anchor="t" bIns="91425" lIns="91425" spcFirstLastPara="1" rIns="91425" wrap="square" tIns="91425">
+          <a:bodyPr spcFirstLastPara="1" wrap="square" lIns="91425" tIns="91425" rIns="91425" bIns="91425" anchor="t" anchorCtr="0">
             <a:noAutofit/>
           </a:bodyPr>
           <a:lstStyle/>
           <a:p>
-            <a:pPr indent="0" lvl="0" marL="0" rtl="0" algn="l">
-              <a:spcBef>
-                <a:spcPts val="0"/>
-              </a:spcBef>
-              <a:spcAft>
-                <a:spcPts val="0"/>
-              </a:spcAft>
-              <a:buNone/>
-            </a:pPr>
-            <a:r>
-              <a:t/>
+            <a:pPr marL="457200" lvl="0" indent="-298450" algn="l" rtl="0">
+              <a:spcBef>
+                <a:spcPts val="0"/>
+              </a:spcBef>
+              <a:spcAft>
+                <a:spcPts val="0"/>
+              </a:spcAft>
+              <a:buSzPts val="1100"/>
+              <a:buChar char="-"/>
+            </a:pPr>
+            <a:r>
+              <a:rPr lang="en"/>
+              <a:t>Welcome to the first part of Lecture 3. Today we’re going to talk about user interactive components.</a:t>
+            </a:r>
+            <a:endParaRPr/>
+          </a:p>
+          <a:p>
+            <a:pPr marL="457200" lvl="0" indent="-298450" algn="l" rtl="0">
+              <a:spcBef>
+                <a:spcPts val="0"/>
+              </a:spcBef>
+              <a:spcAft>
+                <a:spcPts val="0"/>
+              </a:spcAft>
+              <a:buSzPts val="1100"/>
+              <a:buChar char="-"/>
+            </a:pPr>
+            <a:r>
+              <a:rPr lang="en"/>
+              <a:t>This includes the TextInput and Lists</a:t>
             </a:r>
             <a:endParaRPr/>
           </a:p>
         </p:txBody>
       </p:sp>
     </p:spTree>
+    <p:extLst>
+      <p:ext uri="{BB962C8B-B14F-4D97-AF65-F5344CB8AC3E}">
+        <p14:creationId xmlns:p14="http://schemas.microsoft.com/office/powerpoint/2010/main" val="322685465"/>
+      </p:ext>
+    </p:extLst>
   </p:cSld>
   <p:clrMapOvr>
     <a:masterClrMapping/>
@@ -2284,11 +2413,11 @@
 </file>
 
 <file path=ppt/notesSlides/notesSlide3.xml><?xml version="1.0" encoding="utf-8"?>
-<p:notes xmlns:a="http://schemas.openxmlformats.org/drawingml/2006/main" xmlns:r="http://schemas.openxmlformats.org/officeDocument/2006/relationships" xmlns:mc="http://schemas.openxmlformats.org/markup-compatibility/2006" xmlns:mv="urn:schemas-microsoft-com:mac:vml" xmlns:p="http://schemas.openxmlformats.org/presentationml/2006/main" xmlns:c="http://schemas.openxmlformats.org/drawingml/2006/chart" xmlns:dgm="http://schemas.openxmlformats.org/drawingml/2006/diagram" xmlns:o="urn:schemas-microsoft-com:office:office" xmlns:v="urn:schemas-microsoft-com:vml" xmlns:pvml="urn:schemas-microsoft-com:office:powerpoint" xmlns:com="http://schemas.openxmlformats.org/drawingml/2006/compatibility" xmlns:p14="http://schemas.microsoft.com/office/powerpoint/2010/main" xmlns:p15="http://schemas.microsoft.com/office/powerpoint/2012/main" showMasterPhAnim="0" showMasterSp="0">
+<p:notes xmlns:a="http://schemas.openxmlformats.org/drawingml/2006/main" xmlns:r="http://schemas.openxmlformats.org/officeDocument/2006/relationships" xmlns:p="http://schemas.openxmlformats.org/presentationml/2006/main" showMasterSp="0" showMasterPhAnim="0">
   <p:cSld>
     <p:spTree>
       <p:nvGrpSpPr>
-        <p:cNvPr id="67" name="Shape 67"/>
+        <p:cNvPr id="1" name="Shape 67"/>
         <p:cNvGrpSpPr/>
         <p:nvPr/>
       </p:nvGrpSpPr>
@@ -2303,9 +2432,11 @@
       <p:sp>
         <p:nvSpPr>
           <p:cNvPr id="68" name="Google Shape;68;g632256e91a_0_0:notes"/>
-          <p:cNvSpPr/>
+          <p:cNvSpPr>
+            <a:spLocks noGrp="1" noRot="1" noChangeAspect="1"/>
+          </p:cNvSpPr>
           <p:nvPr>
-            <p:ph idx="2" type="sldImg"/>
+            <p:ph type="sldImg" idx="2"/>
           </p:nvPr>
         </p:nvSpPr>
         <p:spPr>
@@ -2314,9 +2445,13 @@
             <a:ext cx="6096000" cy="3429000"/>
           </a:xfrm>
           <a:custGeom>
-            <a:rect b="b" l="l" r="r" t="t"/>
+            <a:avLst/>
+            <a:gdLst/>
+            <a:ahLst/>
+            <a:cxnLst/>
+            <a:rect l="l" t="t" r="r" b="b"/>
             <a:pathLst>
-              <a:path extrusionOk="0" h="120000" w="120000">
+              <a:path w="120000" h="120000" extrusionOk="0">
                 <a:moveTo>
                   <a:pt x="0" y="0"/>
                 </a:moveTo>
@@ -2338,9 +2473,11 @@
       <p:sp>
         <p:nvSpPr>
           <p:cNvPr id="69" name="Google Shape;69;g632256e91a_0_0:notes"/>
-          <p:cNvSpPr txBox="1"/>
+          <p:cNvSpPr txBox="1">
+            <a:spLocks noGrp="1"/>
+          </p:cNvSpPr>
           <p:nvPr>
-            <p:ph idx="1" type="body"/>
+            <p:ph type="body" idx="1"/>
           </p:nvPr>
         </p:nvSpPr>
         <p:spPr>
@@ -2353,23 +2490,20 @@
           </a:prstGeom>
         </p:spPr>
         <p:txBody>
-          <a:bodyPr anchorCtr="0" anchor="t" bIns="91425" lIns="91425" spcFirstLastPara="1" rIns="91425" wrap="square" tIns="91425">
+          <a:bodyPr spcFirstLastPara="1" wrap="square" lIns="91425" tIns="91425" rIns="91425" bIns="91425" anchor="t" anchorCtr="0">
             <a:noAutofit/>
           </a:bodyPr>
           <a:lstStyle/>
           <a:p>
-            <a:pPr indent="0" lvl="0" marL="0" rtl="0" algn="l">
-              <a:spcBef>
-                <a:spcPts val="0"/>
-              </a:spcBef>
-              <a:spcAft>
-                <a:spcPts val="0"/>
-              </a:spcAft>
-              <a:buNone/>
-            </a:pPr>
-            <a:r>
-              <a:t/>
-            </a:r>
+            <a:pPr marL="0" lvl="0" indent="0" algn="l" rtl="0">
+              <a:spcBef>
+                <a:spcPts val="0"/>
+              </a:spcBef>
+              <a:spcAft>
+                <a:spcPts val="0"/>
+              </a:spcAft>
+              <a:buNone/>
+            </a:pPr>
             <a:endParaRPr/>
           </a:p>
         </p:txBody>
@@ -2383,11 +2517,11 @@
 </file>
 
 <file path=ppt/notesSlides/notesSlide4.xml><?xml version="1.0" encoding="utf-8"?>
-<p:notes xmlns:a="http://schemas.openxmlformats.org/drawingml/2006/main" xmlns:r="http://schemas.openxmlformats.org/officeDocument/2006/relationships" xmlns:mc="http://schemas.openxmlformats.org/markup-compatibility/2006" xmlns:mv="urn:schemas-microsoft-com:mac:vml" xmlns:p="http://schemas.openxmlformats.org/presentationml/2006/main" xmlns:c="http://schemas.openxmlformats.org/drawingml/2006/chart" xmlns:dgm="http://schemas.openxmlformats.org/drawingml/2006/diagram" xmlns:o="urn:schemas-microsoft-com:office:office" xmlns:v="urn:schemas-microsoft-com:vml" xmlns:pvml="urn:schemas-microsoft-com:office:powerpoint" xmlns:com="http://schemas.openxmlformats.org/drawingml/2006/compatibility" xmlns:p14="http://schemas.microsoft.com/office/powerpoint/2010/main" xmlns:p15="http://schemas.microsoft.com/office/powerpoint/2012/main" showMasterPhAnim="0" showMasterSp="0">
+<p:notes xmlns:a="http://schemas.openxmlformats.org/drawingml/2006/main" xmlns:r="http://schemas.openxmlformats.org/officeDocument/2006/relationships" xmlns:p="http://schemas.openxmlformats.org/presentationml/2006/main" showMasterSp="0" showMasterPhAnim="0">
   <p:cSld>
     <p:spTree>
       <p:nvGrpSpPr>
-        <p:cNvPr id="76" name="Shape 76"/>
+        <p:cNvPr id="1" name="Shape 76"/>
         <p:cNvGrpSpPr/>
         <p:nvPr/>
       </p:nvGrpSpPr>
@@ -2402,20 +2536,26 @@
       <p:sp>
         <p:nvSpPr>
           <p:cNvPr id="77" name="Google Shape;77;g6307ebe9e7_0_200:notes"/>
-          <p:cNvSpPr/>
+          <p:cNvSpPr>
+            <a:spLocks noGrp="1" noRot="1" noChangeAspect="1"/>
+          </p:cNvSpPr>
           <p:nvPr>
-            <p:ph idx="2" type="sldImg"/>
+            <p:ph type="sldImg" idx="2"/>
           </p:nvPr>
         </p:nvSpPr>
         <p:spPr>
           <a:xfrm>
-            <a:off x="381300" y="685800"/>
+            <a:off x="381000" y="685800"/>
             <a:ext cx="6096000" cy="3429000"/>
           </a:xfrm>
           <a:custGeom>
-            <a:rect b="b" l="l" r="r" t="t"/>
+            <a:avLst/>
+            <a:gdLst/>
+            <a:ahLst/>
+            <a:cxnLst/>
+            <a:rect l="l" t="t" r="r" b="b"/>
             <a:pathLst>
-              <a:path extrusionOk="0" h="120000" w="120000">
+              <a:path w="120000" h="120000" extrusionOk="0">
                 <a:moveTo>
                   <a:pt x="0" y="0"/>
                 </a:moveTo>
@@ -2437,9 +2577,11 @@
       <p:sp>
         <p:nvSpPr>
           <p:cNvPr id="78" name="Google Shape;78;g6307ebe9e7_0_200:notes"/>
-          <p:cNvSpPr txBox="1"/>
+          <p:cNvSpPr txBox="1">
+            <a:spLocks noGrp="1"/>
+          </p:cNvSpPr>
           <p:nvPr>
-            <p:ph idx="1" type="body"/>
+            <p:ph type="body" idx="1"/>
           </p:nvPr>
         </p:nvSpPr>
         <p:spPr>
@@ -2452,12 +2594,12 @@
           </a:prstGeom>
         </p:spPr>
         <p:txBody>
-          <a:bodyPr anchorCtr="0" anchor="t" bIns="91425" lIns="91425" spcFirstLastPara="1" rIns="91425" wrap="square" tIns="91425">
+          <a:bodyPr spcFirstLastPara="1" wrap="square" lIns="91425" tIns="91425" rIns="91425" bIns="91425" anchor="t" anchorCtr="0">
             <a:noAutofit/>
           </a:bodyPr>
           <a:lstStyle/>
           <a:p>
-            <a:pPr indent="-298450" lvl="0" marL="457200" rtl="0" algn="l">
+            <a:pPr marL="457200" lvl="0" indent="-298450" algn="l" rtl="0">
               <a:spcBef>
                 <a:spcPts val="0"/>
               </a:spcBef>
@@ -2468,27 +2610,10 @@
               <a:buChar char="-"/>
             </a:pPr>
             <a:r>
-              <a:rPr lang="en"/>
+              <a:rPr lang="en" dirty="0"/>
               <a:t>Assignment 3 is released today</a:t>
             </a:r>
-            <a:endParaRPr/>
-          </a:p>
-          <a:p>
-            <a:pPr indent="-298450" lvl="0" marL="457200" rtl="0" algn="l">
-              <a:spcBef>
-                <a:spcPts val="0"/>
-              </a:spcBef>
-              <a:spcAft>
-                <a:spcPts val="0"/>
-              </a:spcAft>
-              <a:buSzPts val="1100"/>
-              <a:buChar char="-"/>
-            </a:pPr>
-            <a:r>
-              <a:rPr lang="en"/>
-              <a:t>Tiffany’s OH moved to 4pm on Thursday in Huang basement bc career fair</a:t>
-            </a:r>
-            <a:endParaRPr/>
+            <a:endParaRPr dirty="0"/>
           </a:p>
         </p:txBody>
       </p:sp>
@@ -2501,11 +2626,11 @@
 </file>
 
 <file path=ppt/notesSlides/notesSlide5.xml><?xml version="1.0" encoding="utf-8"?>
-<p:notes xmlns:a="http://schemas.openxmlformats.org/drawingml/2006/main" xmlns:r="http://schemas.openxmlformats.org/officeDocument/2006/relationships" xmlns:mc="http://schemas.openxmlformats.org/markup-compatibility/2006" xmlns:mv="urn:schemas-microsoft-com:mac:vml" xmlns:p="http://schemas.openxmlformats.org/presentationml/2006/main" xmlns:c="http://schemas.openxmlformats.org/drawingml/2006/chart" xmlns:dgm="http://schemas.openxmlformats.org/drawingml/2006/diagram" xmlns:o="urn:schemas-microsoft-com:office:office" xmlns:v="urn:schemas-microsoft-com:vml" xmlns:pvml="urn:schemas-microsoft-com:office:powerpoint" xmlns:com="http://schemas.openxmlformats.org/drawingml/2006/compatibility" xmlns:p14="http://schemas.microsoft.com/office/powerpoint/2010/main" xmlns:p15="http://schemas.microsoft.com/office/powerpoint/2012/main" showMasterPhAnim="0" showMasterSp="0">
+<p:notes xmlns:a="http://schemas.openxmlformats.org/drawingml/2006/main" xmlns:r="http://schemas.openxmlformats.org/officeDocument/2006/relationships" xmlns:p="http://schemas.openxmlformats.org/presentationml/2006/main" showMasterSp="0" showMasterPhAnim="0">
   <p:cSld>
     <p:spTree>
       <p:nvGrpSpPr>
-        <p:cNvPr id="82" name="Shape 82"/>
+        <p:cNvPr id="1" name="Shape 82"/>
         <p:cNvGrpSpPr/>
         <p:nvPr/>
       </p:nvGrpSpPr>
@@ -2520,9 +2645,11 @@
       <p:sp>
         <p:nvSpPr>
           <p:cNvPr id="83" name="Google Shape;83;g632256e91a_0_14:notes"/>
-          <p:cNvSpPr/>
+          <p:cNvSpPr>
+            <a:spLocks noGrp="1" noRot="1" noChangeAspect="1"/>
+          </p:cNvSpPr>
           <p:nvPr>
-            <p:ph idx="2" type="sldImg"/>
+            <p:ph type="sldImg" idx="2"/>
           </p:nvPr>
         </p:nvSpPr>
         <p:spPr>
@@ -2531,9 +2658,13 @@
             <a:ext cx="6096000" cy="3429000"/>
           </a:xfrm>
           <a:custGeom>
-            <a:rect b="b" l="l" r="r" t="t"/>
+            <a:avLst/>
+            <a:gdLst/>
+            <a:ahLst/>
+            <a:cxnLst/>
+            <a:rect l="l" t="t" r="r" b="b"/>
             <a:pathLst>
-              <a:path extrusionOk="0" h="120000" w="120000">
+              <a:path w="120000" h="120000" extrusionOk="0">
                 <a:moveTo>
                   <a:pt x="0" y="0"/>
                 </a:moveTo>
@@ -2555,9 +2686,11 @@
       <p:sp>
         <p:nvSpPr>
           <p:cNvPr id="84" name="Google Shape;84;g632256e91a_0_14:notes"/>
-          <p:cNvSpPr txBox="1"/>
+          <p:cNvSpPr txBox="1">
+            <a:spLocks noGrp="1"/>
+          </p:cNvSpPr>
           <p:nvPr>
-            <p:ph idx="1" type="body"/>
+            <p:ph type="body" idx="1"/>
           </p:nvPr>
         </p:nvSpPr>
         <p:spPr>
@@ -2570,12 +2703,12 @@
           </a:prstGeom>
         </p:spPr>
         <p:txBody>
-          <a:bodyPr anchorCtr="0" anchor="t" bIns="91425" lIns="91425" spcFirstLastPara="1" rIns="91425" wrap="square" tIns="91425">
+          <a:bodyPr spcFirstLastPara="1" wrap="square" lIns="91425" tIns="91425" rIns="91425" bIns="91425" anchor="t" anchorCtr="0">
             <a:noAutofit/>
           </a:bodyPr>
           <a:lstStyle/>
           <a:p>
-            <a:pPr indent="-298450" lvl="0" marL="457200" rtl="0" algn="l">
+            <a:pPr marL="457200" lvl="0" indent="-298450" algn="l" rtl="0">
               <a:spcBef>
                 <a:spcPts val="0"/>
               </a:spcBef>
@@ -2602,11 +2735,11 @@
 </file>
 
 <file path=ppt/notesSlides/notesSlide6.xml><?xml version="1.0" encoding="utf-8"?>
-<p:notes xmlns:a="http://schemas.openxmlformats.org/drawingml/2006/main" xmlns:r="http://schemas.openxmlformats.org/officeDocument/2006/relationships" xmlns:mc="http://schemas.openxmlformats.org/markup-compatibility/2006" xmlns:mv="urn:schemas-microsoft-com:mac:vml" xmlns:p="http://schemas.openxmlformats.org/presentationml/2006/main" xmlns:c="http://schemas.openxmlformats.org/drawingml/2006/chart" xmlns:dgm="http://schemas.openxmlformats.org/drawingml/2006/diagram" xmlns:o="urn:schemas-microsoft-com:office:office" xmlns:v="urn:schemas-microsoft-com:vml" xmlns:pvml="urn:schemas-microsoft-com:office:powerpoint" xmlns:com="http://schemas.openxmlformats.org/drawingml/2006/compatibility" xmlns:p14="http://schemas.microsoft.com/office/powerpoint/2010/main" xmlns:p15="http://schemas.microsoft.com/office/powerpoint/2012/main" showMasterPhAnim="0" showMasterSp="0">
+<p:notes xmlns:a="http://schemas.openxmlformats.org/drawingml/2006/main" xmlns:r="http://schemas.openxmlformats.org/officeDocument/2006/relationships" xmlns:p="http://schemas.openxmlformats.org/presentationml/2006/main" showMasterSp="0" showMasterPhAnim="0">
   <p:cSld>
     <p:spTree>
       <p:nvGrpSpPr>
-        <p:cNvPr id="89" name="Shape 89"/>
+        <p:cNvPr id="1" name="Shape 89"/>
         <p:cNvGrpSpPr/>
         <p:nvPr/>
       </p:nvGrpSpPr>
@@ -2621,9 +2754,11 @@
       <p:sp>
         <p:nvSpPr>
           <p:cNvPr id="90" name="Google Shape;90;g431eb6cd86_0_43:notes"/>
-          <p:cNvSpPr/>
+          <p:cNvSpPr>
+            <a:spLocks noGrp="1" noRot="1" noChangeAspect="1"/>
+          </p:cNvSpPr>
           <p:nvPr>
-            <p:ph idx="2" type="sldImg"/>
+            <p:ph type="sldImg" idx="2"/>
           </p:nvPr>
         </p:nvSpPr>
         <p:spPr>
@@ -2632,9 +2767,13 @@
             <a:ext cx="6096000" cy="3429000"/>
           </a:xfrm>
           <a:custGeom>
-            <a:rect b="b" l="l" r="r" t="t"/>
+            <a:avLst/>
+            <a:gdLst/>
+            <a:ahLst/>
+            <a:cxnLst/>
+            <a:rect l="l" t="t" r="r" b="b"/>
             <a:pathLst>
-              <a:path extrusionOk="0" h="120000" w="120000">
+              <a:path w="120000" h="120000" extrusionOk="0">
                 <a:moveTo>
                   <a:pt x="0" y="0"/>
                 </a:moveTo>
@@ -2656,9 +2795,11 @@
       <p:sp>
         <p:nvSpPr>
           <p:cNvPr id="91" name="Google Shape;91;g431eb6cd86_0_43:notes"/>
-          <p:cNvSpPr txBox="1"/>
+          <p:cNvSpPr txBox="1">
+            <a:spLocks noGrp="1"/>
+          </p:cNvSpPr>
           <p:nvPr>
-            <p:ph idx="1" type="body"/>
+            <p:ph type="body" idx="1"/>
           </p:nvPr>
         </p:nvSpPr>
         <p:spPr>
@@ -2671,23 +2812,20 @@
           </a:prstGeom>
         </p:spPr>
         <p:txBody>
-          <a:bodyPr anchorCtr="0" anchor="t" bIns="91425" lIns="91425" spcFirstLastPara="1" rIns="91425" wrap="square" tIns="91425">
+          <a:bodyPr spcFirstLastPara="1" wrap="square" lIns="91425" tIns="91425" rIns="91425" bIns="91425" anchor="t" anchorCtr="0">
             <a:noAutofit/>
           </a:bodyPr>
           <a:lstStyle/>
           <a:p>
-            <a:pPr indent="0" lvl="0" marL="0" rtl="0" algn="l">
-              <a:spcBef>
-                <a:spcPts val="0"/>
-              </a:spcBef>
-              <a:spcAft>
-                <a:spcPts val="0"/>
-              </a:spcAft>
-              <a:buNone/>
-            </a:pPr>
-            <a:r>
-              <a:t/>
-            </a:r>
+            <a:pPr marL="0" lvl="0" indent="0" algn="l" rtl="0">
+              <a:spcBef>
+                <a:spcPts val="0"/>
+              </a:spcBef>
+              <a:spcAft>
+                <a:spcPts val="0"/>
+              </a:spcAft>
+              <a:buNone/>
+            </a:pPr>
             <a:endParaRPr/>
           </a:p>
         </p:txBody>
@@ -2701,11 +2839,11 @@
 </file>
 
 <file path=ppt/notesSlides/notesSlide7.xml><?xml version="1.0" encoding="utf-8"?>
-<p:notes xmlns:a="http://schemas.openxmlformats.org/drawingml/2006/main" xmlns:r="http://schemas.openxmlformats.org/officeDocument/2006/relationships" xmlns:mc="http://schemas.openxmlformats.org/markup-compatibility/2006" xmlns:mv="urn:schemas-microsoft-com:mac:vml" xmlns:p="http://schemas.openxmlformats.org/presentationml/2006/main" xmlns:c="http://schemas.openxmlformats.org/drawingml/2006/chart" xmlns:dgm="http://schemas.openxmlformats.org/drawingml/2006/diagram" xmlns:o="urn:schemas-microsoft-com:office:office" xmlns:v="urn:schemas-microsoft-com:vml" xmlns:pvml="urn:schemas-microsoft-com:office:powerpoint" xmlns:com="http://schemas.openxmlformats.org/drawingml/2006/compatibility" xmlns:p14="http://schemas.microsoft.com/office/powerpoint/2010/main" xmlns:p15="http://schemas.microsoft.com/office/powerpoint/2012/main" showMasterPhAnim="0" showMasterSp="0">
+<p:notes xmlns:a="http://schemas.openxmlformats.org/drawingml/2006/main" xmlns:r="http://schemas.openxmlformats.org/officeDocument/2006/relationships" xmlns:p="http://schemas.openxmlformats.org/presentationml/2006/main" showMasterSp="0" showMasterPhAnim="0">
   <p:cSld>
     <p:spTree>
       <p:nvGrpSpPr>
-        <p:cNvPr id="96" name="Shape 96"/>
+        <p:cNvPr id="1" name="Shape 96"/>
         <p:cNvGrpSpPr/>
         <p:nvPr/>
       </p:nvGrpSpPr>
@@ -2720,9 +2858,11 @@
       <p:sp>
         <p:nvSpPr>
           <p:cNvPr id="97" name="Google Shape;97;g431eb6cd86_0_13:notes"/>
-          <p:cNvSpPr/>
+          <p:cNvSpPr>
+            <a:spLocks noGrp="1" noRot="1" noChangeAspect="1"/>
+          </p:cNvSpPr>
           <p:nvPr>
-            <p:ph idx="2" type="sldImg"/>
+            <p:ph type="sldImg" idx="2"/>
           </p:nvPr>
         </p:nvSpPr>
         <p:spPr>
@@ -2731,9 +2871,13 @@
             <a:ext cx="6096000" cy="3429000"/>
           </a:xfrm>
           <a:custGeom>
-            <a:rect b="b" l="l" r="r" t="t"/>
+            <a:avLst/>
+            <a:gdLst/>
+            <a:ahLst/>
+            <a:cxnLst/>
+            <a:rect l="l" t="t" r="r" b="b"/>
             <a:pathLst>
-              <a:path extrusionOk="0" h="120000" w="120000">
+              <a:path w="120000" h="120000" extrusionOk="0">
                 <a:moveTo>
                   <a:pt x="0" y="0"/>
                 </a:moveTo>
@@ -2755,9 +2899,11 @@
       <p:sp>
         <p:nvSpPr>
           <p:cNvPr id="98" name="Google Shape;98;g431eb6cd86_0_13:notes"/>
-          <p:cNvSpPr txBox="1"/>
+          <p:cNvSpPr txBox="1">
+            <a:spLocks noGrp="1"/>
+          </p:cNvSpPr>
           <p:nvPr>
-            <p:ph idx="1" type="body"/>
+            <p:ph type="body" idx="1"/>
           </p:nvPr>
         </p:nvSpPr>
         <p:spPr>
@@ -2770,23 +2916,20 @@
           </a:prstGeom>
         </p:spPr>
         <p:txBody>
-          <a:bodyPr anchorCtr="0" anchor="t" bIns="91425" lIns="91425" spcFirstLastPara="1" rIns="91425" wrap="square" tIns="91425">
+          <a:bodyPr spcFirstLastPara="1" wrap="square" lIns="91425" tIns="91425" rIns="91425" bIns="91425" anchor="t" anchorCtr="0">
             <a:noAutofit/>
           </a:bodyPr>
           <a:lstStyle/>
           <a:p>
-            <a:pPr indent="0" lvl="0" marL="0" rtl="0" algn="l">
-              <a:spcBef>
-                <a:spcPts val="0"/>
-              </a:spcBef>
-              <a:spcAft>
-                <a:spcPts val="0"/>
-              </a:spcAft>
-              <a:buNone/>
-            </a:pPr>
-            <a:r>
-              <a:t/>
-            </a:r>
+            <a:pPr marL="0" lvl="0" indent="0" algn="l" rtl="0">
+              <a:spcBef>
+                <a:spcPts val="0"/>
+              </a:spcBef>
+              <a:spcAft>
+                <a:spcPts val="0"/>
+              </a:spcAft>
+              <a:buNone/>
+            </a:pPr>
             <a:endParaRPr/>
           </a:p>
         </p:txBody>
@@ -2800,11 +2943,11 @@
 </file>
 
 <file path=ppt/notesSlides/notesSlide8.xml><?xml version="1.0" encoding="utf-8"?>
-<p:notes xmlns:a="http://schemas.openxmlformats.org/drawingml/2006/main" xmlns:r="http://schemas.openxmlformats.org/officeDocument/2006/relationships" xmlns:mc="http://schemas.openxmlformats.org/markup-compatibility/2006" xmlns:mv="urn:schemas-microsoft-com:mac:vml" xmlns:p="http://schemas.openxmlformats.org/presentationml/2006/main" xmlns:c="http://schemas.openxmlformats.org/drawingml/2006/chart" xmlns:dgm="http://schemas.openxmlformats.org/drawingml/2006/diagram" xmlns:o="urn:schemas-microsoft-com:office:office" xmlns:v="urn:schemas-microsoft-com:vml" xmlns:pvml="urn:schemas-microsoft-com:office:powerpoint" xmlns:com="http://schemas.openxmlformats.org/drawingml/2006/compatibility" xmlns:p14="http://schemas.microsoft.com/office/powerpoint/2010/main" xmlns:p15="http://schemas.microsoft.com/office/powerpoint/2012/main" showMasterPhAnim="0" showMasterSp="0">
+<p:notes xmlns:a="http://schemas.openxmlformats.org/drawingml/2006/main" xmlns:r="http://schemas.openxmlformats.org/officeDocument/2006/relationships" xmlns:p="http://schemas.openxmlformats.org/presentationml/2006/main" showMasterSp="0" showMasterPhAnim="0">
   <p:cSld>
     <p:spTree>
       <p:nvGrpSpPr>
-        <p:cNvPr id="103" name="Shape 103"/>
+        <p:cNvPr id="1" name="Shape 103"/>
         <p:cNvGrpSpPr/>
         <p:nvPr/>
       </p:nvGrpSpPr>
@@ -2819,9 +2962,11 @@
       <p:sp>
         <p:nvSpPr>
           <p:cNvPr id="104" name="Google Shape;104;g431eb6cd86_0_29:notes"/>
-          <p:cNvSpPr/>
+          <p:cNvSpPr>
+            <a:spLocks noGrp="1" noRot="1" noChangeAspect="1"/>
+          </p:cNvSpPr>
           <p:nvPr>
-            <p:ph idx="2" type="sldImg"/>
+            <p:ph type="sldImg" idx="2"/>
           </p:nvPr>
         </p:nvSpPr>
         <p:spPr>
@@ -2830,9 +2975,13 @@
             <a:ext cx="6096000" cy="3429000"/>
           </a:xfrm>
           <a:custGeom>
-            <a:rect b="b" l="l" r="r" t="t"/>
+            <a:avLst/>
+            <a:gdLst/>
+            <a:ahLst/>
+            <a:cxnLst/>
+            <a:rect l="l" t="t" r="r" b="b"/>
             <a:pathLst>
-              <a:path extrusionOk="0" h="120000" w="120000">
+              <a:path w="120000" h="120000" extrusionOk="0">
                 <a:moveTo>
                   <a:pt x="0" y="0"/>
                 </a:moveTo>
@@ -2854,9 +3003,11 @@
       <p:sp>
         <p:nvSpPr>
           <p:cNvPr id="105" name="Google Shape;105;g431eb6cd86_0_29:notes"/>
-          <p:cNvSpPr txBox="1"/>
+          <p:cNvSpPr txBox="1">
+            <a:spLocks noGrp="1"/>
+          </p:cNvSpPr>
           <p:nvPr>
-            <p:ph idx="1" type="body"/>
+            <p:ph type="body" idx="1"/>
           </p:nvPr>
         </p:nvSpPr>
         <p:spPr>
@@ -2869,23 +3020,20 @@
           </a:prstGeom>
         </p:spPr>
         <p:txBody>
-          <a:bodyPr anchorCtr="0" anchor="t" bIns="91425" lIns="91425" spcFirstLastPara="1" rIns="91425" wrap="square" tIns="91425">
+          <a:bodyPr spcFirstLastPara="1" wrap="square" lIns="91425" tIns="91425" rIns="91425" bIns="91425" anchor="t" anchorCtr="0">
             <a:noAutofit/>
           </a:bodyPr>
           <a:lstStyle/>
           <a:p>
-            <a:pPr indent="0" lvl="0" marL="0" rtl="0" algn="l">
-              <a:spcBef>
-                <a:spcPts val="0"/>
-              </a:spcBef>
-              <a:spcAft>
-                <a:spcPts val="0"/>
-              </a:spcAft>
-              <a:buNone/>
-            </a:pPr>
-            <a:r>
-              <a:t/>
-            </a:r>
+            <a:pPr marL="0" lvl="0" indent="0" algn="l" rtl="0">
+              <a:spcBef>
+                <a:spcPts val="0"/>
+              </a:spcBef>
+              <a:spcAft>
+                <a:spcPts val="0"/>
+              </a:spcAft>
+              <a:buNone/>
+            </a:pPr>
             <a:endParaRPr/>
           </a:p>
         </p:txBody>
@@ -2899,11 +3047,11 @@
 </file>
 
 <file path=ppt/notesSlides/notesSlide9.xml><?xml version="1.0" encoding="utf-8"?>
-<p:notes xmlns:a="http://schemas.openxmlformats.org/drawingml/2006/main" xmlns:r="http://schemas.openxmlformats.org/officeDocument/2006/relationships" xmlns:mc="http://schemas.openxmlformats.org/markup-compatibility/2006" xmlns:mv="urn:schemas-microsoft-com:mac:vml" xmlns:p="http://schemas.openxmlformats.org/presentationml/2006/main" xmlns:c="http://schemas.openxmlformats.org/drawingml/2006/chart" xmlns:dgm="http://schemas.openxmlformats.org/drawingml/2006/diagram" xmlns:o="urn:schemas-microsoft-com:office:office" xmlns:v="urn:schemas-microsoft-com:vml" xmlns:pvml="urn:schemas-microsoft-com:office:powerpoint" xmlns:com="http://schemas.openxmlformats.org/drawingml/2006/compatibility" xmlns:p14="http://schemas.microsoft.com/office/powerpoint/2010/main" xmlns:p15="http://schemas.microsoft.com/office/powerpoint/2012/main" showMasterPhAnim="0" showMasterSp="0">
+<p:notes xmlns:a="http://schemas.openxmlformats.org/drawingml/2006/main" xmlns:r="http://schemas.openxmlformats.org/officeDocument/2006/relationships" xmlns:p="http://schemas.openxmlformats.org/presentationml/2006/main" showMasterSp="0" showMasterPhAnim="0">
   <p:cSld>
     <p:spTree>
       <p:nvGrpSpPr>
-        <p:cNvPr id="116" name="Shape 116"/>
+        <p:cNvPr id="1" name="Shape 116"/>
         <p:cNvGrpSpPr/>
         <p:nvPr/>
       </p:nvGrpSpPr>
@@ -2918,9 +3066,11 @@
       <p:sp>
         <p:nvSpPr>
           <p:cNvPr id="117" name="Google Shape;117;g632256e91a_0_70:notes"/>
-          <p:cNvSpPr/>
+          <p:cNvSpPr>
+            <a:spLocks noGrp="1" noRot="1" noChangeAspect="1"/>
+          </p:cNvSpPr>
           <p:nvPr>
-            <p:ph idx="2" type="sldImg"/>
+            <p:ph type="sldImg" idx="2"/>
           </p:nvPr>
         </p:nvSpPr>
         <p:spPr>
@@ -2929,9 +3079,13 @@
             <a:ext cx="6096000" cy="3429000"/>
           </a:xfrm>
           <a:custGeom>
-            <a:rect b="b" l="l" r="r" t="t"/>
+            <a:avLst/>
+            <a:gdLst/>
+            <a:ahLst/>
+            <a:cxnLst/>
+            <a:rect l="l" t="t" r="r" b="b"/>
             <a:pathLst>
-              <a:path extrusionOk="0" h="120000" w="120000">
+              <a:path w="120000" h="120000" extrusionOk="0">
                 <a:moveTo>
                   <a:pt x="0" y="0"/>
                 </a:moveTo>
@@ -2953,9 +3107,11 @@
       <p:sp>
         <p:nvSpPr>
           <p:cNvPr id="118" name="Google Shape;118;g632256e91a_0_70:notes"/>
-          <p:cNvSpPr txBox="1"/>
+          <p:cNvSpPr txBox="1">
+            <a:spLocks noGrp="1"/>
+          </p:cNvSpPr>
           <p:nvPr>
-            <p:ph idx="1" type="body"/>
+            <p:ph type="body" idx="1"/>
           </p:nvPr>
         </p:nvSpPr>
         <p:spPr>
@@ -2968,12 +3124,12 @@
           </a:prstGeom>
         </p:spPr>
         <p:txBody>
-          <a:bodyPr anchorCtr="0" anchor="t" bIns="91425" lIns="91425" spcFirstLastPara="1" rIns="91425" wrap="square" tIns="91425">
+          <a:bodyPr spcFirstLastPara="1" wrap="square" lIns="91425" tIns="91425" rIns="91425" bIns="91425" anchor="t" anchorCtr="0">
             <a:noAutofit/>
           </a:bodyPr>
           <a:lstStyle/>
           <a:p>
-            <a:pPr indent="-298450" lvl="0" marL="457200" rtl="0" algn="l">
+            <a:pPr marL="457200" lvl="0" indent="-298450" algn="l" rtl="0">
               <a:spcBef>
                 <a:spcPts val="0"/>
               </a:spcBef>
@@ -3000,11 +3156,11 @@
 </file>
 
 <file path=ppt/slideLayouts/slideLayout1.xml><?xml version="1.0" encoding="utf-8"?>
-<p:sldLayout xmlns:a="http://schemas.openxmlformats.org/drawingml/2006/main" xmlns:r="http://schemas.openxmlformats.org/officeDocument/2006/relationships" xmlns:mc="http://schemas.openxmlformats.org/markup-compatibility/2006" xmlns:mv="urn:schemas-microsoft-com:mac:vml" xmlns:p="http://schemas.openxmlformats.org/presentationml/2006/main" xmlns:c="http://schemas.openxmlformats.org/drawingml/2006/chart" xmlns:dgm="http://schemas.openxmlformats.org/drawingml/2006/diagram" xmlns:o="urn:schemas-microsoft-com:office:office" xmlns:v="urn:schemas-microsoft-com:vml" xmlns:pvml="urn:schemas-microsoft-com:office:powerpoint" xmlns:com="http://schemas.openxmlformats.org/drawingml/2006/compatibility" xmlns:p14="http://schemas.microsoft.com/office/powerpoint/2010/main" xmlns:p15="http://schemas.microsoft.com/office/powerpoint/2012/main" matchingName="Title slide" type="title">
+<p:sldLayout xmlns:a="http://schemas.openxmlformats.org/drawingml/2006/main" xmlns:r="http://schemas.openxmlformats.org/officeDocument/2006/relationships" xmlns:p="http://schemas.openxmlformats.org/presentationml/2006/main" matchingName="Title slide" type="title">
   <p:cSld name="TITLE">
     <p:spTree>
       <p:nvGrpSpPr>
-        <p:cNvPr id="9" name="Shape 9"/>
+        <p:cNvPr id="1" name="Shape 9"/>
         <p:cNvGrpSpPr/>
         <p:nvPr/>
       </p:nvGrpSpPr>
@@ -3019,7 +3175,9 @@
       <p:sp>
         <p:nvSpPr>
           <p:cNvPr id="10" name="Google Shape;10;p2"/>
-          <p:cNvSpPr txBox="1"/>
+          <p:cNvSpPr txBox="1">
+            <a:spLocks noGrp="1"/>
+          </p:cNvSpPr>
           <p:nvPr>
             <p:ph type="ctrTitle"/>
           </p:nvPr>
@@ -3034,7 +3192,7 @@
           </a:prstGeom>
         </p:spPr>
         <p:txBody>
-          <a:bodyPr anchorCtr="0" anchor="b" bIns="91425" lIns="91425" spcFirstLastPara="1" rIns="91425" wrap="square" tIns="91425">
+          <a:bodyPr spcFirstLastPara="1" wrap="square" lIns="91425" tIns="91425" rIns="91425" bIns="91425" anchor="b" anchorCtr="0">
             <a:noAutofit/>
           </a:bodyPr>
           <a:lstStyle>
@@ -3138,15 +3296,19 @@
               <a:defRPr sz="5200"/>
             </a:lvl9pPr>
           </a:lstStyle>
-          <a:p/>
+          <a:p>
+            <a:endParaRPr/>
+          </a:p>
         </p:txBody>
       </p:sp>
       <p:sp>
         <p:nvSpPr>
           <p:cNvPr id="11" name="Google Shape;11;p2"/>
-          <p:cNvSpPr txBox="1"/>
+          <p:cNvSpPr txBox="1">
+            <a:spLocks noGrp="1"/>
+          </p:cNvSpPr>
           <p:nvPr>
-            <p:ph idx="1" type="subTitle"/>
+            <p:ph type="subTitle" idx="1"/>
           </p:nvPr>
         </p:nvSpPr>
         <p:spPr>
@@ -3159,7 +3321,7 @@
           </a:prstGeom>
         </p:spPr>
         <p:txBody>
-          <a:bodyPr anchorCtr="0" anchor="t" bIns="91425" lIns="91425" spcFirstLastPara="1" rIns="91425" wrap="square" tIns="91425">
+          <a:bodyPr spcFirstLastPara="1" wrap="square" lIns="91425" tIns="91425" rIns="91425" bIns="91425" anchor="t" anchorCtr="0">
             <a:noAutofit/>
           </a:bodyPr>
           <a:lstStyle>
@@ -3290,15 +3452,19 @@
               <a:defRPr sz="2800"/>
             </a:lvl9pPr>
           </a:lstStyle>
-          <a:p/>
+          <a:p>
+            <a:endParaRPr/>
+          </a:p>
         </p:txBody>
       </p:sp>
       <p:sp>
         <p:nvSpPr>
           <p:cNvPr id="12" name="Google Shape;12;p2"/>
-          <p:cNvSpPr txBox="1"/>
+          <p:cNvSpPr txBox="1">
+            <a:spLocks noGrp="1"/>
+          </p:cNvSpPr>
           <p:nvPr>
-            <p:ph idx="12" type="sldNum"/>
+            <p:ph type="sldNum" idx="12"/>
           </p:nvPr>
         </p:nvSpPr>
         <p:spPr>
@@ -3311,7 +3477,7 @@
           </a:prstGeom>
         </p:spPr>
         <p:txBody>
-          <a:bodyPr anchorCtr="0" anchor="ctr" bIns="91425" lIns="91425" spcFirstLastPara="1" rIns="91425" wrap="square" tIns="91425">
+          <a:bodyPr spcFirstLastPara="1" wrap="square" lIns="91425" tIns="91425" rIns="91425" bIns="91425" anchor="ctr" anchorCtr="0">
             <a:noAutofit/>
           </a:bodyPr>
           <a:lstStyle>
@@ -3353,7 +3519,7 @@
             </a:lvl9pPr>
           </a:lstStyle>
           <a:p>
-            <a:pPr indent="0" lvl="0" marL="0" rtl="0" algn="r">
+            <a:pPr marL="0" lvl="0" indent="0" algn="r" rtl="0">
               <a:spcBef>
                 <a:spcPts val="0"/>
               </a:spcBef>
@@ -3379,11 +3545,11 @@
 </file>
 
 <file path=ppt/slideLayouts/slideLayout10.xml><?xml version="1.0" encoding="utf-8"?>
-<p:sldLayout xmlns:a="http://schemas.openxmlformats.org/drawingml/2006/main" xmlns:r="http://schemas.openxmlformats.org/officeDocument/2006/relationships" xmlns:mc="http://schemas.openxmlformats.org/markup-compatibility/2006" xmlns:mv="urn:schemas-microsoft-com:mac:vml" xmlns:p="http://schemas.openxmlformats.org/presentationml/2006/main" xmlns:c="http://schemas.openxmlformats.org/drawingml/2006/chart" xmlns:dgm="http://schemas.openxmlformats.org/drawingml/2006/diagram" xmlns:o="urn:schemas-microsoft-com:office:office" xmlns:v="urn:schemas-microsoft-com:vml" xmlns:pvml="urn:schemas-microsoft-com:office:powerpoint" xmlns:com="http://schemas.openxmlformats.org/drawingml/2006/compatibility" xmlns:p14="http://schemas.microsoft.com/office/powerpoint/2010/main" xmlns:p15="http://schemas.microsoft.com/office/powerpoint/2012/main" matchingName="Big number">
+<p:sldLayout xmlns:a="http://schemas.openxmlformats.org/drawingml/2006/main" xmlns:r="http://schemas.openxmlformats.org/officeDocument/2006/relationships" xmlns:p="http://schemas.openxmlformats.org/presentationml/2006/main" matchingName="Big number">
   <p:cSld name="BIG_NUMBER">
     <p:spTree>
       <p:nvGrpSpPr>
-        <p:cNvPr id="44" name="Shape 44"/>
+        <p:cNvPr id="1" name="Shape 44"/>
         <p:cNvGrpSpPr/>
         <p:nvPr/>
       </p:nvGrpSpPr>
@@ -3398,9 +3564,11 @@
       <p:sp>
         <p:nvSpPr>
           <p:cNvPr id="45" name="Google Shape;45;p11"/>
-          <p:cNvSpPr txBox="1"/>
+          <p:cNvSpPr txBox="1">
+            <a:spLocks noGrp="1"/>
+          </p:cNvSpPr>
           <p:nvPr>
-            <p:ph hasCustomPrompt="1" type="title"/>
+            <p:ph type="title" hasCustomPrompt="1"/>
           </p:nvPr>
         </p:nvSpPr>
         <p:spPr>
@@ -3413,7 +3581,7 @@
           </a:prstGeom>
         </p:spPr>
         <p:txBody>
-          <a:bodyPr anchorCtr="0" anchor="b" bIns="91425" lIns="91425" spcFirstLastPara="1" rIns="91425" wrap="square" tIns="91425">
+          <a:bodyPr spcFirstLastPara="1" wrap="square" lIns="91425" tIns="91425" rIns="91425" bIns="91425" anchor="b" anchorCtr="0">
             <a:noAutofit/>
           </a:bodyPr>
           <a:lstStyle>
@@ -3527,9 +3695,11 @@
       <p:sp>
         <p:nvSpPr>
           <p:cNvPr id="46" name="Google Shape;46;p11"/>
-          <p:cNvSpPr txBox="1"/>
+          <p:cNvSpPr txBox="1">
+            <a:spLocks noGrp="1"/>
+          </p:cNvSpPr>
           <p:nvPr>
-            <p:ph idx="1" type="body"/>
+            <p:ph type="body" idx="1"/>
           </p:nvPr>
         </p:nvSpPr>
         <p:spPr>
@@ -3542,11 +3712,11 @@
           </a:prstGeom>
         </p:spPr>
         <p:txBody>
-          <a:bodyPr anchorCtr="0" anchor="t" bIns="91425" lIns="91425" spcFirstLastPara="1" rIns="91425" wrap="square" tIns="91425">
+          <a:bodyPr spcFirstLastPara="1" wrap="square" lIns="91425" tIns="91425" rIns="91425" bIns="91425" anchor="t" anchorCtr="0">
             <a:noAutofit/>
           </a:bodyPr>
           <a:lstStyle>
-            <a:lvl1pPr indent="-342900" lvl="0" marL="457200" algn="ctr">
+            <a:lvl1pPr marL="457200" lvl="0" indent="-342900" algn="ctr">
               <a:spcBef>
                 <a:spcPts val="0"/>
               </a:spcBef>
@@ -3557,7 +3727,7 @@
               <a:buChar char="●"/>
               <a:defRPr/>
             </a:lvl1pPr>
-            <a:lvl2pPr indent="-317500" lvl="1" marL="914400" algn="ctr">
+            <a:lvl2pPr marL="914400" lvl="1" indent="-317500" algn="ctr">
               <a:spcBef>
                 <a:spcPts val="1600"/>
               </a:spcBef>
@@ -3568,7 +3738,7 @@
               <a:buChar char="○"/>
               <a:defRPr/>
             </a:lvl2pPr>
-            <a:lvl3pPr indent="-317500" lvl="2" marL="1371600" algn="ctr">
+            <a:lvl3pPr marL="1371600" lvl="2" indent="-317500" algn="ctr">
               <a:spcBef>
                 <a:spcPts val="1600"/>
               </a:spcBef>
@@ -3579,7 +3749,7 @@
               <a:buChar char="■"/>
               <a:defRPr/>
             </a:lvl3pPr>
-            <a:lvl4pPr indent="-317500" lvl="3" marL="1828800" algn="ctr">
+            <a:lvl4pPr marL="1828800" lvl="3" indent="-317500" algn="ctr">
               <a:spcBef>
                 <a:spcPts val="1600"/>
               </a:spcBef>
@@ -3590,7 +3760,7 @@
               <a:buChar char="●"/>
               <a:defRPr/>
             </a:lvl4pPr>
-            <a:lvl5pPr indent="-317500" lvl="4" marL="2286000" algn="ctr">
+            <a:lvl5pPr marL="2286000" lvl="4" indent="-317500" algn="ctr">
               <a:spcBef>
                 <a:spcPts val="1600"/>
               </a:spcBef>
@@ -3601,7 +3771,7 @@
               <a:buChar char="○"/>
               <a:defRPr/>
             </a:lvl5pPr>
-            <a:lvl6pPr indent="-317500" lvl="5" marL="2743200" algn="ctr">
+            <a:lvl6pPr marL="2743200" lvl="5" indent="-317500" algn="ctr">
               <a:spcBef>
                 <a:spcPts val="1600"/>
               </a:spcBef>
@@ -3612,7 +3782,7 @@
               <a:buChar char="■"/>
               <a:defRPr/>
             </a:lvl6pPr>
-            <a:lvl7pPr indent="-317500" lvl="6" marL="3200400" algn="ctr">
+            <a:lvl7pPr marL="3200400" lvl="6" indent="-317500" algn="ctr">
               <a:spcBef>
                 <a:spcPts val="1600"/>
               </a:spcBef>
@@ -3623,7 +3793,7 @@
               <a:buChar char="●"/>
               <a:defRPr/>
             </a:lvl7pPr>
-            <a:lvl8pPr indent="-317500" lvl="7" marL="3657600" algn="ctr">
+            <a:lvl8pPr marL="3657600" lvl="7" indent="-317500" algn="ctr">
               <a:spcBef>
                 <a:spcPts val="1600"/>
               </a:spcBef>
@@ -3634,7 +3804,7 @@
               <a:buChar char="○"/>
               <a:defRPr/>
             </a:lvl8pPr>
-            <a:lvl9pPr indent="-317500" lvl="8" marL="4114800" algn="ctr">
+            <a:lvl9pPr marL="4114800" lvl="8" indent="-317500" algn="ctr">
               <a:spcBef>
                 <a:spcPts val="1600"/>
               </a:spcBef>
@@ -3646,15 +3816,19 @@
               <a:defRPr/>
             </a:lvl9pPr>
           </a:lstStyle>
-          <a:p/>
+          <a:p>
+            <a:endParaRPr/>
+          </a:p>
         </p:txBody>
       </p:sp>
       <p:sp>
         <p:nvSpPr>
           <p:cNvPr id="47" name="Google Shape;47;p11"/>
-          <p:cNvSpPr txBox="1"/>
+          <p:cNvSpPr txBox="1">
+            <a:spLocks noGrp="1"/>
+          </p:cNvSpPr>
           <p:nvPr>
-            <p:ph idx="12" type="sldNum"/>
+            <p:ph type="sldNum" idx="12"/>
           </p:nvPr>
         </p:nvSpPr>
         <p:spPr>
@@ -3667,7 +3841,7 @@
           </a:prstGeom>
         </p:spPr>
         <p:txBody>
-          <a:bodyPr anchorCtr="0" anchor="ctr" bIns="91425" lIns="91425" spcFirstLastPara="1" rIns="91425" wrap="square" tIns="91425">
+          <a:bodyPr spcFirstLastPara="1" wrap="square" lIns="91425" tIns="91425" rIns="91425" bIns="91425" anchor="ctr" anchorCtr="0">
             <a:noAutofit/>
           </a:bodyPr>
           <a:lstStyle>
@@ -3709,7 +3883,7 @@
             </a:lvl9pPr>
           </a:lstStyle>
           <a:p>
-            <a:pPr indent="0" lvl="0" marL="0" rtl="0" algn="r">
+            <a:pPr marL="0" lvl="0" indent="0" algn="r" rtl="0">
               <a:spcBef>
                 <a:spcPts val="0"/>
               </a:spcBef>
@@ -3735,11 +3909,11 @@
 </file>
 
 <file path=ppt/slideLayouts/slideLayout11.xml><?xml version="1.0" encoding="utf-8"?>
-<p:sldLayout xmlns:a="http://schemas.openxmlformats.org/drawingml/2006/main" xmlns:r="http://schemas.openxmlformats.org/officeDocument/2006/relationships" xmlns:mc="http://schemas.openxmlformats.org/markup-compatibility/2006" xmlns:mv="urn:schemas-microsoft-com:mac:vml" xmlns:p="http://schemas.openxmlformats.org/presentationml/2006/main" xmlns:c="http://schemas.openxmlformats.org/drawingml/2006/chart" xmlns:dgm="http://schemas.openxmlformats.org/drawingml/2006/diagram" xmlns:o="urn:schemas-microsoft-com:office:office" xmlns:v="urn:schemas-microsoft-com:vml" xmlns:pvml="urn:schemas-microsoft-com:office:powerpoint" xmlns:com="http://schemas.openxmlformats.org/drawingml/2006/compatibility" xmlns:p14="http://schemas.microsoft.com/office/powerpoint/2010/main" xmlns:p15="http://schemas.microsoft.com/office/powerpoint/2012/main" matchingName="Blank" type="blank">
+<p:sldLayout xmlns:a="http://schemas.openxmlformats.org/drawingml/2006/main" xmlns:r="http://schemas.openxmlformats.org/officeDocument/2006/relationships" xmlns:p="http://schemas.openxmlformats.org/presentationml/2006/main" matchingName="Blank" type="blank">
   <p:cSld name="BLANK">
     <p:spTree>
       <p:nvGrpSpPr>
-        <p:cNvPr id="48" name="Shape 48"/>
+        <p:cNvPr id="1" name="Shape 48"/>
         <p:cNvGrpSpPr/>
         <p:nvPr/>
       </p:nvGrpSpPr>
@@ -3754,9 +3928,11 @@
       <p:sp>
         <p:nvSpPr>
           <p:cNvPr id="49" name="Google Shape;49;p12"/>
-          <p:cNvSpPr txBox="1"/>
+          <p:cNvSpPr txBox="1">
+            <a:spLocks noGrp="1"/>
+          </p:cNvSpPr>
           <p:nvPr>
-            <p:ph idx="12" type="sldNum"/>
+            <p:ph type="sldNum" idx="12"/>
           </p:nvPr>
         </p:nvSpPr>
         <p:spPr>
@@ -3769,7 +3945,7 @@
           </a:prstGeom>
         </p:spPr>
         <p:txBody>
-          <a:bodyPr anchorCtr="0" anchor="ctr" bIns="91425" lIns="91425" spcFirstLastPara="1" rIns="91425" wrap="square" tIns="91425">
+          <a:bodyPr spcFirstLastPara="1" wrap="square" lIns="91425" tIns="91425" rIns="91425" bIns="91425" anchor="ctr" anchorCtr="0">
             <a:noAutofit/>
           </a:bodyPr>
           <a:lstStyle>
@@ -3811,7 +3987,7 @@
             </a:lvl9pPr>
           </a:lstStyle>
           <a:p>
-            <a:pPr indent="0" lvl="0" marL="0" rtl="0" algn="r">
+            <a:pPr marL="0" lvl="0" indent="0" algn="r" rtl="0">
               <a:spcBef>
                 <a:spcPts val="0"/>
               </a:spcBef>
@@ -3837,11 +4013,11 @@
 </file>
 
 <file path=ppt/slideLayouts/slideLayout2.xml><?xml version="1.0" encoding="utf-8"?>
-<p:sldLayout xmlns:a="http://schemas.openxmlformats.org/drawingml/2006/main" xmlns:r="http://schemas.openxmlformats.org/officeDocument/2006/relationships" xmlns:mc="http://schemas.openxmlformats.org/markup-compatibility/2006" xmlns:mv="urn:schemas-microsoft-com:mac:vml" xmlns:p="http://schemas.openxmlformats.org/presentationml/2006/main" xmlns:c="http://schemas.openxmlformats.org/drawingml/2006/chart" xmlns:dgm="http://schemas.openxmlformats.org/drawingml/2006/diagram" xmlns:o="urn:schemas-microsoft-com:office:office" xmlns:v="urn:schemas-microsoft-com:vml" xmlns:pvml="urn:schemas-microsoft-com:office:powerpoint" xmlns:com="http://schemas.openxmlformats.org/drawingml/2006/compatibility" xmlns:p14="http://schemas.microsoft.com/office/powerpoint/2010/main" xmlns:p15="http://schemas.microsoft.com/office/powerpoint/2012/main" matchingName="Section header" type="secHead">
+<p:sldLayout xmlns:a="http://schemas.openxmlformats.org/drawingml/2006/main" xmlns:r="http://schemas.openxmlformats.org/officeDocument/2006/relationships" xmlns:p="http://schemas.openxmlformats.org/presentationml/2006/main" matchingName="Section header" type="secHead">
   <p:cSld name="SECTION_HEADER">
     <p:spTree>
       <p:nvGrpSpPr>
-        <p:cNvPr id="13" name="Shape 13"/>
+        <p:cNvPr id="1" name="Shape 13"/>
         <p:cNvGrpSpPr/>
         <p:nvPr/>
       </p:nvGrpSpPr>
@@ -3856,7 +4032,9 @@
       <p:sp>
         <p:nvSpPr>
           <p:cNvPr id="14" name="Google Shape;14;p3"/>
-          <p:cNvSpPr txBox="1"/>
+          <p:cNvSpPr txBox="1">
+            <a:spLocks noGrp="1"/>
+          </p:cNvSpPr>
           <p:nvPr>
             <p:ph type="title"/>
           </p:nvPr>
@@ -3871,7 +4049,7 @@
           </a:prstGeom>
         </p:spPr>
         <p:txBody>
-          <a:bodyPr anchorCtr="0" anchor="ctr" bIns="91425" lIns="91425" spcFirstLastPara="1" rIns="91425" wrap="square" tIns="91425">
+          <a:bodyPr spcFirstLastPara="1" wrap="square" lIns="91425" tIns="91425" rIns="91425" bIns="91425" anchor="ctr" anchorCtr="0">
             <a:noAutofit/>
           </a:bodyPr>
           <a:lstStyle>
@@ -3975,15 +4153,19 @@
               <a:defRPr sz="3600"/>
             </a:lvl9pPr>
           </a:lstStyle>
-          <a:p/>
+          <a:p>
+            <a:endParaRPr/>
+          </a:p>
         </p:txBody>
       </p:sp>
       <p:sp>
         <p:nvSpPr>
           <p:cNvPr id="15" name="Google Shape;15;p3"/>
-          <p:cNvSpPr txBox="1"/>
+          <p:cNvSpPr txBox="1">
+            <a:spLocks noGrp="1"/>
+          </p:cNvSpPr>
           <p:nvPr>
-            <p:ph idx="12" type="sldNum"/>
+            <p:ph type="sldNum" idx="12"/>
           </p:nvPr>
         </p:nvSpPr>
         <p:spPr>
@@ -3996,7 +4178,7 @@
           </a:prstGeom>
         </p:spPr>
         <p:txBody>
-          <a:bodyPr anchorCtr="0" anchor="ctr" bIns="91425" lIns="91425" spcFirstLastPara="1" rIns="91425" wrap="square" tIns="91425">
+          <a:bodyPr spcFirstLastPara="1" wrap="square" lIns="91425" tIns="91425" rIns="91425" bIns="91425" anchor="ctr" anchorCtr="0">
             <a:noAutofit/>
           </a:bodyPr>
           <a:lstStyle>
@@ -4038,7 +4220,7 @@
             </a:lvl9pPr>
           </a:lstStyle>
           <a:p>
-            <a:pPr indent="0" lvl="0" marL="0" rtl="0" algn="r">
+            <a:pPr marL="0" lvl="0" indent="0" algn="r" rtl="0">
               <a:spcBef>
                 <a:spcPts val="0"/>
               </a:spcBef>
@@ -4064,11 +4246,11 @@
 </file>
 
 <file path=ppt/slideLayouts/slideLayout3.xml><?xml version="1.0" encoding="utf-8"?>
-<p:sldLayout xmlns:a="http://schemas.openxmlformats.org/drawingml/2006/main" xmlns:r="http://schemas.openxmlformats.org/officeDocument/2006/relationships" xmlns:mc="http://schemas.openxmlformats.org/markup-compatibility/2006" xmlns:mv="urn:schemas-microsoft-com:mac:vml" xmlns:p="http://schemas.openxmlformats.org/presentationml/2006/main" xmlns:c="http://schemas.openxmlformats.org/drawingml/2006/chart" xmlns:dgm="http://schemas.openxmlformats.org/drawingml/2006/diagram" xmlns:o="urn:schemas-microsoft-com:office:office" xmlns:v="urn:schemas-microsoft-com:vml" xmlns:pvml="urn:schemas-microsoft-com:office:powerpoint" xmlns:com="http://schemas.openxmlformats.org/drawingml/2006/compatibility" xmlns:p14="http://schemas.microsoft.com/office/powerpoint/2010/main" xmlns:p15="http://schemas.microsoft.com/office/powerpoint/2012/main" matchingName="Title and body" type="tx">
+<p:sldLayout xmlns:a="http://schemas.openxmlformats.org/drawingml/2006/main" xmlns:r="http://schemas.openxmlformats.org/officeDocument/2006/relationships" xmlns:p="http://schemas.openxmlformats.org/presentationml/2006/main" matchingName="Title and body" type="tx">
   <p:cSld name="TITLE_AND_BODY">
     <p:spTree>
       <p:nvGrpSpPr>
-        <p:cNvPr id="16" name="Shape 16"/>
+        <p:cNvPr id="1" name="Shape 16"/>
         <p:cNvGrpSpPr/>
         <p:nvPr/>
       </p:nvGrpSpPr>
@@ -4083,7 +4265,9 @@
       <p:sp>
         <p:nvSpPr>
           <p:cNvPr id="17" name="Google Shape;17;p4"/>
-          <p:cNvSpPr txBox="1"/>
+          <p:cNvSpPr txBox="1">
+            <a:spLocks noGrp="1"/>
+          </p:cNvSpPr>
           <p:nvPr>
             <p:ph type="title"/>
           </p:nvPr>
@@ -4098,7 +4282,7 @@
           </a:prstGeom>
         </p:spPr>
         <p:txBody>
-          <a:bodyPr anchorCtr="0" anchor="t" bIns="91425" lIns="91425" spcFirstLastPara="1" rIns="91425" wrap="square" tIns="91425">
+          <a:bodyPr spcFirstLastPara="1" wrap="square" lIns="91425" tIns="91425" rIns="91425" bIns="91425" anchor="t" anchorCtr="0">
             <a:noAutofit/>
           </a:bodyPr>
           <a:lstStyle>
@@ -4202,15 +4386,19 @@
               <a:defRPr/>
             </a:lvl9pPr>
           </a:lstStyle>
-          <a:p/>
+          <a:p>
+            <a:endParaRPr/>
+          </a:p>
         </p:txBody>
       </p:sp>
       <p:sp>
         <p:nvSpPr>
           <p:cNvPr id="18" name="Google Shape;18;p4"/>
-          <p:cNvSpPr txBox="1"/>
+          <p:cNvSpPr txBox="1">
+            <a:spLocks noGrp="1"/>
+          </p:cNvSpPr>
           <p:nvPr>
-            <p:ph idx="1" type="body"/>
+            <p:ph type="body" idx="1"/>
           </p:nvPr>
         </p:nvSpPr>
         <p:spPr>
@@ -4223,11 +4411,11 @@
           </a:prstGeom>
         </p:spPr>
         <p:txBody>
-          <a:bodyPr anchorCtr="0" anchor="t" bIns="91425" lIns="91425" spcFirstLastPara="1" rIns="91425" wrap="square" tIns="91425">
+          <a:bodyPr spcFirstLastPara="1" wrap="square" lIns="91425" tIns="91425" rIns="91425" bIns="91425" anchor="t" anchorCtr="0">
             <a:noAutofit/>
           </a:bodyPr>
           <a:lstStyle>
-            <a:lvl1pPr indent="-342900" lvl="0" marL="457200">
+            <a:lvl1pPr marL="457200" lvl="0" indent="-342900">
               <a:spcBef>
                 <a:spcPts val="0"/>
               </a:spcBef>
@@ -4238,7 +4426,7 @@
               <a:buChar char="●"/>
               <a:defRPr/>
             </a:lvl1pPr>
-            <a:lvl2pPr indent="-317500" lvl="1" marL="914400">
+            <a:lvl2pPr marL="914400" lvl="1" indent="-317500">
               <a:spcBef>
                 <a:spcPts val="1600"/>
               </a:spcBef>
@@ -4249,7 +4437,7 @@
               <a:buChar char="○"/>
               <a:defRPr/>
             </a:lvl2pPr>
-            <a:lvl3pPr indent="-317500" lvl="2" marL="1371600">
+            <a:lvl3pPr marL="1371600" lvl="2" indent="-317500">
               <a:spcBef>
                 <a:spcPts val="1600"/>
               </a:spcBef>
@@ -4260,7 +4448,7 @@
               <a:buChar char="■"/>
               <a:defRPr/>
             </a:lvl3pPr>
-            <a:lvl4pPr indent="-317500" lvl="3" marL="1828800">
+            <a:lvl4pPr marL="1828800" lvl="3" indent="-317500">
               <a:spcBef>
                 <a:spcPts val="1600"/>
               </a:spcBef>
@@ -4271,7 +4459,7 @@
               <a:buChar char="●"/>
               <a:defRPr/>
             </a:lvl4pPr>
-            <a:lvl5pPr indent="-317500" lvl="4" marL="2286000">
+            <a:lvl5pPr marL="2286000" lvl="4" indent="-317500">
               <a:spcBef>
                 <a:spcPts val="1600"/>
               </a:spcBef>
@@ -4282,7 +4470,7 @@
               <a:buChar char="○"/>
               <a:defRPr/>
             </a:lvl5pPr>
-            <a:lvl6pPr indent="-317500" lvl="5" marL="2743200">
+            <a:lvl6pPr marL="2743200" lvl="5" indent="-317500">
               <a:spcBef>
                 <a:spcPts val="1600"/>
               </a:spcBef>
@@ -4293,7 +4481,7 @@
               <a:buChar char="■"/>
               <a:defRPr/>
             </a:lvl6pPr>
-            <a:lvl7pPr indent="-317500" lvl="6" marL="3200400">
+            <a:lvl7pPr marL="3200400" lvl="6" indent="-317500">
               <a:spcBef>
                 <a:spcPts val="1600"/>
               </a:spcBef>
@@ -4304,7 +4492,7 @@
               <a:buChar char="●"/>
               <a:defRPr/>
             </a:lvl7pPr>
-            <a:lvl8pPr indent="-317500" lvl="7" marL="3657600">
+            <a:lvl8pPr marL="3657600" lvl="7" indent="-317500">
               <a:spcBef>
                 <a:spcPts val="1600"/>
               </a:spcBef>
@@ -4315,7 +4503,7 @@
               <a:buChar char="○"/>
               <a:defRPr/>
             </a:lvl8pPr>
-            <a:lvl9pPr indent="-317500" lvl="8" marL="4114800">
+            <a:lvl9pPr marL="4114800" lvl="8" indent="-317500">
               <a:spcBef>
                 <a:spcPts val="1600"/>
               </a:spcBef>
@@ -4327,15 +4515,19 @@
               <a:defRPr/>
             </a:lvl9pPr>
           </a:lstStyle>
-          <a:p/>
+          <a:p>
+            <a:endParaRPr/>
+          </a:p>
         </p:txBody>
       </p:sp>
       <p:sp>
         <p:nvSpPr>
           <p:cNvPr id="19" name="Google Shape;19;p4"/>
-          <p:cNvSpPr txBox="1"/>
+          <p:cNvSpPr txBox="1">
+            <a:spLocks noGrp="1"/>
+          </p:cNvSpPr>
           <p:nvPr>
-            <p:ph idx="12" type="sldNum"/>
+            <p:ph type="sldNum" idx="12"/>
           </p:nvPr>
         </p:nvSpPr>
         <p:spPr>
@@ -4348,7 +4540,7 @@
           </a:prstGeom>
         </p:spPr>
         <p:txBody>
-          <a:bodyPr anchorCtr="0" anchor="ctr" bIns="91425" lIns="91425" spcFirstLastPara="1" rIns="91425" wrap="square" tIns="91425">
+          <a:bodyPr spcFirstLastPara="1" wrap="square" lIns="91425" tIns="91425" rIns="91425" bIns="91425" anchor="ctr" anchorCtr="0">
             <a:noAutofit/>
           </a:bodyPr>
           <a:lstStyle>
@@ -4390,7 +4582,7 @@
             </a:lvl9pPr>
           </a:lstStyle>
           <a:p>
-            <a:pPr indent="0" lvl="0" marL="0" rtl="0" algn="r">
+            <a:pPr marL="0" lvl="0" indent="0" algn="r" rtl="0">
               <a:spcBef>
                 <a:spcPts val="0"/>
               </a:spcBef>
@@ -4416,11 +4608,11 @@
 </file>
 
 <file path=ppt/slideLayouts/slideLayout4.xml><?xml version="1.0" encoding="utf-8"?>
-<p:sldLayout xmlns:a="http://schemas.openxmlformats.org/drawingml/2006/main" xmlns:r="http://schemas.openxmlformats.org/officeDocument/2006/relationships" xmlns:mc="http://schemas.openxmlformats.org/markup-compatibility/2006" xmlns:mv="urn:schemas-microsoft-com:mac:vml" xmlns:p="http://schemas.openxmlformats.org/presentationml/2006/main" xmlns:c="http://schemas.openxmlformats.org/drawingml/2006/chart" xmlns:dgm="http://schemas.openxmlformats.org/drawingml/2006/diagram" xmlns:o="urn:schemas-microsoft-com:office:office" xmlns:v="urn:schemas-microsoft-com:vml" xmlns:pvml="urn:schemas-microsoft-com:office:powerpoint" xmlns:com="http://schemas.openxmlformats.org/drawingml/2006/compatibility" xmlns:p14="http://schemas.microsoft.com/office/powerpoint/2010/main" xmlns:p15="http://schemas.microsoft.com/office/powerpoint/2012/main" matchingName="Title and two columns" type="twoColTx">
+<p:sldLayout xmlns:a="http://schemas.openxmlformats.org/drawingml/2006/main" xmlns:r="http://schemas.openxmlformats.org/officeDocument/2006/relationships" xmlns:p="http://schemas.openxmlformats.org/presentationml/2006/main" matchingName="Title and two columns" type="twoColTx">
   <p:cSld name="TITLE_AND_TWO_COLUMNS">
     <p:spTree>
       <p:nvGrpSpPr>
-        <p:cNvPr id="20" name="Shape 20"/>
+        <p:cNvPr id="1" name="Shape 20"/>
         <p:cNvGrpSpPr/>
         <p:nvPr/>
       </p:nvGrpSpPr>
@@ -4435,7 +4627,9 @@
       <p:sp>
         <p:nvSpPr>
           <p:cNvPr id="21" name="Google Shape;21;p5"/>
-          <p:cNvSpPr txBox="1"/>
+          <p:cNvSpPr txBox="1">
+            <a:spLocks noGrp="1"/>
+          </p:cNvSpPr>
           <p:nvPr>
             <p:ph type="title"/>
           </p:nvPr>
@@ -4450,7 +4644,7 @@
           </a:prstGeom>
         </p:spPr>
         <p:txBody>
-          <a:bodyPr anchorCtr="0" anchor="t" bIns="91425" lIns="91425" spcFirstLastPara="1" rIns="91425" wrap="square" tIns="91425">
+          <a:bodyPr spcFirstLastPara="1" wrap="square" lIns="91425" tIns="91425" rIns="91425" bIns="91425" anchor="t" anchorCtr="0">
             <a:noAutofit/>
           </a:bodyPr>
           <a:lstStyle>
@@ -4554,15 +4748,19 @@
               <a:defRPr/>
             </a:lvl9pPr>
           </a:lstStyle>
-          <a:p/>
+          <a:p>
+            <a:endParaRPr/>
+          </a:p>
         </p:txBody>
       </p:sp>
       <p:sp>
         <p:nvSpPr>
           <p:cNvPr id="22" name="Google Shape;22;p5"/>
-          <p:cNvSpPr txBox="1"/>
+          <p:cNvSpPr txBox="1">
+            <a:spLocks noGrp="1"/>
+          </p:cNvSpPr>
           <p:nvPr>
-            <p:ph idx="1" type="body"/>
+            <p:ph type="body" idx="1"/>
           </p:nvPr>
         </p:nvSpPr>
         <p:spPr>
@@ -4575,11 +4773,11 @@
           </a:prstGeom>
         </p:spPr>
         <p:txBody>
-          <a:bodyPr anchorCtr="0" anchor="t" bIns="91425" lIns="91425" spcFirstLastPara="1" rIns="91425" wrap="square" tIns="91425">
+          <a:bodyPr spcFirstLastPara="1" wrap="square" lIns="91425" tIns="91425" rIns="91425" bIns="91425" anchor="t" anchorCtr="0">
             <a:noAutofit/>
           </a:bodyPr>
           <a:lstStyle>
-            <a:lvl1pPr indent="-317500" lvl="0" marL="457200">
+            <a:lvl1pPr marL="457200" lvl="0" indent="-317500">
               <a:spcBef>
                 <a:spcPts val="0"/>
               </a:spcBef>
@@ -4590,7 +4788,7 @@
               <a:buChar char="●"/>
               <a:defRPr sz="1400"/>
             </a:lvl1pPr>
-            <a:lvl2pPr indent="-304800" lvl="1" marL="914400">
+            <a:lvl2pPr marL="914400" lvl="1" indent="-304800">
               <a:spcBef>
                 <a:spcPts val="1600"/>
               </a:spcBef>
@@ -4601,7 +4799,7 @@
               <a:buChar char="○"/>
               <a:defRPr sz="1200"/>
             </a:lvl2pPr>
-            <a:lvl3pPr indent="-304800" lvl="2" marL="1371600">
+            <a:lvl3pPr marL="1371600" lvl="2" indent="-304800">
               <a:spcBef>
                 <a:spcPts val="1600"/>
               </a:spcBef>
@@ -4612,7 +4810,7 @@
               <a:buChar char="■"/>
               <a:defRPr sz="1200"/>
             </a:lvl3pPr>
-            <a:lvl4pPr indent="-304800" lvl="3" marL="1828800">
+            <a:lvl4pPr marL="1828800" lvl="3" indent="-304800">
               <a:spcBef>
                 <a:spcPts val="1600"/>
               </a:spcBef>
@@ -4623,7 +4821,7 @@
               <a:buChar char="●"/>
               <a:defRPr sz="1200"/>
             </a:lvl4pPr>
-            <a:lvl5pPr indent="-304800" lvl="4" marL="2286000">
+            <a:lvl5pPr marL="2286000" lvl="4" indent="-304800">
               <a:spcBef>
                 <a:spcPts val="1600"/>
               </a:spcBef>
@@ -4634,7 +4832,7 @@
               <a:buChar char="○"/>
               <a:defRPr sz="1200"/>
             </a:lvl5pPr>
-            <a:lvl6pPr indent="-304800" lvl="5" marL="2743200">
+            <a:lvl6pPr marL="2743200" lvl="5" indent="-304800">
               <a:spcBef>
                 <a:spcPts val="1600"/>
               </a:spcBef>
@@ -4645,7 +4843,7 @@
               <a:buChar char="■"/>
               <a:defRPr sz="1200"/>
             </a:lvl6pPr>
-            <a:lvl7pPr indent="-304800" lvl="6" marL="3200400">
+            <a:lvl7pPr marL="3200400" lvl="6" indent="-304800">
               <a:spcBef>
                 <a:spcPts val="1600"/>
               </a:spcBef>
@@ -4656,7 +4854,7 @@
               <a:buChar char="●"/>
               <a:defRPr sz="1200"/>
             </a:lvl7pPr>
-            <a:lvl8pPr indent="-304800" lvl="7" marL="3657600">
+            <a:lvl8pPr marL="3657600" lvl="7" indent="-304800">
               <a:spcBef>
                 <a:spcPts val="1600"/>
               </a:spcBef>
@@ -4667,7 +4865,7 @@
               <a:buChar char="○"/>
               <a:defRPr sz="1200"/>
             </a:lvl8pPr>
-            <a:lvl9pPr indent="-304800" lvl="8" marL="4114800">
+            <a:lvl9pPr marL="4114800" lvl="8" indent="-304800">
               <a:spcBef>
                 <a:spcPts val="1600"/>
               </a:spcBef>
@@ -4679,15 +4877,19 @@
               <a:defRPr sz="1200"/>
             </a:lvl9pPr>
           </a:lstStyle>
-          <a:p/>
+          <a:p>
+            <a:endParaRPr/>
+          </a:p>
         </p:txBody>
       </p:sp>
       <p:sp>
         <p:nvSpPr>
           <p:cNvPr id="23" name="Google Shape;23;p5"/>
-          <p:cNvSpPr txBox="1"/>
+          <p:cNvSpPr txBox="1">
+            <a:spLocks noGrp="1"/>
+          </p:cNvSpPr>
           <p:nvPr>
-            <p:ph idx="2" type="body"/>
+            <p:ph type="body" idx="2"/>
           </p:nvPr>
         </p:nvSpPr>
         <p:spPr>
@@ -4700,11 +4902,11 @@
           </a:prstGeom>
         </p:spPr>
         <p:txBody>
-          <a:bodyPr anchorCtr="0" anchor="t" bIns="91425" lIns="91425" spcFirstLastPara="1" rIns="91425" wrap="square" tIns="91425">
+          <a:bodyPr spcFirstLastPara="1" wrap="square" lIns="91425" tIns="91425" rIns="91425" bIns="91425" anchor="t" anchorCtr="0">
             <a:noAutofit/>
           </a:bodyPr>
           <a:lstStyle>
-            <a:lvl1pPr indent="-317500" lvl="0" marL="457200">
+            <a:lvl1pPr marL="457200" lvl="0" indent="-317500">
               <a:spcBef>
                 <a:spcPts val="0"/>
               </a:spcBef>
@@ -4715,7 +4917,7 @@
               <a:buChar char="●"/>
               <a:defRPr sz="1400"/>
             </a:lvl1pPr>
-            <a:lvl2pPr indent="-304800" lvl="1" marL="914400">
+            <a:lvl2pPr marL="914400" lvl="1" indent="-304800">
               <a:spcBef>
                 <a:spcPts val="1600"/>
               </a:spcBef>
@@ -4726,7 +4928,7 @@
               <a:buChar char="○"/>
               <a:defRPr sz="1200"/>
             </a:lvl2pPr>
-            <a:lvl3pPr indent="-304800" lvl="2" marL="1371600">
+            <a:lvl3pPr marL="1371600" lvl="2" indent="-304800">
               <a:spcBef>
                 <a:spcPts val="1600"/>
               </a:spcBef>
@@ -4737,7 +4939,7 @@
               <a:buChar char="■"/>
               <a:defRPr sz="1200"/>
             </a:lvl3pPr>
-            <a:lvl4pPr indent="-304800" lvl="3" marL="1828800">
+            <a:lvl4pPr marL="1828800" lvl="3" indent="-304800">
               <a:spcBef>
                 <a:spcPts val="1600"/>
               </a:spcBef>
@@ -4748,7 +4950,7 @@
               <a:buChar char="●"/>
               <a:defRPr sz="1200"/>
             </a:lvl4pPr>
-            <a:lvl5pPr indent="-304800" lvl="4" marL="2286000">
+            <a:lvl5pPr marL="2286000" lvl="4" indent="-304800">
               <a:spcBef>
                 <a:spcPts val="1600"/>
               </a:spcBef>
@@ -4759,7 +4961,7 @@
               <a:buChar char="○"/>
               <a:defRPr sz="1200"/>
             </a:lvl5pPr>
-            <a:lvl6pPr indent="-304800" lvl="5" marL="2743200">
+            <a:lvl6pPr marL="2743200" lvl="5" indent="-304800">
               <a:spcBef>
                 <a:spcPts val="1600"/>
               </a:spcBef>
@@ -4770,7 +4972,7 @@
               <a:buChar char="■"/>
               <a:defRPr sz="1200"/>
             </a:lvl6pPr>
-            <a:lvl7pPr indent="-304800" lvl="6" marL="3200400">
+            <a:lvl7pPr marL="3200400" lvl="6" indent="-304800">
               <a:spcBef>
                 <a:spcPts val="1600"/>
               </a:spcBef>
@@ -4781,7 +4983,7 @@
               <a:buChar char="●"/>
               <a:defRPr sz="1200"/>
             </a:lvl7pPr>
-            <a:lvl8pPr indent="-304800" lvl="7" marL="3657600">
+            <a:lvl8pPr marL="3657600" lvl="7" indent="-304800">
               <a:spcBef>
                 <a:spcPts val="1600"/>
               </a:spcBef>
@@ -4792,7 +4994,7 @@
               <a:buChar char="○"/>
               <a:defRPr sz="1200"/>
             </a:lvl8pPr>
-            <a:lvl9pPr indent="-304800" lvl="8" marL="4114800">
+            <a:lvl9pPr marL="4114800" lvl="8" indent="-304800">
               <a:spcBef>
                 <a:spcPts val="1600"/>
               </a:spcBef>
@@ -4804,15 +5006,19 @@
               <a:defRPr sz="1200"/>
             </a:lvl9pPr>
           </a:lstStyle>
-          <a:p/>
+          <a:p>
+            <a:endParaRPr/>
+          </a:p>
         </p:txBody>
       </p:sp>
       <p:sp>
         <p:nvSpPr>
           <p:cNvPr id="24" name="Google Shape;24;p5"/>
-          <p:cNvSpPr txBox="1"/>
+          <p:cNvSpPr txBox="1">
+            <a:spLocks noGrp="1"/>
+          </p:cNvSpPr>
           <p:nvPr>
-            <p:ph idx="12" type="sldNum"/>
+            <p:ph type="sldNum" idx="12"/>
           </p:nvPr>
         </p:nvSpPr>
         <p:spPr>
@@ -4825,7 +5031,7 @@
           </a:prstGeom>
         </p:spPr>
         <p:txBody>
-          <a:bodyPr anchorCtr="0" anchor="ctr" bIns="91425" lIns="91425" spcFirstLastPara="1" rIns="91425" wrap="square" tIns="91425">
+          <a:bodyPr spcFirstLastPara="1" wrap="square" lIns="91425" tIns="91425" rIns="91425" bIns="91425" anchor="ctr" anchorCtr="0">
             <a:noAutofit/>
           </a:bodyPr>
           <a:lstStyle>
@@ -4867,7 +5073,7 @@
             </a:lvl9pPr>
           </a:lstStyle>
           <a:p>
-            <a:pPr indent="0" lvl="0" marL="0" rtl="0" algn="r">
+            <a:pPr marL="0" lvl="0" indent="0" algn="r" rtl="0">
               <a:spcBef>
                 <a:spcPts val="0"/>
               </a:spcBef>
@@ -4893,11 +5099,11 @@
 </file>
 
 <file path=ppt/slideLayouts/slideLayout5.xml><?xml version="1.0" encoding="utf-8"?>
-<p:sldLayout xmlns:a="http://schemas.openxmlformats.org/drawingml/2006/main" xmlns:r="http://schemas.openxmlformats.org/officeDocument/2006/relationships" xmlns:mc="http://schemas.openxmlformats.org/markup-compatibility/2006" xmlns:mv="urn:schemas-microsoft-com:mac:vml" xmlns:p="http://schemas.openxmlformats.org/presentationml/2006/main" xmlns:c="http://schemas.openxmlformats.org/drawingml/2006/chart" xmlns:dgm="http://schemas.openxmlformats.org/drawingml/2006/diagram" xmlns:o="urn:schemas-microsoft-com:office:office" xmlns:v="urn:schemas-microsoft-com:vml" xmlns:pvml="urn:schemas-microsoft-com:office:powerpoint" xmlns:com="http://schemas.openxmlformats.org/drawingml/2006/compatibility" xmlns:p14="http://schemas.microsoft.com/office/powerpoint/2010/main" xmlns:p15="http://schemas.microsoft.com/office/powerpoint/2012/main" matchingName="Title only" type="titleOnly">
+<p:sldLayout xmlns:a="http://schemas.openxmlformats.org/drawingml/2006/main" xmlns:r="http://schemas.openxmlformats.org/officeDocument/2006/relationships" xmlns:p="http://schemas.openxmlformats.org/presentationml/2006/main" matchingName="Title only" type="titleOnly">
   <p:cSld name="TITLE_ONLY">
     <p:spTree>
       <p:nvGrpSpPr>
-        <p:cNvPr id="25" name="Shape 25"/>
+        <p:cNvPr id="1" name="Shape 25"/>
         <p:cNvGrpSpPr/>
         <p:nvPr/>
       </p:nvGrpSpPr>
@@ -4912,7 +5118,9 @@
       <p:sp>
         <p:nvSpPr>
           <p:cNvPr id="26" name="Google Shape;26;p6"/>
-          <p:cNvSpPr txBox="1"/>
+          <p:cNvSpPr txBox="1">
+            <a:spLocks noGrp="1"/>
+          </p:cNvSpPr>
           <p:nvPr>
             <p:ph type="title"/>
           </p:nvPr>
@@ -4927,7 +5135,7 @@
           </a:prstGeom>
         </p:spPr>
         <p:txBody>
-          <a:bodyPr anchorCtr="0" anchor="t" bIns="91425" lIns="91425" spcFirstLastPara="1" rIns="91425" wrap="square" tIns="91425">
+          <a:bodyPr spcFirstLastPara="1" wrap="square" lIns="91425" tIns="91425" rIns="91425" bIns="91425" anchor="t" anchorCtr="0">
             <a:noAutofit/>
           </a:bodyPr>
           <a:lstStyle>
@@ -5031,15 +5239,19 @@
               <a:defRPr/>
             </a:lvl9pPr>
           </a:lstStyle>
-          <a:p/>
+          <a:p>
+            <a:endParaRPr/>
+          </a:p>
         </p:txBody>
       </p:sp>
       <p:sp>
         <p:nvSpPr>
           <p:cNvPr id="27" name="Google Shape;27;p6"/>
-          <p:cNvSpPr txBox="1"/>
+          <p:cNvSpPr txBox="1">
+            <a:spLocks noGrp="1"/>
+          </p:cNvSpPr>
           <p:nvPr>
-            <p:ph idx="12" type="sldNum"/>
+            <p:ph type="sldNum" idx="12"/>
           </p:nvPr>
         </p:nvSpPr>
         <p:spPr>
@@ -5052,7 +5264,7 @@
           </a:prstGeom>
         </p:spPr>
         <p:txBody>
-          <a:bodyPr anchorCtr="0" anchor="ctr" bIns="91425" lIns="91425" spcFirstLastPara="1" rIns="91425" wrap="square" tIns="91425">
+          <a:bodyPr spcFirstLastPara="1" wrap="square" lIns="91425" tIns="91425" rIns="91425" bIns="91425" anchor="ctr" anchorCtr="0">
             <a:noAutofit/>
           </a:bodyPr>
           <a:lstStyle>
@@ -5094,7 +5306,7 @@
             </a:lvl9pPr>
           </a:lstStyle>
           <a:p>
-            <a:pPr indent="0" lvl="0" marL="0" rtl="0" algn="r">
+            <a:pPr marL="0" lvl="0" indent="0" algn="r" rtl="0">
               <a:spcBef>
                 <a:spcPts val="0"/>
               </a:spcBef>
@@ -5120,11 +5332,11 @@
 </file>
 
 <file path=ppt/slideLayouts/slideLayout6.xml><?xml version="1.0" encoding="utf-8"?>
-<p:sldLayout xmlns:a="http://schemas.openxmlformats.org/drawingml/2006/main" xmlns:r="http://schemas.openxmlformats.org/officeDocument/2006/relationships" xmlns:mc="http://schemas.openxmlformats.org/markup-compatibility/2006" xmlns:mv="urn:schemas-microsoft-com:mac:vml" xmlns:p="http://schemas.openxmlformats.org/presentationml/2006/main" xmlns:c="http://schemas.openxmlformats.org/drawingml/2006/chart" xmlns:dgm="http://schemas.openxmlformats.org/drawingml/2006/diagram" xmlns:o="urn:schemas-microsoft-com:office:office" xmlns:v="urn:schemas-microsoft-com:vml" xmlns:pvml="urn:schemas-microsoft-com:office:powerpoint" xmlns:com="http://schemas.openxmlformats.org/drawingml/2006/compatibility" xmlns:p14="http://schemas.microsoft.com/office/powerpoint/2010/main" xmlns:p15="http://schemas.microsoft.com/office/powerpoint/2012/main" matchingName="One column text">
+<p:sldLayout xmlns:a="http://schemas.openxmlformats.org/drawingml/2006/main" xmlns:r="http://schemas.openxmlformats.org/officeDocument/2006/relationships" xmlns:p="http://schemas.openxmlformats.org/presentationml/2006/main" matchingName="One column text">
   <p:cSld name="ONE_COLUMN_TEXT">
     <p:spTree>
       <p:nvGrpSpPr>
-        <p:cNvPr id="28" name="Shape 28"/>
+        <p:cNvPr id="1" name="Shape 28"/>
         <p:cNvGrpSpPr/>
         <p:nvPr/>
       </p:nvGrpSpPr>
@@ -5139,7 +5351,9 @@
       <p:sp>
         <p:nvSpPr>
           <p:cNvPr id="29" name="Google Shape;29;p7"/>
-          <p:cNvSpPr txBox="1"/>
+          <p:cNvSpPr txBox="1">
+            <a:spLocks noGrp="1"/>
+          </p:cNvSpPr>
           <p:nvPr>
             <p:ph type="title"/>
           </p:nvPr>
@@ -5154,7 +5368,7 @@
           </a:prstGeom>
         </p:spPr>
         <p:txBody>
-          <a:bodyPr anchorCtr="0" anchor="b" bIns="91425" lIns="91425" spcFirstLastPara="1" rIns="91425" wrap="square" tIns="91425">
+          <a:bodyPr spcFirstLastPara="1" wrap="square" lIns="91425" tIns="91425" rIns="91425" bIns="91425" anchor="b" anchorCtr="0">
             <a:noAutofit/>
           </a:bodyPr>
           <a:lstStyle>
@@ -5258,15 +5472,19 @@
               <a:defRPr sz="2400"/>
             </a:lvl9pPr>
           </a:lstStyle>
-          <a:p/>
+          <a:p>
+            <a:endParaRPr/>
+          </a:p>
         </p:txBody>
       </p:sp>
       <p:sp>
         <p:nvSpPr>
           <p:cNvPr id="30" name="Google Shape;30;p7"/>
-          <p:cNvSpPr txBox="1"/>
+          <p:cNvSpPr txBox="1">
+            <a:spLocks noGrp="1"/>
+          </p:cNvSpPr>
           <p:nvPr>
-            <p:ph idx="1" type="body"/>
+            <p:ph type="body" idx="1"/>
           </p:nvPr>
         </p:nvSpPr>
         <p:spPr>
@@ -5279,11 +5497,11 @@
           </a:prstGeom>
         </p:spPr>
         <p:txBody>
-          <a:bodyPr anchorCtr="0" anchor="t" bIns="91425" lIns="91425" spcFirstLastPara="1" rIns="91425" wrap="square" tIns="91425">
+          <a:bodyPr spcFirstLastPara="1" wrap="square" lIns="91425" tIns="91425" rIns="91425" bIns="91425" anchor="t" anchorCtr="0">
             <a:noAutofit/>
           </a:bodyPr>
           <a:lstStyle>
-            <a:lvl1pPr indent="-304800" lvl="0" marL="457200">
+            <a:lvl1pPr marL="457200" lvl="0" indent="-304800">
               <a:spcBef>
                 <a:spcPts val="0"/>
               </a:spcBef>
@@ -5294,7 +5512,7 @@
               <a:buChar char="●"/>
               <a:defRPr sz="1200"/>
             </a:lvl1pPr>
-            <a:lvl2pPr indent="-304800" lvl="1" marL="914400">
+            <a:lvl2pPr marL="914400" lvl="1" indent="-304800">
               <a:spcBef>
                 <a:spcPts val="1600"/>
               </a:spcBef>
@@ -5305,7 +5523,7 @@
               <a:buChar char="○"/>
               <a:defRPr sz="1200"/>
             </a:lvl2pPr>
-            <a:lvl3pPr indent="-304800" lvl="2" marL="1371600">
+            <a:lvl3pPr marL="1371600" lvl="2" indent="-304800">
               <a:spcBef>
                 <a:spcPts val="1600"/>
               </a:spcBef>
@@ -5316,7 +5534,7 @@
               <a:buChar char="■"/>
               <a:defRPr sz="1200"/>
             </a:lvl3pPr>
-            <a:lvl4pPr indent="-304800" lvl="3" marL="1828800">
+            <a:lvl4pPr marL="1828800" lvl="3" indent="-304800">
               <a:spcBef>
                 <a:spcPts val="1600"/>
               </a:spcBef>
@@ -5327,7 +5545,7 @@
               <a:buChar char="●"/>
               <a:defRPr sz="1200"/>
             </a:lvl4pPr>
-            <a:lvl5pPr indent="-304800" lvl="4" marL="2286000">
+            <a:lvl5pPr marL="2286000" lvl="4" indent="-304800">
               <a:spcBef>
                 <a:spcPts val="1600"/>
               </a:spcBef>
@@ -5338,7 +5556,7 @@
               <a:buChar char="○"/>
               <a:defRPr sz="1200"/>
             </a:lvl5pPr>
-            <a:lvl6pPr indent="-304800" lvl="5" marL="2743200">
+            <a:lvl6pPr marL="2743200" lvl="5" indent="-304800">
               <a:spcBef>
                 <a:spcPts val="1600"/>
               </a:spcBef>
@@ -5349,7 +5567,7 @@
               <a:buChar char="■"/>
               <a:defRPr sz="1200"/>
             </a:lvl6pPr>
-            <a:lvl7pPr indent="-304800" lvl="6" marL="3200400">
+            <a:lvl7pPr marL="3200400" lvl="6" indent="-304800">
               <a:spcBef>
                 <a:spcPts val="1600"/>
               </a:spcBef>
@@ -5360,7 +5578,7 @@
               <a:buChar char="●"/>
               <a:defRPr sz="1200"/>
             </a:lvl7pPr>
-            <a:lvl8pPr indent="-304800" lvl="7" marL="3657600">
+            <a:lvl8pPr marL="3657600" lvl="7" indent="-304800">
               <a:spcBef>
                 <a:spcPts val="1600"/>
               </a:spcBef>
@@ -5371,7 +5589,7 @@
               <a:buChar char="○"/>
               <a:defRPr sz="1200"/>
             </a:lvl8pPr>
-            <a:lvl9pPr indent="-304800" lvl="8" marL="4114800">
+            <a:lvl9pPr marL="4114800" lvl="8" indent="-304800">
               <a:spcBef>
                 <a:spcPts val="1600"/>
               </a:spcBef>
@@ -5383,15 +5601,19 @@
               <a:defRPr sz="1200"/>
             </a:lvl9pPr>
           </a:lstStyle>
-          <a:p/>
+          <a:p>
+            <a:endParaRPr/>
+          </a:p>
         </p:txBody>
       </p:sp>
       <p:sp>
         <p:nvSpPr>
           <p:cNvPr id="31" name="Google Shape;31;p7"/>
-          <p:cNvSpPr txBox="1"/>
+          <p:cNvSpPr txBox="1">
+            <a:spLocks noGrp="1"/>
+          </p:cNvSpPr>
           <p:nvPr>
-            <p:ph idx="12" type="sldNum"/>
+            <p:ph type="sldNum" idx="12"/>
           </p:nvPr>
         </p:nvSpPr>
         <p:spPr>
@@ -5404,7 +5626,7 @@
           </a:prstGeom>
         </p:spPr>
         <p:txBody>
-          <a:bodyPr anchorCtr="0" anchor="ctr" bIns="91425" lIns="91425" spcFirstLastPara="1" rIns="91425" wrap="square" tIns="91425">
+          <a:bodyPr spcFirstLastPara="1" wrap="square" lIns="91425" tIns="91425" rIns="91425" bIns="91425" anchor="ctr" anchorCtr="0">
             <a:noAutofit/>
           </a:bodyPr>
           <a:lstStyle>
@@ -5446,7 +5668,7 @@
             </a:lvl9pPr>
           </a:lstStyle>
           <a:p>
-            <a:pPr indent="0" lvl="0" marL="0" rtl="0" algn="r">
+            <a:pPr marL="0" lvl="0" indent="0" algn="r" rtl="0">
               <a:spcBef>
                 <a:spcPts val="0"/>
               </a:spcBef>
@@ -5472,11 +5694,11 @@
 </file>
 
 <file path=ppt/slideLayouts/slideLayout7.xml><?xml version="1.0" encoding="utf-8"?>
-<p:sldLayout xmlns:a="http://schemas.openxmlformats.org/drawingml/2006/main" xmlns:r="http://schemas.openxmlformats.org/officeDocument/2006/relationships" xmlns:mc="http://schemas.openxmlformats.org/markup-compatibility/2006" xmlns:mv="urn:schemas-microsoft-com:mac:vml" xmlns:p="http://schemas.openxmlformats.org/presentationml/2006/main" xmlns:c="http://schemas.openxmlformats.org/drawingml/2006/chart" xmlns:dgm="http://schemas.openxmlformats.org/drawingml/2006/diagram" xmlns:o="urn:schemas-microsoft-com:office:office" xmlns:v="urn:schemas-microsoft-com:vml" xmlns:pvml="urn:schemas-microsoft-com:office:powerpoint" xmlns:com="http://schemas.openxmlformats.org/drawingml/2006/compatibility" xmlns:p14="http://schemas.microsoft.com/office/powerpoint/2010/main" xmlns:p15="http://schemas.microsoft.com/office/powerpoint/2012/main" matchingName="Main point">
+<p:sldLayout xmlns:a="http://schemas.openxmlformats.org/drawingml/2006/main" xmlns:r="http://schemas.openxmlformats.org/officeDocument/2006/relationships" xmlns:p="http://schemas.openxmlformats.org/presentationml/2006/main" matchingName="Main point">
   <p:cSld name="MAIN_POINT">
     <p:spTree>
       <p:nvGrpSpPr>
-        <p:cNvPr id="32" name="Shape 32"/>
+        <p:cNvPr id="1" name="Shape 32"/>
         <p:cNvGrpSpPr/>
         <p:nvPr/>
       </p:nvGrpSpPr>
@@ -5491,7 +5713,9 @@
       <p:sp>
         <p:nvSpPr>
           <p:cNvPr id="33" name="Google Shape;33;p8"/>
-          <p:cNvSpPr txBox="1"/>
+          <p:cNvSpPr txBox="1">
+            <a:spLocks noGrp="1"/>
+          </p:cNvSpPr>
           <p:nvPr>
             <p:ph type="title"/>
           </p:nvPr>
@@ -5506,7 +5730,7 @@
           </a:prstGeom>
         </p:spPr>
         <p:txBody>
-          <a:bodyPr anchorCtr="0" anchor="ctr" bIns="91425" lIns="91425" spcFirstLastPara="1" rIns="91425" wrap="square" tIns="91425">
+          <a:bodyPr spcFirstLastPara="1" wrap="square" lIns="91425" tIns="91425" rIns="91425" bIns="91425" anchor="ctr" anchorCtr="0">
             <a:noAutofit/>
           </a:bodyPr>
           <a:lstStyle>
@@ -5610,15 +5834,19 @@
               <a:defRPr sz="4800"/>
             </a:lvl9pPr>
           </a:lstStyle>
-          <a:p/>
+          <a:p>
+            <a:endParaRPr/>
+          </a:p>
         </p:txBody>
       </p:sp>
       <p:sp>
         <p:nvSpPr>
           <p:cNvPr id="34" name="Google Shape;34;p8"/>
-          <p:cNvSpPr txBox="1"/>
+          <p:cNvSpPr txBox="1">
+            <a:spLocks noGrp="1"/>
+          </p:cNvSpPr>
           <p:nvPr>
-            <p:ph idx="12" type="sldNum"/>
+            <p:ph type="sldNum" idx="12"/>
           </p:nvPr>
         </p:nvSpPr>
         <p:spPr>
@@ -5631,7 +5859,7 @@
           </a:prstGeom>
         </p:spPr>
         <p:txBody>
-          <a:bodyPr anchorCtr="0" anchor="ctr" bIns="91425" lIns="91425" spcFirstLastPara="1" rIns="91425" wrap="square" tIns="91425">
+          <a:bodyPr spcFirstLastPara="1" wrap="square" lIns="91425" tIns="91425" rIns="91425" bIns="91425" anchor="ctr" anchorCtr="0">
             <a:noAutofit/>
           </a:bodyPr>
           <a:lstStyle>
@@ -5673,7 +5901,7 @@
             </a:lvl9pPr>
           </a:lstStyle>
           <a:p>
-            <a:pPr indent="0" lvl="0" marL="0" rtl="0" algn="r">
+            <a:pPr marL="0" lvl="0" indent="0" algn="r" rtl="0">
               <a:spcBef>
                 <a:spcPts val="0"/>
               </a:spcBef>
@@ -5699,11 +5927,11 @@
 </file>
 
 <file path=ppt/slideLayouts/slideLayout8.xml><?xml version="1.0" encoding="utf-8"?>
-<p:sldLayout xmlns:a="http://schemas.openxmlformats.org/drawingml/2006/main" xmlns:r="http://schemas.openxmlformats.org/officeDocument/2006/relationships" xmlns:mc="http://schemas.openxmlformats.org/markup-compatibility/2006" xmlns:mv="urn:schemas-microsoft-com:mac:vml" xmlns:p="http://schemas.openxmlformats.org/presentationml/2006/main" xmlns:c="http://schemas.openxmlformats.org/drawingml/2006/chart" xmlns:dgm="http://schemas.openxmlformats.org/drawingml/2006/diagram" xmlns:o="urn:schemas-microsoft-com:office:office" xmlns:v="urn:schemas-microsoft-com:vml" xmlns:pvml="urn:schemas-microsoft-com:office:powerpoint" xmlns:com="http://schemas.openxmlformats.org/drawingml/2006/compatibility" xmlns:p14="http://schemas.microsoft.com/office/powerpoint/2010/main" xmlns:p15="http://schemas.microsoft.com/office/powerpoint/2012/main" matchingName="Section title and description">
+<p:sldLayout xmlns:a="http://schemas.openxmlformats.org/drawingml/2006/main" xmlns:r="http://schemas.openxmlformats.org/officeDocument/2006/relationships" xmlns:p="http://schemas.openxmlformats.org/presentationml/2006/main" matchingName="Section title and description">
   <p:cSld name="SECTION_TITLE_AND_DESCRIPTION">
     <p:spTree>
       <p:nvGrpSpPr>
-        <p:cNvPr id="35" name="Shape 35"/>
+        <p:cNvPr id="1" name="Shape 35"/>
         <p:cNvGrpSpPr/>
         <p:nvPr/>
       </p:nvGrpSpPr>
@@ -5737,23 +5965,20 @@
           </a:ln>
         </p:spPr>
         <p:txBody>
-          <a:bodyPr anchorCtr="0" anchor="ctr" bIns="91425" lIns="91425" spcFirstLastPara="1" rIns="91425" wrap="square" tIns="91425">
+          <a:bodyPr spcFirstLastPara="1" wrap="square" lIns="91425" tIns="91425" rIns="91425" bIns="91425" anchor="ctr" anchorCtr="0">
             <a:noAutofit/>
           </a:bodyPr>
           <a:lstStyle/>
           <a:p>
-            <a:pPr indent="0" lvl="0" marL="0" rtl="0" algn="l">
-              <a:spcBef>
-                <a:spcPts val="0"/>
-              </a:spcBef>
-              <a:spcAft>
-                <a:spcPts val="0"/>
-              </a:spcAft>
-              <a:buNone/>
-            </a:pPr>
-            <a:r>
-              <a:t/>
-            </a:r>
+            <a:pPr marL="0" lvl="0" indent="0" algn="l" rtl="0">
+              <a:spcBef>
+                <a:spcPts val="0"/>
+              </a:spcBef>
+              <a:spcAft>
+                <a:spcPts val="0"/>
+              </a:spcAft>
+              <a:buNone/>
+            </a:pPr>
             <a:endParaRPr/>
           </a:p>
         </p:txBody>
@@ -5761,7 +5986,9 @@
       <p:sp>
         <p:nvSpPr>
           <p:cNvPr id="37" name="Google Shape;37;p9"/>
-          <p:cNvSpPr txBox="1"/>
+          <p:cNvSpPr txBox="1">
+            <a:spLocks noGrp="1"/>
+          </p:cNvSpPr>
           <p:nvPr>
             <p:ph type="title"/>
           </p:nvPr>
@@ -5776,7 +6003,7 @@
           </a:prstGeom>
         </p:spPr>
         <p:txBody>
-          <a:bodyPr anchorCtr="0" anchor="b" bIns="91425" lIns="91425" spcFirstLastPara="1" rIns="91425" wrap="square" tIns="91425">
+          <a:bodyPr spcFirstLastPara="1" wrap="square" lIns="91425" tIns="91425" rIns="91425" bIns="91425" anchor="b" anchorCtr="0">
             <a:noAutofit/>
           </a:bodyPr>
           <a:lstStyle>
@@ -5880,15 +6107,19 @@
               <a:defRPr sz="4200"/>
             </a:lvl9pPr>
           </a:lstStyle>
-          <a:p/>
+          <a:p>
+            <a:endParaRPr/>
+          </a:p>
         </p:txBody>
       </p:sp>
       <p:sp>
         <p:nvSpPr>
           <p:cNvPr id="38" name="Google Shape;38;p9"/>
-          <p:cNvSpPr txBox="1"/>
+          <p:cNvSpPr txBox="1">
+            <a:spLocks noGrp="1"/>
+          </p:cNvSpPr>
           <p:nvPr>
-            <p:ph idx="1" type="subTitle"/>
+            <p:ph type="subTitle" idx="1"/>
           </p:nvPr>
         </p:nvSpPr>
         <p:spPr>
@@ -5901,7 +6132,7 @@
           </a:prstGeom>
         </p:spPr>
         <p:txBody>
-          <a:bodyPr anchorCtr="0" anchor="t" bIns="91425" lIns="91425" spcFirstLastPara="1" rIns="91425" wrap="square" tIns="91425">
+          <a:bodyPr spcFirstLastPara="1" wrap="square" lIns="91425" tIns="91425" rIns="91425" bIns="91425" anchor="t" anchorCtr="0">
             <a:noAutofit/>
           </a:bodyPr>
           <a:lstStyle>
@@ -6032,15 +6263,19 @@
               <a:defRPr sz="2100"/>
             </a:lvl9pPr>
           </a:lstStyle>
-          <a:p/>
+          <a:p>
+            <a:endParaRPr/>
+          </a:p>
         </p:txBody>
       </p:sp>
       <p:sp>
         <p:nvSpPr>
           <p:cNvPr id="39" name="Google Shape;39;p9"/>
-          <p:cNvSpPr txBox="1"/>
+          <p:cNvSpPr txBox="1">
+            <a:spLocks noGrp="1"/>
+          </p:cNvSpPr>
           <p:nvPr>
-            <p:ph idx="2" type="body"/>
+            <p:ph type="body" idx="2"/>
           </p:nvPr>
         </p:nvSpPr>
         <p:spPr>
@@ -6053,11 +6288,11 @@
           </a:prstGeom>
         </p:spPr>
         <p:txBody>
-          <a:bodyPr anchorCtr="0" anchor="ctr" bIns="91425" lIns="91425" spcFirstLastPara="1" rIns="91425" wrap="square" tIns="91425">
+          <a:bodyPr spcFirstLastPara="1" wrap="square" lIns="91425" tIns="91425" rIns="91425" bIns="91425" anchor="ctr" anchorCtr="0">
             <a:noAutofit/>
           </a:bodyPr>
           <a:lstStyle>
-            <a:lvl1pPr indent="-342900" lvl="0" marL="457200">
+            <a:lvl1pPr marL="457200" lvl="0" indent="-342900">
               <a:spcBef>
                 <a:spcPts val="0"/>
               </a:spcBef>
@@ -6068,7 +6303,7 @@
               <a:buChar char="●"/>
               <a:defRPr/>
             </a:lvl1pPr>
-            <a:lvl2pPr indent="-317500" lvl="1" marL="914400">
+            <a:lvl2pPr marL="914400" lvl="1" indent="-317500">
               <a:spcBef>
                 <a:spcPts val="1600"/>
               </a:spcBef>
@@ -6079,7 +6314,7 @@
               <a:buChar char="○"/>
               <a:defRPr/>
             </a:lvl2pPr>
-            <a:lvl3pPr indent="-317500" lvl="2" marL="1371600">
+            <a:lvl3pPr marL="1371600" lvl="2" indent="-317500">
               <a:spcBef>
                 <a:spcPts val="1600"/>
               </a:spcBef>
@@ -6090,7 +6325,7 @@
               <a:buChar char="■"/>
               <a:defRPr/>
             </a:lvl3pPr>
-            <a:lvl4pPr indent="-317500" lvl="3" marL="1828800">
+            <a:lvl4pPr marL="1828800" lvl="3" indent="-317500">
               <a:spcBef>
                 <a:spcPts val="1600"/>
               </a:spcBef>
@@ -6101,7 +6336,7 @@
               <a:buChar char="●"/>
               <a:defRPr/>
             </a:lvl4pPr>
-            <a:lvl5pPr indent="-317500" lvl="4" marL="2286000">
+            <a:lvl5pPr marL="2286000" lvl="4" indent="-317500">
               <a:spcBef>
                 <a:spcPts val="1600"/>
               </a:spcBef>
@@ -6112,7 +6347,7 @@
               <a:buChar char="○"/>
               <a:defRPr/>
             </a:lvl5pPr>
-            <a:lvl6pPr indent="-317500" lvl="5" marL="2743200">
+            <a:lvl6pPr marL="2743200" lvl="5" indent="-317500">
               <a:spcBef>
                 <a:spcPts val="1600"/>
               </a:spcBef>
@@ -6123,7 +6358,7 @@
               <a:buChar char="■"/>
               <a:defRPr/>
             </a:lvl6pPr>
-            <a:lvl7pPr indent="-317500" lvl="6" marL="3200400">
+            <a:lvl7pPr marL="3200400" lvl="6" indent="-317500">
               <a:spcBef>
                 <a:spcPts val="1600"/>
               </a:spcBef>
@@ -6134,7 +6369,7 @@
               <a:buChar char="●"/>
               <a:defRPr/>
             </a:lvl7pPr>
-            <a:lvl8pPr indent="-317500" lvl="7" marL="3657600">
+            <a:lvl8pPr marL="3657600" lvl="7" indent="-317500">
               <a:spcBef>
                 <a:spcPts val="1600"/>
               </a:spcBef>
@@ -6145,7 +6380,7 @@
               <a:buChar char="○"/>
               <a:defRPr/>
             </a:lvl8pPr>
-            <a:lvl9pPr indent="-317500" lvl="8" marL="4114800">
+            <a:lvl9pPr marL="4114800" lvl="8" indent="-317500">
               <a:spcBef>
                 <a:spcPts val="1600"/>
               </a:spcBef>
@@ -6157,15 +6392,19 @@
               <a:defRPr/>
             </a:lvl9pPr>
           </a:lstStyle>
-          <a:p/>
+          <a:p>
+            <a:endParaRPr/>
+          </a:p>
         </p:txBody>
       </p:sp>
       <p:sp>
         <p:nvSpPr>
           <p:cNvPr id="40" name="Google Shape;40;p9"/>
-          <p:cNvSpPr txBox="1"/>
+          <p:cNvSpPr txBox="1">
+            <a:spLocks noGrp="1"/>
+          </p:cNvSpPr>
           <p:nvPr>
-            <p:ph idx="12" type="sldNum"/>
+            <p:ph type="sldNum" idx="12"/>
           </p:nvPr>
         </p:nvSpPr>
         <p:spPr>
@@ -6178,7 +6417,7 @@
           </a:prstGeom>
         </p:spPr>
         <p:txBody>
-          <a:bodyPr anchorCtr="0" anchor="ctr" bIns="91425" lIns="91425" spcFirstLastPara="1" rIns="91425" wrap="square" tIns="91425">
+          <a:bodyPr spcFirstLastPara="1" wrap="square" lIns="91425" tIns="91425" rIns="91425" bIns="91425" anchor="ctr" anchorCtr="0">
             <a:noAutofit/>
           </a:bodyPr>
           <a:lstStyle>
@@ -6220,7 +6459,7 @@
             </a:lvl9pPr>
           </a:lstStyle>
           <a:p>
-            <a:pPr indent="0" lvl="0" marL="0" rtl="0" algn="r">
+            <a:pPr marL="0" lvl="0" indent="0" algn="r" rtl="0">
               <a:spcBef>
                 <a:spcPts val="0"/>
               </a:spcBef>
@@ -6246,11 +6485,11 @@
 </file>
 
 <file path=ppt/slideLayouts/slideLayout9.xml><?xml version="1.0" encoding="utf-8"?>
-<p:sldLayout xmlns:a="http://schemas.openxmlformats.org/drawingml/2006/main" xmlns:r="http://schemas.openxmlformats.org/officeDocument/2006/relationships" xmlns:mc="http://schemas.openxmlformats.org/markup-compatibility/2006" xmlns:mv="urn:schemas-microsoft-com:mac:vml" xmlns:p="http://schemas.openxmlformats.org/presentationml/2006/main" xmlns:c="http://schemas.openxmlformats.org/drawingml/2006/chart" xmlns:dgm="http://schemas.openxmlformats.org/drawingml/2006/diagram" xmlns:o="urn:schemas-microsoft-com:office:office" xmlns:v="urn:schemas-microsoft-com:vml" xmlns:pvml="urn:schemas-microsoft-com:office:powerpoint" xmlns:com="http://schemas.openxmlformats.org/drawingml/2006/compatibility" xmlns:p14="http://schemas.microsoft.com/office/powerpoint/2010/main" xmlns:p15="http://schemas.microsoft.com/office/powerpoint/2012/main" matchingName="Caption">
+<p:sldLayout xmlns:a="http://schemas.openxmlformats.org/drawingml/2006/main" xmlns:r="http://schemas.openxmlformats.org/officeDocument/2006/relationships" xmlns:p="http://schemas.openxmlformats.org/presentationml/2006/main" matchingName="Caption">
   <p:cSld name="CAPTION_ONLY">
     <p:spTree>
       <p:nvGrpSpPr>
-        <p:cNvPr id="41" name="Shape 41"/>
+        <p:cNvPr id="1" name="Shape 41"/>
         <p:cNvGrpSpPr/>
         <p:nvPr/>
       </p:nvGrpSpPr>
@@ -6265,9 +6504,11 @@
       <p:sp>
         <p:nvSpPr>
           <p:cNvPr id="42" name="Google Shape;42;p10"/>
-          <p:cNvSpPr txBox="1"/>
+          <p:cNvSpPr txBox="1">
+            <a:spLocks noGrp="1"/>
+          </p:cNvSpPr>
           <p:nvPr>
-            <p:ph idx="1" type="body"/>
+            <p:ph type="body" idx="1"/>
           </p:nvPr>
         </p:nvSpPr>
         <p:spPr>
@@ -6280,11 +6521,11 @@
           </a:prstGeom>
         </p:spPr>
         <p:txBody>
-          <a:bodyPr anchorCtr="0" anchor="ctr" bIns="91425" lIns="91425" spcFirstLastPara="1" rIns="91425" wrap="square" tIns="91425">
+          <a:bodyPr spcFirstLastPara="1" wrap="square" lIns="91425" tIns="91425" rIns="91425" bIns="91425" anchor="ctr" anchorCtr="0">
             <a:noAutofit/>
           </a:bodyPr>
           <a:lstStyle>
-            <a:lvl1pPr indent="-228600" lvl="0" marL="457200">
+            <a:lvl1pPr marL="457200" lvl="0" indent="-228600">
               <a:lnSpc>
                 <a:spcPct val="100000"/>
               </a:lnSpc>
@@ -6299,15 +6540,19 @@
               <a:defRPr/>
             </a:lvl1pPr>
           </a:lstStyle>
-          <a:p/>
+          <a:p>
+            <a:endParaRPr/>
+          </a:p>
         </p:txBody>
       </p:sp>
       <p:sp>
         <p:nvSpPr>
           <p:cNvPr id="43" name="Google Shape;43;p10"/>
-          <p:cNvSpPr txBox="1"/>
+          <p:cNvSpPr txBox="1">
+            <a:spLocks noGrp="1"/>
+          </p:cNvSpPr>
           <p:nvPr>
-            <p:ph idx="12" type="sldNum"/>
+            <p:ph type="sldNum" idx="12"/>
           </p:nvPr>
         </p:nvSpPr>
         <p:spPr>
@@ -6320,7 +6565,7 @@
           </a:prstGeom>
         </p:spPr>
         <p:txBody>
-          <a:bodyPr anchorCtr="0" anchor="ctr" bIns="91425" lIns="91425" spcFirstLastPara="1" rIns="91425" wrap="square" tIns="91425">
+          <a:bodyPr spcFirstLastPara="1" wrap="square" lIns="91425" tIns="91425" rIns="91425" bIns="91425" anchor="ctr" anchorCtr="0">
             <a:noAutofit/>
           </a:bodyPr>
           <a:lstStyle>
@@ -6362,7 +6607,7 @@
             </a:lvl9pPr>
           </a:lstStyle>
           <a:p>
-            <a:pPr indent="0" lvl="0" marL="0" rtl="0" algn="r">
+            <a:pPr marL="0" lvl="0" indent="0" algn="r" rtl="0">
               <a:spcBef>
                 <a:spcPts val="0"/>
               </a:spcBef>
@@ -6388,18 +6633,19 @@
 </file>
 
 <file path=ppt/slideMasters/slideMaster1.xml><?xml version="1.0" encoding="utf-8"?>
-<p:sldMaster xmlns:a="http://schemas.openxmlformats.org/drawingml/2006/main" xmlns:r="http://schemas.openxmlformats.org/officeDocument/2006/relationships" xmlns:mc="http://schemas.openxmlformats.org/markup-compatibility/2006" xmlns:mv="urn:schemas-microsoft-com:mac:vml" xmlns:p="http://schemas.openxmlformats.org/presentationml/2006/main" xmlns:c="http://schemas.openxmlformats.org/drawingml/2006/chart" xmlns:dgm="http://schemas.openxmlformats.org/drawingml/2006/diagram" xmlns:o="urn:schemas-microsoft-com:office:office" xmlns:v="urn:schemas-microsoft-com:vml" xmlns:pvml="urn:schemas-microsoft-com:office:powerpoint" xmlns:com="http://schemas.openxmlformats.org/drawingml/2006/compatibility" xmlns:p14="http://schemas.microsoft.com/office/powerpoint/2010/main" xmlns:p15="http://schemas.microsoft.com/office/powerpoint/2012/main">
+<p:sldMaster xmlns:a="http://schemas.openxmlformats.org/drawingml/2006/main" xmlns:r="http://schemas.openxmlformats.org/officeDocument/2006/relationships" xmlns:p="http://schemas.openxmlformats.org/presentationml/2006/main">
   <p:cSld name="simple-light-2">
     <p:bg>
       <p:bgPr>
         <a:solidFill>
           <a:schemeClr val="lt1"/>
         </a:solidFill>
+        <a:effectLst/>
       </p:bgPr>
     </p:bg>
     <p:spTree>
       <p:nvGrpSpPr>
-        <p:cNvPr id="5" name="Shape 5"/>
+        <p:cNvPr id="1" name="Shape 5"/>
         <p:cNvGrpSpPr/>
         <p:nvPr/>
       </p:nvGrpSpPr>
@@ -6414,7 +6660,9 @@
       <p:sp>
         <p:nvSpPr>
           <p:cNvPr id="6" name="Google Shape;6;p1"/>
-          <p:cNvSpPr txBox="1"/>
+          <p:cNvSpPr txBox="1">
+            <a:spLocks noGrp="1"/>
+          </p:cNvSpPr>
           <p:nvPr>
             <p:ph type="title"/>
           </p:nvPr>
@@ -6433,7 +6681,7 @@
           </a:ln>
         </p:spPr>
         <p:txBody>
-          <a:bodyPr anchorCtr="0" anchor="t" bIns="91425" lIns="91425" spcFirstLastPara="1" rIns="91425" wrap="square" tIns="91425">
+          <a:bodyPr spcFirstLastPara="1" wrap="square" lIns="91425" tIns="91425" rIns="91425" bIns="91425" anchor="t" anchorCtr="0">
             <a:noAutofit/>
           </a:bodyPr>
           <a:lstStyle>
@@ -6600,15 +6848,19 @@
               </a:defRPr>
             </a:lvl9pPr>
           </a:lstStyle>
-          <a:p/>
+          <a:p>
+            <a:endParaRPr/>
+          </a:p>
         </p:txBody>
       </p:sp>
       <p:sp>
         <p:nvSpPr>
           <p:cNvPr id="7" name="Google Shape;7;p1"/>
-          <p:cNvSpPr txBox="1"/>
+          <p:cNvSpPr txBox="1">
+            <a:spLocks noGrp="1"/>
+          </p:cNvSpPr>
           <p:nvPr>
-            <p:ph idx="1" type="body"/>
+            <p:ph type="body" idx="1"/>
           </p:nvPr>
         </p:nvSpPr>
         <p:spPr>
@@ -6625,11 +6877,11 @@
           </a:ln>
         </p:spPr>
         <p:txBody>
-          <a:bodyPr anchorCtr="0" anchor="t" bIns="91425" lIns="91425" spcFirstLastPara="1" rIns="91425" wrap="square" tIns="91425">
+          <a:bodyPr spcFirstLastPara="1" wrap="square" lIns="91425" tIns="91425" rIns="91425" bIns="91425" anchor="t" anchorCtr="0">
             <a:noAutofit/>
           </a:bodyPr>
           <a:lstStyle>
-            <a:lvl1pPr indent="-342900" lvl="0" marL="457200">
+            <a:lvl1pPr marL="457200" lvl="0" indent="-342900">
               <a:lnSpc>
                 <a:spcPct val="115000"/>
               </a:lnSpc>
@@ -6650,7 +6902,7 @@
                 </a:solidFill>
               </a:defRPr>
             </a:lvl1pPr>
-            <a:lvl2pPr indent="-317500" lvl="1" marL="914400">
+            <a:lvl2pPr marL="914400" lvl="1" indent="-317500">
               <a:lnSpc>
                 <a:spcPct val="115000"/>
               </a:lnSpc>
@@ -6671,7 +6923,7 @@
                 </a:solidFill>
               </a:defRPr>
             </a:lvl2pPr>
-            <a:lvl3pPr indent="-317500" lvl="2" marL="1371600">
+            <a:lvl3pPr marL="1371600" lvl="2" indent="-317500">
               <a:lnSpc>
                 <a:spcPct val="115000"/>
               </a:lnSpc>
@@ -6692,7 +6944,7 @@
                 </a:solidFill>
               </a:defRPr>
             </a:lvl3pPr>
-            <a:lvl4pPr indent="-317500" lvl="3" marL="1828800">
+            <a:lvl4pPr marL="1828800" lvl="3" indent="-317500">
               <a:lnSpc>
                 <a:spcPct val="115000"/>
               </a:lnSpc>
@@ -6713,7 +6965,7 @@
                 </a:solidFill>
               </a:defRPr>
             </a:lvl4pPr>
-            <a:lvl5pPr indent="-317500" lvl="4" marL="2286000">
+            <a:lvl5pPr marL="2286000" lvl="4" indent="-317500">
               <a:lnSpc>
                 <a:spcPct val="115000"/>
               </a:lnSpc>
@@ -6734,7 +6986,7 @@
                 </a:solidFill>
               </a:defRPr>
             </a:lvl5pPr>
-            <a:lvl6pPr indent="-317500" lvl="5" marL="2743200">
+            <a:lvl6pPr marL="2743200" lvl="5" indent="-317500">
               <a:lnSpc>
                 <a:spcPct val="115000"/>
               </a:lnSpc>
@@ -6755,7 +7007,7 @@
                 </a:solidFill>
               </a:defRPr>
             </a:lvl6pPr>
-            <a:lvl7pPr indent="-317500" lvl="6" marL="3200400">
+            <a:lvl7pPr marL="3200400" lvl="6" indent="-317500">
               <a:lnSpc>
                 <a:spcPct val="115000"/>
               </a:lnSpc>
@@ -6776,7 +7028,7 @@
                 </a:solidFill>
               </a:defRPr>
             </a:lvl7pPr>
-            <a:lvl8pPr indent="-317500" lvl="7" marL="3657600">
+            <a:lvl8pPr marL="3657600" lvl="7" indent="-317500">
               <a:lnSpc>
                 <a:spcPct val="115000"/>
               </a:lnSpc>
@@ -6797,7 +7049,7 @@
                 </a:solidFill>
               </a:defRPr>
             </a:lvl8pPr>
-            <a:lvl9pPr indent="-317500" lvl="8" marL="4114800">
+            <a:lvl9pPr marL="4114800" lvl="8" indent="-317500">
               <a:lnSpc>
                 <a:spcPct val="115000"/>
               </a:lnSpc>
@@ -6819,15 +7071,19 @@
               </a:defRPr>
             </a:lvl9pPr>
           </a:lstStyle>
-          <a:p/>
+          <a:p>
+            <a:endParaRPr/>
+          </a:p>
         </p:txBody>
       </p:sp>
       <p:sp>
         <p:nvSpPr>
           <p:cNvPr id="8" name="Google Shape;8;p1"/>
-          <p:cNvSpPr txBox="1"/>
+          <p:cNvSpPr txBox="1">
+            <a:spLocks noGrp="1"/>
+          </p:cNvSpPr>
           <p:nvPr>
-            <p:ph idx="12" type="sldNum"/>
+            <p:ph type="sldNum" idx="12"/>
           </p:nvPr>
         </p:nvSpPr>
         <p:spPr>
@@ -6844,7 +7100,7 @@
           </a:ln>
         </p:spPr>
         <p:txBody>
-          <a:bodyPr anchorCtr="0" anchor="ctr" bIns="91425" lIns="91425" spcFirstLastPara="1" rIns="91425" wrap="square" tIns="91425">
+          <a:bodyPr spcFirstLastPara="1" wrap="square" lIns="91425" tIns="91425" rIns="91425" bIns="91425" anchor="ctr" anchorCtr="0">
             <a:noAutofit/>
           </a:bodyPr>
           <a:lstStyle>
@@ -6922,7 +7178,7 @@
             </a:lvl9pPr>
           </a:lstStyle>
           <a:p>
-            <a:pPr indent="0" lvl="0" marL="0" rtl="0" algn="r">
+            <a:pPr marL="0" lvl="0" indent="0" algn="r" rtl="0">
               <a:spcBef>
                 <a:spcPts val="0"/>
               </a:spcBef>
@@ -6941,7 +7197,7 @@
       </p:sp>
     </p:spTree>
   </p:cSld>
-  <p:clrMap accent1="accent1" accent2="accent2" accent3="accent3" accent4="accent4" accent5="accent5" accent6="accent6" bg1="lt1" bg2="dk2" tx1="dk1" tx2="lt2" folHlink="folHlink" hlink="hlink"/>
+  <p:clrMap bg1="lt1" tx1="dk1" bg2="dk2" tx2="lt2" accent1="accent1" accent2="accent2" accent3="accent3" accent4="accent4" accent5="accent5" accent6="accent6" hlink="hlink" folHlink="folHlink"/>
   <p:sldLayoutIdLst>
     <p:sldLayoutId id="2147483648" r:id="rId1"/>
     <p:sldLayoutId id="2147483649" r:id="rId2"/>
@@ -6955,10 +7211,10 @@
     <p:sldLayoutId id="2147483657" r:id="rId10"/>
     <p:sldLayoutId id="2147483658" r:id="rId11"/>
   </p:sldLayoutIdLst>
-  <p:hf dt="0" ftr="0" hdr="0" sldNum="0"/>
+  <p:hf sldNum="0" hdr="0" ftr="0" dt="0"/>
   <p:txStyles>
     <p:titleStyle>
-      <a:defPPr lvl="0" marR="0" rtl="0" algn="l">
+      <a:defPPr marR="0" lvl="0" algn="l" rtl="0">
         <a:lnSpc>
           <a:spcPct val="100000"/>
         </a:lnSpc>
@@ -6969,7 +7225,7 @@
           <a:spcPts val="0"/>
         </a:spcAft>
       </a:defPPr>
-      <a:lvl1pPr lvl="0" marR="0" rtl="0" algn="l">
+      <a:lvl1pPr marR="0" lvl="0" algn="l" rtl="0">
         <a:lnSpc>
           <a:spcPct val="100000"/>
         </a:lnSpc>
@@ -6983,7 +7239,7 @@
           <a:srgbClr val="000000"/>
         </a:buClr>
         <a:buFont typeface="Arial"/>
-        <a:defRPr b="0" i="0" sz="1400" u="none" cap="none" strike="noStrike">
+        <a:defRPr sz="1400" b="0" i="0" u="none" strike="noStrike" cap="none">
           <a:solidFill>
             <a:srgbClr val="000000"/>
           </a:solidFill>
@@ -6993,7 +7249,7 @@
           <a:sym typeface="Arial"/>
         </a:defRPr>
       </a:lvl1pPr>
-      <a:lvl2pPr lvl="1" marR="0" rtl="0" algn="l">
+      <a:lvl2pPr marR="0" lvl="1" algn="l" rtl="0">
         <a:lnSpc>
           <a:spcPct val="100000"/>
         </a:lnSpc>
@@ -7007,7 +7263,7 @@
           <a:srgbClr val="000000"/>
         </a:buClr>
         <a:buFont typeface="Arial"/>
-        <a:defRPr b="0" i="0" sz="1400" u="none" cap="none" strike="noStrike">
+        <a:defRPr sz="1400" b="0" i="0" u="none" strike="noStrike" cap="none">
           <a:solidFill>
             <a:srgbClr val="000000"/>
           </a:solidFill>
@@ -7017,7 +7273,7 @@
           <a:sym typeface="Arial"/>
         </a:defRPr>
       </a:lvl2pPr>
-      <a:lvl3pPr lvl="2" marR="0" rtl="0" algn="l">
+      <a:lvl3pPr marR="0" lvl="2" algn="l" rtl="0">
         <a:lnSpc>
           <a:spcPct val="100000"/>
         </a:lnSpc>
@@ -7031,7 +7287,7 @@
           <a:srgbClr val="000000"/>
         </a:buClr>
         <a:buFont typeface="Arial"/>
-        <a:defRPr b="0" i="0" sz="1400" u="none" cap="none" strike="noStrike">
+        <a:defRPr sz="1400" b="0" i="0" u="none" strike="noStrike" cap="none">
           <a:solidFill>
             <a:srgbClr val="000000"/>
           </a:solidFill>
@@ -7041,7 +7297,7 @@
           <a:sym typeface="Arial"/>
         </a:defRPr>
       </a:lvl3pPr>
-      <a:lvl4pPr lvl="3" marR="0" rtl="0" algn="l">
+      <a:lvl4pPr marR="0" lvl="3" algn="l" rtl="0">
         <a:lnSpc>
           <a:spcPct val="100000"/>
         </a:lnSpc>
@@ -7055,7 +7311,7 @@
           <a:srgbClr val="000000"/>
         </a:buClr>
         <a:buFont typeface="Arial"/>
-        <a:defRPr b="0" i="0" sz="1400" u="none" cap="none" strike="noStrike">
+        <a:defRPr sz="1400" b="0" i="0" u="none" strike="noStrike" cap="none">
           <a:solidFill>
             <a:srgbClr val="000000"/>
           </a:solidFill>
@@ -7065,7 +7321,7 @@
           <a:sym typeface="Arial"/>
         </a:defRPr>
       </a:lvl4pPr>
-      <a:lvl5pPr lvl="4" marR="0" rtl="0" algn="l">
+      <a:lvl5pPr marR="0" lvl="4" algn="l" rtl="0">
         <a:lnSpc>
           <a:spcPct val="100000"/>
         </a:lnSpc>
@@ -7079,7 +7335,7 @@
           <a:srgbClr val="000000"/>
         </a:buClr>
         <a:buFont typeface="Arial"/>
-        <a:defRPr b="0" i="0" sz="1400" u="none" cap="none" strike="noStrike">
+        <a:defRPr sz="1400" b="0" i="0" u="none" strike="noStrike" cap="none">
           <a:solidFill>
             <a:srgbClr val="000000"/>
           </a:solidFill>
@@ -7089,7 +7345,7 @@
           <a:sym typeface="Arial"/>
         </a:defRPr>
       </a:lvl5pPr>
-      <a:lvl6pPr lvl="5" marR="0" rtl="0" algn="l">
+      <a:lvl6pPr marR="0" lvl="5" algn="l" rtl="0">
         <a:lnSpc>
           <a:spcPct val="100000"/>
         </a:lnSpc>
@@ -7103,7 +7359,7 @@
           <a:srgbClr val="000000"/>
         </a:buClr>
         <a:buFont typeface="Arial"/>
-        <a:defRPr b="0" i="0" sz="1400" u="none" cap="none" strike="noStrike">
+        <a:defRPr sz="1400" b="0" i="0" u="none" strike="noStrike" cap="none">
           <a:solidFill>
             <a:srgbClr val="000000"/>
           </a:solidFill>
@@ -7113,7 +7369,7 @@
           <a:sym typeface="Arial"/>
         </a:defRPr>
       </a:lvl6pPr>
-      <a:lvl7pPr lvl="6" marR="0" rtl="0" algn="l">
+      <a:lvl7pPr marR="0" lvl="6" algn="l" rtl="0">
         <a:lnSpc>
           <a:spcPct val="100000"/>
         </a:lnSpc>
@@ -7127,7 +7383,7 @@
           <a:srgbClr val="000000"/>
         </a:buClr>
         <a:buFont typeface="Arial"/>
-        <a:defRPr b="0" i="0" sz="1400" u="none" cap="none" strike="noStrike">
+        <a:defRPr sz="1400" b="0" i="0" u="none" strike="noStrike" cap="none">
           <a:solidFill>
             <a:srgbClr val="000000"/>
           </a:solidFill>
@@ -7137,7 +7393,7 @@
           <a:sym typeface="Arial"/>
         </a:defRPr>
       </a:lvl7pPr>
-      <a:lvl8pPr lvl="7" marR="0" rtl="0" algn="l">
+      <a:lvl8pPr marR="0" lvl="7" algn="l" rtl="0">
         <a:lnSpc>
           <a:spcPct val="100000"/>
         </a:lnSpc>
@@ -7151,7 +7407,7 @@
           <a:srgbClr val="000000"/>
         </a:buClr>
         <a:buFont typeface="Arial"/>
-        <a:defRPr b="0" i="0" sz="1400" u="none" cap="none" strike="noStrike">
+        <a:defRPr sz="1400" b="0" i="0" u="none" strike="noStrike" cap="none">
           <a:solidFill>
             <a:srgbClr val="000000"/>
           </a:solidFill>
@@ -7161,7 +7417,7 @@
           <a:sym typeface="Arial"/>
         </a:defRPr>
       </a:lvl8pPr>
-      <a:lvl9pPr lvl="8" marR="0" rtl="0" algn="l">
+      <a:lvl9pPr marR="0" lvl="8" algn="l" rtl="0">
         <a:lnSpc>
           <a:spcPct val="100000"/>
         </a:lnSpc>
@@ -7175,7 +7431,7 @@
           <a:srgbClr val="000000"/>
         </a:buClr>
         <a:buFont typeface="Arial"/>
-        <a:defRPr b="0" i="0" sz="1400" u="none" cap="none" strike="noStrike">
+        <a:defRPr sz="1400" b="0" i="0" u="none" strike="noStrike" cap="none">
           <a:solidFill>
             <a:srgbClr val="000000"/>
           </a:solidFill>
@@ -7187,7 +7443,7 @@
       </a:lvl9pPr>
     </p:titleStyle>
     <p:bodyStyle>
-      <a:defPPr lvl="0" marR="0" rtl="0" algn="l">
+      <a:defPPr marR="0" lvl="0" algn="l" rtl="0">
         <a:lnSpc>
           <a:spcPct val="100000"/>
         </a:lnSpc>
@@ -7198,7 +7454,7 @@
           <a:spcPts val="0"/>
         </a:spcAft>
       </a:defPPr>
-      <a:lvl1pPr lvl="0" marR="0" rtl="0" algn="l">
+      <a:lvl1pPr marR="0" lvl="0" algn="l" rtl="0">
         <a:lnSpc>
           <a:spcPct val="100000"/>
         </a:lnSpc>
@@ -7212,7 +7468,7 @@
           <a:srgbClr val="000000"/>
         </a:buClr>
         <a:buFont typeface="Arial"/>
-        <a:defRPr b="0" i="0" sz="1400" u="none" cap="none" strike="noStrike">
+        <a:defRPr sz="1400" b="0" i="0" u="none" strike="noStrike" cap="none">
           <a:solidFill>
             <a:srgbClr val="000000"/>
           </a:solidFill>
@@ -7222,7 +7478,7 @@
           <a:sym typeface="Arial"/>
         </a:defRPr>
       </a:lvl1pPr>
-      <a:lvl2pPr lvl="1" marR="0" rtl="0" algn="l">
+      <a:lvl2pPr marR="0" lvl="1" algn="l" rtl="0">
         <a:lnSpc>
           <a:spcPct val="100000"/>
         </a:lnSpc>
@@ -7236,7 +7492,7 @@
           <a:srgbClr val="000000"/>
         </a:buClr>
         <a:buFont typeface="Arial"/>
-        <a:defRPr b="0" i="0" sz="1400" u="none" cap="none" strike="noStrike">
+        <a:defRPr sz="1400" b="0" i="0" u="none" strike="noStrike" cap="none">
           <a:solidFill>
             <a:srgbClr val="000000"/>
           </a:solidFill>
@@ -7246,7 +7502,7 @@
           <a:sym typeface="Arial"/>
         </a:defRPr>
       </a:lvl2pPr>
-      <a:lvl3pPr lvl="2" marR="0" rtl="0" algn="l">
+      <a:lvl3pPr marR="0" lvl="2" algn="l" rtl="0">
         <a:lnSpc>
           <a:spcPct val="100000"/>
         </a:lnSpc>
@@ -7260,7 +7516,7 @@
           <a:srgbClr val="000000"/>
         </a:buClr>
         <a:buFont typeface="Arial"/>
-        <a:defRPr b="0" i="0" sz="1400" u="none" cap="none" strike="noStrike">
+        <a:defRPr sz="1400" b="0" i="0" u="none" strike="noStrike" cap="none">
           <a:solidFill>
             <a:srgbClr val="000000"/>
           </a:solidFill>
@@ -7270,7 +7526,7 @@
           <a:sym typeface="Arial"/>
         </a:defRPr>
       </a:lvl3pPr>
-      <a:lvl4pPr lvl="3" marR="0" rtl="0" algn="l">
+      <a:lvl4pPr marR="0" lvl="3" algn="l" rtl="0">
         <a:lnSpc>
           <a:spcPct val="100000"/>
         </a:lnSpc>
@@ -7284,7 +7540,7 @@
           <a:srgbClr val="000000"/>
         </a:buClr>
         <a:buFont typeface="Arial"/>
-        <a:defRPr b="0" i="0" sz="1400" u="none" cap="none" strike="noStrike">
+        <a:defRPr sz="1400" b="0" i="0" u="none" strike="noStrike" cap="none">
           <a:solidFill>
             <a:srgbClr val="000000"/>
           </a:solidFill>
@@ -7294,7 +7550,7 @@
           <a:sym typeface="Arial"/>
         </a:defRPr>
       </a:lvl4pPr>
-      <a:lvl5pPr lvl="4" marR="0" rtl="0" algn="l">
+      <a:lvl5pPr marR="0" lvl="4" algn="l" rtl="0">
         <a:lnSpc>
           <a:spcPct val="100000"/>
         </a:lnSpc>
@@ -7308,7 +7564,7 @@
           <a:srgbClr val="000000"/>
         </a:buClr>
         <a:buFont typeface="Arial"/>
-        <a:defRPr b="0" i="0" sz="1400" u="none" cap="none" strike="noStrike">
+        <a:defRPr sz="1400" b="0" i="0" u="none" strike="noStrike" cap="none">
           <a:solidFill>
             <a:srgbClr val="000000"/>
           </a:solidFill>
@@ -7318,7 +7574,7 @@
           <a:sym typeface="Arial"/>
         </a:defRPr>
       </a:lvl5pPr>
-      <a:lvl6pPr lvl="5" marR="0" rtl="0" algn="l">
+      <a:lvl6pPr marR="0" lvl="5" algn="l" rtl="0">
         <a:lnSpc>
           <a:spcPct val="100000"/>
         </a:lnSpc>
@@ -7332,7 +7588,7 @@
           <a:srgbClr val="000000"/>
         </a:buClr>
         <a:buFont typeface="Arial"/>
-        <a:defRPr b="0" i="0" sz="1400" u="none" cap="none" strike="noStrike">
+        <a:defRPr sz="1400" b="0" i="0" u="none" strike="noStrike" cap="none">
           <a:solidFill>
             <a:srgbClr val="000000"/>
           </a:solidFill>
@@ -7342,7 +7598,7 @@
           <a:sym typeface="Arial"/>
         </a:defRPr>
       </a:lvl6pPr>
-      <a:lvl7pPr lvl="6" marR="0" rtl="0" algn="l">
+      <a:lvl7pPr marR="0" lvl="6" algn="l" rtl="0">
         <a:lnSpc>
           <a:spcPct val="100000"/>
         </a:lnSpc>
@@ -7356,7 +7612,7 @@
           <a:srgbClr val="000000"/>
         </a:buClr>
         <a:buFont typeface="Arial"/>
-        <a:defRPr b="0" i="0" sz="1400" u="none" cap="none" strike="noStrike">
+        <a:defRPr sz="1400" b="0" i="0" u="none" strike="noStrike" cap="none">
           <a:solidFill>
             <a:srgbClr val="000000"/>
           </a:solidFill>
@@ -7366,7 +7622,7 @@
           <a:sym typeface="Arial"/>
         </a:defRPr>
       </a:lvl7pPr>
-      <a:lvl8pPr lvl="7" marR="0" rtl="0" algn="l">
+      <a:lvl8pPr marR="0" lvl="7" algn="l" rtl="0">
         <a:lnSpc>
           <a:spcPct val="100000"/>
         </a:lnSpc>
@@ -7380,7 +7636,7 @@
           <a:srgbClr val="000000"/>
         </a:buClr>
         <a:buFont typeface="Arial"/>
-        <a:defRPr b="0" i="0" sz="1400" u="none" cap="none" strike="noStrike">
+        <a:defRPr sz="1400" b="0" i="0" u="none" strike="noStrike" cap="none">
           <a:solidFill>
             <a:srgbClr val="000000"/>
           </a:solidFill>
@@ -7390,7 +7646,7 @@
           <a:sym typeface="Arial"/>
         </a:defRPr>
       </a:lvl8pPr>
-      <a:lvl9pPr lvl="8" marR="0" rtl="0" algn="l">
+      <a:lvl9pPr marR="0" lvl="8" algn="l" rtl="0">
         <a:lnSpc>
           <a:spcPct val="100000"/>
         </a:lnSpc>
@@ -7404,7 +7660,7 @@
           <a:srgbClr val="000000"/>
         </a:buClr>
         <a:buFont typeface="Arial"/>
-        <a:defRPr b="0" i="0" sz="1400" u="none" cap="none" strike="noStrike">
+        <a:defRPr sz="1400" b="0" i="0" u="none" strike="noStrike" cap="none">
           <a:solidFill>
             <a:srgbClr val="000000"/>
           </a:solidFill>
@@ -7416,7 +7672,7 @@
       </a:lvl9pPr>
     </p:bodyStyle>
     <p:otherStyle>
-      <a:defPPr lvl="0" marR="0" rtl="0" algn="l">
+      <a:defPPr marR="0" lvl="0" algn="l" rtl="0">
         <a:lnSpc>
           <a:spcPct val="100000"/>
         </a:lnSpc>
@@ -7427,7 +7683,7 @@
           <a:spcPts val="0"/>
         </a:spcAft>
       </a:defPPr>
-      <a:lvl1pPr lvl="0" marR="0" rtl="0" algn="l">
+      <a:lvl1pPr marR="0" lvl="0" algn="l" rtl="0">
         <a:lnSpc>
           <a:spcPct val="100000"/>
         </a:lnSpc>
@@ -7441,7 +7697,7 @@
           <a:srgbClr val="000000"/>
         </a:buClr>
         <a:buFont typeface="Arial"/>
-        <a:defRPr b="0" i="0" sz="1400" u="none" cap="none" strike="noStrike">
+        <a:defRPr sz="1400" b="0" i="0" u="none" strike="noStrike" cap="none">
           <a:solidFill>
             <a:srgbClr val="000000"/>
           </a:solidFill>
@@ -7451,7 +7707,7 @@
           <a:sym typeface="Arial"/>
         </a:defRPr>
       </a:lvl1pPr>
-      <a:lvl2pPr lvl="1" marR="0" rtl="0" algn="l">
+      <a:lvl2pPr marR="0" lvl="1" algn="l" rtl="0">
         <a:lnSpc>
           <a:spcPct val="100000"/>
         </a:lnSpc>
@@ -7465,7 +7721,7 @@
           <a:srgbClr val="000000"/>
         </a:buClr>
         <a:buFont typeface="Arial"/>
-        <a:defRPr b="0" i="0" sz="1400" u="none" cap="none" strike="noStrike">
+        <a:defRPr sz="1400" b="0" i="0" u="none" strike="noStrike" cap="none">
           <a:solidFill>
             <a:srgbClr val="000000"/>
           </a:solidFill>
@@ -7475,7 +7731,7 @@
           <a:sym typeface="Arial"/>
         </a:defRPr>
       </a:lvl2pPr>
-      <a:lvl3pPr lvl="2" marR="0" rtl="0" algn="l">
+      <a:lvl3pPr marR="0" lvl="2" algn="l" rtl="0">
         <a:lnSpc>
           <a:spcPct val="100000"/>
         </a:lnSpc>
@@ -7489,7 +7745,7 @@
           <a:srgbClr val="000000"/>
         </a:buClr>
         <a:buFont typeface="Arial"/>
-        <a:defRPr b="0" i="0" sz="1400" u="none" cap="none" strike="noStrike">
+        <a:defRPr sz="1400" b="0" i="0" u="none" strike="noStrike" cap="none">
           <a:solidFill>
             <a:srgbClr val="000000"/>
           </a:solidFill>
@@ -7499,7 +7755,7 @@
           <a:sym typeface="Arial"/>
         </a:defRPr>
       </a:lvl3pPr>
-      <a:lvl4pPr lvl="3" marR="0" rtl="0" algn="l">
+      <a:lvl4pPr marR="0" lvl="3" algn="l" rtl="0">
         <a:lnSpc>
           <a:spcPct val="100000"/>
         </a:lnSpc>
@@ -7513,7 +7769,7 @@
           <a:srgbClr val="000000"/>
         </a:buClr>
         <a:buFont typeface="Arial"/>
-        <a:defRPr b="0" i="0" sz="1400" u="none" cap="none" strike="noStrike">
+        <a:defRPr sz="1400" b="0" i="0" u="none" strike="noStrike" cap="none">
           <a:solidFill>
             <a:srgbClr val="000000"/>
           </a:solidFill>
@@ -7523,7 +7779,7 @@
           <a:sym typeface="Arial"/>
         </a:defRPr>
       </a:lvl4pPr>
-      <a:lvl5pPr lvl="4" marR="0" rtl="0" algn="l">
+      <a:lvl5pPr marR="0" lvl="4" algn="l" rtl="0">
         <a:lnSpc>
           <a:spcPct val="100000"/>
         </a:lnSpc>
@@ -7537,7 +7793,7 @@
           <a:srgbClr val="000000"/>
         </a:buClr>
         <a:buFont typeface="Arial"/>
-        <a:defRPr b="0" i="0" sz="1400" u="none" cap="none" strike="noStrike">
+        <a:defRPr sz="1400" b="0" i="0" u="none" strike="noStrike" cap="none">
           <a:solidFill>
             <a:srgbClr val="000000"/>
           </a:solidFill>
@@ -7547,7 +7803,7 @@
           <a:sym typeface="Arial"/>
         </a:defRPr>
       </a:lvl5pPr>
-      <a:lvl6pPr lvl="5" marR="0" rtl="0" algn="l">
+      <a:lvl6pPr marR="0" lvl="5" algn="l" rtl="0">
         <a:lnSpc>
           <a:spcPct val="100000"/>
         </a:lnSpc>
@@ -7561,7 +7817,7 @@
           <a:srgbClr val="000000"/>
         </a:buClr>
         <a:buFont typeface="Arial"/>
-        <a:defRPr b="0" i="0" sz="1400" u="none" cap="none" strike="noStrike">
+        <a:defRPr sz="1400" b="0" i="0" u="none" strike="noStrike" cap="none">
           <a:solidFill>
             <a:srgbClr val="000000"/>
           </a:solidFill>
@@ -7571,7 +7827,7 @@
           <a:sym typeface="Arial"/>
         </a:defRPr>
       </a:lvl6pPr>
-      <a:lvl7pPr lvl="6" marR="0" rtl="0" algn="l">
+      <a:lvl7pPr marR="0" lvl="6" algn="l" rtl="0">
         <a:lnSpc>
           <a:spcPct val="100000"/>
         </a:lnSpc>
@@ -7585,7 +7841,7 @@
           <a:srgbClr val="000000"/>
         </a:buClr>
         <a:buFont typeface="Arial"/>
-        <a:defRPr b="0" i="0" sz="1400" u="none" cap="none" strike="noStrike">
+        <a:defRPr sz="1400" b="0" i="0" u="none" strike="noStrike" cap="none">
           <a:solidFill>
             <a:srgbClr val="000000"/>
           </a:solidFill>
@@ -7595,7 +7851,7 @@
           <a:sym typeface="Arial"/>
         </a:defRPr>
       </a:lvl7pPr>
-      <a:lvl8pPr lvl="7" marR="0" rtl="0" algn="l">
+      <a:lvl8pPr marR="0" lvl="7" algn="l" rtl="0">
         <a:lnSpc>
           <a:spcPct val="100000"/>
         </a:lnSpc>
@@ -7609,7 +7865,7 @@
           <a:srgbClr val="000000"/>
         </a:buClr>
         <a:buFont typeface="Arial"/>
-        <a:defRPr b="0" i="0" sz="1400" u="none" cap="none" strike="noStrike">
+        <a:defRPr sz="1400" b="0" i="0" u="none" strike="noStrike" cap="none">
           <a:solidFill>
             <a:srgbClr val="000000"/>
           </a:solidFill>
@@ -7619,7 +7875,7 @@
           <a:sym typeface="Arial"/>
         </a:defRPr>
       </a:lvl8pPr>
-      <a:lvl9pPr lvl="8" marR="0" rtl="0" algn="l">
+      <a:lvl9pPr marR="0" lvl="8" algn="l" rtl="0">
         <a:lnSpc>
           <a:spcPct val="100000"/>
         </a:lnSpc>
@@ -7633,7 +7889,7 @@
           <a:srgbClr val="000000"/>
         </a:buClr>
         <a:buFont typeface="Arial"/>
-        <a:defRPr b="0" i="0" sz="1400" u="none" cap="none" strike="noStrike">
+        <a:defRPr sz="1400" b="0" i="0" u="none" strike="noStrike" cap="none">
           <a:solidFill>
             <a:srgbClr val="000000"/>
           </a:solidFill>
@@ -7649,11 +7905,11 @@
 </file>
 
 <file path=ppt/slides/slide1.xml><?xml version="1.0" encoding="utf-8"?>
-<p:sld xmlns:a="http://schemas.openxmlformats.org/drawingml/2006/main" xmlns:r="http://schemas.openxmlformats.org/officeDocument/2006/relationships" xmlns:mc="http://schemas.openxmlformats.org/markup-compatibility/2006" xmlns:mv="urn:schemas-microsoft-com:mac:vml" xmlns:p="http://schemas.openxmlformats.org/presentationml/2006/main" xmlns:c="http://schemas.openxmlformats.org/drawingml/2006/chart" xmlns:dgm="http://schemas.openxmlformats.org/drawingml/2006/diagram" xmlns:o="urn:schemas-microsoft-com:office:office" xmlns:v="urn:schemas-microsoft-com:vml" xmlns:pvml="urn:schemas-microsoft-com:office:powerpoint" xmlns:com="http://schemas.openxmlformats.org/drawingml/2006/compatibility" xmlns:p14="http://schemas.microsoft.com/office/powerpoint/2010/main" xmlns:p15="http://schemas.microsoft.com/office/powerpoint/2012/main">
+<p:sld xmlns:a="http://schemas.openxmlformats.org/drawingml/2006/main" xmlns:r="http://schemas.openxmlformats.org/officeDocument/2006/relationships" xmlns:p="http://schemas.openxmlformats.org/presentationml/2006/main">
   <p:cSld>
     <p:spTree>
       <p:nvGrpSpPr>
-        <p:cNvPr id="53" name="Shape 53"/>
+        <p:cNvPr id="1" name="Shape 53"/>
         <p:cNvGrpSpPr/>
         <p:nvPr/>
       </p:nvGrpSpPr>
@@ -7685,12 +7941,12 @@
           </a:ln>
         </p:spPr>
         <p:txBody>
-          <a:bodyPr anchorCtr="0" anchor="t" bIns="91425" lIns="91425" spcFirstLastPara="1" rIns="91425" wrap="square" tIns="91425">
+          <a:bodyPr spcFirstLastPara="1" wrap="square" lIns="91425" tIns="91425" rIns="91425" bIns="91425" anchor="t" anchorCtr="0">
             <a:noAutofit/>
           </a:bodyPr>
           <a:lstStyle/>
           <a:p>
-            <a:pPr indent="0" lvl="0" marL="0" rtl="0" algn="l">
+            <a:pPr marL="0" lvl="0" indent="0" algn="l" rtl="0">
               <a:spcBef>
                 <a:spcPts val="0"/>
               </a:spcBef>
@@ -7737,12 +7993,12 @@
           </a:ln>
         </p:spPr>
         <p:txBody>
-          <a:bodyPr anchorCtr="0" anchor="t" bIns="91425" lIns="91425" spcFirstLastPara="1" rIns="91425" wrap="square" tIns="91425">
+          <a:bodyPr spcFirstLastPara="1" wrap="square" lIns="91425" tIns="91425" rIns="91425" bIns="91425" anchor="t" anchorCtr="0">
             <a:noAutofit/>
           </a:bodyPr>
           <a:lstStyle/>
           <a:p>
-            <a:pPr indent="0" lvl="0" marL="0" rtl="0" algn="l">
+            <a:pPr marL="0" lvl="0" indent="0" algn="l" rtl="0">
               <a:spcBef>
                 <a:spcPts val="0"/>
               </a:spcBef>
@@ -7777,7 +8033,100 @@
       </p:sp>
       <p:sp>
         <p:nvSpPr>
-          <p:cNvPr id="56" name="Google Shape;56;p13"/>
+          <p:cNvPr id="8" name="Google Shape;57;p13">
+            <a:extLst>
+              <a:ext uri="{FF2B5EF4-FFF2-40B4-BE49-F238E27FC236}">
+                <a16:creationId xmlns:a16="http://schemas.microsoft.com/office/drawing/2014/main" id="{FA57A860-D868-3B40-A7BC-7177A24C84A8}"/>
+              </a:ext>
+            </a:extLst>
+          </p:cNvPr>
+          <p:cNvSpPr txBox="1"/>
+          <p:nvPr/>
+        </p:nvSpPr>
+        <p:spPr>
+          <a:xfrm>
+            <a:off x="602650" y="4185525"/>
+            <a:ext cx="2463600" cy="389400"/>
+          </a:xfrm>
+          <a:prstGeom prst="rect">
+            <a:avLst/>
+          </a:prstGeom>
+          <a:noFill/>
+          <a:ln>
+            <a:noFill/>
+          </a:ln>
+        </p:spPr>
+        <p:txBody>
+          <a:bodyPr spcFirstLastPara="1" wrap="square" lIns="91425" tIns="91425" rIns="91425" bIns="91425" anchor="ctr" anchorCtr="0">
+            <a:noAutofit/>
+          </a:bodyPr>
+          <a:lstStyle/>
+          <a:p>
+            <a:pPr marL="0" lvl="0" indent="0" algn="l" rtl="0">
+              <a:spcBef>
+                <a:spcPts val="0"/>
+              </a:spcBef>
+              <a:spcAft>
+                <a:spcPts val="0"/>
+              </a:spcAft>
+              <a:buNone/>
+            </a:pPr>
+            <a:r>
+              <a:rPr lang="en" sz="1000" u="sng" dirty="0">
+                <a:solidFill>
+                  <a:schemeClr val="hlink"/>
+                </a:solidFill>
+                <a:latin typeface="Roboto"/>
+                <a:ea typeface="Roboto"/>
+                <a:cs typeface="Roboto"/>
+                <a:sym typeface="Roboto"/>
+                <a:hlinkClick r:id="rId3"/>
+              </a:rPr>
+              <a:t>https://</a:t>
+            </a:r>
+            <a:r>
+              <a:rPr lang="en" sz="1000" u="sng" dirty="0" err="1">
+                <a:solidFill>
+                  <a:schemeClr val="hlink"/>
+                </a:solidFill>
+                <a:latin typeface="Roboto"/>
+                <a:ea typeface="Roboto"/>
+                <a:cs typeface="Roboto"/>
+                <a:sym typeface="Roboto"/>
+                <a:hlinkClick r:id="rId3"/>
+              </a:rPr>
+              <a:t>c</a:t>
+            </a:r>
+            <a:r>
+              <a:rPr lang="en" sz="1000" u="sng" dirty="0" err="1">
+                <a:solidFill>
+                  <a:schemeClr val="hlink"/>
+                </a:solidFill>
+                <a:latin typeface="Roboto"/>
+                <a:ea typeface="Roboto"/>
+                <a:cs typeface="Roboto"/>
+                <a:sym typeface="Roboto"/>
+              </a:rPr>
+              <a:t>lass.website</a:t>
+            </a:r>
+            <a:endParaRPr sz="1000" dirty="0">
+              <a:latin typeface="Roboto"/>
+              <a:ea typeface="Roboto"/>
+              <a:cs typeface="Roboto"/>
+              <a:sym typeface="Roboto"/>
+            </a:endParaRPr>
+          </a:p>
+        </p:txBody>
+      </p:sp>
+      <p:sp>
+        <p:nvSpPr>
+          <p:cNvPr id="9" name="Google Shape;58;p13">
+            <a:extLst>
+              <a:ext uri="{FF2B5EF4-FFF2-40B4-BE49-F238E27FC236}">
+                <a16:creationId xmlns:a16="http://schemas.microsoft.com/office/drawing/2014/main" id="{2E9308D3-C557-3E4F-9FBE-192EE622E089}"/>
+              </a:ext>
+            </a:extLst>
+          </p:cNvPr>
           <p:cNvSpPr txBox="1"/>
           <p:nvPr/>
         </p:nvSpPr>
@@ -7795,22 +8144,22 @@
           </a:ln>
         </p:spPr>
         <p:txBody>
-          <a:bodyPr anchorCtr="0" anchor="ctr" bIns="91425" lIns="91425" spcFirstLastPara="1" rIns="91425" wrap="square" tIns="91425">
+          <a:bodyPr spcFirstLastPara="1" wrap="square" lIns="91425" tIns="91425" rIns="91425" bIns="91425" anchor="ctr" anchorCtr="0">
             <a:noAutofit/>
           </a:bodyPr>
           <a:lstStyle/>
           <a:p>
-            <a:pPr indent="0" lvl="0" marL="0" rtl="0" algn="l">
-              <a:spcBef>
-                <a:spcPts val="0"/>
-              </a:spcBef>
-              <a:spcAft>
-                <a:spcPts val="0"/>
-              </a:spcAft>
-              <a:buNone/>
-            </a:pPr>
-            <a:r>
-              <a:rPr lang="en" sz="1000">
+            <a:pPr marL="0" lvl="0" indent="0" algn="l" rtl="0">
+              <a:spcBef>
+                <a:spcPts val="0"/>
+              </a:spcBef>
+              <a:spcAft>
+                <a:spcPts val="0"/>
+              </a:spcAft>
+              <a:buNone/>
+            </a:pPr>
+            <a:r>
+              <a:rPr lang="en" sz="1000" dirty="0" err="1">
                 <a:solidFill>
                   <a:srgbClr val="666666"/>
                 </a:solidFill>
@@ -7819,9 +8168,9 @@
                 <a:cs typeface="Roboto"/>
                 <a:sym typeface="Roboto"/>
               </a:rPr>
-              <a:t>cs-47.slack.com</a:t>
-            </a:r>
-            <a:endParaRPr sz="1000">
+              <a:t>class.slack.com</a:t>
+            </a:r>
+            <a:endParaRPr sz="1000" dirty="0">
               <a:solidFill>
                 <a:srgbClr val="666666"/>
               </a:solidFill>
@@ -7835,12 +8184,18 @@
       </p:sp>
       <p:pic>
         <p:nvPicPr>
-          <p:cNvPr id="57" name="Google Shape;57;p13"/>
+          <p:cNvPr id="10" name="Google Shape;59;p13">
+            <a:extLst>
+              <a:ext uri="{FF2B5EF4-FFF2-40B4-BE49-F238E27FC236}">
+                <a16:creationId xmlns:a16="http://schemas.microsoft.com/office/drawing/2014/main" id="{3333EBB7-9433-2540-8955-ECC74C6BFA3A}"/>
+              </a:ext>
+            </a:extLst>
+          </p:cNvPr>
           <p:cNvPicPr preferRelativeResize="0"/>
           <p:nvPr/>
         </p:nvPicPr>
         <p:blipFill>
-          <a:blip r:embed="rId3">
+          <a:blip r:embed="rId4">
             <a:alphaModFix/>
           </a:blip>
           <a:stretch>
@@ -7863,13 +8218,19 @@
       </p:pic>
       <p:sp>
         <p:nvSpPr>
-          <p:cNvPr id="58" name="Google Shape;58;p13"/>
+          <p:cNvPr id="11" name="Google Shape;101;p26">
+            <a:extLst>
+              <a:ext uri="{FF2B5EF4-FFF2-40B4-BE49-F238E27FC236}">
+                <a16:creationId xmlns:a16="http://schemas.microsoft.com/office/drawing/2014/main" id="{26255FB0-5418-3744-83FF-C0D189656816}"/>
+              </a:ext>
+            </a:extLst>
+          </p:cNvPr>
           <p:cNvSpPr txBox="1"/>
           <p:nvPr/>
         </p:nvSpPr>
         <p:spPr>
           <a:xfrm>
-            <a:off x="5515050" y="3444825"/>
+            <a:off x="5505720" y="3665025"/>
             <a:ext cx="3337800" cy="1130100"/>
           </a:xfrm>
           <a:prstGeom prst="rect">
@@ -7881,12 +8242,12 @@
           </a:ln>
         </p:spPr>
         <p:txBody>
-          <a:bodyPr anchorCtr="0" anchor="t" bIns="91425" lIns="91425" spcFirstLastPara="1" rIns="91425" wrap="square" tIns="91425">
+          <a:bodyPr spcFirstLastPara="1" wrap="square" lIns="91425" tIns="91425" rIns="91425" bIns="91425" anchor="b" anchorCtr="0">
             <a:noAutofit/>
           </a:bodyPr>
           <a:lstStyle/>
           <a:p>
-            <a:pPr indent="0" lvl="0" marL="0" rtl="0" algn="r">
+            <a:pPr marL="0" lvl="0" indent="0" algn="r" rtl="0">
               <a:spcBef>
                 <a:spcPts val="0"/>
               </a:spcBef>
@@ -7894,27 +8255,27 @@
                 <a:spcPts val="0"/>
               </a:spcAft>
               <a:buClr>
-                <a:srgbClr val="000000"/>
+                <a:schemeClr val="dk1"/>
               </a:buClr>
               <a:buSzPts val="1100"/>
               <a:buFont typeface="Arial"/>
               <a:buNone/>
             </a:pPr>
             <a:r>
-              <a:rPr lang="en">
-                <a:solidFill>
-                  <a:srgbClr val="000000"/>
+              <a:rPr lang="en-US" dirty="0">
+                <a:solidFill>
+                  <a:schemeClr val="dk1"/>
                 </a:solidFill>
                 <a:latin typeface="Roboto"/>
                 <a:ea typeface="Roboto"/>
                 <a:cs typeface="Roboto"/>
                 <a:sym typeface="Roboto"/>
               </a:rPr>
-              <a:t>James Landay</a:t>
-            </a:r>
-            <a:endParaRPr>
+              <a:t>Faculty Advisor</a:t>
+            </a:r>
+            <a:endParaRPr dirty="0">
               <a:solidFill>
-                <a:srgbClr val="000000"/>
+                <a:schemeClr val="dk1"/>
               </a:solidFill>
               <a:latin typeface="Roboto"/>
               <a:ea typeface="Roboto"/>
@@ -7923,7 +8284,7 @@
             </a:endParaRPr>
           </a:p>
           <a:p>
-            <a:pPr indent="0" lvl="0" marL="0" rtl="0" algn="r">
+            <a:pPr marL="0" lvl="0" indent="0" algn="r" rtl="0">
               <a:spcBef>
                 <a:spcPts val="0"/>
               </a:spcBef>
@@ -7931,28 +8292,25 @@
                 <a:spcPts val="0"/>
               </a:spcAft>
               <a:buClr>
-                <a:srgbClr val="000000"/>
+                <a:schemeClr val="dk1"/>
               </a:buClr>
               <a:buSzPts val="1100"/>
               <a:buFont typeface="Arial"/>
               <a:buNone/>
             </a:pPr>
             <a:r>
-              <a:rPr lang="en">
-                <a:solidFill>
-                  <a:srgbClr val="000000"/>
+              <a:rPr lang="en-US" dirty="0">
+                <a:solidFill>
+                  <a:schemeClr val="dk1"/>
                 </a:solidFill>
                 <a:latin typeface="Roboto"/>
                 <a:ea typeface="Roboto"/>
                 <a:cs typeface="Roboto"/>
                 <a:sym typeface="Roboto"/>
               </a:rPr>
-              <a:t>Abdallah AbuHashem</a:t>
-            </a:r>
-            <a:endParaRPr>
-              <a:solidFill>
-                <a:srgbClr val="000000"/>
-              </a:solidFill>
+              <a:t>Instructor #1</a:t>
+            </a:r>
+            <a:endParaRPr dirty="0">
               <a:latin typeface="Roboto"/>
               <a:ea typeface="Roboto"/>
               <a:cs typeface="Roboto"/>
@@ -7960,36 +8318,16 @@
             </a:endParaRPr>
           </a:p>
           <a:p>
-            <a:pPr indent="0" lvl="0" marL="0" rtl="0" algn="r">
-              <a:spcBef>
-                <a:spcPts val="0"/>
-              </a:spcBef>
-              <a:spcAft>
-                <a:spcPts val="0"/>
-              </a:spcAft>
-              <a:buClr>
-                <a:srgbClr val="000000"/>
-              </a:buClr>
-              <a:buSzPts val="1100"/>
-              <a:buFont typeface="Arial"/>
-              <a:buNone/>
-            </a:pPr>
-            <a:r>
-              <a:rPr lang="en">
-                <a:solidFill>
-                  <a:srgbClr val="000000"/>
-                </a:solidFill>
-                <a:latin typeface="Roboto"/>
-                <a:ea typeface="Roboto"/>
-                <a:cs typeface="Roboto"/>
-                <a:sym typeface="Roboto"/>
-              </a:rPr>
-              <a:t>Tiffany Manuel</a:t>
-            </a:r>
-            <a:endParaRPr>
-              <a:solidFill>
-                <a:srgbClr val="000000"/>
-              </a:solidFill>
+            <a:pPr marL="0" lvl="0" indent="0" algn="l" rtl="0">
+              <a:spcBef>
+                <a:spcPts val="0"/>
+              </a:spcBef>
+              <a:spcAft>
+                <a:spcPts val="0"/>
+              </a:spcAft>
+              <a:buNone/>
+            </a:pPr>
+            <a:endParaRPr dirty="0">
               <a:latin typeface="Roboto"/>
               <a:ea typeface="Roboto"/>
               <a:cs typeface="Roboto"/>
@@ -7997,159 +8335,31 @@
             </a:endParaRPr>
           </a:p>
           <a:p>
-            <a:pPr indent="0" lvl="0" marL="0" rtl="0" algn="r">
-              <a:spcBef>
-                <a:spcPts val="0"/>
-              </a:spcBef>
-              <a:spcAft>
-                <a:spcPts val="0"/>
-              </a:spcAft>
-              <a:buNone/>
-            </a:pPr>
-            <a:r>
-              <a:rPr lang="en">
+            <a:pPr marL="0" lvl="0" indent="0" algn="r" rtl="0">
+              <a:spcBef>
+                <a:spcPts val="0"/>
+              </a:spcBef>
+              <a:spcAft>
+                <a:spcPts val="0"/>
+              </a:spcAft>
+              <a:buNone/>
+            </a:pPr>
+            <a:r>
+              <a:rPr lang="en" dirty="0">
+                <a:solidFill>
+                  <a:srgbClr val="666666"/>
+                </a:solidFill>
                 <a:latin typeface="Roboto"/>
                 <a:ea typeface="Roboto"/>
                 <a:cs typeface="Roboto"/>
                 <a:sym typeface="Roboto"/>
               </a:rPr>
-              <a:t>Cisco Vlahakis</a:t>
-            </a:r>
-            <a:endParaRPr>
-              <a:latin typeface="Roboto"/>
-              <a:ea typeface="Roboto"/>
-              <a:cs typeface="Roboto"/>
-              <a:sym typeface="Roboto"/>
-            </a:endParaRPr>
-          </a:p>
-          <a:p>
-            <a:pPr indent="0" lvl="0" marL="0" rtl="0" algn="r">
-              <a:spcBef>
-                <a:spcPts val="0"/>
-              </a:spcBef>
-              <a:spcAft>
-                <a:spcPts val="0"/>
-              </a:spcAft>
-              <a:buNone/>
-            </a:pPr>
-            <a:r>
-              <a:rPr lang="en">
-                <a:latin typeface="Roboto"/>
-                <a:ea typeface="Roboto"/>
-                <a:cs typeface="Roboto"/>
-                <a:sym typeface="Roboto"/>
-              </a:rPr>
-              <a:t>Vy Mai</a:t>
-            </a:r>
-            <a:endParaRPr>
-              <a:latin typeface="Roboto"/>
-              <a:ea typeface="Roboto"/>
-              <a:cs typeface="Roboto"/>
-              <a:sym typeface="Roboto"/>
-            </a:endParaRPr>
-          </a:p>
-          <a:p>
-            <a:pPr indent="0" lvl="0" marL="0" rtl="0" algn="l">
-              <a:spcBef>
-                <a:spcPts val="0"/>
-              </a:spcBef>
-              <a:spcAft>
-                <a:spcPts val="0"/>
-              </a:spcAft>
-              <a:buNone/>
-            </a:pPr>
-            <a:r>
-              <a:t/>
-            </a:r>
-            <a:endParaRPr>
-              <a:latin typeface="Roboto"/>
-              <a:ea typeface="Roboto"/>
-              <a:cs typeface="Roboto"/>
-              <a:sym typeface="Roboto"/>
-            </a:endParaRPr>
-          </a:p>
-          <a:p>
-            <a:pPr indent="0" lvl="0" marL="0" rtl="0" algn="r">
-              <a:spcBef>
-                <a:spcPts val="0"/>
-              </a:spcBef>
-              <a:spcAft>
-                <a:spcPts val="0"/>
-              </a:spcAft>
-              <a:buNone/>
-            </a:pPr>
-            <a:r>
-              <a:rPr lang="en">
-                <a:solidFill>
-                  <a:srgbClr val="666666"/>
-                </a:solidFill>
-                <a:latin typeface="Roboto"/>
-                <a:ea typeface="Roboto"/>
-                <a:cs typeface="Roboto"/>
-                <a:sym typeface="Roboto"/>
-              </a:rPr>
               <a:t>Fall 2019</a:t>
             </a:r>
-            <a:endParaRPr>
+            <a:endParaRPr dirty="0">
               <a:solidFill>
                 <a:srgbClr val="666666"/>
               </a:solidFill>
-              <a:latin typeface="Roboto"/>
-              <a:ea typeface="Roboto"/>
-              <a:cs typeface="Roboto"/>
-              <a:sym typeface="Roboto"/>
-            </a:endParaRPr>
-          </a:p>
-        </p:txBody>
-      </p:sp>
-      <p:sp>
-        <p:nvSpPr>
-          <p:cNvPr id="59" name="Google Shape;59;p13"/>
-          <p:cNvSpPr txBox="1"/>
-          <p:nvPr/>
-        </p:nvSpPr>
-        <p:spPr>
-          <a:xfrm>
-            <a:off x="602650" y="4185525"/>
-            <a:ext cx="2463600" cy="389400"/>
-          </a:xfrm>
-          <a:prstGeom prst="rect">
-            <a:avLst/>
-          </a:prstGeom>
-          <a:noFill/>
-          <a:ln>
-            <a:noFill/>
-          </a:ln>
-        </p:spPr>
-        <p:txBody>
-          <a:bodyPr anchorCtr="0" anchor="ctr" bIns="91425" lIns="91425" spcFirstLastPara="1" rIns="91425" wrap="square" tIns="91425">
-            <a:noAutofit/>
-          </a:bodyPr>
-          <a:lstStyle/>
-          <a:p>
-            <a:pPr indent="0" lvl="0" marL="0" rtl="0" algn="l">
-              <a:spcBef>
-                <a:spcPts val="0"/>
-              </a:spcBef>
-              <a:spcAft>
-                <a:spcPts val="0"/>
-              </a:spcAft>
-              <a:buNone/>
-            </a:pPr>
-            <a:r>
-              <a:rPr lang="en" sz="1000" u="sng">
-                <a:solidFill>
-                  <a:srgbClr val="0097A7"/>
-                </a:solidFill>
-                <a:latin typeface="Roboto"/>
-                <a:ea typeface="Roboto"/>
-                <a:cs typeface="Roboto"/>
-                <a:sym typeface="Roboto"/>
-                <a:hlinkClick r:id="rId4"/>
-              </a:rPr>
-              <a:t>https://cs-47.stanford.edu</a:t>
-            </a:r>
-            <a:endParaRPr sz="1000">
               <a:latin typeface="Roboto"/>
               <a:ea typeface="Roboto"/>
               <a:cs typeface="Roboto"/>
@@ -8167,11 +8377,11 @@
 </file>
 
 <file path=ppt/slides/slide10.xml><?xml version="1.0" encoding="utf-8"?>
-<p:sld xmlns:a="http://schemas.openxmlformats.org/drawingml/2006/main" xmlns:r="http://schemas.openxmlformats.org/officeDocument/2006/relationships" xmlns:mc="http://schemas.openxmlformats.org/markup-compatibility/2006" xmlns:mv="urn:schemas-microsoft-com:mac:vml" xmlns:p="http://schemas.openxmlformats.org/presentationml/2006/main" xmlns:c="http://schemas.openxmlformats.org/drawingml/2006/chart" xmlns:dgm="http://schemas.openxmlformats.org/drawingml/2006/diagram" xmlns:o="urn:schemas-microsoft-com:office:office" xmlns:v="urn:schemas-microsoft-com:vml" xmlns:pvml="urn:schemas-microsoft-com:office:powerpoint" xmlns:com="http://schemas.openxmlformats.org/drawingml/2006/compatibility" xmlns:p14="http://schemas.microsoft.com/office/powerpoint/2010/main" xmlns:p15="http://schemas.microsoft.com/office/powerpoint/2012/main">
+<p:sld xmlns:a="http://schemas.openxmlformats.org/drawingml/2006/main" xmlns:r="http://schemas.openxmlformats.org/officeDocument/2006/relationships" xmlns:p="http://schemas.openxmlformats.org/presentationml/2006/main">
   <p:cSld>
     <p:spTree>
       <p:nvGrpSpPr>
-        <p:cNvPr id="126" name="Shape 126"/>
+        <p:cNvPr id="1" name="Shape 126"/>
         <p:cNvGrpSpPr/>
         <p:nvPr/>
       </p:nvGrpSpPr>
@@ -8203,12 +8413,12 @@
           </a:ln>
         </p:spPr>
         <p:txBody>
-          <a:bodyPr anchorCtr="0" anchor="t" bIns="91425" lIns="91425" spcFirstLastPara="1" rIns="91425" wrap="square" tIns="91425">
+          <a:bodyPr spcFirstLastPara="1" wrap="square" lIns="91425" tIns="91425" rIns="91425" bIns="91425" anchor="t" anchorCtr="0">
             <a:noAutofit/>
           </a:bodyPr>
           <a:lstStyle/>
           <a:p>
-            <a:pPr indent="0" lvl="0" marL="0" rtl="0" algn="ctr">
+            <a:pPr marL="0" lvl="0" indent="0" algn="ctr" rtl="0">
               <a:spcBef>
                 <a:spcPts val="0"/>
               </a:spcBef>
@@ -8244,11 +8454,11 @@
 </file>
 
 <file path=ppt/slides/slide11.xml><?xml version="1.0" encoding="utf-8"?>
-<p:sld xmlns:a="http://schemas.openxmlformats.org/drawingml/2006/main" xmlns:r="http://schemas.openxmlformats.org/officeDocument/2006/relationships" xmlns:mc="http://schemas.openxmlformats.org/markup-compatibility/2006" xmlns:mv="urn:schemas-microsoft-com:mac:vml" xmlns:p="http://schemas.openxmlformats.org/presentationml/2006/main" xmlns:c="http://schemas.openxmlformats.org/drawingml/2006/chart" xmlns:dgm="http://schemas.openxmlformats.org/drawingml/2006/diagram" xmlns:o="urn:schemas-microsoft-com:office:office" xmlns:v="urn:schemas-microsoft-com:vml" xmlns:pvml="urn:schemas-microsoft-com:office:powerpoint" xmlns:com="http://schemas.openxmlformats.org/drawingml/2006/compatibility" xmlns:p14="http://schemas.microsoft.com/office/powerpoint/2010/main" xmlns:p15="http://schemas.microsoft.com/office/powerpoint/2012/main">
+<p:sld xmlns:a="http://schemas.openxmlformats.org/drawingml/2006/main" xmlns:r="http://schemas.openxmlformats.org/officeDocument/2006/relationships" xmlns:p="http://schemas.openxmlformats.org/presentationml/2006/main">
   <p:cSld>
     <p:spTree>
       <p:nvGrpSpPr>
-        <p:cNvPr id="131" name="Shape 131"/>
+        <p:cNvPr id="1" name="Shape 131"/>
         <p:cNvGrpSpPr/>
         <p:nvPr/>
       </p:nvGrpSpPr>
@@ -8280,12 +8490,12 @@
           </a:ln>
         </p:spPr>
         <p:txBody>
-          <a:bodyPr anchorCtr="0" anchor="t" bIns="91425" lIns="91425" spcFirstLastPara="1" rIns="91425" wrap="square" tIns="91425">
+          <a:bodyPr spcFirstLastPara="1" wrap="square" lIns="91425" tIns="91425" rIns="91425" bIns="91425" anchor="t" anchorCtr="0">
             <a:noAutofit/>
           </a:bodyPr>
           <a:lstStyle/>
           <a:p>
-            <a:pPr indent="0" lvl="0" marL="0" rtl="0" algn="ctr">
+            <a:pPr marL="0" lvl="0" indent="0" algn="ctr" rtl="0">
               <a:spcBef>
                 <a:spcPts val="0"/>
               </a:spcBef>
@@ -8321,11 +8531,11 @@
 </file>
 
 <file path=ppt/slides/slide12.xml><?xml version="1.0" encoding="utf-8"?>
-<p:sld xmlns:a="http://schemas.openxmlformats.org/drawingml/2006/main" xmlns:r="http://schemas.openxmlformats.org/officeDocument/2006/relationships" xmlns:mc="http://schemas.openxmlformats.org/markup-compatibility/2006" xmlns:mv="urn:schemas-microsoft-com:mac:vml" xmlns:p="http://schemas.openxmlformats.org/presentationml/2006/main" xmlns:c="http://schemas.openxmlformats.org/drawingml/2006/chart" xmlns:dgm="http://schemas.openxmlformats.org/drawingml/2006/diagram" xmlns:o="urn:schemas-microsoft-com:office:office" xmlns:v="urn:schemas-microsoft-com:vml" xmlns:pvml="urn:schemas-microsoft-com:office:powerpoint" xmlns:com="http://schemas.openxmlformats.org/drawingml/2006/compatibility" xmlns:p14="http://schemas.microsoft.com/office/powerpoint/2010/main" xmlns:p15="http://schemas.microsoft.com/office/powerpoint/2012/main">
+<p:sld xmlns:a="http://schemas.openxmlformats.org/drawingml/2006/main" xmlns:r="http://schemas.openxmlformats.org/officeDocument/2006/relationships" xmlns:p="http://schemas.openxmlformats.org/presentationml/2006/main">
   <p:cSld>
     <p:spTree>
       <p:nvGrpSpPr>
-        <p:cNvPr id="136" name="Shape 136"/>
+        <p:cNvPr id="1" name="Shape 136"/>
         <p:cNvGrpSpPr/>
         <p:nvPr/>
       </p:nvGrpSpPr>
@@ -8357,12 +8567,12 @@
           </a:ln>
         </p:spPr>
         <p:txBody>
-          <a:bodyPr anchorCtr="0" anchor="ctr" bIns="91425" lIns="91425" spcFirstLastPara="1" rIns="91425" wrap="square" tIns="91425">
+          <a:bodyPr spcFirstLastPara="1" wrap="square" lIns="91425" tIns="91425" rIns="91425" bIns="91425" anchor="ctr" anchorCtr="0">
             <a:noAutofit/>
           </a:bodyPr>
           <a:lstStyle/>
           <a:p>
-            <a:pPr indent="0" lvl="0" marL="0" rtl="0" algn="ctr">
+            <a:pPr marL="0" lvl="0" indent="0" algn="ctr" rtl="0">
               <a:spcBef>
                 <a:spcPts val="0"/>
               </a:spcBef>
@@ -8412,12 +8622,12 @@
           </a:ln>
         </p:spPr>
         <p:txBody>
-          <a:bodyPr anchorCtr="0" anchor="t" bIns="91425" lIns="91425" spcFirstLastPara="1" rIns="91425" wrap="square" tIns="91425">
+          <a:bodyPr spcFirstLastPara="1" wrap="square" lIns="91425" tIns="91425" rIns="91425" bIns="91425" anchor="t" anchorCtr="0">
             <a:noAutofit/>
           </a:bodyPr>
           <a:lstStyle/>
           <a:p>
-            <a:pPr indent="0" lvl="0" marL="0" rtl="0" algn="ctr">
+            <a:pPr marL="0" lvl="0" indent="0" algn="ctr" rtl="0">
               <a:spcBef>
                 <a:spcPts val="0"/>
               </a:spcBef>
@@ -8500,12 +8710,12 @@
           </a:ln>
         </p:spPr>
         <p:txBody>
-          <a:bodyPr anchorCtr="0" anchor="ctr" bIns="91425" lIns="91425" spcFirstLastPara="1" rIns="91425" wrap="square" tIns="91425">
+          <a:bodyPr spcFirstLastPara="1" wrap="square" lIns="91425" tIns="91425" rIns="91425" bIns="91425" anchor="ctr" anchorCtr="0">
             <a:noAutofit/>
           </a:bodyPr>
           <a:lstStyle/>
           <a:p>
-            <a:pPr indent="0" lvl="0" marL="38100" marR="38100" rtl="0" algn="l">
+            <a:pPr marL="38100" marR="38100" lvl="0" indent="0" algn="l" rtl="0">
               <a:lnSpc>
                 <a:spcPct val="150000"/>
               </a:lnSpc>
@@ -8621,7 +8831,7 @@
             </a:endParaRPr>
           </a:p>
           <a:p>
-            <a:pPr indent="0" lvl="0" marL="38100" marR="38100" rtl="0" algn="l">
+            <a:pPr marL="38100" marR="38100" lvl="0" indent="0" algn="l" rtl="0">
               <a:lnSpc>
                 <a:spcPct val="150000"/>
               </a:lnSpc>
@@ -9013,7 +9223,7 @@
             </a:endParaRPr>
           </a:p>
           <a:p>
-            <a:pPr indent="419100" lvl="0" marL="38100" marR="38100" rtl="0" algn="l">
+            <a:pPr marL="38100" marR="38100" lvl="0" indent="419100" algn="l" rtl="0">
               <a:lnSpc>
                 <a:spcPct val="150000"/>
               </a:lnSpc>
@@ -9054,7 +9264,7 @@
             </a:endParaRPr>
           </a:p>
           <a:p>
-            <a:pPr indent="0" lvl="0" marL="38100" marR="38100" rtl="0" algn="l">
+            <a:pPr marL="38100" marR="38100" lvl="0" indent="0" algn="l" rtl="0">
               <a:lnSpc>
                 <a:spcPct val="150000"/>
               </a:lnSpc>
@@ -9095,7 +9305,7 @@
             </a:endParaRPr>
           </a:p>
           <a:p>
-            <a:pPr indent="0" lvl="0" marL="38100" marR="38100" rtl="0" algn="l">
+            <a:pPr marL="38100" marR="38100" lvl="0" indent="0" algn="l" rtl="0">
               <a:lnSpc>
                 <a:spcPct val="150000"/>
               </a:lnSpc>
@@ -9107,9 +9317,6 @@
               </a:spcAft>
               <a:buNone/>
             </a:pPr>
-            <a:r>
-              <a:t/>
-            </a:r>
             <a:endParaRPr>
               <a:solidFill>
                 <a:schemeClr val="dk1"/>
@@ -9134,11 +9341,11 @@
 </file>
 
 <file path=ppt/slides/slide13.xml><?xml version="1.0" encoding="utf-8"?>
-<p:sld xmlns:a="http://schemas.openxmlformats.org/drawingml/2006/main" xmlns:r="http://schemas.openxmlformats.org/officeDocument/2006/relationships" xmlns:mc="http://schemas.openxmlformats.org/markup-compatibility/2006" xmlns:mv="urn:schemas-microsoft-com:mac:vml" xmlns:p="http://schemas.openxmlformats.org/presentationml/2006/main" xmlns:c="http://schemas.openxmlformats.org/drawingml/2006/chart" xmlns:dgm="http://schemas.openxmlformats.org/drawingml/2006/diagram" xmlns:o="urn:schemas-microsoft-com:office:office" xmlns:v="urn:schemas-microsoft-com:vml" xmlns:pvml="urn:schemas-microsoft-com:office:powerpoint" xmlns:com="http://schemas.openxmlformats.org/drawingml/2006/compatibility" xmlns:p14="http://schemas.microsoft.com/office/powerpoint/2010/main" xmlns:p15="http://schemas.microsoft.com/office/powerpoint/2012/main">
+<p:sld xmlns:a="http://schemas.openxmlformats.org/drawingml/2006/main" xmlns:r="http://schemas.openxmlformats.org/officeDocument/2006/relationships" xmlns:p="http://schemas.openxmlformats.org/presentationml/2006/main">
   <p:cSld>
     <p:spTree>
       <p:nvGrpSpPr>
-        <p:cNvPr id="143" name="Shape 143"/>
+        <p:cNvPr id="1" name="Shape 143"/>
         <p:cNvGrpSpPr/>
         <p:nvPr/>
       </p:nvGrpSpPr>
@@ -9170,12 +9377,12 @@
           </a:ln>
         </p:spPr>
         <p:txBody>
-          <a:bodyPr anchorCtr="0" anchor="ctr" bIns="91425" lIns="91425" spcFirstLastPara="1" rIns="91425" wrap="square" tIns="91425">
+          <a:bodyPr spcFirstLastPara="1" wrap="square" lIns="91425" tIns="91425" rIns="91425" bIns="91425" anchor="ctr" anchorCtr="0">
             <a:noAutofit/>
           </a:bodyPr>
           <a:lstStyle/>
           <a:p>
-            <a:pPr indent="0" lvl="0" marL="0" rtl="0" algn="ctr">
+            <a:pPr marL="0" lvl="0" indent="0" algn="ctr" rtl="0">
               <a:spcBef>
                 <a:spcPts val="0"/>
               </a:spcBef>
@@ -9225,12 +9432,12 @@
           </a:ln>
         </p:spPr>
         <p:txBody>
-          <a:bodyPr anchorCtr="0" anchor="t" bIns="91425" lIns="91425" spcFirstLastPara="1" rIns="91425" wrap="square" tIns="91425">
+          <a:bodyPr spcFirstLastPara="1" wrap="square" lIns="91425" tIns="91425" rIns="91425" bIns="91425" anchor="t" anchorCtr="0">
             <a:noAutofit/>
           </a:bodyPr>
           <a:lstStyle/>
           <a:p>
-            <a:pPr indent="0" lvl="0" marL="0" rtl="0" algn="ctr">
+            <a:pPr marL="0" lvl="0" indent="0" algn="ctr" rtl="0">
               <a:spcBef>
                 <a:spcPts val="0"/>
               </a:spcBef>
@@ -9313,12 +9520,12 @@
           </a:ln>
         </p:spPr>
         <p:txBody>
-          <a:bodyPr anchorCtr="0" anchor="ctr" bIns="91425" lIns="91425" spcFirstLastPara="1" rIns="91425" wrap="square" tIns="91425">
+          <a:bodyPr spcFirstLastPara="1" wrap="square" lIns="91425" tIns="91425" rIns="91425" bIns="91425" anchor="ctr" anchorCtr="0">
             <a:noAutofit/>
           </a:bodyPr>
           <a:lstStyle/>
           <a:p>
-            <a:pPr indent="0" lvl="0" marL="38100" marR="38100" rtl="0" algn="l">
+            <a:pPr marL="38100" marR="38100" lvl="0" indent="0" algn="l" rtl="0">
               <a:lnSpc>
                 <a:spcPct val="150000"/>
               </a:lnSpc>
@@ -9434,7 +9641,7 @@
             </a:endParaRPr>
           </a:p>
           <a:p>
-            <a:pPr indent="0" lvl="0" marL="38100" marR="38100" rtl="0" algn="l">
+            <a:pPr marL="38100" marR="38100" lvl="0" indent="0" algn="l" rtl="0">
               <a:lnSpc>
                 <a:spcPct val="150000"/>
               </a:lnSpc>
@@ -9826,7 +10033,7 @@
             </a:endParaRPr>
           </a:p>
           <a:p>
-            <a:pPr indent="419100" lvl="0" marL="38100" marR="38100" rtl="0" algn="l">
+            <a:pPr marL="38100" marR="38100" lvl="0" indent="419100" algn="l" rtl="0">
               <a:lnSpc>
                 <a:spcPct val="150000"/>
               </a:lnSpc>
@@ -9867,7 +10074,7 @@
             </a:endParaRPr>
           </a:p>
           <a:p>
-            <a:pPr indent="0" lvl="0" marL="38100" marR="38100" rtl="0" algn="l">
+            <a:pPr marL="38100" marR="38100" lvl="0" indent="0" algn="l" rtl="0">
               <a:lnSpc>
                 <a:spcPct val="150000"/>
               </a:lnSpc>
@@ -9908,7 +10115,7 @@
             </a:endParaRPr>
           </a:p>
           <a:p>
-            <a:pPr indent="0" lvl="0" marL="38100" marR="38100" rtl="0" algn="l">
+            <a:pPr marL="38100" marR="38100" lvl="0" indent="0" algn="l" rtl="0">
               <a:lnSpc>
                 <a:spcPct val="150000"/>
               </a:lnSpc>
@@ -9920,9 +10127,6 @@
               </a:spcAft>
               <a:buNone/>
             </a:pPr>
-            <a:r>
-              <a:t/>
-            </a:r>
             <a:endParaRPr>
               <a:solidFill>
                 <a:schemeClr val="dk1"/>
@@ -9947,11 +10151,11 @@
 </file>
 
 <file path=ppt/slides/slide14.xml><?xml version="1.0" encoding="utf-8"?>
-<p:sld xmlns:a="http://schemas.openxmlformats.org/drawingml/2006/main" xmlns:r="http://schemas.openxmlformats.org/officeDocument/2006/relationships" xmlns:mc="http://schemas.openxmlformats.org/markup-compatibility/2006" xmlns:mv="urn:schemas-microsoft-com:mac:vml" xmlns:p="http://schemas.openxmlformats.org/presentationml/2006/main" xmlns:c="http://schemas.openxmlformats.org/drawingml/2006/chart" xmlns:dgm="http://schemas.openxmlformats.org/drawingml/2006/diagram" xmlns:o="urn:schemas-microsoft-com:office:office" xmlns:v="urn:schemas-microsoft-com:vml" xmlns:pvml="urn:schemas-microsoft-com:office:powerpoint" xmlns:com="http://schemas.openxmlformats.org/drawingml/2006/compatibility" xmlns:p14="http://schemas.microsoft.com/office/powerpoint/2010/main" xmlns:p15="http://schemas.microsoft.com/office/powerpoint/2012/main">
+<p:sld xmlns:a="http://schemas.openxmlformats.org/drawingml/2006/main" xmlns:r="http://schemas.openxmlformats.org/officeDocument/2006/relationships" xmlns:p="http://schemas.openxmlformats.org/presentationml/2006/main">
   <p:cSld>
     <p:spTree>
       <p:nvGrpSpPr>
-        <p:cNvPr id="150" name="Shape 150"/>
+        <p:cNvPr id="1" name="Shape 150"/>
         <p:cNvGrpSpPr/>
         <p:nvPr/>
       </p:nvGrpSpPr>
@@ -9983,12 +10187,12 @@
           </a:ln>
         </p:spPr>
         <p:txBody>
-          <a:bodyPr anchorCtr="0" anchor="ctr" bIns="91425" lIns="91425" spcFirstLastPara="1" rIns="91425" wrap="square" tIns="91425">
+          <a:bodyPr spcFirstLastPara="1" wrap="square" lIns="91425" tIns="91425" rIns="91425" bIns="91425" anchor="ctr" anchorCtr="0">
             <a:noAutofit/>
           </a:bodyPr>
           <a:lstStyle/>
           <a:p>
-            <a:pPr indent="0" lvl="0" marL="0" rtl="0" algn="ctr">
+            <a:pPr marL="0" lvl="0" indent="0" algn="ctr" rtl="0">
               <a:spcBef>
                 <a:spcPts val="0"/>
               </a:spcBef>
@@ -10038,12 +10242,12 @@
           </a:ln>
         </p:spPr>
         <p:txBody>
-          <a:bodyPr anchorCtr="0" anchor="t" bIns="91425" lIns="91425" spcFirstLastPara="1" rIns="91425" wrap="square" tIns="91425">
+          <a:bodyPr spcFirstLastPara="1" wrap="square" lIns="91425" tIns="91425" rIns="91425" bIns="91425" anchor="t" anchorCtr="0">
             <a:noAutofit/>
           </a:bodyPr>
           <a:lstStyle/>
           <a:p>
-            <a:pPr indent="0" lvl="0" marL="0" rtl="0" algn="ctr">
+            <a:pPr marL="0" lvl="0" indent="0" algn="ctr" rtl="0">
               <a:spcBef>
                 <a:spcPts val="0"/>
               </a:spcBef>
@@ -10126,12 +10330,12 @@
           </a:ln>
         </p:spPr>
         <p:txBody>
-          <a:bodyPr anchorCtr="0" anchor="ctr" bIns="91425" lIns="91425" spcFirstLastPara="1" rIns="91425" wrap="square" tIns="91425">
+          <a:bodyPr spcFirstLastPara="1" wrap="square" lIns="91425" tIns="91425" rIns="91425" bIns="91425" anchor="ctr" anchorCtr="0">
             <a:noAutofit/>
           </a:bodyPr>
           <a:lstStyle/>
           <a:p>
-            <a:pPr indent="0" lvl="0" marL="38100" marR="38100" rtl="0" algn="l">
+            <a:pPr marL="38100" marR="38100" lvl="0" indent="0" algn="l" rtl="0">
               <a:lnSpc>
                 <a:spcPct val="150000"/>
               </a:lnSpc>
@@ -10247,7 +10451,7 @@
             </a:endParaRPr>
           </a:p>
           <a:p>
-            <a:pPr indent="0" lvl="0" marL="38100" marR="38100" rtl="0" algn="l">
+            <a:pPr marL="38100" marR="38100" lvl="0" indent="0" algn="l" rtl="0">
               <a:lnSpc>
                 <a:spcPct val="150000"/>
               </a:lnSpc>
@@ -10639,7 +10843,7 @@
             </a:endParaRPr>
           </a:p>
           <a:p>
-            <a:pPr indent="419100" lvl="0" marL="38100" marR="38100" rtl="0" algn="l">
+            <a:pPr marL="38100" marR="38100" lvl="0" indent="419100" algn="l" rtl="0">
               <a:lnSpc>
                 <a:spcPct val="150000"/>
               </a:lnSpc>
@@ -10680,7 +10884,7 @@
             </a:endParaRPr>
           </a:p>
           <a:p>
-            <a:pPr indent="0" lvl="0" marL="38100" marR="38100" rtl="0" algn="l">
+            <a:pPr marL="38100" marR="38100" lvl="0" indent="0" algn="l" rtl="0">
               <a:lnSpc>
                 <a:spcPct val="150000"/>
               </a:lnSpc>
@@ -10721,7 +10925,7 @@
             </a:endParaRPr>
           </a:p>
           <a:p>
-            <a:pPr indent="0" lvl="0" marL="38100" marR="38100" rtl="0" algn="l">
+            <a:pPr marL="38100" marR="38100" lvl="0" indent="0" algn="l" rtl="0">
               <a:lnSpc>
                 <a:spcPct val="150000"/>
               </a:lnSpc>
@@ -10733,9 +10937,6 @@
               </a:spcAft>
               <a:buNone/>
             </a:pPr>
-            <a:r>
-              <a:t/>
-            </a:r>
             <a:endParaRPr>
               <a:solidFill>
                 <a:schemeClr val="dk1"/>
@@ -10760,11 +10961,11 @@
 </file>
 
 <file path=ppt/slides/slide15.xml><?xml version="1.0" encoding="utf-8"?>
-<p:sld xmlns:a="http://schemas.openxmlformats.org/drawingml/2006/main" xmlns:r="http://schemas.openxmlformats.org/officeDocument/2006/relationships" xmlns:mc="http://schemas.openxmlformats.org/markup-compatibility/2006" xmlns:mv="urn:schemas-microsoft-com:mac:vml" xmlns:p="http://schemas.openxmlformats.org/presentationml/2006/main" xmlns:c="http://schemas.openxmlformats.org/drawingml/2006/chart" xmlns:dgm="http://schemas.openxmlformats.org/drawingml/2006/diagram" xmlns:o="urn:schemas-microsoft-com:office:office" xmlns:v="urn:schemas-microsoft-com:vml" xmlns:pvml="urn:schemas-microsoft-com:office:powerpoint" xmlns:com="http://schemas.openxmlformats.org/drawingml/2006/compatibility" xmlns:p14="http://schemas.microsoft.com/office/powerpoint/2010/main" xmlns:p15="http://schemas.microsoft.com/office/powerpoint/2012/main">
+<p:sld xmlns:a="http://schemas.openxmlformats.org/drawingml/2006/main" xmlns:r="http://schemas.openxmlformats.org/officeDocument/2006/relationships" xmlns:p="http://schemas.openxmlformats.org/presentationml/2006/main">
   <p:cSld>
     <p:spTree>
       <p:nvGrpSpPr>
-        <p:cNvPr id="157" name="Shape 157"/>
+        <p:cNvPr id="1" name="Shape 157"/>
         <p:cNvGrpSpPr/>
         <p:nvPr/>
       </p:nvGrpSpPr>
@@ -10796,12 +10997,12 @@
           </a:ln>
         </p:spPr>
         <p:txBody>
-          <a:bodyPr anchorCtr="0" anchor="ctr" bIns="91425" lIns="91425" spcFirstLastPara="1" rIns="91425" wrap="square" tIns="91425">
+          <a:bodyPr spcFirstLastPara="1" wrap="square" lIns="91425" tIns="91425" rIns="91425" bIns="91425" anchor="ctr" anchorCtr="0">
             <a:noAutofit/>
           </a:bodyPr>
           <a:lstStyle/>
           <a:p>
-            <a:pPr indent="0" lvl="0" marL="0" rtl="0" algn="ctr">
+            <a:pPr marL="0" lvl="0" indent="0" algn="ctr" rtl="0">
               <a:spcBef>
                 <a:spcPts val="0"/>
               </a:spcBef>
@@ -10851,12 +11052,12 @@
           </a:ln>
         </p:spPr>
         <p:txBody>
-          <a:bodyPr anchorCtr="0" anchor="t" bIns="91425" lIns="91425" spcFirstLastPara="1" rIns="91425" wrap="square" tIns="91425">
+          <a:bodyPr spcFirstLastPara="1" wrap="square" lIns="91425" tIns="91425" rIns="91425" bIns="91425" anchor="t" anchorCtr="0">
             <a:noAutofit/>
           </a:bodyPr>
           <a:lstStyle/>
           <a:p>
-            <a:pPr indent="0" lvl="0" marL="0" rtl="0" algn="ctr">
+            <a:pPr marL="0" lvl="0" indent="0" algn="ctr" rtl="0">
               <a:spcBef>
                 <a:spcPts val="0"/>
               </a:spcBef>
@@ -10892,11 +11093,11 @@
 </file>
 
 <file path=ppt/slides/slide16.xml><?xml version="1.0" encoding="utf-8"?>
-<p:sld xmlns:a="http://schemas.openxmlformats.org/drawingml/2006/main" xmlns:r="http://schemas.openxmlformats.org/officeDocument/2006/relationships" xmlns:mc="http://schemas.openxmlformats.org/markup-compatibility/2006" xmlns:mv="urn:schemas-microsoft-com:mac:vml" xmlns:p="http://schemas.openxmlformats.org/presentationml/2006/main" xmlns:c="http://schemas.openxmlformats.org/drawingml/2006/chart" xmlns:dgm="http://schemas.openxmlformats.org/drawingml/2006/diagram" xmlns:o="urn:schemas-microsoft-com:office:office" xmlns:v="urn:schemas-microsoft-com:vml" xmlns:pvml="urn:schemas-microsoft-com:office:powerpoint" xmlns:com="http://schemas.openxmlformats.org/drawingml/2006/compatibility" xmlns:p14="http://schemas.microsoft.com/office/powerpoint/2010/main" xmlns:p15="http://schemas.microsoft.com/office/powerpoint/2012/main">
+<p:sld xmlns:a="http://schemas.openxmlformats.org/drawingml/2006/main" xmlns:r="http://schemas.openxmlformats.org/officeDocument/2006/relationships" xmlns:p="http://schemas.openxmlformats.org/presentationml/2006/main">
   <p:cSld>
     <p:spTree>
       <p:nvGrpSpPr>
-        <p:cNvPr id="163" name="Shape 163"/>
+        <p:cNvPr id="1" name="Shape 163"/>
         <p:cNvGrpSpPr/>
         <p:nvPr/>
       </p:nvGrpSpPr>
@@ -10928,12 +11129,12 @@
           </a:ln>
         </p:spPr>
         <p:txBody>
-          <a:bodyPr anchorCtr="0" anchor="ctr" bIns="91425" lIns="91425" spcFirstLastPara="1" rIns="91425" wrap="square" tIns="91425">
+          <a:bodyPr spcFirstLastPara="1" wrap="square" lIns="91425" tIns="91425" rIns="91425" bIns="91425" anchor="ctr" anchorCtr="0">
             <a:noAutofit/>
           </a:bodyPr>
           <a:lstStyle/>
           <a:p>
-            <a:pPr indent="0" lvl="0" marL="0" rtl="0" algn="ctr">
+            <a:pPr marL="0" lvl="0" indent="0" algn="ctr" rtl="0">
               <a:spcBef>
                 <a:spcPts val="0"/>
               </a:spcBef>
@@ -10983,12 +11184,12 @@
           </a:ln>
         </p:spPr>
         <p:txBody>
-          <a:bodyPr anchorCtr="0" anchor="t" bIns="91425" lIns="91425" spcFirstLastPara="1" rIns="91425" wrap="square" tIns="91425">
+          <a:bodyPr spcFirstLastPara="1" wrap="square" lIns="91425" tIns="91425" rIns="91425" bIns="91425" anchor="t" anchorCtr="0">
             <a:noAutofit/>
           </a:bodyPr>
           <a:lstStyle/>
           <a:p>
-            <a:pPr indent="0" lvl="0" marL="0" rtl="0" algn="ctr">
+            <a:pPr marL="0" lvl="0" indent="0" algn="ctr" rtl="0">
               <a:spcBef>
                 <a:spcPts val="0"/>
               </a:spcBef>
@@ -11032,34 +11233,31 @@
           <a:solidFill>
             <a:srgbClr val="F4CCCC"/>
           </a:solidFill>
-          <a:ln cap="flat" cmpd="sng" w="19050">
+          <a:ln w="19050" cap="flat" cmpd="sng">
             <a:solidFill>
               <a:srgbClr val="660000"/>
             </a:solidFill>
             <a:prstDash val="solid"/>
             <a:round/>
-            <a:headEnd len="sm" w="sm" type="none"/>
-            <a:tailEnd len="sm" w="sm" type="none"/>
+            <a:headEnd type="none" w="sm" len="sm"/>
+            <a:tailEnd type="none" w="sm" len="sm"/>
           </a:ln>
         </p:spPr>
         <p:txBody>
-          <a:bodyPr anchorCtr="0" anchor="ctr" bIns="91425" lIns="91425" spcFirstLastPara="1" rIns="91425" wrap="square" tIns="91425">
+          <a:bodyPr spcFirstLastPara="1" wrap="square" lIns="91425" tIns="91425" rIns="91425" bIns="91425" anchor="ctr" anchorCtr="0">
             <a:noAutofit/>
           </a:bodyPr>
           <a:lstStyle/>
           <a:p>
-            <a:pPr indent="0" lvl="0" marL="0" rtl="0" algn="l">
-              <a:spcBef>
-                <a:spcPts val="0"/>
-              </a:spcBef>
-              <a:spcAft>
-                <a:spcPts val="0"/>
-              </a:spcAft>
-              <a:buNone/>
-            </a:pPr>
-            <a:r>
-              <a:t/>
-            </a:r>
+            <a:pPr marL="0" lvl="0" indent="0" algn="l" rtl="0">
+              <a:spcBef>
+                <a:spcPts val="0"/>
+              </a:spcBef>
+              <a:spcAft>
+                <a:spcPts val="0"/>
+              </a:spcAft>
+              <a:buNone/>
+            </a:pPr>
             <a:endParaRPr/>
           </a:p>
         </p:txBody>
@@ -11084,12 +11282,12 @@
           </a:ln>
         </p:spPr>
         <p:txBody>
-          <a:bodyPr anchorCtr="0" anchor="ctr" bIns="91425" lIns="91425" spcFirstLastPara="1" rIns="91425" wrap="square" tIns="91425">
+          <a:bodyPr spcFirstLastPara="1" wrap="square" lIns="91425" tIns="91425" rIns="91425" bIns="91425" anchor="ctr" anchorCtr="0">
             <a:noAutofit/>
           </a:bodyPr>
           <a:lstStyle/>
           <a:p>
-            <a:pPr indent="0" lvl="0" marL="0" rtl="0" algn="ctr">
+            <a:pPr marL="0" lvl="0" indent="0" algn="ctr" rtl="0">
               <a:spcBef>
                 <a:spcPts val="0"/>
               </a:spcBef>
@@ -11136,12 +11334,12 @@
           </a:ln>
         </p:spPr>
         <p:txBody>
-          <a:bodyPr anchorCtr="0" anchor="ctr" bIns="91425" lIns="91425" spcFirstLastPara="1" rIns="91425" wrap="square" tIns="91425">
+          <a:bodyPr spcFirstLastPara="1" wrap="square" lIns="91425" tIns="91425" rIns="91425" bIns="91425" anchor="ctr" anchorCtr="0">
             <a:noAutofit/>
           </a:bodyPr>
           <a:lstStyle/>
           <a:p>
-            <a:pPr indent="0" lvl="0" marL="0" rtl="0" algn="ctr">
+            <a:pPr marL="0" lvl="0" indent="0" algn="ctr" rtl="0">
               <a:spcBef>
                 <a:spcPts val="0"/>
               </a:spcBef>
@@ -11160,7 +11358,7 @@
               <a:t>1) Only call Hooks at the </a:t>
             </a:r>
             <a:r>
-              <a:rPr b="1" lang="en" sz="1800">
+              <a:rPr lang="en" sz="1800" b="1">
                 <a:latin typeface="Roboto"/>
                 <a:ea typeface="Roboto"/>
                 <a:cs typeface="Roboto"/>
@@ -11168,7 +11366,7 @@
               </a:rPr>
               <a:t>top level</a:t>
             </a:r>
-            <a:endParaRPr b="1" sz="1800">
+            <a:endParaRPr sz="1800" b="1">
               <a:latin typeface="Roboto"/>
               <a:ea typeface="Roboto"/>
               <a:cs typeface="Roboto"/>
@@ -11197,12 +11395,12 @@
           </a:ln>
         </p:spPr>
         <p:txBody>
-          <a:bodyPr anchorCtr="0" anchor="ctr" bIns="91425" lIns="91425" spcFirstLastPara="1" rIns="91425" wrap="square" tIns="91425">
+          <a:bodyPr spcFirstLastPara="1" wrap="square" lIns="91425" tIns="91425" rIns="91425" bIns="91425" anchor="ctr" anchorCtr="0">
             <a:noAutofit/>
           </a:bodyPr>
           <a:lstStyle/>
           <a:p>
-            <a:pPr indent="0" lvl="0" marL="0" rtl="0" algn="l">
+            <a:pPr marL="0" lvl="0" indent="0" algn="l" rtl="0">
               <a:spcBef>
                 <a:spcPts val="0"/>
               </a:spcBef>
@@ -11228,17 +11426,17 @@
             </a:endParaRPr>
           </a:p>
           <a:p>
-            <a:pPr indent="0" lvl="0" marL="0" rtl="0" algn="l">
-              <a:spcBef>
-                <a:spcPts val="0"/>
-              </a:spcBef>
-              <a:spcAft>
-                <a:spcPts val="0"/>
-              </a:spcAft>
-              <a:buNone/>
-            </a:pPr>
-            <a:r>
-              <a:rPr b="1" lang="en" sz="1800">
+            <a:pPr marL="0" lvl="0" indent="0" algn="l" rtl="0">
+              <a:spcBef>
+                <a:spcPts val="0"/>
+              </a:spcBef>
+              <a:spcAft>
+                <a:spcPts val="0"/>
+              </a:spcAft>
+              <a:buNone/>
+            </a:pPr>
+            <a:r>
+              <a:rPr lang="en" sz="1800" b="1">
                 <a:latin typeface="Roboto"/>
                 <a:ea typeface="Roboto"/>
                 <a:cs typeface="Roboto"/>
@@ -11246,7 +11444,7 @@
               </a:rPr>
               <a:t>     functional components</a:t>
             </a:r>
-            <a:endParaRPr b="1" sz="1800">
+            <a:endParaRPr sz="1800" b="1">
               <a:latin typeface="Roboto"/>
               <a:ea typeface="Roboto"/>
               <a:cs typeface="Roboto"/>
@@ -11264,11 +11462,11 @@
 </file>
 
 <file path=ppt/slides/slide17.xml><?xml version="1.0" encoding="utf-8"?>
-<p:sld xmlns:a="http://schemas.openxmlformats.org/drawingml/2006/main" xmlns:r="http://schemas.openxmlformats.org/officeDocument/2006/relationships" xmlns:mc="http://schemas.openxmlformats.org/markup-compatibility/2006" xmlns:mv="urn:schemas-microsoft-com:mac:vml" xmlns:p="http://schemas.openxmlformats.org/presentationml/2006/main" xmlns:c="http://schemas.openxmlformats.org/drawingml/2006/chart" xmlns:dgm="http://schemas.openxmlformats.org/drawingml/2006/diagram" xmlns:o="urn:schemas-microsoft-com:office:office" xmlns:v="urn:schemas-microsoft-com:vml" xmlns:pvml="urn:schemas-microsoft-com:office:powerpoint" xmlns:com="http://schemas.openxmlformats.org/drawingml/2006/compatibility" xmlns:p14="http://schemas.microsoft.com/office/powerpoint/2010/main" xmlns:p15="http://schemas.microsoft.com/office/powerpoint/2012/main">
+<p:sld xmlns:a="http://schemas.openxmlformats.org/drawingml/2006/main" xmlns:r="http://schemas.openxmlformats.org/officeDocument/2006/relationships" xmlns:p="http://schemas.openxmlformats.org/presentationml/2006/main">
   <p:cSld>
     <p:spTree>
       <p:nvGrpSpPr>
-        <p:cNvPr id="173" name="Shape 173"/>
+        <p:cNvPr id="1" name="Shape 173"/>
         <p:cNvGrpSpPr/>
         <p:nvPr/>
       </p:nvGrpSpPr>
@@ -11300,12 +11498,12 @@
           </a:ln>
         </p:spPr>
         <p:txBody>
-          <a:bodyPr anchorCtr="0" anchor="ctr" bIns="91425" lIns="91425" spcFirstLastPara="1" rIns="91425" wrap="square" tIns="91425">
+          <a:bodyPr spcFirstLastPara="1" wrap="square" lIns="91425" tIns="91425" rIns="91425" bIns="91425" anchor="ctr" anchorCtr="0">
             <a:noAutofit/>
           </a:bodyPr>
           <a:lstStyle/>
           <a:p>
-            <a:pPr indent="0" lvl="0" marL="0" rtl="0" algn="r">
+            <a:pPr marL="0" lvl="0" indent="0" algn="r" rtl="0">
               <a:spcBef>
                 <a:spcPts val="0"/>
               </a:spcBef>
@@ -11385,18 +11583,15 @@
             </a:endParaRPr>
           </a:p>
           <a:p>
-            <a:pPr indent="0" lvl="0" marL="0" rtl="0" algn="r">
-              <a:spcBef>
-                <a:spcPts val="0"/>
-              </a:spcBef>
-              <a:spcAft>
-                <a:spcPts val="0"/>
-              </a:spcAft>
-              <a:buNone/>
-            </a:pPr>
-            <a:r>
-              <a:t/>
-            </a:r>
+            <a:pPr marL="0" lvl="0" indent="0" algn="r" rtl="0">
+              <a:spcBef>
+                <a:spcPts val="0"/>
+              </a:spcBef>
+              <a:spcAft>
+                <a:spcPts val="0"/>
+              </a:spcAft>
+              <a:buNone/>
+            </a:pPr>
             <a:endParaRPr sz="1800">
               <a:latin typeface="Consolas"/>
               <a:ea typeface="Consolas"/>
@@ -11405,18 +11600,15 @@
             </a:endParaRPr>
           </a:p>
           <a:p>
-            <a:pPr indent="0" lvl="0" marL="0" rtl="0" algn="r">
-              <a:spcBef>
-                <a:spcPts val="0"/>
-              </a:spcBef>
-              <a:spcAft>
-                <a:spcPts val="0"/>
-              </a:spcAft>
-              <a:buNone/>
-            </a:pPr>
-            <a:r>
-              <a:t/>
-            </a:r>
+            <a:pPr marL="0" lvl="0" indent="0" algn="r" rtl="0">
+              <a:spcBef>
+                <a:spcPts val="0"/>
+              </a:spcBef>
+              <a:spcAft>
+                <a:spcPts val="0"/>
+              </a:spcAft>
+              <a:buNone/>
+            </a:pPr>
             <a:endParaRPr sz="1800">
               <a:latin typeface="Consolas"/>
               <a:ea typeface="Consolas"/>
@@ -11425,7 +11617,7 @@
             </a:endParaRPr>
           </a:p>
           <a:p>
-            <a:pPr indent="0" lvl="0" marL="0" rtl="0" algn="r">
+            <a:pPr marL="0" lvl="0" indent="0" algn="r" rtl="0">
               <a:spcBef>
                 <a:spcPts val="0"/>
               </a:spcBef>
@@ -11517,12 +11709,12 @@
           </a:ln>
         </p:spPr>
         <p:txBody>
-          <a:bodyPr anchorCtr="0" anchor="ctr" bIns="91425" lIns="91425" spcFirstLastPara="1" rIns="91425" wrap="square" tIns="91425">
+          <a:bodyPr spcFirstLastPara="1" wrap="square" lIns="91425" tIns="91425" rIns="91425" bIns="91425" anchor="ctr" anchorCtr="0">
             <a:noAutofit/>
           </a:bodyPr>
           <a:lstStyle/>
           <a:p>
-            <a:pPr indent="0" lvl="0" marL="0" rtl="0" algn="l">
+            <a:pPr marL="0" lvl="0" indent="0" algn="l" rtl="0">
               <a:spcBef>
                 <a:spcPts val="0"/>
               </a:spcBef>
@@ -11611,18 +11803,15 @@
             </a:endParaRPr>
           </a:p>
           <a:p>
-            <a:pPr indent="0" lvl="0" marL="0" rtl="0" algn="l">
-              <a:spcBef>
-                <a:spcPts val="0"/>
-              </a:spcBef>
-              <a:spcAft>
-                <a:spcPts val="0"/>
-              </a:spcAft>
-              <a:buNone/>
-            </a:pPr>
-            <a:r>
-              <a:t/>
-            </a:r>
+            <a:pPr marL="0" lvl="0" indent="0" algn="l" rtl="0">
+              <a:spcBef>
+                <a:spcPts val="0"/>
+              </a:spcBef>
+              <a:spcAft>
+                <a:spcPts val="0"/>
+              </a:spcAft>
+              <a:buNone/>
+            </a:pPr>
             <a:endParaRPr sz="1800">
               <a:latin typeface="Consolas"/>
               <a:ea typeface="Consolas"/>
@@ -11631,18 +11820,15 @@
             </a:endParaRPr>
           </a:p>
           <a:p>
-            <a:pPr indent="0" lvl="0" marL="0" rtl="0" algn="l">
-              <a:spcBef>
-                <a:spcPts val="0"/>
-              </a:spcBef>
-              <a:spcAft>
-                <a:spcPts val="0"/>
-              </a:spcAft>
-              <a:buNone/>
-            </a:pPr>
-            <a:r>
-              <a:t/>
-            </a:r>
+            <a:pPr marL="0" lvl="0" indent="0" algn="l" rtl="0">
+              <a:spcBef>
+                <a:spcPts val="0"/>
+              </a:spcBef>
+              <a:spcAft>
+                <a:spcPts val="0"/>
+              </a:spcAft>
+              <a:buNone/>
+            </a:pPr>
             <a:endParaRPr sz="1800">
               <a:latin typeface="Consolas"/>
               <a:ea typeface="Consolas"/>
@@ -11651,7 +11837,7 @@
             </a:endParaRPr>
           </a:p>
           <a:p>
-            <a:pPr indent="0" lvl="0" marL="0" rtl="0" algn="l">
+            <a:pPr marL="0" lvl="0" indent="0" algn="l" rtl="0">
               <a:spcBef>
                 <a:spcPts val="0"/>
               </a:spcBef>
@@ -11727,41 +11913,38 @@
           </a:xfrm>
           <a:prstGeom prst="rightArrow">
             <a:avLst>
-              <a:gd fmla="val 38628" name="adj1"/>
-              <a:gd fmla="val 50000" name="adj2"/>
+              <a:gd name="adj1" fmla="val 38628"/>
+              <a:gd name="adj2" fmla="val 50000"/>
             </a:avLst>
           </a:prstGeom>
           <a:solidFill>
             <a:schemeClr val="lt2"/>
           </a:solidFill>
-          <a:ln cap="flat" cmpd="sng" w="9525">
+          <a:ln w="9525" cap="flat" cmpd="sng">
             <a:solidFill>
               <a:schemeClr val="dk2"/>
             </a:solidFill>
             <a:prstDash val="solid"/>
             <a:round/>
-            <a:headEnd len="sm" w="sm" type="none"/>
-            <a:tailEnd len="sm" w="sm" type="none"/>
+            <a:headEnd type="none" w="sm" len="sm"/>
+            <a:tailEnd type="none" w="sm" len="sm"/>
           </a:ln>
         </p:spPr>
         <p:txBody>
-          <a:bodyPr anchorCtr="0" anchor="ctr" bIns="91425" lIns="91425" spcFirstLastPara="1" rIns="91425" wrap="square" tIns="91425">
+          <a:bodyPr spcFirstLastPara="1" wrap="square" lIns="91425" tIns="91425" rIns="91425" bIns="91425" anchor="ctr" anchorCtr="0">
             <a:noAutofit/>
           </a:bodyPr>
           <a:lstStyle/>
           <a:p>
-            <a:pPr indent="0" lvl="0" marL="0" rtl="0" algn="l">
-              <a:spcBef>
-                <a:spcPts val="0"/>
-              </a:spcBef>
-              <a:spcAft>
-                <a:spcPts val="0"/>
-              </a:spcAft>
-              <a:buNone/>
-            </a:pPr>
-            <a:r>
-              <a:t/>
-            </a:r>
+            <a:pPr marL="0" lvl="0" indent="0" algn="l" rtl="0">
+              <a:spcBef>
+                <a:spcPts val="0"/>
+              </a:spcBef>
+              <a:spcAft>
+                <a:spcPts val="0"/>
+              </a:spcAft>
+              <a:buNone/>
+            </a:pPr>
             <a:endParaRPr/>
           </a:p>
         </p:txBody>
@@ -11779,41 +11962,38 @@
           </a:xfrm>
           <a:prstGeom prst="rightArrow">
             <a:avLst>
-              <a:gd fmla="val 38628" name="adj1"/>
-              <a:gd fmla="val 50000" name="adj2"/>
+              <a:gd name="adj1" fmla="val 38628"/>
+              <a:gd name="adj2" fmla="val 50000"/>
             </a:avLst>
           </a:prstGeom>
           <a:solidFill>
             <a:schemeClr val="lt2"/>
           </a:solidFill>
-          <a:ln cap="flat" cmpd="sng" w="9525">
+          <a:ln w="9525" cap="flat" cmpd="sng">
             <a:solidFill>
               <a:schemeClr val="dk2"/>
             </a:solidFill>
             <a:prstDash val="solid"/>
             <a:round/>
-            <a:headEnd len="sm" w="sm" type="none"/>
-            <a:tailEnd len="sm" w="sm" type="none"/>
+            <a:headEnd type="none" w="sm" len="sm"/>
+            <a:tailEnd type="none" w="sm" len="sm"/>
           </a:ln>
         </p:spPr>
         <p:txBody>
-          <a:bodyPr anchorCtr="0" anchor="ctr" bIns="91425" lIns="91425" spcFirstLastPara="1" rIns="91425" wrap="square" tIns="91425">
+          <a:bodyPr spcFirstLastPara="1" wrap="square" lIns="91425" tIns="91425" rIns="91425" bIns="91425" anchor="ctr" anchorCtr="0">
             <a:noAutofit/>
           </a:bodyPr>
           <a:lstStyle/>
           <a:p>
-            <a:pPr indent="0" lvl="0" marL="0" rtl="0" algn="l">
-              <a:spcBef>
-                <a:spcPts val="0"/>
-              </a:spcBef>
-              <a:spcAft>
-                <a:spcPts val="0"/>
-              </a:spcAft>
-              <a:buNone/>
-            </a:pPr>
-            <a:r>
-              <a:t/>
-            </a:r>
+            <a:pPr marL="0" lvl="0" indent="0" algn="l" rtl="0">
+              <a:spcBef>
+                <a:spcPts val="0"/>
+              </a:spcBef>
+              <a:spcAft>
+                <a:spcPts val="0"/>
+              </a:spcAft>
+              <a:buNone/>
+            </a:pPr>
             <a:endParaRPr/>
           </a:p>
         </p:txBody>
@@ -11838,12 +12018,12 @@
           </a:ln>
         </p:spPr>
         <p:txBody>
-          <a:bodyPr anchorCtr="0" anchor="ctr" bIns="91425" lIns="91425" spcFirstLastPara="1" rIns="91425" wrap="square" tIns="91425">
+          <a:bodyPr spcFirstLastPara="1" wrap="square" lIns="91425" tIns="91425" rIns="91425" bIns="91425" anchor="ctr" anchorCtr="0">
             <a:noAutofit/>
           </a:bodyPr>
           <a:lstStyle/>
           <a:p>
-            <a:pPr indent="0" lvl="0" marL="0" rtl="0" algn="ctr">
+            <a:pPr marL="0" lvl="0" indent="0" algn="ctr" rtl="0">
               <a:spcBef>
                 <a:spcPts val="0"/>
               </a:spcBef>
@@ -11884,7 +12064,7 @@
             </a:endParaRPr>
           </a:p>
           <a:p>
-            <a:pPr indent="0" lvl="0" marL="0" rtl="0" algn="ctr">
+            <a:pPr marL="0" lvl="0" indent="0" algn="ctr" rtl="0">
               <a:spcBef>
                 <a:spcPts val="0"/>
               </a:spcBef>
@@ -11931,12 +12111,12 @@
           </a:ln>
         </p:spPr>
         <p:txBody>
-          <a:bodyPr anchorCtr="0" anchor="ctr" bIns="91425" lIns="91425" spcFirstLastPara="1" rIns="91425" wrap="square" tIns="91425">
+          <a:bodyPr spcFirstLastPara="1" wrap="square" lIns="91425" tIns="91425" rIns="91425" bIns="91425" anchor="ctr" anchorCtr="0">
             <a:noAutofit/>
           </a:bodyPr>
           <a:lstStyle/>
           <a:p>
-            <a:pPr indent="0" lvl="0" marL="0" rtl="0" algn="ctr">
+            <a:pPr marL="0" lvl="0" indent="0" algn="ctr" rtl="0">
               <a:spcBef>
                 <a:spcPts val="0"/>
               </a:spcBef>
@@ -11977,7 +12157,7 @@
             </a:endParaRPr>
           </a:p>
           <a:p>
-            <a:pPr indent="0" lvl="0" marL="0" rtl="0" algn="ctr">
+            <a:pPr marL="0" lvl="0" indent="0" algn="ctr" rtl="0">
               <a:spcBef>
                 <a:spcPts val="0"/>
               </a:spcBef>
@@ -12024,12 +12204,12 @@
           </a:ln>
         </p:spPr>
         <p:txBody>
-          <a:bodyPr anchorCtr="0" anchor="ctr" bIns="91425" lIns="91425" spcFirstLastPara="1" rIns="91425" wrap="square" tIns="91425">
+          <a:bodyPr spcFirstLastPara="1" wrap="square" lIns="91425" tIns="91425" rIns="91425" bIns="91425" anchor="ctr" anchorCtr="0">
             <a:noAutofit/>
           </a:bodyPr>
           <a:lstStyle/>
           <a:p>
-            <a:pPr indent="0" lvl="0" marL="0" rtl="0" algn="r">
+            <a:pPr marL="0" lvl="0" indent="0" algn="r" rtl="0">
               <a:spcBef>
                 <a:spcPts val="0"/>
               </a:spcBef>
@@ -12055,7 +12235,7 @@
             </a:endParaRPr>
           </a:p>
           <a:p>
-            <a:pPr indent="0" lvl="0" marL="0" rtl="0" algn="r">
+            <a:pPr marL="0" lvl="0" indent="0" algn="r" rtl="0">
               <a:spcBef>
                 <a:spcPts val="0"/>
               </a:spcBef>
@@ -12108,12 +12288,12 @@
           </a:ln>
         </p:spPr>
         <p:txBody>
-          <a:bodyPr anchorCtr="0" anchor="t" bIns="91425" lIns="91425" spcFirstLastPara="1" rIns="91425" wrap="square" tIns="91425">
+          <a:bodyPr spcFirstLastPara="1" wrap="square" lIns="91425" tIns="91425" rIns="91425" bIns="91425" anchor="t" anchorCtr="0">
             <a:noAutofit/>
           </a:bodyPr>
           <a:lstStyle/>
           <a:p>
-            <a:pPr indent="0" lvl="0" marL="38100" marR="38100" rtl="0" algn="ctr">
+            <a:pPr marL="38100" marR="38100" lvl="0" indent="0" algn="ctr" rtl="0">
               <a:lnSpc>
                 <a:spcPct val="150000"/>
               </a:lnSpc>
@@ -12233,11 +12413,11 @@
 </file>
 
 <file path=ppt/slides/slide18.xml><?xml version="1.0" encoding="utf-8"?>
-<p:sld xmlns:a="http://schemas.openxmlformats.org/drawingml/2006/main" xmlns:r="http://schemas.openxmlformats.org/officeDocument/2006/relationships" xmlns:mc="http://schemas.openxmlformats.org/markup-compatibility/2006" xmlns:mv="urn:schemas-microsoft-com:mac:vml" xmlns:p="http://schemas.openxmlformats.org/presentationml/2006/main" xmlns:c="http://schemas.openxmlformats.org/drawingml/2006/chart" xmlns:dgm="http://schemas.openxmlformats.org/drawingml/2006/diagram" xmlns:o="urn:schemas-microsoft-com:office:office" xmlns:v="urn:schemas-microsoft-com:vml" xmlns:pvml="urn:schemas-microsoft-com:office:powerpoint" xmlns:com="http://schemas.openxmlformats.org/drawingml/2006/compatibility" xmlns:p14="http://schemas.microsoft.com/office/powerpoint/2010/main" xmlns:p15="http://schemas.microsoft.com/office/powerpoint/2012/main">
+<p:sld xmlns:a="http://schemas.openxmlformats.org/drawingml/2006/main" xmlns:r="http://schemas.openxmlformats.org/officeDocument/2006/relationships" xmlns:p="http://schemas.openxmlformats.org/presentationml/2006/main">
   <p:cSld>
     <p:spTree>
       <p:nvGrpSpPr>
-        <p:cNvPr id="185" name="Shape 185"/>
+        <p:cNvPr id="1" name="Shape 185"/>
         <p:cNvGrpSpPr/>
         <p:nvPr/>
       </p:nvGrpSpPr>
@@ -12297,12 +12477,12 @@
           </a:ln>
         </p:spPr>
         <p:txBody>
-          <a:bodyPr anchorCtr="0" anchor="t" bIns="91425" lIns="91425" spcFirstLastPara="1" rIns="91425" wrap="square" tIns="91425">
+          <a:bodyPr spcFirstLastPara="1" wrap="square" lIns="91425" tIns="91425" rIns="91425" bIns="91425" anchor="t" anchorCtr="0">
             <a:noAutofit/>
           </a:bodyPr>
           <a:lstStyle/>
           <a:p>
-            <a:pPr indent="0" lvl="0" marL="0" rtl="0" algn="ctr">
+            <a:pPr marL="0" lvl="0" indent="0" algn="ctr" rtl="0">
               <a:spcBef>
                 <a:spcPts val="0"/>
               </a:spcBef>
@@ -12328,7 +12508,7 @@
             </a:endParaRPr>
           </a:p>
           <a:p>
-            <a:pPr indent="0" lvl="0" marL="0" rtl="0" algn="ctr">
+            <a:pPr marL="0" lvl="0" indent="0" algn="ctr" rtl="0">
               <a:spcBef>
                 <a:spcPts val="0"/>
               </a:spcBef>
@@ -12357,7 +12537,7 @@
             </a:endParaRPr>
           </a:p>
           <a:p>
-            <a:pPr indent="0" lvl="0" marL="0" rtl="0" algn="ctr">
+            <a:pPr marL="0" lvl="0" indent="0" algn="ctr" rtl="0">
               <a:spcBef>
                 <a:spcPts val="0"/>
               </a:spcBef>
@@ -12381,18 +12561,15 @@
             </a:endParaRPr>
           </a:p>
           <a:p>
-            <a:pPr indent="0" lvl="0" marL="0" rtl="0" algn="ctr">
-              <a:spcBef>
-                <a:spcPts val="0"/>
-              </a:spcBef>
-              <a:spcAft>
-                <a:spcPts val="0"/>
-              </a:spcAft>
-              <a:buNone/>
-            </a:pPr>
-            <a:r>
-              <a:t/>
-            </a:r>
+            <a:pPr marL="0" lvl="0" indent="0" algn="ctr" rtl="0">
+              <a:spcBef>
+                <a:spcPts val="0"/>
+              </a:spcBef>
+              <a:spcAft>
+                <a:spcPts val="0"/>
+              </a:spcAft>
+              <a:buNone/>
+            </a:pPr>
             <a:endParaRPr sz="2400">
               <a:latin typeface="Roboto"/>
               <a:ea typeface="Roboto"/>
@@ -12411,11 +12588,11 @@
 </file>
 
 <file path=ppt/slides/slide19.xml><?xml version="1.0" encoding="utf-8"?>
-<p:sld xmlns:a="http://schemas.openxmlformats.org/drawingml/2006/main" xmlns:r="http://schemas.openxmlformats.org/officeDocument/2006/relationships" xmlns:mc="http://schemas.openxmlformats.org/markup-compatibility/2006" xmlns:mv="urn:schemas-microsoft-com:mac:vml" xmlns:p="http://schemas.openxmlformats.org/presentationml/2006/main" xmlns:c="http://schemas.openxmlformats.org/drawingml/2006/chart" xmlns:dgm="http://schemas.openxmlformats.org/drawingml/2006/diagram" xmlns:o="urn:schemas-microsoft-com:office:office" xmlns:v="urn:schemas-microsoft-com:vml" xmlns:pvml="urn:schemas-microsoft-com:office:powerpoint" xmlns:com="http://schemas.openxmlformats.org/drawingml/2006/compatibility" xmlns:p14="http://schemas.microsoft.com/office/powerpoint/2010/main" xmlns:p15="http://schemas.microsoft.com/office/powerpoint/2012/main">
+<p:sld xmlns:a="http://schemas.openxmlformats.org/drawingml/2006/main" xmlns:r="http://schemas.openxmlformats.org/officeDocument/2006/relationships" xmlns:p="http://schemas.openxmlformats.org/presentationml/2006/main">
   <p:cSld>
     <p:spTree>
       <p:nvGrpSpPr>
-        <p:cNvPr id="191" name="Shape 191"/>
+        <p:cNvPr id="1" name="Shape 191"/>
         <p:cNvGrpSpPr/>
         <p:nvPr/>
       </p:nvGrpSpPr>
@@ -12447,12 +12624,12 @@
           </a:ln>
         </p:spPr>
         <p:txBody>
-          <a:bodyPr anchorCtr="0" anchor="t" bIns="91425" lIns="91425" spcFirstLastPara="1" rIns="91425" wrap="square" tIns="91425">
+          <a:bodyPr spcFirstLastPara="1" wrap="square" lIns="91425" tIns="91425" rIns="91425" bIns="91425" anchor="t" anchorCtr="0">
             <a:noAutofit/>
           </a:bodyPr>
           <a:lstStyle/>
           <a:p>
-            <a:pPr indent="0" lvl="0" marL="0" rtl="0" algn="ctr">
+            <a:pPr marL="0" lvl="0" indent="0" algn="ctr" rtl="0">
               <a:spcBef>
                 <a:spcPts val="0"/>
               </a:spcBef>
@@ -12492,7 +12669,7 @@
           <a:blip r:embed="rId3">
             <a:alphaModFix/>
           </a:blip>
-          <a:srcRect b="2024" l="0" r="0" t="2024"/>
+          <a:srcRect t="2024" b="2024"/>
           <a:stretch/>
         </p:blipFill>
         <p:spPr>
@@ -12504,14 +12681,14 @@
             <a:avLst/>
           </a:prstGeom>
           <a:noFill/>
-          <a:ln cap="flat" cmpd="sng" w="9525">
+          <a:ln w="9525" cap="flat" cmpd="sng">
             <a:solidFill>
               <a:schemeClr val="dk2"/>
             </a:solidFill>
             <a:prstDash val="solid"/>
             <a:round/>
-            <a:headEnd len="sm" w="sm" type="none"/>
-            <a:tailEnd len="sm" w="sm" type="none"/>
+            <a:headEnd type="none" w="sm" len="sm"/>
+            <a:tailEnd type="none" w="sm" len="sm"/>
           </a:ln>
         </p:spPr>
       </p:pic>
@@ -12524,11 +12701,11 @@
 </file>
 
 <file path=ppt/slides/slide2.xml><?xml version="1.0" encoding="utf-8"?>
-<p:sld xmlns:a="http://schemas.openxmlformats.org/drawingml/2006/main" xmlns:r="http://schemas.openxmlformats.org/officeDocument/2006/relationships" xmlns:mc="http://schemas.openxmlformats.org/markup-compatibility/2006" xmlns:mv="urn:schemas-microsoft-com:mac:vml" xmlns:p="http://schemas.openxmlformats.org/presentationml/2006/main" xmlns:c="http://schemas.openxmlformats.org/drawingml/2006/chart" xmlns:dgm="http://schemas.openxmlformats.org/drawingml/2006/diagram" xmlns:o="urn:schemas-microsoft-com:office:office" xmlns:v="urn:schemas-microsoft-com:vml" xmlns:pvml="urn:schemas-microsoft-com:office:powerpoint" xmlns:com="http://schemas.openxmlformats.org/drawingml/2006/compatibility" xmlns:p14="http://schemas.microsoft.com/office/powerpoint/2010/main" xmlns:p15="http://schemas.microsoft.com/office/powerpoint/2012/main">
+<p:sld xmlns:a="http://schemas.openxmlformats.org/drawingml/2006/main" xmlns:r="http://schemas.openxmlformats.org/officeDocument/2006/relationships" xmlns:p="http://schemas.openxmlformats.org/presentationml/2006/main">
   <p:cSld>
     <p:spTree>
       <p:nvGrpSpPr>
-        <p:cNvPr id="63" name="Shape 63"/>
+        <p:cNvPr id="1" name="Shape 63"/>
         <p:cNvGrpSpPr/>
         <p:nvPr/>
       </p:nvGrpSpPr>
@@ -12560,12 +12737,12 @@
           </a:ln>
         </p:spPr>
         <p:txBody>
-          <a:bodyPr anchorCtr="0" anchor="t" bIns="91425" lIns="91425" spcFirstLastPara="1" rIns="91425" wrap="square" tIns="91425">
+          <a:bodyPr spcFirstLastPara="1" wrap="square" lIns="91425" tIns="91425" rIns="91425" bIns="91425" anchor="t" anchorCtr="0">
             <a:noAutofit/>
           </a:bodyPr>
           <a:lstStyle/>
           <a:p>
-            <a:pPr indent="0" lvl="0" marL="0" rtl="0" algn="ctr">
+            <a:pPr marL="0" lvl="0" indent="0" algn="ctr" rtl="0">
               <a:spcBef>
                 <a:spcPts val="0"/>
               </a:spcBef>
@@ -12591,7 +12768,7 @@
             </a:endParaRPr>
           </a:p>
           <a:p>
-            <a:pPr indent="0" lvl="0" marL="0" rtl="0" algn="ctr">
+            <a:pPr marL="0" lvl="0" indent="0" algn="ctr" rtl="0">
               <a:spcBef>
                 <a:spcPts val="0"/>
               </a:spcBef>
@@ -12620,18 +12797,15 @@
             </a:endParaRPr>
           </a:p>
           <a:p>
-            <a:pPr indent="0" lvl="0" marL="0" rtl="0" algn="ctr">
-              <a:spcBef>
-                <a:spcPts val="0"/>
-              </a:spcBef>
-              <a:spcAft>
-                <a:spcPts val="0"/>
-              </a:spcAft>
-              <a:buNone/>
-            </a:pPr>
-            <a:r>
-              <a:t/>
-            </a:r>
+            <a:pPr marL="0" lvl="0" indent="0" algn="ctr" rtl="0">
+              <a:spcBef>
+                <a:spcPts val="0"/>
+              </a:spcBef>
+              <a:spcAft>
+                <a:spcPts val="0"/>
+              </a:spcAft>
+              <a:buNone/>
+            </a:pPr>
             <a:endParaRPr sz="2400">
               <a:latin typeface="Roboto"/>
               <a:ea typeface="Roboto"/>
@@ -12691,12 +12865,12 @@
           </a:ln>
         </p:spPr>
         <p:txBody>
-          <a:bodyPr anchorCtr="0" anchor="ctr" bIns="91425" lIns="91425" spcFirstLastPara="1" rIns="91425" wrap="square" tIns="91425">
+          <a:bodyPr spcFirstLastPara="1" wrap="square" lIns="91425" tIns="91425" rIns="91425" bIns="91425" anchor="ctr" anchorCtr="0">
             <a:noAutofit/>
           </a:bodyPr>
           <a:lstStyle/>
           <a:p>
-            <a:pPr indent="-317500" lvl="0" marL="457200" rtl="0" algn="l">
+            <a:pPr marL="457200" lvl="0" indent="-317500" algn="l" rtl="0">
               <a:spcBef>
                 <a:spcPts val="0"/>
               </a:spcBef>
@@ -12747,7 +12921,7 @@
             </a:endParaRPr>
           </a:p>
           <a:p>
-            <a:pPr indent="-317500" lvl="0" marL="457200" rtl="0" algn="l">
+            <a:pPr marL="457200" lvl="0" indent="-317500" algn="l" rtl="0">
               <a:spcBef>
                 <a:spcPts val="0"/>
               </a:spcBef>
@@ -12784,11 +12958,11 @@
 </file>
 
 <file path=ppt/slides/slide20.xml><?xml version="1.0" encoding="utf-8"?>
-<p:sld xmlns:a="http://schemas.openxmlformats.org/drawingml/2006/main" xmlns:r="http://schemas.openxmlformats.org/officeDocument/2006/relationships" xmlns:mc="http://schemas.openxmlformats.org/markup-compatibility/2006" xmlns:mv="urn:schemas-microsoft-com:mac:vml" xmlns:p="http://schemas.openxmlformats.org/presentationml/2006/main" xmlns:c="http://schemas.openxmlformats.org/drawingml/2006/chart" xmlns:dgm="http://schemas.openxmlformats.org/drawingml/2006/diagram" xmlns:o="urn:schemas-microsoft-com:office:office" xmlns:v="urn:schemas-microsoft-com:vml" xmlns:pvml="urn:schemas-microsoft-com:office:powerpoint" xmlns:com="http://schemas.openxmlformats.org/drawingml/2006/compatibility" xmlns:p14="http://schemas.microsoft.com/office/powerpoint/2010/main" xmlns:p15="http://schemas.microsoft.com/office/powerpoint/2012/main">
+<p:sld xmlns:a="http://schemas.openxmlformats.org/drawingml/2006/main" xmlns:r="http://schemas.openxmlformats.org/officeDocument/2006/relationships" xmlns:p="http://schemas.openxmlformats.org/presentationml/2006/main">
   <p:cSld>
     <p:spTree>
       <p:nvGrpSpPr>
-        <p:cNvPr id="197" name="Shape 197"/>
+        <p:cNvPr id="1" name="Shape 53"/>
         <p:cNvGrpSpPr/>
         <p:nvPr/>
       </p:nvGrpSpPr>
@@ -12802,7 +12976,7 @@
       </p:grpSpPr>
       <p:sp>
         <p:nvSpPr>
-          <p:cNvPr id="198" name="Google Shape;198;p32"/>
+          <p:cNvPr id="54" name="Google Shape;54;p13"/>
           <p:cNvSpPr txBox="1"/>
           <p:nvPr/>
         </p:nvSpPr>
@@ -12820,12 +12994,12 @@
           </a:ln>
         </p:spPr>
         <p:txBody>
-          <a:bodyPr anchorCtr="0" anchor="t" bIns="91425" lIns="91425" spcFirstLastPara="1" rIns="91425" wrap="square" tIns="91425">
+          <a:bodyPr spcFirstLastPara="1" wrap="square" lIns="91425" tIns="91425" rIns="91425" bIns="91425" anchor="t" anchorCtr="0">
             <a:noAutofit/>
           </a:bodyPr>
           <a:lstStyle/>
           <a:p>
-            <a:pPr indent="0" lvl="0" marL="0" rtl="0" algn="l">
+            <a:pPr marL="0" lvl="0" indent="0" algn="l" rtl="0">
               <a:spcBef>
                 <a:spcPts val="0"/>
               </a:spcBef>
@@ -12854,7 +13028,7 @@
       </p:sp>
       <p:sp>
         <p:nvSpPr>
-          <p:cNvPr id="199" name="Google Shape;199;p32"/>
+          <p:cNvPr id="55" name="Google Shape;55;p13"/>
           <p:cNvSpPr txBox="1"/>
           <p:nvPr/>
         </p:nvSpPr>
@@ -12872,12 +13046,12 @@
           </a:ln>
         </p:spPr>
         <p:txBody>
-          <a:bodyPr anchorCtr="0" anchor="t" bIns="91425" lIns="91425" spcFirstLastPara="1" rIns="91425" wrap="square" tIns="91425">
+          <a:bodyPr spcFirstLastPara="1" wrap="square" lIns="91425" tIns="91425" rIns="91425" bIns="91425" anchor="t" anchorCtr="0">
             <a:noAutofit/>
           </a:bodyPr>
           <a:lstStyle/>
           <a:p>
-            <a:pPr indent="0" lvl="0" marL="0" rtl="0" algn="l">
+            <a:pPr marL="0" lvl="0" indent="0" algn="l" rtl="0">
               <a:spcBef>
                 <a:spcPts val="0"/>
               </a:spcBef>
@@ -12896,7 +13070,7 @@
                 <a:cs typeface="Roboto"/>
                 <a:sym typeface="Roboto"/>
               </a:rPr>
-              <a:t>Lecture 3A: User-Interactive Components (TextInput + Lists)</a:t>
+              <a:t>Lecture 3B: Exercise on Interactive Components</a:t>
             </a:r>
             <a:endParaRPr sz="1800">
               <a:solidFill>
@@ -12912,7 +13086,100 @@
       </p:sp>
       <p:sp>
         <p:nvSpPr>
-          <p:cNvPr id="200" name="Google Shape;200;p32"/>
+          <p:cNvPr id="8" name="Google Shape;57;p13">
+            <a:extLst>
+              <a:ext uri="{FF2B5EF4-FFF2-40B4-BE49-F238E27FC236}">
+                <a16:creationId xmlns:a16="http://schemas.microsoft.com/office/drawing/2014/main" id="{FA57A860-D868-3B40-A7BC-7177A24C84A8}"/>
+              </a:ext>
+            </a:extLst>
+          </p:cNvPr>
+          <p:cNvSpPr txBox="1"/>
+          <p:nvPr/>
+        </p:nvSpPr>
+        <p:spPr>
+          <a:xfrm>
+            <a:off x="602650" y="4185525"/>
+            <a:ext cx="2463600" cy="389400"/>
+          </a:xfrm>
+          <a:prstGeom prst="rect">
+            <a:avLst/>
+          </a:prstGeom>
+          <a:noFill/>
+          <a:ln>
+            <a:noFill/>
+          </a:ln>
+        </p:spPr>
+        <p:txBody>
+          <a:bodyPr spcFirstLastPara="1" wrap="square" lIns="91425" tIns="91425" rIns="91425" bIns="91425" anchor="ctr" anchorCtr="0">
+            <a:noAutofit/>
+          </a:bodyPr>
+          <a:lstStyle/>
+          <a:p>
+            <a:pPr marL="0" lvl="0" indent="0" algn="l" rtl="0">
+              <a:spcBef>
+                <a:spcPts val="0"/>
+              </a:spcBef>
+              <a:spcAft>
+                <a:spcPts val="0"/>
+              </a:spcAft>
+              <a:buNone/>
+            </a:pPr>
+            <a:r>
+              <a:rPr lang="en" sz="1000" u="sng" dirty="0">
+                <a:solidFill>
+                  <a:schemeClr val="hlink"/>
+                </a:solidFill>
+                <a:latin typeface="Roboto"/>
+                <a:ea typeface="Roboto"/>
+                <a:cs typeface="Roboto"/>
+                <a:sym typeface="Roboto"/>
+                <a:hlinkClick r:id="rId3"/>
+              </a:rPr>
+              <a:t>https://</a:t>
+            </a:r>
+            <a:r>
+              <a:rPr lang="en" sz="1000" u="sng" dirty="0" err="1">
+                <a:solidFill>
+                  <a:schemeClr val="hlink"/>
+                </a:solidFill>
+                <a:latin typeface="Roboto"/>
+                <a:ea typeface="Roboto"/>
+                <a:cs typeface="Roboto"/>
+                <a:sym typeface="Roboto"/>
+                <a:hlinkClick r:id="rId3"/>
+              </a:rPr>
+              <a:t>c</a:t>
+            </a:r>
+            <a:r>
+              <a:rPr lang="en" sz="1000" u="sng" dirty="0" err="1">
+                <a:solidFill>
+                  <a:schemeClr val="hlink"/>
+                </a:solidFill>
+                <a:latin typeface="Roboto"/>
+                <a:ea typeface="Roboto"/>
+                <a:cs typeface="Roboto"/>
+                <a:sym typeface="Roboto"/>
+              </a:rPr>
+              <a:t>lass.website</a:t>
+            </a:r>
+            <a:endParaRPr sz="1000" dirty="0">
+              <a:latin typeface="Roboto"/>
+              <a:ea typeface="Roboto"/>
+              <a:cs typeface="Roboto"/>
+              <a:sym typeface="Roboto"/>
+            </a:endParaRPr>
+          </a:p>
+        </p:txBody>
+      </p:sp>
+      <p:sp>
+        <p:nvSpPr>
+          <p:cNvPr id="9" name="Google Shape;58;p13">
+            <a:extLst>
+              <a:ext uri="{FF2B5EF4-FFF2-40B4-BE49-F238E27FC236}">
+                <a16:creationId xmlns:a16="http://schemas.microsoft.com/office/drawing/2014/main" id="{2E9308D3-C557-3E4F-9FBE-192EE622E089}"/>
+              </a:ext>
+            </a:extLst>
+          </p:cNvPr>
           <p:cNvSpPr txBox="1"/>
           <p:nvPr/>
         </p:nvSpPr>
@@ -12930,22 +13197,22 @@
           </a:ln>
         </p:spPr>
         <p:txBody>
-          <a:bodyPr anchorCtr="0" anchor="ctr" bIns="91425" lIns="91425" spcFirstLastPara="1" rIns="91425" wrap="square" tIns="91425">
+          <a:bodyPr spcFirstLastPara="1" wrap="square" lIns="91425" tIns="91425" rIns="91425" bIns="91425" anchor="ctr" anchorCtr="0">
             <a:noAutofit/>
           </a:bodyPr>
           <a:lstStyle/>
           <a:p>
-            <a:pPr indent="0" lvl="0" marL="0" rtl="0" algn="l">
-              <a:spcBef>
-                <a:spcPts val="0"/>
-              </a:spcBef>
-              <a:spcAft>
-                <a:spcPts val="0"/>
-              </a:spcAft>
-              <a:buNone/>
-            </a:pPr>
-            <a:r>
-              <a:rPr lang="en" sz="1000">
+            <a:pPr marL="0" lvl="0" indent="0" algn="l" rtl="0">
+              <a:spcBef>
+                <a:spcPts val="0"/>
+              </a:spcBef>
+              <a:spcAft>
+                <a:spcPts val="0"/>
+              </a:spcAft>
+              <a:buNone/>
+            </a:pPr>
+            <a:r>
+              <a:rPr lang="en" sz="1000" dirty="0" err="1">
                 <a:solidFill>
                   <a:srgbClr val="666666"/>
                 </a:solidFill>
@@ -12954,9 +13221,9 @@
                 <a:cs typeface="Roboto"/>
                 <a:sym typeface="Roboto"/>
               </a:rPr>
-              <a:t>cs-47.slack.com</a:t>
-            </a:r>
-            <a:endParaRPr sz="1000">
+              <a:t>class.slack.com</a:t>
+            </a:r>
+            <a:endParaRPr sz="1000" dirty="0">
               <a:solidFill>
                 <a:srgbClr val="666666"/>
               </a:solidFill>
@@ -12970,12 +13237,18 @@
       </p:sp>
       <p:pic>
         <p:nvPicPr>
-          <p:cNvPr id="201" name="Google Shape;201;p32"/>
+          <p:cNvPr id="10" name="Google Shape;59;p13">
+            <a:extLst>
+              <a:ext uri="{FF2B5EF4-FFF2-40B4-BE49-F238E27FC236}">
+                <a16:creationId xmlns:a16="http://schemas.microsoft.com/office/drawing/2014/main" id="{3333EBB7-9433-2540-8955-ECC74C6BFA3A}"/>
+              </a:ext>
+            </a:extLst>
+          </p:cNvPr>
           <p:cNvPicPr preferRelativeResize="0"/>
           <p:nvPr/>
         </p:nvPicPr>
         <p:blipFill>
-          <a:blip r:embed="rId3">
+          <a:blip r:embed="rId4">
             <a:alphaModFix/>
           </a:blip>
           <a:stretch>
@@ -12998,13 +13271,19 @@
       </p:pic>
       <p:sp>
         <p:nvSpPr>
-          <p:cNvPr id="202" name="Google Shape;202;p32"/>
+          <p:cNvPr id="11" name="Google Shape;101;p26">
+            <a:extLst>
+              <a:ext uri="{FF2B5EF4-FFF2-40B4-BE49-F238E27FC236}">
+                <a16:creationId xmlns:a16="http://schemas.microsoft.com/office/drawing/2014/main" id="{26255FB0-5418-3744-83FF-C0D189656816}"/>
+              </a:ext>
+            </a:extLst>
+          </p:cNvPr>
           <p:cNvSpPr txBox="1"/>
           <p:nvPr/>
         </p:nvSpPr>
         <p:spPr>
           <a:xfrm>
-            <a:off x="5515050" y="3444825"/>
+            <a:off x="5505720" y="3665025"/>
             <a:ext cx="3337800" cy="1130100"/>
           </a:xfrm>
           <a:prstGeom prst="rect">
@@ -13016,12 +13295,12 @@
           </a:ln>
         </p:spPr>
         <p:txBody>
-          <a:bodyPr anchorCtr="0" anchor="t" bIns="91425" lIns="91425" spcFirstLastPara="1" rIns="91425" wrap="square" tIns="91425">
+          <a:bodyPr spcFirstLastPara="1" wrap="square" lIns="91425" tIns="91425" rIns="91425" bIns="91425" anchor="b" anchorCtr="0">
             <a:noAutofit/>
           </a:bodyPr>
           <a:lstStyle/>
           <a:p>
-            <a:pPr indent="0" lvl="0" marL="0" rtl="0" algn="r">
+            <a:pPr marL="0" lvl="0" indent="0" algn="r" rtl="0">
               <a:spcBef>
                 <a:spcPts val="0"/>
               </a:spcBef>
@@ -13029,27 +13308,27 @@
                 <a:spcPts val="0"/>
               </a:spcAft>
               <a:buClr>
-                <a:srgbClr val="000000"/>
+                <a:schemeClr val="dk1"/>
               </a:buClr>
               <a:buSzPts val="1100"/>
               <a:buFont typeface="Arial"/>
               <a:buNone/>
             </a:pPr>
             <a:r>
-              <a:rPr lang="en">
-                <a:solidFill>
-                  <a:srgbClr val="000000"/>
+              <a:rPr lang="en-US" dirty="0">
+                <a:solidFill>
+                  <a:schemeClr val="dk1"/>
                 </a:solidFill>
                 <a:latin typeface="Roboto"/>
                 <a:ea typeface="Roboto"/>
                 <a:cs typeface="Roboto"/>
                 <a:sym typeface="Roboto"/>
               </a:rPr>
-              <a:t>James Landay</a:t>
-            </a:r>
-            <a:endParaRPr>
+              <a:t>Faculty Advisor</a:t>
+            </a:r>
+            <a:endParaRPr dirty="0">
               <a:solidFill>
-                <a:srgbClr val="000000"/>
+                <a:schemeClr val="dk1"/>
               </a:solidFill>
               <a:latin typeface="Roboto"/>
               <a:ea typeface="Roboto"/>
@@ -13058,7 +13337,7 @@
             </a:endParaRPr>
           </a:p>
           <a:p>
-            <a:pPr indent="0" lvl="0" marL="0" rtl="0" algn="r">
+            <a:pPr marL="0" lvl="0" indent="0" algn="r" rtl="0">
               <a:spcBef>
                 <a:spcPts val="0"/>
               </a:spcBef>
@@ -13066,28 +13345,25 @@
                 <a:spcPts val="0"/>
               </a:spcAft>
               <a:buClr>
-                <a:srgbClr val="000000"/>
+                <a:schemeClr val="dk1"/>
               </a:buClr>
               <a:buSzPts val="1100"/>
               <a:buFont typeface="Arial"/>
               <a:buNone/>
             </a:pPr>
             <a:r>
-              <a:rPr lang="en">
-                <a:solidFill>
-                  <a:srgbClr val="000000"/>
+              <a:rPr lang="en-US" dirty="0">
+                <a:solidFill>
+                  <a:schemeClr val="dk1"/>
                 </a:solidFill>
                 <a:latin typeface="Roboto"/>
                 <a:ea typeface="Roboto"/>
                 <a:cs typeface="Roboto"/>
                 <a:sym typeface="Roboto"/>
               </a:rPr>
-              <a:t>Abdallah AbuHashem</a:t>
-            </a:r>
-            <a:endParaRPr>
-              <a:solidFill>
-                <a:srgbClr val="000000"/>
-              </a:solidFill>
+              <a:t>Instructor #1</a:t>
+            </a:r>
+            <a:endParaRPr dirty="0">
               <a:latin typeface="Roboto"/>
               <a:ea typeface="Roboto"/>
               <a:cs typeface="Roboto"/>
@@ -13095,36 +13371,16 @@
             </a:endParaRPr>
           </a:p>
           <a:p>
-            <a:pPr indent="0" lvl="0" marL="0" rtl="0" algn="r">
-              <a:spcBef>
-                <a:spcPts val="0"/>
-              </a:spcBef>
-              <a:spcAft>
-                <a:spcPts val="0"/>
-              </a:spcAft>
-              <a:buClr>
-                <a:srgbClr val="000000"/>
-              </a:buClr>
-              <a:buSzPts val="1100"/>
-              <a:buFont typeface="Arial"/>
-              <a:buNone/>
-            </a:pPr>
-            <a:r>
-              <a:rPr lang="en">
-                <a:solidFill>
-                  <a:srgbClr val="000000"/>
-                </a:solidFill>
-                <a:latin typeface="Roboto"/>
-                <a:ea typeface="Roboto"/>
-                <a:cs typeface="Roboto"/>
-                <a:sym typeface="Roboto"/>
-              </a:rPr>
-              <a:t>Tiffany Manuel</a:t>
-            </a:r>
-            <a:endParaRPr>
-              <a:solidFill>
-                <a:srgbClr val="000000"/>
-              </a:solidFill>
+            <a:pPr marL="0" lvl="0" indent="0" algn="l" rtl="0">
+              <a:spcBef>
+                <a:spcPts val="0"/>
+              </a:spcBef>
+              <a:spcAft>
+                <a:spcPts val="0"/>
+              </a:spcAft>
+              <a:buNone/>
+            </a:pPr>
+            <a:endParaRPr dirty="0">
               <a:latin typeface="Roboto"/>
               <a:ea typeface="Roboto"/>
               <a:cs typeface="Roboto"/>
@@ -13132,100 +13388,28 @@
             </a:endParaRPr>
           </a:p>
           <a:p>
-            <a:pPr indent="0" lvl="0" marL="0" rtl="0" algn="r">
-              <a:spcBef>
-                <a:spcPts val="0"/>
-              </a:spcBef>
-              <a:spcAft>
-                <a:spcPts val="0"/>
-              </a:spcAft>
-              <a:buNone/>
-            </a:pPr>
-            <a:r>
-              <a:rPr lang="en">
+            <a:pPr marL="0" lvl="0" indent="0" algn="r" rtl="0">
+              <a:spcBef>
+                <a:spcPts val="0"/>
+              </a:spcBef>
+              <a:spcAft>
+                <a:spcPts val="0"/>
+              </a:spcAft>
+              <a:buNone/>
+            </a:pPr>
+            <a:r>
+              <a:rPr lang="en" dirty="0">
+                <a:solidFill>
+                  <a:srgbClr val="666666"/>
+                </a:solidFill>
                 <a:latin typeface="Roboto"/>
                 <a:ea typeface="Roboto"/>
                 <a:cs typeface="Roboto"/>
                 <a:sym typeface="Roboto"/>
               </a:rPr>
-              <a:t>Cisco Vlahakis</a:t>
-            </a:r>
-            <a:endParaRPr>
-              <a:latin typeface="Roboto"/>
-              <a:ea typeface="Roboto"/>
-              <a:cs typeface="Roboto"/>
-              <a:sym typeface="Roboto"/>
-            </a:endParaRPr>
-          </a:p>
-          <a:p>
-            <a:pPr indent="0" lvl="0" marL="0" rtl="0" algn="r">
-              <a:spcBef>
-                <a:spcPts val="0"/>
-              </a:spcBef>
-              <a:spcAft>
-                <a:spcPts val="0"/>
-              </a:spcAft>
-              <a:buNone/>
-            </a:pPr>
-            <a:r>
-              <a:rPr lang="en">
-                <a:latin typeface="Roboto"/>
-                <a:ea typeface="Roboto"/>
-                <a:cs typeface="Roboto"/>
-                <a:sym typeface="Roboto"/>
-              </a:rPr>
-              <a:t>Vy Mai</a:t>
-            </a:r>
-            <a:endParaRPr>
-              <a:latin typeface="Roboto"/>
-              <a:ea typeface="Roboto"/>
-              <a:cs typeface="Roboto"/>
-              <a:sym typeface="Roboto"/>
-            </a:endParaRPr>
-          </a:p>
-          <a:p>
-            <a:pPr indent="0" lvl="0" marL="0" rtl="0" algn="l">
-              <a:spcBef>
-                <a:spcPts val="0"/>
-              </a:spcBef>
-              <a:spcAft>
-                <a:spcPts val="0"/>
-              </a:spcAft>
-              <a:buNone/>
-            </a:pPr>
-            <a:r>
-              <a:t/>
-            </a:r>
-            <a:endParaRPr>
-              <a:latin typeface="Roboto"/>
-              <a:ea typeface="Roboto"/>
-              <a:cs typeface="Roboto"/>
-              <a:sym typeface="Roboto"/>
-            </a:endParaRPr>
-          </a:p>
-          <a:p>
-            <a:pPr indent="0" lvl="0" marL="0" rtl="0" algn="r">
-              <a:spcBef>
-                <a:spcPts val="0"/>
-              </a:spcBef>
-              <a:spcAft>
-                <a:spcPts val="0"/>
-              </a:spcAft>
-              <a:buNone/>
-            </a:pPr>
-            <a:r>
-              <a:rPr lang="en">
-                <a:solidFill>
-                  <a:srgbClr val="666666"/>
-                </a:solidFill>
-                <a:latin typeface="Roboto"/>
-                <a:ea typeface="Roboto"/>
-                <a:cs typeface="Roboto"/>
-                <a:sym typeface="Roboto"/>
-              </a:rPr>
               <a:t>Fall 2019</a:t>
             </a:r>
-            <a:endParaRPr>
+            <a:endParaRPr dirty="0">
               <a:solidFill>
                 <a:srgbClr val="666666"/>
               </a:solidFill>
@@ -13237,63 +13421,12 @@
           </a:p>
         </p:txBody>
       </p:sp>
-      <p:sp>
-        <p:nvSpPr>
-          <p:cNvPr id="203" name="Google Shape;203;p32"/>
-          <p:cNvSpPr txBox="1"/>
-          <p:nvPr/>
-        </p:nvSpPr>
-        <p:spPr>
-          <a:xfrm>
-            <a:off x="602650" y="4185525"/>
-            <a:ext cx="2463600" cy="389400"/>
-          </a:xfrm>
-          <a:prstGeom prst="rect">
-            <a:avLst/>
-          </a:prstGeom>
-          <a:noFill/>
-          <a:ln>
-            <a:noFill/>
-          </a:ln>
-        </p:spPr>
-        <p:txBody>
-          <a:bodyPr anchorCtr="0" anchor="ctr" bIns="91425" lIns="91425" spcFirstLastPara="1" rIns="91425" wrap="square" tIns="91425">
-            <a:noAutofit/>
-          </a:bodyPr>
-          <a:lstStyle/>
-          <a:p>
-            <a:pPr indent="0" lvl="0" marL="0" rtl="0" algn="l">
-              <a:spcBef>
-                <a:spcPts val="0"/>
-              </a:spcBef>
-              <a:spcAft>
-                <a:spcPts val="0"/>
-              </a:spcAft>
-              <a:buNone/>
-            </a:pPr>
-            <a:r>
-              <a:rPr lang="en" sz="1000" u="sng">
-                <a:solidFill>
-                  <a:srgbClr val="0097A7"/>
-                </a:solidFill>
-                <a:latin typeface="Roboto"/>
-                <a:ea typeface="Roboto"/>
-                <a:cs typeface="Roboto"/>
-                <a:sym typeface="Roboto"/>
-                <a:hlinkClick r:id="rId4"/>
-              </a:rPr>
-              <a:t>https://cs-47.stanford.edu</a:t>
-            </a:r>
-            <a:endParaRPr sz="1000">
-              <a:latin typeface="Roboto"/>
-              <a:ea typeface="Roboto"/>
-              <a:cs typeface="Roboto"/>
-              <a:sym typeface="Roboto"/>
-            </a:endParaRPr>
-          </a:p>
-        </p:txBody>
-      </p:sp>
     </p:spTree>
+    <p:extLst>
+      <p:ext uri="{BB962C8B-B14F-4D97-AF65-F5344CB8AC3E}">
+        <p14:creationId xmlns:p14="http://schemas.microsoft.com/office/powerpoint/2010/main" val="3408281361"/>
+      </p:ext>
+    </p:extLst>
   </p:cSld>
   <p:clrMapOvr>
     <a:masterClrMapping/>
@@ -13302,11 +13435,11 @@
 </file>
 
 <file path=ppt/slides/slide3.xml><?xml version="1.0" encoding="utf-8"?>
-<p:sld xmlns:a="http://schemas.openxmlformats.org/drawingml/2006/main" xmlns:r="http://schemas.openxmlformats.org/officeDocument/2006/relationships" xmlns:mc="http://schemas.openxmlformats.org/markup-compatibility/2006" xmlns:mv="urn:schemas-microsoft-com:mac:vml" xmlns:p="http://schemas.openxmlformats.org/presentationml/2006/main" xmlns:c="http://schemas.openxmlformats.org/drawingml/2006/chart" xmlns:dgm="http://schemas.openxmlformats.org/drawingml/2006/diagram" xmlns:o="urn:schemas-microsoft-com:office:office" xmlns:v="urn:schemas-microsoft-com:vml" xmlns:pvml="urn:schemas-microsoft-com:office:powerpoint" xmlns:com="http://schemas.openxmlformats.org/drawingml/2006/compatibility" xmlns:p14="http://schemas.microsoft.com/office/powerpoint/2010/main" xmlns:p15="http://schemas.microsoft.com/office/powerpoint/2012/main">
+<p:sld xmlns:a="http://schemas.openxmlformats.org/drawingml/2006/main" xmlns:r="http://schemas.openxmlformats.org/officeDocument/2006/relationships" xmlns:p="http://schemas.openxmlformats.org/presentationml/2006/main">
   <p:cSld>
     <p:spTree>
       <p:nvGrpSpPr>
-        <p:cNvPr id="70" name="Shape 70"/>
+        <p:cNvPr id="1" name="Shape 70"/>
         <p:cNvGrpSpPr/>
         <p:nvPr/>
       </p:nvGrpSpPr>
@@ -13338,12 +13471,12 @@
           </a:ln>
         </p:spPr>
         <p:txBody>
-          <a:bodyPr anchorCtr="0" anchor="t" bIns="91425" lIns="91425" spcFirstLastPara="1" rIns="91425" wrap="square" tIns="91425">
+          <a:bodyPr spcFirstLastPara="1" wrap="square" lIns="91425" tIns="91425" rIns="91425" bIns="91425" anchor="t" anchorCtr="0">
             <a:noAutofit/>
           </a:bodyPr>
           <a:lstStyle/>
           <a:p>
-            <a:pPr indent="0" lvl="0" marL="0" rtl="0" algn="ctr">
+            <a:pPr marL="0" lvl="0" indent="0" algn="ctr" rtl="0">
               <a:spcBef>
                 <a:spcPts val="0"/>
               </a:spcBef>
@@ -13369,7 +13502,7 @@
             </a:endParaRPr>
           </a:p>
           <a:p>
-            <a:pPr indent="0" lvl="0" marL="0" rtl="0" algn="ctr">
+            <a:pPr marL="0" lvl="0" indent="0" algn="ctr" rtl="0">
               <a:spcBef>
                 <a:spcPts val="0"/>
               </a:spcBef>
@@ -13398,18 +13531,15 @@
             </a:endParaRPr>
           </a:p>
           <a:p>
-            <a:pPr indent="0" lvl="0" marL="0" rtl="0" algn="ctr">
-              <a:spcBef>
-                <a:spcPts val="0"/>
-              </a:spcBef>
-              <a:spcAft>
-                <a:spcPts val="0"/>
-              </a:spcAft>
-              <a:buNone/>
-            </a:pPr>
-            <a:r>
-              <a:t/>
-            </a:r>
+            <a:pPr marL="0" lvl="0" indent="0" algn="ctr" rtl="0">
+              <a:spcBef>
+                <a:spcPts val="0"/>
+              </a:spcBef>
+              <a:spcAft>
+                <a:spcPts val="0"/>
+              </a:spcAft>
+              <a:buNone/>
+            </a:pPr>
             <a:endParaRPr sz="2400">
               <a:latin typeface="Roboto"/>
               <a:ea typeface="Roboto"/>
@@ -13469,12 +13599,12 @@
           </a:ln>
         </p:spPr>
         <p:txBody>
-          <a:bodyPr anchorCtr="0" anchor="ctr" bIns="91425" lIns="91425" spcFirstLastPara="1" rIns="91425" wrap="square" tIns="91425">
+          <a:bodyPr spcFirstLastPara="1" wrap="square" lIns="91425" tIns="91425" rIns="91425" bIns="91425" anchor="ctr" anchorCtr="0">
             <a:noAutofit/>
           </a:bodyPr>
           <a:lstStyle/>
           <a:p>
-            <a:pPr indent="-317500" lvl="0" marL="457200" rtl="0" algn="l">
+            <a:pPr marL="457200" lvl="0" indent="-317500" algn="l" rtl="0">
               <a:spcBef>
                 <a:spcPts val="0"/>
               </a:spcBef>
@@ -13525,7 +13655,7 @@
             </a:endParaRPr>
           </a:p>
           <a:p>
-            <a:pPr indent="-317500" lvl="0" marL="457200" rtl="0" algn="l">
+            <a:pPr marL="457200" lvl="0" indent="-317500" algn="l" rtl="0">
               <a:spcBef>
                 <a:spcPts val="0"/>
               </a:spcBef>
@@ -13573,12 +13703,12 @@
           </a:ln>
         </p:spPr>
         <p:txBody>
-          <a:bodyPr anchorCtr="0" anchor="ctr" bIns="91425" lIns="91425" spcFirstLastPara="1" rIns="91425" wrap="square" tIns="91425">
+          <a:bodyPr spcFirstLastPara="1" wrap="square" lIns="91425" tIns="91425" rIns="91425" bIns="91425" anchor="ctr" anchorCtr="0">
             <a:noAutofit/>
           </a:bodyPr>
           <a:lstStyle/>
           <a:p>
-            <a:pPr indent="-317500" lvl="0" marL="457200" rtl="0" algn="l">
+            <a:pPr marL="457200" lvl="0" indent="-317500" algn="l" rtl="0">
               <a:spcBef>
                 <a:spcPts val="0"/>
               </a:spcBef>
@@ -13629,7 +13759,7 @@
             </a:endParaRPr>
           </a:p>
           <a:p>
-            <a:pPr indent="-317500" lvl="0" marL="457200" rtl="0" algn="l">
+            <a:pPr marL="457200" lvl="0" indent="-317500" algn="l" rtl="0">
               <a:spcBef>
                 <a:spcPts val="0"/>
               </a:spcBef>
@@ -13689,7 +13819,7 @@
             </a:endParaRPr>
           </a:p>
           <a:p>
-            <a:pPr indent="-317500" lvl="0" marL="457200" rtl="0" algn="l">
+            <a:pPr marL="457200" lvl="0" indent="-317500" algn="l" rtl="0">
               <a:spcBef>
                 <a:spcPts val="0"/>
               </a:spcBef>
@@ -13737,12 +13867,12 @@
           </a:ln>
         </p:spPr>
         <p:txBody>
-          <a:bodyPr anchorCtr="0" anchor="ctr" bIns="91425" lIns="91425" spcFirstLastPara="1" rIns="91425" wrap="square" tIns="91425">
+          <a:bodyPr spcFirstLastPara="1" wrap="square" lIns="91425" tIns="91425" rIns="91425" bIns="91425" anchor="ctr" anchorCtr="0">
             <a:noAutofit/>
           </a:bodyPr>
           <a:lstStyle/>
           <a:p>
-            <a:pPr indent="0" lvl="0" marL="0" rtl="0" algn="ctr">
+            <a:pPr marL="0" lvl="0" indent="0" algn="ctr" rtl="0">
               <a:spcBef>
                 <a:spcPts val="0"/>
               </a:spcBef>
@@ -13778,11 +13908,11 @@
 </file>
 
 <file path=ppt/slides/slide4.xml><?xml version="1.0" encoding="utf-8"?>
-<p:sld xmlns:a="http://schemas.openxmlformats.org/drawingml/2006/main" xmlns:r="http://schemas.openxmlformats.org/officeDocument/2006/relationships" xmlns:mc="http://schemas.openxmlformats.org/markup-compatibility/2006" xmlns:mv="urn:schemas-microsoft-com:mac:vml" xmlns:p="http://schemas.openxmlformats.org/presentationml/2006/main" xmlns:c="http://schemas.openxmlformats.org/drawingml/2006/chart" xmlns:dgm="http://schemas.openxmlformats.org/drawingml/2006/diagram" xmlns:o="urn:schemas-microsoft-com:office:office" xmlns:v="urn:schemas-microsoft-com:vml" xmlns:pvml="urn:schemas-microsoft-com:office:powerpoint" xmlns:com="http://schemas.openxmlformats.org/drawingml/2006/compatibility" xmlns:p14="http://schemas.microsoft.com/office/powerpoint/2010/main" xmlns:p15="http://schemas.microsoft.com/office/powerpoint/2012/main">
+<p:sld xmlns:a="http://schemas.openxmlformats.org/drawingml/2006/main" xmlns:r="http://schemas.openxmlformats.org/officeDocument/2006/relationships" xmlns:p="http://schemas.openxmlformats.org/presentationml/2006/main">
   <p:cSld>
     <p:spTree>
       <p:nvGrpSpPr>
-        <p:cNvPr id="79" name="Shape 79"/>
+        <p:cNvPr id="1" name="Shape 79"/>
         <p:cNvGrpSpPr/>
         <p:nvPr/>
       </p:nvGrpSpPr>
@@ -13814,12 +13944,12 @@
           </a:ln>
         </p:spPr>
         <p:txBody>
-          <a:bodyPr anchorCtr="0" anchor="t" bIns="91425" lIns="91425" spcFirstLastPara="1" rIns="91425" wrap="square" tIns="91425">
+          <a:bodyPr spcFirstLastPara="1" wrap="square" lIns="91425" tIns="91425" rIns="91425" bIns="91425" anchor="t" anchorCtr="0">
             <a:noAutofit/>
           </a:bodyPr>
           <a:lstStyle/>
           <a:p>
-            <a:pPr indent="0" lvl="0" marL="0" rtl="0" algn="ctr">
+            <a:pPr marL="0" lvl="0" indent="0" algn="ctr" rtl="0">
               <a:spcBef>
                 <a:spcPts val="0"/>
               </a:spcBef>
@@ -13859,7 +13989,7 @@
           <a:blip r:embed="rId3">
             <a:alphaModFix/>
           </a:blip>
-          <a:srcRect b="2024" l="0" r="0" t="2024"/>
+          <a:srcRect t="2024" b="2024"/>
           <a:stretch/>
         </p:blipFill>
         <p:spPr>
@@ -13871,14 +14001,14 @@
             <a:avLst/>
           </a:prstGeom>
           <a:noFill/>
-          <a:ln cap="flat" cmpd="sng" w="9525">
+          <a:ln w="9525" cap="flat" cmpd="sng">
             <a:solidFill>
               <a:schemeClr val="dk2"/>
             </a:solidFill>
             <a:prstDash val="solid"/>
             <a:round/>
-            <a:headEnd len="sm" w="sm" type="none"/>
-            <a:tailEnd len="sm" w="sm" type="none"/>
+            <a:headEnd type="none" w="sm" len="sm"/>
+            <a:tailEnd type="none" w="sm" len="sm"/>
           </a:ln>
         </p:spPr>
       </p:pic>
@@ -13891,11 +14021,11 @@
 </file>
 
 <file path=ppt/slides/slide5.xml><?xml version="1.0" encoding="utf-8"?>
-<p:sld xmlns:a="http://schemas.openxmlformats.org/drawingml/2006/main" xmlns:r="http://schemas.openxmlformats.org/officeDocument/2006/relationships" xmlns:mc="http://schemas.openxmlformats.org/markup-compatibility/2006" xmlns:mv="urn:schemas-microsoft-com:mac:vml" xmlns:p="http://schemas.openxmlformats.org/presentationml/2006/main" xmlns:c="http://schemas.openxmlformats.org/drawingml/2006/chart" xmlns:dgm="http://schemas.openxmlformats.org/drawingml/2006/diagram" xmlns:o="urn:schemas-microsoft-com:office:office" xmlns:v="urn:schemas-microsoft-com:vml" xmlns:pvml="urn:schemas-microsoft-com:office:powerpoint" xmlns:com="http://schemas.openxmlformats.org/drawingml/2006/compatibility" xmlns:p14="http://schemas.microsoft.com/office/powerpoint/2010/main" xmlns:p15="http://schemas.microsoft.com/office/powerpoint/2012/main">
+<p:sld xmlns:a="http://schemas.openxmlformats.org/drawingml/2006/main" xmlns:r="http://schemas.openxmlformats.org/officeDocument/2006/relationships" xmlns:p="http://schemas.openxmlformats.org/presentationml/2006/main">
   <p:cSld>
     <p:spTree>
       <p:nvGrpSpPr>
-        <p:cNvPr id="85" name="Shape 85"/>
+        <p:cNvPr id="1" name="Shape 85"/>
         <p:cNvGrpSpPr/>
         <p:nvPr/>
       </p:nvGrpSpPr>
@@ -13927,12 +14057,12 @@
           </a:ln>
         </p:spPr>
         <p:txBody>
-          <a:bodyPr anchorCtr="0" anchor="t" bIns="91425" lIns="91425" spcFirstLastPara="1" rIns="91425" wrap="square" tIns="91425">
+          <a:bodyPr spcFirstLastPara="1" wrap="square" lIns="91425" tIns="91425" rIns="91425" bIns="91425" anchor="t" anchorCtr="0">
             <a:noAutofit/>
           </a:bodyPr>
           <a:lstStyle/>
           <a:p>
-            <a:pPr indent="457200" lvl="0" marL="0" rtl="0" algn="l">
+            <a:pPr marL="0" lvl="0" indent="457200" algn="l" rtl="0">
               <a:spcBef>
                 <a:spcPts val="0"/>
               </a:spcBef>
@@ -13979,12 +14109,12 @@
           </a:ln>
         </p:spPr>
         <p:txBody>
-          <a:bodyPr anchorCtr="0" anchor="t" bIns="91425" lIns="91425" spcFirstLastPara="1" rIns="91425" wrap="square" tIns="91425">
+          <a:bodyPr spcFirstLastPara="1" wrap="square" lIns="91425" tIns="91425" rIns="91425" bIns="91425" anchor="t" anchorCtr="0">
             <a:noAutofit/>
           </a:bodyPr>
           <a:lstStyle/>
           <a:p>
-            <a:pPr indent="-317500" lvl="0" marL="457200" rtl="0" algn="l">
+            <a:pPr marL="457200" lvl="0" indent="-317500" algn="l" rtl="0">
               <a:spcBef>
                 <a:spcPts val="0"/>
               </a:spcBef>
@@ -14012,7 +14142,7 @@
             </a:endParaRPr>
           </a:p>
           <a:p>
-            <a:pPr indent="-317500" lvl="0" marL="457200" rtl="0" algn="l">
+            <a:pPr marL="457200" lvl="0" indent="-317500" algn="l" rtl="0">
               <a:spcBef>
                 <a:spcPts val="0"/>
               </a:spcBef>
@@ -14040,7 +14170,7 @@
             </a:endParaRPr>
           </a:p>
           <a:p>
-            <a:pPr indent="-317500" lvl="1" marL="914400" rtl="0" algn="l">
+            <a:pPr marL="914400" lvl="1" indent="-317500" algn="l" rtl="0">
               <a:spcBef>
                 <a:spcPts val="0"/>
               </a:spcBef>
@@ -14106,11 +14236,11 @@
 </file>
 
 <file path=ppt/slides/slide6.xml><?xml version="1.0" encoding="utf-8"?>
-<p:sld xmlns:a="http://schemas.openxmlformats.org/drawingml/2006/main" xmlns:r="http://schemas.openxmlformats.org/officeDocument/2006/relationships" xmlns:mc="http://schemas.openxmlformats.org/markup-compatibility/2006" xmlns:mv="urn:schemas-microsoft-com:mac:vml" xmlns:p="http://schemas.openxmlformats.org/presentationml/2006/main" xmlns:c="http://schemas.openxmlformats.org/drawingml/2006/chart" xmlns:dgm="http://schemas.openxmlformats.org/drawingml/2006/diagram" xmlns:o="urn:schemas-microsoft-com:office:office" xmlns:v="urn:schemas-microsoft-com:vml" xmlns:pvml="urn:schemas-microsoft-com:office:powerpoint" xmlns:com="http://schemas.openxmlformats.org/drawingml/2006/compatibility" xmlns:p14="http://schemas.microsoft.com/office/powerpoint/2010/main" xmlns:p15="http://schemas.microsoft.com/office/powerpoint/2012/main">
+<p:sld xmlns:a="http://schemas.openxmlformats.org/drawingml/2006/main" xmlns:r="http://schemas.openxmlformats.org/officeDocument/2006/relationships" xmlns:p="http://schemas.openxmlformats.org/presentationml/2006/main">
   <p:cSld>
     <p:spTree>
       <p:nvGrpSpPr>
-        <p:cNvPr id="92" name="Shape 92"/>
+        <p:cNvPr id="1" name="Shape 92"/>
         <p:cNvGrpSpPr/>
         <p:nvPr/>
       </p:nvGrpSpPr>
@@ -14125,7 +14255,9 @@
       <p:sp>
         <p:nvSpPr>
           <p:cNvPr id="93" name="Google Shape;93;p18"/>
-          <p:cNvSpPr txBox="1"/>
+          <p:cNvSpPr txBox="1">
+            <a:spLocks noGrp="1"/>
+          </p:cNvSpPr>
           <p:nvPr>
             <p:ph type="title"/>
           </p:nvPr>
@@ -14140,12 +14272,12 @@
           </a:prstGeom>
         </p:spPr>
         <p:txBody>
-          <a:bodyPr anchorCtr="0" anchor="t" bIns="91425" lIns="91425" spcFirstLastPara="1" rIns="91425" wrap="square" tIns="91425">
+          <a:bodyPr spcFirstLastPara="1" wrap="square" lIns="91425" tIns="91425" rIns="91425" bIns="91425" anchor="t" anchorCtr="0">
             <a:noAutofit/>
           </a:bodyPr>
           <a:lstStyle/>
           <a:p>
-            <a:pPr indent="0" lvl="0" marL="0" rtl="0" algn="l">
+            <a:pPr marL="0" lvl="0" indent="0" algn="l" rtl="0">
               <a:spcBef>
                 <a:spcPts val="0"/>
               </a:spcBef>
@@ -14165,9 +14297,11 @@
       <p:sp>
         <p:nvSpPr>
           <p:cNvPr id="94" name="Google Shape;94;p18"/>
-          <p:cNvSpPr txBox="1"/>
+          <p:cNvSpPr txBox="1">
+            <a:spLocks noGrp="1"/>
+          </p:cNvSpPr>
           <p:nvPr>
-            <p:ph idx="1" type="body"/>
+            <p:ph type="body" idx="1"/>
           </p:nvPr>
         </p:nvSpPr>
         <p:spPr>
@@ -14180,12 +14314,12 @@
           </a:prstGeom>
         </p:spPr>
         <p:txBody>
-          <a:bodyPr anchorCtr="0" anchor="t" bIns="91425" lIns="91425" spcFirstLastPara="1" rIns="91425" wrap="square" tIns="91425">
+          <a:bodyPr spcFirstLastPara="1" wrap="square" lIns="91425" tIns="91425" rIns="91425" bIns="91425" anchor="t" anchorCtr="0">
             <a:noAutofit/>
           </a:bodyPr>
           <a:lstStyle/>
           <a:p>
-            <a:pPr indent="-336550" lvl="0" marL="457200" rtl="0" algn="l">
+            <a:pPr marL="457200" lvl="0" indent="-336550" algn="l" rtl="0">
               <a:spcBef>
                 <a:spcPts val="0"/>
               </a:spcBef>
@@ -14202,7 +14336,7 @@
             <a:endParaRPr sz="1700"/>
           </a:p>
           <a:p>
-            <a:pPr indent="-336550" lvl="0" marL="457200" rtl="0" algn="l">
+            <a:pPr marL="457200" lvl="0" indent="-336550" algn="l" rtl="0">
               <a:spcBef>
                 <a:spcPts val="0"/>
               </a:spcBef>
@@ -14219,7 +14353,7 @@
             <a:endParaRPr sz="1700"/>
           </a:p>
           <a:p>
-            <a:pPr indent="-336550" lvl="1" marL="914400" rtl="0" algn="l">
+            <a:pPr marL="914400" lvl="1" indent="-336550" algn="l" rtl="0">
               <a:spcBef>
                 <a:spcPts val="0"/>
               </a:spcBef>
@@ -14230,7 +14364,7 @@
               <a:buChar char="○"/>
             </a:pPr>
             <a:r>
-              <a:rPr i="1" lang="en" sz="1700"/>
+              <a:rPr lang="en" sz="1700" i="1"/>
               <a:t>onChangeText</a:t>
             </a:r>
             <a:r>
@@ -14240,7 +14374,7 @@
             <a:endParaRPr sz="1700"/>
           </a:p>
           <a:p>
-            <a:pPr indent="-336550" lvl="1" marL="914400" rtl="0" algn="l">
+            <a:pPr marL="914400" lvl="1" indent="-336550" algn="l" rtl="0">
               <a:spcBef>
                 <a:spcPts val="0"/>
               </a:spcBef>
@@ -14251,7 +14385,7 @@
               <a:buChar char="○"/>
             </a:pPr>
             <a:r>
-              <a:rPr i="1" lang="en" sz="1700"/>
+              <a:rPr lang="en" sz="1700" i="1"/>
               <a:t>value</a:t>
             </a:r>
             <a:r>
@@ -14261,7 +14395,7 @@
             <a:endParaRPr sz="1700"/>
           </a:p>
           <a:p>
-            <a:pPr indent="-336550" lvl="0" marL="457200" rtl="0" algn="l">
+            <a:pPr marL="457200" lvl="0" indent="-336550" algn="l" rtl="0">
               <a:spcBef>
                 <a:spcPts val="0"/>
               </a:spcBef>
@@ -14278,7 +14412,7 @@
             <a:endParaRPr sz="1700"/>
           </a:p>
           <a:p>
-            <a:pPr indent="-336550" lvl="1" marL="914400" rtl="0" algn="l">
+            <a:pPr marL="914400" lvl="1" indent="-336550" algn="l" rtl="0">
               <a:spcBef>
                 <a:spcPts val="0"/>
               </a:spcBef>
@@ -14289,12 +14423,8 @@
               <a:buChar char="○"/>
             </a:pPr>
             <a:r>
-              <a:rPr i="1" lang="en" sz="1700"/>
-              <a:t>p</a:t>
-            </a:r>
-            <a:r>
-              <a:rPr i="1" lang="en" sz="1700"/>
-              <a:t>laceholder </a:t>
+              <a:rPr lang="en" sz="1700" i="1"/>
+              <a:t>placeholder </a:t>
             </a:r>
             <a:r>
               <a:rPr lang="en" sz="1700"/>
@@ -14303,7 +14433,7 @@
             <a:endParaRPr sz="1700"/>
           </a:p>
           <a:p>
-            <a:pPr indent="-336550" lvl="0" marL="457200" rtl="0" algn="l">
+            <a:pPr marL="457200" lvl="0" indent="-336550" algn="l" rtl="0">
               <a:spcBef>
                 <a:spcPts val="0"/>
               </a:spcBef>
@@ -14367,11 +14497,11 @@
 </file>
 
 <file path=ppt/slides/slide7.xml><?xml version="1.0" encoding="utf-8"?>
-<p:sld xmlns:a="http://schemas.openxmlformats.org/drawingml/2006/main" xmlns:r="http://schemas.openxmlformats.org/officeDocument/2006/relationships" xmlns:mc="http://schemas.openxmlformats.org/markup-compatibility/2006" xmlns:mv="urn:schemas-microsoft-com:mac:vml" xmlns:p="http://schemas.openxmlformats.org/presentationml/2006/main" xmlns:c="http://schemas.openxmlformats.org/drawingml/2006/chart" xmlns:dgm="http://schemas.openxmlformats.org/drawingml/2006/diagram" xmlns:o="urn:schemas-microsoft-com:office:office" xmlns:v="urn:schemas-microsoft-com:vml" xmlns:pvml="urn:schemas-microsoft-com:office:powerpoint" xmlns:com="http://schemas.openxmlformats.org/drawingml/2006/compatibility" xmlns:p14="http://schemas.microsoft.com/office/powerpoint/2010/main" xmlns:p15="http://schemas.microsoft.com/office/powerpoint/2012/main">
+<p:sld xmlns:a="http://schemas.openxmlformats.org/drawingml/2006/main" xmlns:r="http://schemas.openxmlformats.org/officeDocument/2006/relationships" xmlns:p="http://schemas.openxmlformats.org/presentationml/2006/main">
   <p:cSld>
     <p:spTree>
       <p:nvGrpSpPr>
-        <p:cNvPr id="99" name="Shape 99"/>
+        <p:cNvPr id="1" name="Shape 99"/>
         <p:cNvGrpSpPr/>
         <p:nvPr/>
       </p:nvGrpSpPr>
@@ -14386,7 +14516,9 @@
       <p:sp>
         <p:nvSpPr>
           <p:cNvPr id="100" name="Google Shape;100;p19"/>
-          <p:cNvSpPr txBox="1"/>
+          <p:cNvSpPr txBox="1">
+            <a:spLocks noGrp="1"/>
+          </p:cNvSpPr>
           <p:nvPr>
             <p:ph type="title"/>
           </p:nvPr>
@@ -14401,12 +14533,12 @@
           </a:prstGeom>
         </p:spPr>
         <p:txBody>
-          <a:bodyPr anchorCtr="0" anchor="t" bIns="91425" lIns="91425" spcFirstLastPara="1" rIns="91425" wrap="square" tIns="91425">
+          <a:bodyPr spcFirstLastPara="1" wrap="square" lIns="91425" tIns="91425" rIns="91425" bIns="91425" anchor="t" anchorCtr="0">
             <a:noAutofit/>
           </a:bodyPr>
           <a:lstStyle/>
           <a:p>
-            <a:pPr indent="0" lvl="0" marL="0" rtl="0" algn="l">
+            <a:pPr marL="0" lvl="0" indent="0" algn="l" rtl="0">
               <a:spcBef>
                 <a:spcPts val="0"/>
               </a:spcBef>
@@ -14454,9 +14586,11 @@
       <p:sp>
         <p:nvSpPr>
           <p:cNvPr id="102" name="Google Shape;102;p19"/>
-          <p:cNvSpPr txBox="1"/>
+          <p:cNvSpPr txBox="1">
+            <a:spLocks noGrp="1"/>
+          </p:cNvSpPr>
           <p:nvPr>
-            <p:ph idx="1" type="body"/>
+            <p:ph type="body" idx="1"/>
           </p:nvPr>
         </p:nvSpPr>
         <p:spPr>
@@ -14469,12 +14603,12 @@
           </a:prstGeom>
         </p:spPr>
         <p:txBody>
-          <a:bodyPr anchorCtr="0" anchor="t" bIns="91425" lIns="91425" spcFirstLastPara="1" rIns="91425" wrap="square" tIns="91425">
+          <a:bodyPr spcFirstLastPara="1" wrap="square" lIns="91425" tIns="91425" rIns="91425" bIns="91425" anchor="t" anchorCtr="0">
             <a:noAutofit/>
           </a:bodyPr>
           <a:lstStyle/>
           <a:p>
-            <a:pPr indent="-336550" lvl="0" marL="457200" rtl="0" algn="l">
+            <a:pPr marL="457200" lvl="0" indent="-336550" algn="l" rtl="0">
               <a:spcBef>
                 <a:spcPts val="0"/>
               </a:spcBef>
@@ -14491,7 +14625,7 @@
             <a:endParaRPr sz="1700"/>
           </a:p>
           <a:p>
-            <a:pPr indent="-336550" lvl="0" marL="457200" rtl="0" algn="l">
+            <a:pPr marL="457200" lvl="0" indent="-336550" algn="l" rtl="0">
               <a:spcBef>
                 <a:spcPts val="0"/>
               </a:spcBef>
@@ -14508,7 +14642,7 @@
             <a:endParaRPr sz="1700"/>
           </a:p>
           <a:p>
-            <a:pPr indent="-336550" lvl="1" marL="914400" rtl="0" algn="l">
+            <a:pPr marL="914400" lvl="1" indent="-336550" algn="l" rtl="0">
               <a:spcBef>
                 <a:spcPts val="0"/>
               </a:spcBef>
@@ -14519,13 +14653,13 @@
               <a:buChar char="○"/>
             </a:pPr>
             <a:r>
-              <a:rPr i="1" lang="en" sz="1700"/>
+              <a:rPr lang="en" sz="1700" i="1"/>
               <a:t>data, what do you want to show?</a:t>
             </a:r>
             <a:endParaRPr sz="1700"/>
           </a:p>
           <a:p>
-            <a:pPr indent="-336550" lvl="1" marL="914400" rtl="0" algn="l">
+            <a:pPr marL="914400" lvl="1" indent="-336550" algn="l" rtl="0">
               <a:spcBef>
                 <a:spcPts val="0"/>
               </a:spcBef>
@@ -14536,7 +14670,7 @@
               <a:buChar char="○"/>
             </a:pPr>
             <a:r>
-              <a:rPr i="1" lang="en" sz="1700"/>
+              <a:rPr lang="en" sz="1700" i="1"/>
               <a:t>renderItem</a:t>
             </a:r>
             <a:r>
@@ -14546,7 +14680,7 @@
             <a:endParaRPr sz="1700"/>
           </a:p>
           <a:p>
-            <a:pPr indent="-336550" lvl="2" marL="1371600" rtl="0" algn="l">
+            <a:pPr marL="1371600" lvl="2" indent="-336550" algn="l" rtl="0">
               <a:spcBef>
                 <a:spcPts val="0"/>
               </a:spcBef>
@@ -14563,7 +14697,7 @@
             <a:endParaRPr sz="1700"/>
           </a:p>
           <a:p>
-            <a:pPr indent="-336550" lvl="1" marL="914400" rtl="0" algn="l">
+            <a:pPr marL="914400" lvl="1" indent="-336550" algn="l" rtl="0">
               <a:spcBef>
                 <a:spcPts val="0"/>
               </a:spcBef>
@@ -14574,7 +14708,7 @@
               <a:buChar char="○"/>
             </a:pPr>
             <a:r>
-              <a:rPr i="1" lang="en" sz="1700"/>
+              <a:rPr lang="en" sz="1700" i="1"/>
               <a:t>keyExtractor </a:t>
             </a:r>
             <a:r>
@@ -14584,7 +14718,7 @@
             <a:endParaRPr sz="1700"/>
           </a:p>
           <a:p>
-            <a:pPr indent="-336550" lvl="2" marL="1371600" rtl="0" algn="l">
+            <a:pPr marL="1371600" lvl="2" indent="-336550" algn="l" rtl="0">
               <a:spcBef>
                 <a:spcPts val="0"/>
               </a:spcBef>
@@ -14601,7 +14735,7 @@
             <a:endParaRPr sz="1700"/>
           </a:p>
           <a:p>
-            <a:pPr indent="-336550" lvl="0" marL="457200" rtl="0" algn="l">
+            <a:pPr marL="457200" lvl="0" indent="-336550" algn="l" rtl="0">
               <a:spcBef>
                 <a:spcPts val="0"/>
               </a:spcBef>
@@ -14641,11 +14775,11 @@
 </file>
 
 <file path=ppt/slides/slide8.xml><?xml version="1.0" encoding="utf-8"?>
-<p:sld xmlns:a="http://schemas.openxmlformats.org/drawingml/2006/main" xmlns:r="http://schemas.openxmlformats.org/officeDocument/2006/relationships" xmlns:mc="http://schemas.openxmlformats.org/markup-compatibility/2006" xmlns:mv="urn:schemas-microsoft-com:mac:vml" xmlns:p="http://schemas.openxmlformats.org/presentationml/2006/main" xmlns:c="http://schemas.openxmlformats.org/drawingml/2006/chart" xmlns:dgm="http://schemas.openxmlformats.org/drawingml/2006/diagram" xmlns:o="urn:schemas-microsoft-com:office:office" xmlns:v="urn:schemas-microsoft-com:vml" xmlns:pvml="urn:schemas-microsoft-com:office:powerpoint" xmlns:com="http://schemas.openxmlformats.org/drawingml/2006/compatibility" xmlns:p14="http://schemas.microsoft.com/office/powerpoint/2010/main" xmlns:p15="http://schemas.microsoft.com/office/powerpoint/2012/main">
+<p:sld xmlns:a="http://schemas.openxmlformats.org/drawingml/2006/main" xmlns:r="http://schemas.openxmlformats.org/officeDocument/2006/relationships" xmlns:p="http://schemas.openxmlformats.org/presentationml/2006/main">
   <p:cSld>
     <p:spTree>
       <p:nvGrpSpPr>
-        <p:cNvPr id="106" name="Shape 106"/>
+        <p:cNvPr id="1" name="Shape 106"/>
         <p:cNvGrpSpPr/>
         <p:nvPr/>
       </p:nvGrpSpPr>
@@ -14660,7 +14794,9 @@
       <p:sp>
         <p:nvSpPr>
           <p:cNvPr id="107" name="Google Shape;107;p20"/>
-          <p:cNvSpPr txBox="1"/>
+          <p:cNvSpPr txBox="1">
+            <a:spLocks noGrp="1"/>
+          </p:cNvSpPr>
           <p:nvPr>
             <p:ph type="title"/>
           </p:nvPr>
@@ -14675,12 +14811,12 @@
           </a:prstGeom>
         </p:spPr>
         <p:txBody>
-          <a:bodyPr anchorCtr="0" anchor="t" bIns="91425" lIns="91425" spcFirstLastPara="1" rIns="91425" wrap="square" tIns="91425">
+          <a:bodyPr spcFirstLastPara="1" wrap="square" lIns="91425" tIns="91425" rIns="91425" bIns="91425" anchor="t" anchorCtr="0">
             <a:noAutofit/>
           </a:bodyPr>
           <a:lstStyle/>
           <a:p>
-            <a:pPr indent="0" lvl="0" marL="0" rtl="0" algn="l">
+            <a:pPr marL="0" lvl="0" indent="0" algn="l" rtl="0">
               <a:spcBef>
                 <a:spcPts val="0"/>
               </a:spcBef>
@@ -14707,7 +14843,7 @@
           <a:blip r:embed="rId3">
             <a:alphaModFix/>
           </a:blip>
-          <a:srcRect b="7287" l="0" r="0" t="0"/>
+          <a:srcRect b="7287"/>
           <a:stretch/>
         </p:blipFill>
         <p:spPr>
@@ -14739,14 +14875,14 @@
             <a:avLst/>
           </a:prstGeom>
           <a:noFill/>
-          <a:ln cap="flat" cmpd="sng" w="9525">
+          <a:ln w="9525" cap="flat" cmpd="sng">
             <a:solidFill>
               <a:schemeClr val="dk2"/>
             </a:solidFill>
             <a:prstDash val="solid"/>
             <a:round/>
-            <a:headEnd len="med" w="med" type="none"/>
-            <a:tailEnd len="med" w="med" type="triangle"/>
+            <a:headEnd type="none" w="med" len="med"/>
+            <a:tailEnd type="triangle" w="med" len="med"/>
           </a:ln>
         </p:spPr>
       </p:cxnSp>
@@ -14770,12 +14906,12 @@
           </a:ln>
         </p:spPr>
         <p:txBody>
-          <a:bodyPr anchorCtr="0" anchor="t" bIns="91425" lIns="91425" spcFirstLastPara="1" rIns="91425" wrap="square" tIns="91425">
+          <a:bodyPr spcFirstLastPara="1" wrap="square" lIns="91425" tIns="91425" rIns="91425" bIns="91425" anchor="t" anchorCtr="0">
             <a:noAutofit/>
           </a:bodyPr>
           <a:lstStyle/>
           <a:p>
-            <a:pPr indent="0" lvl="0" marL="0" rtl="0" algn="l">
+            <a:pPr marL="0" lvl="0" indent="0" algn="l" rtl="0">
               <a:spcBef>
                 <a:spcPts val="0"/>
               </a:spcBef>
@@ -14807,14 +14943,14 @@
             <a:avLst/>
           </a:prstGeom>
           <a:noFill/>
-          <a:ln cap="flat" cmpd="sng" w="9525">
+          <a:ln w="9525" cap="flat" cmpd="sng">
             <a:solidFill>
               <a:schemeClr val="dk2"/>
             </a:solidFill>
             <a:prstDash val="solid"/>
             <a:round/>
-            <a:headEnd len="med" w="med" type="none"/>
-            <a:tailEnd len="med" w="med" type="triangle"/>
+            <a:headEnd type="none" w="med" len="med"/>
+            <a:tailEnd type="triangle" w="med" len="med"/>
           </a:ln>
         </p:spPr>
       </p:cxnSp>
@@ -14838,12 +14974,12 @@
           </a:ln>
         </p:spPr>
         <p:txBody>
-          <a:bodyPr anchorCtr="0" anchor="t" bIns="91425" lIns="91425" spcFirstLastPara="1" rIns="91425" wrap="square" tIns="91425">
+          <a:bodyPr spcFirstLastPara="1" wrap="square" lIns="91425" tIns="91425" rIns="91425" bIns="91425" anchor="t" anchorCtr="0">
             <a:noAutofit/>
           </a:bodyPr>
           <a:lstStyle/>
           <a:p>
-            <a:pPr indent="0" lvl="0" marL="0" rtl="0" algn="l">
+            <a:pPr marL="0" lvl="0" indent="0" algn="l" rtl="0">
               <a:spcBef>
                 <a:spcPts val="0"/>
               </a:spcBef>
@@ -14875,14 +15011,14 @@
             <a:avLst/>
           </a:prstGeom>
           <a:noFill/>
-          <a:ln cap="flat" cmpd="sng" w="9525">
+          <a:ln w="9525" cap="flat" cmpd="sng">
             <a:solidFill>
               <a:schemeClr val="dk2"/>
             </a:solidFill>
             <a:prstDash val="solid"/>
             <a:round/>
-            <a:headEnd len="med" w="med" type="none"/>
-            <a:tailEnd len="med" w="med" type="triangle"/>
+            <a:headEnd type="none" w="med" len="med"/>
+            <a:tailEnd type="triangle" w="med" len="med"/>
           </a:ln>
         </p:spPr>
       </p:cxnSp>
@@ -14906,12 +15042,12 @@
           </a:ln>
         </p:spPr>
         <p:txBody>
-          <a:bodyPr anchorCtr="0" anchor="t" bIns="91425" lIns="91425" spcFirstLastPara="1" rIns="91425" wrap="square" tIns="91425">
+          <a:bodyPr spcFirstLastPara="1" wrap="square" lIns="91425" tIns="91425" rIns="91425" bIns="91425" anchor="t" anchorCtr="0">
             <a:noAutofit/>
           </a:bodyPr>
           <a:lstStyle/>
           <a:p>
-            <a:pPr indent="0" lvl="0" marL="0" rtl="0" algn="l">
+            <a:pPr marL="0" lvl="0" indent="0" algn="l" rtl="0">
               <a:spcBef>
                 <a:spcPts val="0"/>
               </a:spcBef>
@@ -14938,7 +15074,7 @@
           <a:blip r:embed="rId3">
             <a:alphaModFix/>
           </a:blip>
-          <a:srcRect b="0" l="0" r="0" t="90106"/>
+          <a:srcRect t="90106"/>
           <a:stretch/>
         </p:blipFill>
         <p:spPr>
@@ -14964,11 +15100,11 @@
 </file>
 
 <file path=ppt/slides/slide9.xml><?xml version="1.0" encoding="utf-8"?>
-<p:sld xmlns:a="http://schemas.openxmlformats.org/drawingml/2006/main" xmlns:r="http://schemas.openxmlformats.org/officeDocument/2006/relationships" xmlns:mc="http://schemas.openxmlformats.org/markup-compatibility/2006" xmlns:mv="urn:schemas-microsoft-com:mac:vml" xmlns:p="http://schemas.openxmlformats.org/presentationml/2006/main" xmlns:c="http://schemas.openxmlformats.org/drawingml/2006/chart" xmlns:dgm="http://schemas.openxmlformats.org/drawingml/2006/diagram" xmlns:o="urn:schemas-microsoft-com:office:office" xmlns:v="urn:schemas-microsoft-com:vml" xmlns:pvml="urn:schemas-microsoft-com:office:powerpoint" xmlns:com="http://schemas.openxmlformats.org/drawingml/2006/compatibility" xmlns:p14="http://schemas.microsoft.com/office/powerpoint/2010/main" xmlns:p15="http://schemas.microsoft.com/office/powerpoint/2012/main">
+<p:sld xmlns:a="http://schemas.openxmlformats.org/drawingml/2006/main" xmlns:r="http://schemas.openxmlformats.org/officeDocument/2006/relationships" xmlns:p="http://schemas.openxmlformats.org/presentationml/2006/main">
   <p:cSld>
     <p:spTree>
       <p:nvGrpSpPr>
-        <p:cNvPr id="119" name="Shape 119"/>
+        <p:cNvPr id="1" name="Shape 119"/>
         <p:cNvGrpSpPr/>
         <p:nvPr/>
       </p:nvGrpSpPr>
@@ -15028,12 +15164,12 @@
           </a:ln>
         </p:spPr>
         <p:txBody>
-          <a:bodyPr anchorCtr="0" anchor="t" bIns="91425" lIns="91425" spcFirstLastPara="1" rIns="91425" wrap="square" tIns="91425">
+          <a:bodyPr spcFirstLastPara="1" wrap="square" lIns="91425" tIns="91425" rIns="91425" bIns="91425" anchor="t" anchorCtr="0">
             <a:noAutofit/>
           </a:bodyPr>
           <a:lstStyle/>
           <a:p>
-            <a:pPr indent="0" lvl="0" marL="0" rtl="0" algn="ctr">
+            <a:pPr marL="0" lvl="0" indent="0" algn="ctr" rtl="0">
               <a:spcBef>
                 <a:spcPts val="0"/>
               </a:spcBef>
@@ -15059,7 +15195,7 @@
             </a:endParaRPr>
           </a:p>
           <a:p>
-            <a:pPr indent="0" lvl="0" marL="0" rtl="0" algn="ctr">
+            <a:pPr marL="0" lvl="0" indent="0" algn="ctr" rtl="0">
               <a:spcBef>
                 <a:spcPts val="0"/>
               </a:spcBef>
@@ -15088,7 +15224,7 @@
             </a:endParaRPr>
           </a:p>
           <a:p>
-            <a:pPr indent="0" lvl="0" marL="0" rtl="0" algn="ctr">
+            <a:pPr marL="0" lvl="0" indent="0" algn="ctr" rtl="0">
               <a:spcBef>
                 <a:spcPts val="0"/>
               </a:spcBef>
@@ -15112,18 +15248,15 @@
             </a:endParaRPr>
           </a:p>
           <a:p>
-            <a:pPr indent="0" lvl="0" marL="0" rtl="0" algn="ctr">
-              <a:spcBef>
-                <a:spcPts val="0"/>
-              </a:spcBef>
-              <a:spcAft>
-                <a:spcPts val="0"/>
-              </a:spcAft>
-              <a:buNone/>
-            </a:pPr>
-            <a:r>
-              <a:t/>
-            </a:r>
+            <a:pPr marL="0" lvl="0" indent="0" algn="ctr" rtl="0">
+              <a:spcBef>
+                <a:spcPts val="0"/>
+              </a:spcBef>
+              <a:spcAft>
+                <a:spcPts val="0"/>
+              </a:spcAft>
+              <a:buNone/>
+            </a:pPr>
             <a:endParaRPr sz="2400">
               <a:latin typeface="Roboto"/>
               <a:ea typeface="Roboto"/>
@@ -15153,22 +15286,22 @@
           </a:ln>
         </p:spPr>
         <p:txBody>
-          <a:bodyPr anchorCtr="0" anchor="t" bIns="91425" lIns="91425" spcFirstLastPara="1" rIns="91425" wrap="square" tIns="91425">
+          <a:bodyPr spcFirstLastPara="1" wrap="square" lIns="91425" tIns="91425" rIns="91425" bIns="91425" anchor="t" anchorCtr="0">
             <a:noAutofit/>
           </a:bodyPr>
           <a:lstStyle/>
           <a:p>
-            <a:pPr indent="0" lvl="0" marL="0" rtl="0" algn="ctr">
-              <a:spcBef>
-                <a:spcPts val="0"/>
-              </a:spcBef>
-              <a:spcAft>
-                <a:spcPts val="0"/>
-              </a:spcAft>
-              <a:buNone/>
-            </a:pPr>
-            <a:r>
-              <a:rPr lang="en" sz="2400">
+            <a:pPr marL="0" lvl="0" indent="0" algn="ctr" rtl="0">
+              <a:spcBef>
+                <a:spcPts val="0"/>
+              </a:spcBef>
+              <a:spcAft>
+                <a:spcPts val="0"/>
+              </a:spcAft>
+              <a:buNone/>
+            </a:pPr>
+            <a:r>
+              <a:rPr lang="en" sz="2400" dirty="0">
                 <a:latin typeface="Roboto"/>
                 <a:ea typeface="Roboto"/>
                 <a:cs typeface="Roboto"/>
@@ -15176,7 +15309,7 @@
               </a:rPr>
               <a:t>Follow new code</a:t>
             </a:r>
-            <a:endParaRPr sz="2400">
+            <a:endParaRPr sz="2400" dirty="0">
               <a:latin typeface="Roboto"/>
               <a:ea typeface="Roboto"/>
               <a:cs typeface="Roboto"/>
@@ -15184,17 +15317,17 @@
             </a:endParaRPr>
           </a:p>
           <a:p>
-            <a:pPr indent="0" lvl="0" marL="0" rtl="0" algn="ctr">
-              <a:spcBef>
-                <a:spcPts val="0"/>
-              </a:spcBef>
-              <a:spcAft>
-                <a:spcPts val="0"/>
-              </a:spcAft>
-              <a:buNone/>
-            </a:pPr>
-            <a:r>
-              <a:rPr lang="en" u="sng">
+            <a:pPr marL="0" lvl="0" indent="0" algn="ctr" rtl="0">
+              <a:spcBef>
+                <a:spcPts val="0"/>
+              </a:spcBef>
+              <a:spcAft>
+                <a:spcPts val="0"/>
+              </a:spcAft>
+              <a:buNone/>
+            </a:pPr>
+            <a:r>
+              <a:rPr lang="en" u="sng" dirty="0">
                 <a:solidFill>
                   <a:schemeClr val="hlink"/>
                 </a:solidFill>
@@ -15202,7 +15335,7 @@
               </a:rPr>
               <a:t>https://reflect.sh/finicky-knee</a:t>
             </a:r>
-            <a:endParaRPr>
+            <a:endParaRPr dirty="0">
               <a:latin typeface="Roboto"/>
               <a:ea typeface="Roboto"/>
               <a:cs typeface="Roboto"/>
@@ -15220,7 +15353,7 @@
 </file>
 
 <file path=ppt/theme/theme1.xml><?xml version="1.0" encoding="utf-8"?>
-<a:theme xmlns:a="http://schemas.openxmlformats.org/drawingml/2006/main" xmlns:r="http://schemas.openxmlformats.org/officeDocument/2006/relationships" name="Simple Light">
+<a:theme xmlns:a="http://schemas.openxmlformats.org/drawingml/2006/main" name="Simple Light">
   <a:themeElements>
     <a:clrScheme name="Simple Light">
       <a:dk1>
@@ -15495,11 +15628,13 @@
       </a:bgFillStyleLst>
     </a:fmtScheme>
   </a:themeElements>
+  <a:objectDefaults/>
+  <a:extraClrSchemeLst/>
 </a:theme>
 </file>
 
 <file path=ppt/theme/theme2.xml><?xml version="1.0" encoding="utf-8"?>
-<a:theme xmlns:a="http://schemas.openxmlformats.org/drawingml/2006/main" xmlns:r="http://schemas.openxmlformats.org/officeDocument/2006/relationships">
+<a:theme xmlns:a="http://schemas.openxmlformats.org/drawingml/2006/main">
   <a:themeElements>
     <a:clrScheme name="Default">
       <a:dk1>
@@ -15774,5 +15909,7 @@
       </a:bgFillStyleLst>
     </a:fmtScheme>
   </a:themeElements>
+  <a:objectDefaults/>
+  <a:extraClrSchemeLst/>
 </a:theme>
 </file>